--- a/prototype/prototype.pptx
+++ b/prototype/prototype.pptx
@@ -10,11 +10,10 @@
     <p:sldId id="275" r:id="rId4"/>
     <p:sldId id="263" r:id="rId5"/>
     <p:sldId id="269" r:id="rId6"/>
-    <p:sldId id="268" r:id="rId7"/>
-    <p:sldId id="270" r:id="rId8"/>
-    <p:sldId id="272" r:id="rId9"/>
-    <p:sldId id="271" r:id="rId10"/>
-    <p:sldId id="274" r:id="rId11"/>
+    <p:sldId id="270" r:id="rId7"/>
+    <p:sldId id="272" r:id="rId8"/>
+    <p:sldId id="271" r:id="rId9"/>
+    <p:sldId id="274" r:id="rId10"/>
   </p:sldIdLst>
   <p:sldSz cx="9906000" cy="6858000" type="A4"/>
   <p:notesSz cx="6858000" cy="9144000"/>
@@ -252,7 +251,7 @@
           <a:p>
             <a:fld id="{335A01E9-5263-49B0-BF31-C9D0821B9F5E}" type="datetimeFigureOut">
               <a:rPr lang="en-NL" smtClean="0"/>
-              <a:t>03/05/2025</a:t>
+              <a:t>04/05/2025</a:t>
             </a:fld>
             <a:endParaRPr lang="en-NL"/>
           </a:p>
@@ -422,7 +421,7 @@
           <a:p>
             <a:fld id="{335A01E9-5263-49B0-BF31-C9D0821B9F5E}" type="datetimeFigureOut">
               <a:rPr lang="en-NL" smtClean="0"/>
-              <a:t>03/05/2025</a:t>
+              <a:t>04/05/2025</a:t>
             </a:fld>
             <a:endParaRPr lang="en-NL"/>
           </a:p>
@@ -602,7 +601,7 @@
           <a:p>
             <a:fld id="{335A01E9-5263-49B0-BF31-C9D0821B9F5E}" type="datetimeFigureOut">
               <a:rPr lang="en-NL" smtClean="0"/>
-              <a:t>03/05/2025</a:t>
+              <a:t>04/05/2025</a:t>
             </a:fld>
             <a:endParaRPr lang="en-NL"/>
           </a:p>
@@ -772,7 +771,7 @@
           <a:p>
             <a:fld id="{335A01E9-5263-49B0-BF31-C9D0821B9F5E}" type="datetimeFigureOut">
               <a:rPr lang="en-NL" smtClean="0"/>
-              <a:t>03/05/2025</a:t>
+              <a:t>04/05/2025</a:t>
             </a:fld>
             <a:endParaRPr lang="en-NL"/>
           </a:p>
@@ -1018,7 +1017,7 @@
           <a:p>
             <a:fld id="{335A01E9-5263-49B0-BF31-C9D0821B9F5E}" type="datetimeFigureOut">
               <a:rPr lang="en-NL" smtClean="0"/>
-              <a:t>03/05/2025</a:t>
+              <a:t>04/05/2025</a:t>
             </a:fld>
             <a:endParaRPr lang="en-NL"/>
           </a:p>
@@ -1250,7 +1249,7 @@
           <a:p>
             <a:fld id="{335A01E9-5263-49B0-BF31-C9D0821B9F5E}" type="datetimeFigureOut">
               <a:rPr lang="en-NL" smtClean="0"/>
-              <a:t>03/05/2025</a:t>
+              <a:t>04/05/2025</a:t>
             </a:fld>
             <a:endParaRPr lang="en-NL"/>
           </a:p>
@@ -1617,7 +1616,7 @@
           <a:p>
             <a:fld id="{335A01E9-5263-49B0-BF31-C9D0821B9F5E}" type="datetimeFigureOut">
               <a:rPr lang="en-NL" smtClean="0"/>
-              <a:t>03/05/2025</a:t>
+              <a:t>04/05/2025</a:t>
             </a:fld>
             <a:endParaRPr lang="en-NL"/>
           </a:p>
@@ -1735,7 +1734,7 @@
           <a:p>
             <a:fld id="{335A01E9-5263-49B0-BF31-C9D0821B9F5E}" type="datetimeFigureOut">
               <a:rPr lang="en-NL" smtClean="0"/>
-              <a:t>03/05/2025</a:t>
+              <a:t>04/05/2025</a:t>
             </a:fld>
             <a:endParaRPr lang="en-NL"/>
           </a:p>
@@ -1830,7 +1829,7 @@
           <a:p>
             <a:fld id="{335A01E9-5263-49B0-BF31-C9D0821B9F5E}" type="datetimeFigureOut">
               <a:rPr lang="en-NL" smtClean="0"/>
-              <a:t>03/05/2025</a:t>
+              <a:t>04/05/2025</a:t>
             </a:fld>
             <a:endParaRPr lang="en-NL"/>
           </a:p>
@@ -2107,7 +2106,7 @@
           <a:p>
             <a:fld id="{335A01E9-5263-49B0-BF31-C9D0821B9F5E}" type="datetimeFigureOut">
               <a:rPr lang="en-NL" smtClean="0"/>
-              <a:t>03/05/2025</a:t>
+              <a:t>04/05/2025</a:t>
             </a:fld>
             <a:endParaRPr lang="en-NL"/>
           </a:p>
@@ -2364,7 +2363,7 @@
           <a:p>
             <a:fld id="{335A01E9-5263-49B0-BF31-C9D0821B9F5E}" type="datetimeFigureOut">
               <a:rPr lang="en-NL" smtClean="0"/>
-              <a:t>03/05/2025</a:t>
+              <a:t>04/05/2025</a:t>
             </a:fld>
             <a:endParaRPr lang="en-NL"/>
           </a:p>
@@ -2583,7 +2582,7 @@
           <a:p>
             <a:fld id="{335A01E9-5263-49B0-BF31-C9D0821B9F5E}" type="datetimeFigureOut">
               <a:rPr lang="en-NL" smtClean="0"/>
-              <a:t>03/05/2025</a:t>
+              <a:t>04/05/2025</a:t>
             </a:fld>
             <a:endParaRPr lang="en-NL"/>
           </a:p>
@@ -3022,144 +3021,6 @@
     <p:extLst>
       <p:ext uri="{BB962C8B-B14F-4D97-AF65-F5344CB8AC3E}">
         <p14:creationId xmlns:p14="http://schemas.microsoft.com/office/powerpoint/2010/main" val="75887845"/>
-      </p:ext>
-    </p:extLst>
-  </p:cSld>
-  <p:clrMapOvr>
-    <a:masterClrMapping/>
-  </p:clrMapOvr>
-</p:sld>
-</file>
-
-<file path=ppt/slides/slide10.xml><?xml version="1.0" encoding="utf-8"?>
-<p:sld xmlns:a="http://schemas.openxmlformats.org/drawingml/2006/main" xmlns:r="http://schemas.openxmlformats.org/officeDocument/2006/relationships" xmlns:p="http://schemas.openxmlformats.org/presentationml/2006/main">
-  <p:cSld>
-    <p:spTree>
-      <p:nvGrpSpPr>
-        <p:cNvPr id="1" name="">
-          <a:extLst>
-            <a:ext uri="{FF2B5EF4-FFF2-40B4-BE49-F238E27FC236}">
-              <a16:creationId xmlns:a16="http://schemas.microsoft.com/office/drawing/2014/main" id="{66BC7FFA-FE87-CA85-DEDD-960BFC25ECE9}"/>
-            </a:ext>
-          </a:extLst>
-        </p:cNvPr>
-        <p:cNvGrpSpPr/>
-        <p:nvPr/>
-      </p:nvGrpSpPr>
-      <p:grpSpPr>
-        <a:xfrm>
-          <a:off x="0" y="0"/>
-          <a:ext cx="0" cy="0"/>
-          <a:chOff x="0" y="0"/>
-          <a:chExt cx="0" cy="0"/>
-        </a:xfrm>
-      </p:grpSpPr>
-      <p:pic>
-        <p:nvPicPr>
-          <p:cNvPr id="26" name="Picture 25">
-            <a:extLst>
-              <a:ext uri="{FF2B5EF4-FFF2-40B4-BE49-F238E27FC236}">
-                <a16:creationId xmlns:a16="http://schemas.microsoft.com/office/drawing/2014/main" id="{78E9D0D8-2885-A675-10E7-443354A71468}"/>
-              </a:ext>
-            </a:extLst>
-          </p:cNvPr>
-          <p:cNvPicPr>
-            <a:picLocks noChangeAspect="1"/>
-          </p:cNvPicPr>
-          <p:nvPr/>
-        </p:nvPicPr>
-        <p:blipFill>
-          <a:blip r:embed="rId2"/>
-          <a:stretch>
-            <a:fillRect/>
-          </a:stretch>
-        </p:blipFill>
-        <p:spPr>
-          <a:xfrm>
-            <a:off x="0" y="-2407161"/>
-            <a:ext cx="9906000" cy="2510141"/>
-          </a:xfrm>
-          <a:prstGeom prst="rect">
-            <a:avLst/>
-          </a:prstGeom>
-        </p:spPr>
-      </p:pic>
-      <p:pic>
-        <p:nvPicPr>
-          <p:cNvPr id="30" name="Graphic 29" descr="Badge Follow with solid fill">
-            <a:extLst>
-              <a:ext uri="{FF2B5EF4-FFF2-40B4-BE49-F238E27FC236}">
-                <a16:creationId xmlns:a16="http://schemas.microsoft.com/office/drawing/2014/main" id="{A7A6E2D5-738F-ED61-0543-7762CE392A94}"/>
-              </a:ext>
-            </a:extLst>
-          </p:cNvPr>
-          <p:cNvPicPr>
-            <a:picLocks noChangeAspect="1"/>
-          </p:cNvPicPr>
-          <p:nvPr/>
-        </p:nvPicPr>
-        <p:blipFill>
-          <a:blip r:embed="rId3">
-            <a:extLst>
-              <a:ext uri="{96DAC541-7B7A-43D3-8B79-37D633B846F1}">
-                <asvg:svgBlip xmlns:asvg="http://schemas.microsoft.com/office/drawing/2016/SVG/main" r:embed="rId4"/>
-              </a:ext>
-            </a:extLst>
-          </a:blip>
-          <a:stretch>
-            <a:fillRect/>
-          </a:stretch>
-        </p:blipFill>
-        <p:spPr>
-          <a:xfrm>
-            <a:off x="3513000" y="2709000"/>
-            <a:ext cx="1440000" cy="1440000"/>
-          </a:xfrm>
-          <a:prstGeom prst="rect">
-            <a:avLst/>
-          </a:prstGeom>
-        </p:spPr>
-      </p:pic>
-      <p:pic>
-        <p:nvPicPr>
-          <p:cNvPr id="32" name="Graphic 31" descr="Magic Wand Auto with solid fill">
-            <a:extLst>
-              <a:ext uri="{FF2B5EF4-FFF2-40B4-BE49-F238E27FC236}">
-                <a16:creationId xmlns:a16="http://schemas.microsoft.com/office/drawing/2014/main" id="{AD598D14-58EA-9ED7-9172-C24FDE7380B5}"/>
-              </a:ext>
-            </a:extLst>
-          </p:cNvPr>
-          <p:cNvPicPr>
-            <a:picLocks noChangeAspect="1"/>
-          </p:cNvPicPr>
-          <p:nvPr/>
-        </p:nvPicPr>
-        <p:blipFill>
-          <a:blip r:embed="rId5">
-            <a:extLst>
-              <a:ext uri="{96DAC541-7B7A-43D3-8B79-37D633B846F1}">
-                <asvg:svgBlip xmlns:asvg="http://schemas.microsoft.com/office/drawing/2016/SVG/main" r:embed="rId6"/>
-              </a:ext>
-            </a:extLst>
-          </a:blip>
-          <a:stretch>
-            <a:fillRect/>
-          </a:stretch>
-        </p:blipFill>
-        <p:spPr>
-          <a:xfrm>
-            <a:off x="4953000" y="2709000"/>
-            <a:ext cx="1440000" cy="1440000"/>
-          </a:xfrm>
-          <a:prstGeom prst="rect">
-            <a:avLst/>
-          </a:prstGeom>
-        </p:spPr>
-      </p:pic>
-    </p:spTree>
-    <p:extLst>
-      <p:ext uri="{BB962C8B-B14F-4D97-AF65-F5344CB8AC3E}">
-        <p14:creationId xmlns:p14="http://schemas.microsoft.com/office/powerpoint/2010/main" val="3365089638"/>
       </p:ext>
     </p:extLst>
   </p:cSld>
@@ -5785,2140 +5646,6 @@
         <p:cNvPr id="1" name="">
           <a:extLst>
             <a:ext uri="{FF2B5EF4-FFF2-40B4-BE49-F238E27FC236}">
-              <a16:creationId xmlns:a16="http://schemas.microsoft.com/office/drawing/2014/main" id="{13C8E67B-9122-6BCE-1B46-022FBF8251D6}"/>
-            </a:ext>
-          </a:extLst>
-        </p:cNvPr>
-        <p:cNvGrpSpPr/>
-        <p:nvPr/>
-      </p:nvGrpSpPr>
-      <p:grpSpPr>
-        <a:xfrm>
-          <a:off x="0" y="0"/>
-          <a:ext cx="0" cy="0"/>
-          <a:chOff x="0" y="0"/>
-          <a:chExt cx="0" cy="0"/>
-        </a:xfrm>
-      </p:grpSpPr>
-      <p:grpSp>
-        <p:nvGrpSpPr>
-          <p:cNvPr id="66" name="Group 65">
-            <a:extLst>
-              <a:ext uri="{FF2B5EF4-FFF2-40B4-BE49-F238E27FC236}">
-                <a16:creationId xmlns:a16="http://schemas.microsoft.com/office/drawing/2014/main" id="{E5D2C01C-07F5-3128-B573-DCA91CCC8717}"/>
-              </a:ext>
-            </a:extLst>
-          </p:cNvPr>
-          <p:cNvGrpSpPr/>
-          <p:nvPr/>
-        </p:nvGrpSpPr>
-        <p:grpSpPr>
-          <a:xfrm>
-            <a:off x="1353000" y="549000"/>
-            <a:ext cx="1440000" cy="1440000"/>
-            <a:chOff x="450231" y="2789962"/>
-            <a:chExt cx="1440000" cy="1440000"/>
-          </a:xfrm>
-        </p:grpSpPr>
-        <p:sp>
-          <p:nvSpPr>
-            <p:cNvPr id="35" name="Rectangle 34">
-              <a:extLst>
-                <a:ext uri="{FF2B5EF4-FFF2-40B4-BE49-F238E27FC236}">
-                  <a16:creationId xmlns:a16="http://schemas.microsoft.com/office/drawing/2014/main" id="{4500D0CF-04D5-A576-BA87-BCD7C34E4DC4}"/>
-                </a:ext>
-              </a:extLst>
-            </p:cNvPr>
-            <p:cNvSpPr/>
-            <p:nvPr/>
-          </p:nvSpPr>
-          <p:spPr>
-            <a:xfrm>
-              <a:off x="450231" y="2789962"/>
-              <a:ext cx="1440000" cy="1440000"/>
-            </a:xfrm>
-            <a:prstGeom prst="rect">
-              <a:avLst/>
-            </a:prstGeom>
-            <a:noFill/>
-            <a:ln>
-              <a:noFill/>
-            </a:ln>
-          </p:spPr>
-          <p:style>
-            <a:lnRef idx="2">
-              <a:schemeClr val="accent1">
-                <a:shade val="15000"/>
-              </a:schemeClr>
-            </a:lnRef>
-            <a:fillRef idx="1">
-              <a:schemeClr val="accent1"/>
-            </a:fillRef>
-            <a:effectRef idx="0">
-              <a:schemeClr val="accent1"/>
-            </a:effectRef>
-            <a:fontRef idx="minor">
-              <a:schemeClr val="lt1"/>
-            </a:fontRef>
-          </p:style>
-          <p:txBody>
-            <a:bodyPr rtlCol="0" anchor="ctr"/>
-            <a:lstStyle/>
-            <a:p>
-              <a:pPr algn="ctr"/>
-              <a:endParaRPr lang="en-NL"/>
-            </a:p>
-          </p:txBody>
-        </p:sp>
-        <p:grpSp>
-          <p:nvGrpSpPr>
-            <p:cNvPr id="46" name="Group 45">
-              <a:extLst>
-                <a:ext uri="{FF2B5EF4-FFF2-40B4-BE49-F238E27FC236}">
-                  <a16:creationId xmlns:a16="http://schemas.microsoft.com/office/drawing/2014/main" id="{3D8668F0-B29B-0551-FCFE-16A7806D6FE0}"/>
-                </a:ext>
-              </a:extLst>
-            </p:cNvPr>
-            <p:cNvGrpSpPr/>
-            <p:nvPr/>
-          </p:nvGrpSpPr>
-          <p:grpSpPr>
-            <a:xfrm>
-              <a:off x="658670" y="2989462"/>
-              <a:ext cx="1023122" cy="1041000"/>
-              <a:chOff x="658670" y="3080962"/>
-              <a:chExt cx="1023122" cy="1041000"/>
-            </a:xfrm>
-          </p:grpSpPr>
-          <p:sp>
-            <p:nvSpPr>
-              <p:cNvPr id="40" name="Oval 39">
-                <a:extLst>
-                  <a:ext uri="{FF2B5EF4-FFF2-40B4-BE49-F238E27FC236}">
-                    <a16:creationId xmlns:a16="http://schemas.microsoft.com/office/drawing/2014/main" id="{67FBBD04-FEA1-7472-9A16-329767B06BFE}"/>
-                  </a:ext>
-                </a:extLst>
-              </p:cNvPr>
-              <p:cNvSpPr/>
-              <p:nvPr/>
-            </p:nvSpPr>
-            <p:spPr>
-              <a:xfrm>
-                <a:off x="738231" y="3833962"/>
-                <a:ext cx="288000" cy="288000"/>
-              </a:xfrm>
-              <a:prstGeom prst="ellipse">
-                <a:avLst/>
-              </a:prstGeom>
-              <a:solidFill>
-                <a:schemeClr val="bg1"/>
-              </a:solidFill>
-              <a:ln w="76200">
-                <a:solidFill>
-                  <a:schemeClr val="bg1"/>
-                </a:solidFill>
-              </a:ln>
-            </p:spPr>
-            <p:style>
-              <a:lnRef idx="2">
-                <a:schemeClr val="accent1">
-                  <a:shade val="15000"/>
-                </a:schemeClr>
-              </a:lnRef>
-              <a:fillRef idx="1">
-                <a:schemeClr val="accent1"/>
-              </a:fillRef>
-              <a:effectRef idx="0">
-                <a:schemeClr val="accent1"/>
-              </a:effectRef>
-              <a:fontRef idx="minor">
-                <a:schemeClr val="lt1"/>
-              </a:fontRef>
-            </p:style>
-            <p:txBody>
-              <a:bodyPr rtlCol="0" anchor="ctr"/>
-              <a:lstStyle/>
-              <a:p>
-                <a:pPr algn="ctr"/>
-                <a:endParaRPr lang="en-NL"/>
-              </a:p>
-            </p:txBody>
-          </p:sp>
-          <p:sp>
-            <p:nvSpPr>
-              <p:cNvPr id="41" name="Oval 40">
-                <a:extLst>
-                  <a:ext uri="{FF2B5EF4-FFF2-40B4-BE49-F238E27FC236}">
-                    <a16:creationId xmlns:a16="http://schemas.microsoft.com/office/drawing/2014/main" id="{055C857B-62D5-35A8-CAFB-B02C112DE4B4}"/>
-                  </a:ext>
-                </a:extLst>
-              </p:cNvPr>
-              <p:cNvSpPr/>
-              <p:nvPr/>
-            </p:nvSpPr>
-            <p:spPr>
-              <a:xfrm>
-                <a:off x="1314231" y="3833962"/>
-                <a:ext cx="288000" cy="288000"/>
-              </a:xfrm>
-              <a:prstGeom prst="ellipse">
-                <a:avLst/>
-              </a:prstGeom>
-              <a:noFill/>
-              <a:ln w="76200">
-                <a:solidFill>
-                  <a:schemeClr val="bg1"/>
-                </a:solidFill>
-              </a:ln>
-            </p:spPr>
-            <p:style>
-              <a:lnRef idx="2">
-                <a:schemeClr val="accent1">
-                  <a:shade val="15000"/>
-                </a:schemeClr>
-              </a:lnRef>
-              <a:fillRef idx="1">
-                <a:schemeClr val="accent1"/>
-              </a:fillRef>
-              <a:effectRef idx="0">
-                <a:schemeClr val="accent1"/>
-              </a:effectRef>
-              <a:fontRef idx="minor">
-                <a:schemeClr val="lt1"/>
-              </a:fontRef>
-            </p:style>
-            <p:txBody>
-              <a:bodyPr rtlCol="0" anchor="ctr"/>
-              <a:lstStyle/>
-              <a:p>
-                <a:pPr algn="ctr"/>
-                <a:endParaRPr lang="en-NL"/>
-              </a:p>
-            </p:txBody>
-          </p:sp>
-          <p:cxnSp>
-            <p:nvCxnSpPr>
-              <p:cNvPr id="43" name="Straight Connector 42">
-                <a:extLst>
-                  <a:ext uri="{FF2B5EF4-FFF2-40B4-BE49-F238E27FC236}">
-                    <a16:creationId xmlns:a16="http://schemas.microsoft.com/office/drawing/2014/main" id="{3DCE4C59-0069-E633-71BB-1B86C35F5DC0}"/>
-                  </a:ext>
-                </a:extLst>
-              </p:cNvPr>
-              <p:cNvCxnSpPr>
-                <a:cxnSpLocks/>
-                <a:stCxn id="40" idx="6"/>
-                <a:endCxn id="41" idx="2"/>
-              </p:cNvCxnSpPr>
-              <p:nvPr/>
-            </p:nvCxnSpPr>
-            <p:spPr>
-              <a:xfrm>
-                <a:off x="1026231" y="3977962"/>
-                <a:ext cx="288000" cy="0"/>
-              </a:xfrm>
-              <a:prstGeom prst="line">
-                <a:avLst/>
-              </a:prstGeom>
-              <a:noFill/>
-              <a:ln w="76200">
-                <a:solidFill>
-                  <a:schemeClr val="bg1"/>
-                </a:solidFill>
-              </a:ln>
-            </p:spPr>
-            <p:style>
-              <a:lnRef idx="2">
-                <a:schemeClr val="accent1">
-                  <a:shade val="15000"/>
-                </a:schemeClr>
-              </a:lnRef>
-              <a:fillRef idx="1">
-                <a:schemeClr val="accent1"/>
-              </a:fillRef>
-              <a:effectRef idx="0">
-                <a:schemeClr val="accent1"/>
-              </a:effectRef>
-              <a:fontRef idx="minor">
-                <a:schemeClr val="lt1"/>
-              </a:fontRef>
-            </p:style>
-          </p:cxnSp>
-          <p:sp>
-            <p:nvSpPr>
-              <p:cNvPr id="44" name="Graphic 38" descr="Marker with solid fill">
-                <a:extLst>
-                  <a:ext uri="{FF2B5EF4-FFF2-40B4-BE49-F238E27FC236}">
-                    <a16:creationId xmlns:a16="http://schemas.microsoft.com/office/drawing/2014/main" id="{1E9FE82A-62B1-EFC5-BD96-0BA4CAA9BF65}"/>
-                  </a:ext>
-                </a:extLst>
-              </p:cNvPr>
-              <p:cNvSpPr/>
-              <p:nvPr/>
-            </p:nvSpPr>
-            <p:spPr>
-              <a:xfrm>
-                <a:off x="1242231" y="3080962"/>
-                <a:ext cx="439561" cy="714000"/>
-              </a:xfrm>
-              <a:custGeom>
-                <a:avLst/>
-                <a:gdLst>
-                  <a:gd name="connsiteX0" fmla="*/ 219781 w 439561"/>
-                  <a:gd name="connsiteY0" fmla="*/ 315000 h 714000"/>
-                  <a:gd name="connsiteX1" fmla="*/ 125281 w 439561"/>
-                  <a:gd name="connsiteY1" fmla="*/ 220500 h 714000"/>
-                  <a:gd name="connsiteX2" fmla="*/ 219781 w 439561"/>
-                  <a:gd name="connsiteY2" fmla="*/ 126000 h 714000"/>
-                  <a:gd name="connsiteX3" fmla="*/ 314281 w 439561"/>
-                  <a:gd name="connsiteY3" fmla="*/ 220500 h 714000"/>
-                  <a:gd name="connsiteX4" fmla="*/ 219781 w 439561"/>
-                  <a:gd name="connsiteY4" fmla="*/ 315000 h 714000"/>
-                  <a:gd name="connsiteX5" fmla="*/ 219781 w 439561"/>
-                  <a:gd name="connsiteY5" fmla="*/ 0 h 714000"/>
-                  <a:gd name="connsiteX6" fmla="*/ 38131 w 439561"/>
-                  <a:gd name="connsiteY6" fmla="*/ 96600 h 714000"/>
-                  <a:gd name="connsiteX7" fmla="*/ 15031 w 439561"/>
-                  <a:gd name="connsiteY7" fmla="*/ 301350 h 714000"/>
-                  <a:gd name="connsiteX8" fmla="*/ 114781 w 439561"/>
-                  <a:gd name="connsiteY8" fmla="*/ 521850 h 714000"/>
-                  <a:gd name="connsiteX9" fmla="*/ 200881 w 439561"/>
-                  <a:gd name="connsiteY9" fmla="*/ 702450 h 714000"/>
-                  <a:gd name="connsiteX10" fmla="*/ 219781 w 439561"/>
-                  <a:gd name="connsiteY10" fmla="*/ 714000 h 714000"/>
-                  <a:gd name="connsiteX11" fmla="*/ 238681 w 439561"/>
-                  <a:gd name="connsiteY11" fmla="*/ 702450 h 714000"/>
-                  <a:gd name="connsiteX12" fmla="*/ 324781 w 439561"/>
-                  <a:gd name="connsiteY12" fmla="*/ 521850 h 714000"/>
-                  <a:gd name="connsiteX13" fmla="*/ 424531 w 439561"/>
-                  <a:gd name="connsiteY13" fmla="*/ 301350 h 714000"/>
-                  <a:gd name="connsiteX14" fmla="*/ 401431 w 439561"/>
-                  <a:gd name="connsiteY14" fmla="*/ 96600 h 714000"/>
-                  <a:gd name="connsiteX15" fmla="*/ 219781 w 439561"/>
-                  <a:gd name="connsiteY15" fmla="*/ 0 h 714000"/>
-                </a:gdLst>
-                <a:ahLst/>
-                <a:cxnLst>
-                  <a:cxn ang="0">
-                    <a:pos x="connsiteX0" y="connsiteY0"/>
-                  </a:cxn>
-                  <a:cxn ang="0">
-                    <a:pos x="connsiteX1" y="connsiteY1"/>
-                  </a:cxn>
-                  <a:cxn ang="0">
-                    <a:pos x="connsiteX2" y="connsiteY2"/>
-                  </a:cxn>
-                  <a:cxn ang="0">
-                    <a:pos x="connsiteX3" y="connsiteY3"/>
-                  </a:cxn>
-                  <a:cxn ang="0">
-                    <a:pos x="connsiteX4" y="connsiteY4"/>
-                  </a:cxn>
-                  <a:cxn ang="0">
-                    <a:pos x="connsiteX5" y="connsiteY5"/>
-                  </a:cxn>
-                  <a:cxn ang="0">
-                    <a:pos x="connsiteX6" y="connsiteY6"/>
-                  </a:cxn>
-                  <a:cxn ang="0">
-                    <a:pos x="connsiteX7" y="connsiteY7"/>
-                  </a:cxn>
-                  <a:cxn ang="0">
-                    <a:pos x="connsiteX8" y="connsiteY8"/>
-                  </a:cxn>
-                  <a:cxn ang="0">
-                    <a:pos x="connsiteX9" y="connsiteY9"/>
-                  </a:cxn>
-                  <a:cxn ang="0">
-                    <a:pos x="connsiteX10" y="connsiteY10"/>
-                  </a:cxn>
-                  <a:cxn ang="0">
-                    <a:pos x="connsiteX11" y="connsiteY11"/>
-                  </a:cxn>
-                  <a:cxn ang="0">
-                    <a:pos x="connsiteX12" y="connsiteY12"/>
-                  </a:cxn>
-                  <a:cxn ang="0">
-                    <a:pos x="connsiteX13" y="connsiteY13"/>
-                  </a:cxn>
-                  <a:cxn ang="0">
-                    <a:pos x="connsiteX14" y="connsiteY14"/>
-                  </a:cxn>
-                  <a:cxn ang="0">
-                    <a:pos x="connsiteX15" y="connsiteY15"/>
-                  </a:cxn>
-                </a:cxnLst>
-                <a:rect l="l" t="t" r="r" b="b"/>
-                <a:pathLst>
-                  <a:path w="439561" h="714000">
-                    <a:moveTo>
-                      <a:pt x="219781" y="315000"/>
-                    </a:moveTo>
-                    <a:cubicBezTo>
-                      <a:pt x="167281" y="315000"/>
-                      <a:pt x="125281" y="273000"/>
-                      <a:pt x="125281" y="220500"/>
-                    </a:cubicBezTo>
-                    <a:cubicBezTo>
-                      <a:pt x="125281" y="168000"/>
-                      <a:pt x="167281" y="126000"/>
-                      <a:pt x="219781" y="126000"/>
-                    </a:cubicBezTo>
-                    <a:cubicBezTo>
-                      <a:pt x="272281" y="126000"/>
-                      <a:pt x="314281" y="168000"/>
-                      <a:pt x="314281" y="220500"/>
-                    </a:cubicBezTo>
-                    <a:cubicBezTo>
-                      <a:pt x="314281" y="273000"/>
-                      <a:pt x="272281" y="315000"/>
-                      <a:pt x="219781" y="315000"/>
-                    </a:cubicBezTo>
-                    <a:close/>
-                    <a:moveTo>
-                      <a:pt x="219781" y="0"/>
-                    </a:moveTo>
-                    <a:cubicBezTo>
-                      <a:pt x="147331" y="0"/>
-                      <a:pt x="79081" y="35700"/>
-                      <a:pt x="38131" y="96600"/>
-                    </a:cubicBezTo>
-                    <a:cubicBezTo>
-                      <a:pt x="-2819" y="156450"/>
-                      <a:pt x="-11219" y="233100"/>
-                      <a:pt x="15031" y="301350"/>
-                    </a:cubicBezTo>
-                    <a:lnTo>
-                      <a:pt x="114781" y="521850"/>
-                    </a:lnTo>
-                    <a:lnTo>
-                      <a:pt x="200881" y="702450"/>
-                    </a:lnTo>
-                    <a:cubicBezTo>
-                      <a:pt x="204031" y="709800"/>
-                      <a:pt x="211381" y="714000"/>
-                      <a:pt x="219781" y="714000"/>
-                    </a:cubicBezTo>
-                    <a:cubicBezTo>
-                      <a:pt x="228181" y="714000"/>
-                      <a:pt x="235531" y="709800"/>
-                      <a:pt x="238681" y="702450"/>
-                    </a:cubicBezTo>
-                    <a:lnTo>
-                      <a:pt x="324781" y="521850"/>
-                    </a:lnTo>
-                    <a:lnTo>
-                      <a:pt x="424531" y="301350"/>
-                    </a:lnTo>
-                    <a:cubicBezTo>
-                      <a:pt x="450781" y="233100"/>
-                      <a:pt x="442381" y="156450"/>
-                      <a:pt x="401431" y="96600"/>
-                    </a:cubicBezTo>
-                    <a:cubicBezTo>
-                      <a:pt x="360481" y="35700"/>
-                      <a:pt x="292231" y="0"/>
-                      <a:pt x="219781" y="0"/>
-                    </a:cubicBezTo>
-                    <a:close/>
-                  </a:path>
-                </a:pathLst>
-              </a:custGeom>
-              <a:solidFill>
-                <a:schemeClr val="bg1"/>
-              </a:solidFill>
-              <a:ln w="10418" cap="flat">
-                <a:noFill/>
-                <a:prstDash val="solid"/>
-                <a:miter/>
-              </a:ln>
-            </p:spPr>
-            <p:txBody>
-              <a:bodyPr rtlCol="0" anchor="ctr"/>
-              <a:lstStyle/>
-              <a:p>
-                <a:endParaRPr lang="en-NL"/>
-              </a:p>
-            </p:txBody>
-          </p:sp>
-          <p:sp>
-            <p:nvSpPr>
-              <p:cNvPr id="45" name="Graphic 35" descr="Marker with solid fill">
-                <a:extLst>
-                  <a:ext uri="{FF2B5EF4-FFF2-40B4-BE49-F238E27FC236}">
-                    <a16:creationId xmlns:a16="http://schemas.microsoft.com/office/drawing/2014/main" id="{689E0464-4877-CFF3-892F-F6797B6DAE6E}"/>
-                  </a:ext>
-                </a:extLst>
-              </p:cNvPr>
-              <p:cNvSpPr/>
-              <p:nvPr/>
-            </p:nvSpPr>
-            <p:spPr>
-              <a:xfrm>
-                <a:off x="658670" y="3080962"/>
-                <a:ext cx="439561" cy="714000"/>
-              </a:xfrm>
-              <a:custGeom>
-                <a:avLst/>
-                <a:gdLst>
-                  <a:gd name="connsiteX0" fmla="*/ 219781 w 439561"/>
-                  <a:gd name="connsiteY0" fmla="*/ 315000 h 714000"/>
-                  <a:gd name="connsiteX1" fmla="*/ 125281 w 439561"/>
-                  <a:gd name="connsiteY1" fmla="*/ 220500 h 714000"/>
-                  <a:gd name="connsiteX2" fmla="*/ 219781 w 439561"/>
-                  <a:gd name="connsiteY2" fmla="*/ 126000 h 714000"/>
-                  <a:gd name="connsiteX3" fmla="*/ 314281 w 439561"/>
-                  <a:gd name="connsiteY3" fmla="*/ 220500 h 714000"/>
-                  <a:gd name="connsiteX4" fmla="*/ 219781 w 439561"/>
-                  <a:gd name="connsiteY4" fmla="*/ 315000 h 714000"/>
-                  <a:gd name="connsiteX5" fmla="*/ 219781 w 439561"/>
-                  <a:gd name="connsiteY5" fmla="*/ 0 h 714000"/>
-                  <a:gd name="connsiteX6" fmla="*/ 38131 w 439561"/>
-                  <a:gd name="connsiteY6" fmla="*/ 96600 h 714000"/>
-                  <a:gd name="connsiteX7" fmla="*/ 15031 w 439561"/>
-                  <a:gd name="connsiteY7" fmla="*/ 301350 h 714000"/>
-                  <a:gd name="connsiteX8" fmla="*/ 114781 w 439561"/>
-                  <a:gd name="connsiteY8" fmla="*/ 521850 h 714000"/>
-                  <a:gd name="connsiteX9" fmla="*/ 200881 w 439561"/>
-                  <a:gd name="connsiteY9" fmla="*/ 702450 h 714000"/>
-                  <a:gd name="connsiteX10" fmla="*/ 219781 w 439561"/>
-                  <a:gd name="connsiteY10" fmla="*/ 714000 h 714000"/>
-                  <a:gd name="connsiteX11" fmla="*/ 238681 w 439561"/>
-                  <a:gd name="connsiteY11" fmla="*/ 702450 h 714000"/>
-                  <a:gd name="connsiteX12" fmla="*/ 324781 w 439561"/>
-                  <a:gd name="connsiteY12" fmla="*/ 521850 h 714000"/>
-                  <a:gd name="connsiteX13" fmla="*/ 424531 w 439561"/>
-                  <a:gd name="connsiteY13" fmla="*/ 301350 h 714000"/>
-                  <a:gd name="connsiteX14" fmla="*/ 401431 w 439561"/>
-                  <a:gd name="connsiteY14" fmla="*/ 96600 h 714000"/>
-                  <a:gd name="connsiteX15" fmla="*/ 219781 w 439561"/>
-                  <a:gd name="connsiteY15" fmla="*/ 0 h 714000"/>
-                </a:gdLst>
-                <a:ahLst/>
-                <a:cxnLst>
-                  <a:cxn ang="0">
-                    <a:pos x="connsiteX0" y="connsiteY0"/>
-                  </a:cxn>
-                  <a:cxn ang="0">
-                    <a:pos x="connsiteX1" y="connsiteY1"/>
-                  </a:cxn>
-                  <a:cxn ang="0">
-                    <a:pos x="connsiteX2" y="connsiteY2"/>
-                  </a:cxn>
-                  <a:cxn ang="0">
-                    <a:pos x="connsiteX3" y="connsiteY3"/>
-                  </a:cxn>
-                  <a:cxn ang="0">
-                    <a:pos x="connsiteX4" y="connsiteY4"/>
-                  </a:cxn>
-                  <a:cxn ang="0">
-                    <a:pos x="connsiteX5" y="connsiteY5"/>
-                  </a:cxn>
-                  <a:cxn ang="0">
-                    <a:pos x="connsiteX6" y="connsiteY6"/>
-                  </a:cxn>
-                  <a:cxn ang="0">
-                    <a:pos x="connsiteX7" y="connsiteY7"/>
-                  </a:cxn>
-                  <a:cxn ang="0">
-                    <a:pos x="connsiteX8" y="connsiteY8"/>
-                  </a:cxn>
-                  <a:cxn ang="0">
-                    <a:pos x="connsiteX9" y="connsiteY9"/>
-                  </a:cxn>
-                  <a:cxn ang="0">
-                    <a:pos x="connsiteX10" y="connsiteY10"/>
-                  </a:cxn>
-                  <a:cxn ang="0">
-                    <a:pos x="connsiteX11" y="connsiteY11"/>
-                  </a:cxn>
-                  <a:cxn ang="0">
-                    <a:pos x="connsiteX12" y="connsiteY12"/>
-                  </a:cxn>
-                  <a:cxn ang="0">
-                    <a:pos x="connsiteX13" y="connsiteY13"/>
-                  </a:cxn>
-                  <a:cxn ang="0">
-                    <a:pos x="connsiteX14" y="connsiteY14"/>
-                  </a:cxn>
-                  <a:cxn ang="0">
-                    <a:pos x="connsiteX15" y="connsiteY15"/>
-                  </a:cxn>
-                </a:cxnLst>
-                <a:rect l="l" t="t" r="r" b="b"/>
-                <a:pathLst>
-                  <a:path w="439561" h="714000">
-                    <a:moveTo>
-                      <a:pt x="219781" y="315000"/>
-                    </a:moveTo>
-                    <a:cubicBezTo>
-                      <a:pt x="167281" y="315000"/>
-                      <a:pt x="125281" y="273000"/>
-                      <a:pt x="125281" y="220500"/>
-                    </a:cubicBezTo>
-                    <a:cubicBezTo>
-                      <a:pt x="125281" y="168000"/>
-                      <a:pt x="167281" y="126000"/>
-                      <a:pt x="219781" y="126000"/>
-                    </a:cubicBezTo>
-                    <a:cubicBezTo>
-                      <a:pt x="272281" y="126000"/>
-                      <a:pt x="314281" y="168000"/>
-                      <a:pt x="314281" y="220500"/>
-                    </a:cubicBezTo>
-                    <a:cubicBezTo>
-                      <a:pt x="314281" y="273000"/>
-                      <a:pt x="272281" y="315000"/>
-                      <a:pt x="219781" y="315000"/>
-                    </a:cubicBezTo>
-                    <a:close/>
-                    <a:moveTo>
-                      <a:pt x="219781" y="0"/>
-                    </a:moveTo>
-                    <a:cubicBezTo>
-                      <a:pt x="147331" y="0"/>
-                      <a:pt x="79081" y="35700"/>
-                      <a:pt x="38131" y="96600"/>
-                    </a:cubicBezTo>
-                    <a:cubicBezTo>
-                      <a:pt x="-2819" y="156450"/>
-                      <a:pt x="-11219" y="233100"/>
-                      <a:pt x="15031" y="301350"/>
-                    </a:cubicBezTo>
-                    <a:lnTo>
-                      <a:pt x="114781" y="521850"/>
-                    </a:lnTo>
-                    <a:lnTo>
-                      <a:pt x="200881" y="702450"/>
-                    </a:lnTo>
-                    <a:cubicBezTo>
-                      <a:pt x="204031" y="709800"/>
-                      <a:pt x="211381" y="714000"/>
-                      <a:pt x="219781" y="714000"/>
-                    </a:cubicBezTo>
-                    <a:cubicBezTo>
-                      <a:pt x="228181" y="714000"/>
-                      <a:pt x="235531" y="709800"/>
-                      <a:pt x="238681" y="702450"/>
-                    </a:cubicBezTo>
-                    <a:lnTo>
-                      <a:pt x="324781" y="521850"/>
-                    </a:lnTo>
-                    <a:lnTo>
-                      <a:pt x="424531" y="301350"/>
-                    </a:lnTo>
-                    <a:cubicBezTo>
-                      <a:pt x="450781" y="233100"/>
-                      <a:pt x="442381" y="156450"/>
-                      <a:pt x="401431" y="96600"/>
-                    </a:cubicBezTo>
-                    <a:cubicBezTo>
-                      <a:pt x="360481" y="35700"/>
-                      <a:pt x="292231" y="0"/>
-                      <a:pt x="219781" y="0"/>
-                    </a:cubicBezTo>
-                    <a:close/>
-                  </a:path>
-                </a:pathLst>
-              </a:custGeom>
-              <a:solidFill>
-                <a:schemeClr val="bg1"/>
-              </a:solidFill>
-              <a:ln w="10418" cap="flat">
-                <a:noFill/>
-                <a:prstDash val="solid"/>
-                <a:miter/>
-              </a:ln>
-            </p:spPr>
-            <p:txBody>
-              <a:bodyPr rtlCol="0" anchor="ctr"/>
-              <a:lstStyle/>
-              <a:p>
-                <a:endParaRPr lang="en-NL"/>
-              </a:p>
-            </p:txBody>
-          </p:sp>
-        </p:grpSp>
-      </p:grpSp>
-      <p:grpSp>
-        <p:nvGrpSpPr>
-          <p:cNvPr id="76" name="Group 75">
-            <a:extLst>
-              <a:ext uri="{FF2B5EF4-FFF2-40B4-BE49-F238E27FC236}">
-                <a16:creationId xmlns:a16="http://schemas.microsoft.com/office/drawing/2014/main" id="{3EF07B0A-7A0D-17A9-7554-F2995C25C2B4}"/>
-              </a:ext>
-            </a:extLst>
-          </p:cNvPr>
-          <p:cNvGrpSpPr/>
-          <p:nvPr/>
-        </p:nvGrpSpPr>
-        <p:grpSpPr>
-          <a:xfrm>
-            <a:off x="4233000" y="549000"/>
-            <a:ext cx="1440000" cy="1440000"/>
-            <a:chOff x="3330231" y="2789962"/>
-            <a:chExt cx="1440000" cy="1440000"/>
-          </a:xfrm>
-        </p:grpSpPr>
-        <p:pic>
-          <p:nvPicPr>
-            <p:cNvPr id="23" name="Graphic 22" descr="Thermometer with solid fill">
-              <a:extLst>
-                <a:ext uri="{FF2B5EF4-FFF2-40B4-BE49-F238E27FC236}">
-                  <a16:creationId xmlns:a16="http://schemas.microsoft.com/office/drawing/2014/main" id="{5CFF2B7D-EB7E-E81B-97E6-142535436CCF}"/>
-                </a:ext>
-              </a:extLst>
-            </p:cNvPr>
-            <p:cNvPicPr>
-              <a:picLocks noChangeAspect="1"/>
-            </p:cNvPicPr>
-            <p:nvPr/>
-          </p:nvPicPr>
-          <p:blipFill>
-            <a:blip r:embed="rId2">
-              <a:extLst>
-                <a:ext uri="{96DAC541-7B7A-43D3-8B79-37D633B846F1}">
-                  <asvg:svgBlip xmlns:asvg="http://schemas.microsoft.com/office/drawing/2016/SVG/main" r:embed="rId3"/>
-                </a:ext>
-              </a:extLst>
-            </a:blip>
-            <a:stretch>
-              <a:fillRect/>
-            </a:stretch>
-          </p:blipFill>
-          <p:spPr>
-            <a:xfrm>
-              <a:off x="3474231" y="2933962"/>
-              <a:ext cx="1152000" cy="1152000"/>
-            </a:xfrm>
-            <a:prstGeom prst="rect">
-              <a:avLst/>
-            </a:prstGeom>
-          </p:spPr>
-        </p:pic>
-        <p:sp>
-          <p:nvSpPr>
-            <p:cNvPr id="75" name="Rectangle 74">
-              <a:extLst>
-                <a:ext uri="{FF2B5EF4-FFF2-40B4-BE49-F238E27FC236}">
-                  <a16:creationId xmlns:a16="http://schemas.microsoft.com/office/drawing/2014/main" id="{E96DDC65-C335-23FC-95DA-2573EFF95BA2}"/>
-                </a:ext>
-              </a:extLst>
-            </p:cNvPr>
-            <p:cNvSpPr/>
-            <p:nvPr/>
-          </p:nvSpPr>
-          <p:spPr>
-            <a:xfrm>
-              <a:off x="3330231" y="2789962"/>
-              <a:ext cx="1440000" cy="1440000"/>
-            </a:xfrm>
-            <a:prstGeom prst="rect">
-              <a:avLst/>
-            </a:prstGeom>
-            <a:noFill/>
-            <a:ln>
-              <a:noFill/>
-            </a:ln>
-          </p:spPr>
-          <p:style>
-            <a:lnRef idx="2">
-              <a:schemeClr val="accent1">
-                <a:shade val="15000"/>
-              </a:schemeClr>
-            </a:lnRef>
-            <a:fillRef idx="1">
-              <a:schemeClr val="accent1"/>
-            </a:fillRef>
-            <a:effectRef idx="0">
-              <a:schemeClr val="accent1"/>
-            </a:effectRef>
-            <a:fontRef idx="minor">
-              <a:schemeClr val="lt1"/>
-            </a:fontRef>
-          </p:style>
-          <p:txBody>
-            <a:bodyPr rtlCol="0" anchor="ctr"/>
-            <a:lstStyle/>
-            <a:p>
-              <a:pPr algn="ctr"/>
-              <a:endParaRPr lang="en-NL" dirty="0"/>
-            </a:p>
-          </p:txBody>
-        </p:sp>
-      </p:grpSp>
-      <p:grpSp>
-        <p:nvGrpSpPr>
-          <p:cNvPr id="80" name="Group 79">
-            <a:extLst>
-              <a:ext uri="{FF2B5EF4-FFF2-40B4-BE49-F238E27FC236}">
-                <a16:creationId xmlns:a16="http://schemas.microsoft.com/office/drawing/2014/main" id="{6012090C-9E84-F591-7C8E-A386FC8FE48E}"/>
-              </a:ext>
-            </a:extLst>
-          </p:cNvPr>
-          <p:cNvGrpSpPr/>
-          <p:nvPr/>
-        </p:nvGrpSpPr>
-        <p:grpSpPr>
-          <a:xfrm>
-            <a:off x="5673000" y="549000"/>
-            <a:ext cx="1440000" cy="1440000"/>
-            <a:chOff x="4770231" y="2789962"/>
-            <a:chExt cx="1440000" cy="1440000"/>
-          </a:xfrm>
-        </p:grpSpPr>
-        <p:sp>
-          <p:nvSpPr>
-            <p:cNvPr id="50" name="Arc 49">
-              <a:extLst>
-                <a:ext uri="{FF2B5EF4-FFF2-40B4-BE49-F238E27FC236}">
-                  <a16:creationId xmlns:a16="http://schemas.microsoft.com/office/drawing/2014/main" id="{F35F4F86-6AE7-510F-DE42-BC64BA125F35}"/>
-                </a:ext>
-              </a:extLst>
-            </p:cNvPr>
-            <p:cNvSpPr/>
-            <p:nvPr/>
-          </p:nvSpPr>
-          <p:spPr>
-            <a:xfrm flipH="1">
-              <a:off x="5238230" y="3257962"/>
-              <a:ext cx="504000" cy="504000"/>
-            </a:xfrm>
-            <a:prstGeom prst="arc">
-              <a:avLst>
-                <a:gd name="adj1" fmla="val 16200000"/>
-                <a:gd name="adj2" fmla="val 11947890"/>
-              </a:avLst>
-            </a:prstGeom>
-            <a:noFill/>
-            <a:ln w="76200">
-              <a:solidFill>
-                <a:schemeClr val="bg1"/>
-              </a:solidFill>
-            </a:ln>
-          </p:spPr>
-          <p:style>
-            <a:lnRef idx="2">
-              <a:schemeClr val="accent1">
-                <a:shade val="15000"/>
-              </a:schemeClr>
-            </a:lnRef>
-            <a:fillRef idx="1">
-              <a:schemeClr val="accent1"/>
-            </a:fillRef>
-            <a:effectRef idx="0">
-              <a:schemeClr val="accent1"/>
-            </a:effectRef>
-            <a:fontRef idx="minor">
-              <a:schemeClr val="lt1"/>
-            </a:fontRef>
-          </p:style>
-          <p:txBody>
-            <a:bodyPr rtlCol="0" anchor="ctr"/>
-            <a:lstStyle/>
-            <a:p>
-              <a:pPr algn="ctr"/>
-              <a:endParaRPr lang="en-NL"/>
-            </a:p>
-          </p:txBody>
-        </p:sp>
-        <p:sp>
-          <p:nvSpPr>
-            <p:cNvPr id="62" name="Oval 61">
-              <a:extLst>
-                <a:ext uri="{FF2B5EF4-FFF2-40B4-BE49-F238E27FC236}">
-                  <a16:creationId xmlns:a16="http://schemas.microsoft.com/office/drawing/2014/main" id="{927E2182-2E9F-C437-DDA1-3B3A73A7B068}"/>
-                </a:ext>
-              </a:extLst>
-            </p:cNvPr>
-            <p:cNvSpPr/>
-            <p:nvPr/>
-          </p:nvSpPr>
-          <p:spPr>
-            <a:xfrm>
-              <a:off x="5346231" y="3365962"/>
-              <a:ext cx="288000" cy="288000"/>
-            </a:xfrm>
-            <a:prstGeom prst="ellipse">
-              <a:avLst/>
-            </a:prstGeom>
-            <a:solidFill>
-              <a:schemeClr val="bg1"/>
-            </a:solidFill>
-            <a:ln w="76200">
-              <a:noFill/>
-            </a:ln>
-          </p:spPr>
-          <p:style>
-            <a:lnRef idx="2">
-              <a:schemeClr val="accent1">
-                <a:shade val="15000"/>
-              </a:schemeClr>
-            </a:lnRef>
-            <a:fillRef idx="1">
-              <a:schemeClr val="accent1"/>
-            </a:fillRef>
-            <a:effectRef idx="0">
-              <a:schemeClr val="accent1"/>
-            </a:effectRef>
-            <a:fontRef idx="minor">
-              <a:schemeClr val="lt1"/>
-            </a:fontRef>
-          </p:style>
-          <p:txBody>
-            <a:bodyPr rtlCol="0" anchor="ctr"/>
-            <a:lstStyle/>
-            <a:p>
-              <a:pPr algn="ctr"/>
-              <a:endParaRPr lang="en-NL"/>
-            </a:p>
-          </p:txBody>
-        </p:sp>
-        <p:sp>
-          <p:nvSpPr>
-            <p:cNvPr id="71" name="Arc 70">
-              <a:extLst>
-                <a:ext uri="{FF2B5EF4-FFF2-40B4-BE49-F238E27FC236}">
-                  <a16:creationId xmlns:a16="http://schemas.microsoft.com/office/drawing/2014/main" id="{EF13D8C1-F925-07D7-E25C-2BFC2EAB85C6}"/>
-                </a:ext>
-              </a:extLst>
-            </p:cNvPr>
-            <p:cNvSpPr/>
-            <p:nvPr/>
-          </p:nvSpPr>
-          <p:spPr>
-            <a:xfrm flipH="1">
-              <a:off x="5094231" y="3113962"/>
-              <a:ext cx="792000" cy="792000"/>
-            </a:xfrm>
-            <a:prstGeom prst="arc">
-              <a:avLst>
-                <a:gd name="adj1" fmla="val 16200000"/>
-                <a:gd name="adj2" fmla="val 11857800"/>
-              </a:avLst>
-            </a:prstGeom>
-            <a:noFill/>
-            <a:ln w="76200">
-              <a:solidFill>
-                <a:schemeClr val="bg1"/>
-              </a:solidFill>
-            </a:ln>
-          </p:spPr>
-          <p:style>
-            <a:lnRef idx="2">
-              <a:schemeClr val="accent1">
-                <a:shade val="15000"/>
-              </a:schemeClr>
-            </a:lnRef>
-            <a:fillRef idx="1">
-              <a:schemeClr val="accent1"/>
-            </a:fillRef>
-            <a:effectRef idx="0">
-              <a:schemeClr val="accent1"/>
-            </a:effectRef>
-            <a:fontRef idx="minor">
-              <a:schemeClr val="lt1"/>
-            </a:fontRef>
-          </p:style>
-          <p:txBody>
-            <a:bodyPr rtlCol="0" anchor="ctr"/>
-            <a:lstStyle/>
-            <a:p>
-              <a:pPr algn="ctr"/>
-              <a:endParaRPr lang="en-NL"/>
-            </a:p>
-          </p:txBody>
-        </p:sp>
-        <p:cxnSp>
-          <p:nvCxnSpPr>
-            <p:cNvPr id="72" name="Straight Connector 71">
-              <a:extLst>
-                <a:ext uri="{FF2B5EF4-FFF2-40B4-BE49-F238E27FC236}">
-                  <a16:creationId xmlns:a16="http://schemas.microsoft.com/office/drawing/2014/main" id="{DDB6C2CA-AEFB-1465-8374-323C3DCE8B30}"/>
-                </a:ext>
-              </a:extLst>
-            </p:cNvPr>
-            <p:cNvCxnSpPr>
-              <a:cxnSpLocks/>
-            </p:cNvCxnSpPr>
-            <p:nvPr/>
-          </p:nvCxnSpPr>
-          <p:spPr>
-            <a:xfrm flipV="1">
-              <a:off x="5490231" y="3077962"/>
-              <a:ext cx="0" cy="432000"/>
-            </a:xfrm>
-            <a:prstGeom prst="line">
-              <a:avLst/>
-            </a:prstGeom>
-            <a:noFill/>
-            <a:ln w="76200">
-              <a:solidFill>
-                <a:schemeClr val="bg1"/>
-              </a:solidFill>
-            </a:ln>
-          </p:spPr>
-          <p:style>
-            <a:lnRef idx="2">
-              <a:schemeClr val="accent1">
-                <a:shade val="15000"/>
-              </a:schemeClr>
-            </a:lnRef>
-            <a:fillRef idx="1">
-              <a:schemeClr val="accent1"/>
-            </a:fillRef>
-            <a:effectRef idx="0">
-              <a:schemeClr val="accent1"/>
-            </a:effectRef>
-            <a:fontRef idx="minor">
-              <a:schemeClr val="lt1"/>
-            </a:fontRef>
-          </p:style>
-        </p:cxnSp>
-        <p:sp>
-          <p:nvSpPr>
-            <p:cNvPr id="79" name="Rectangle 78">
-              <a:extLst>
-                <a:ext uri="{FF2B5EF4-FFF2-40B4-BE49-F238E27FC236}">
-                  <a16:creationId xmlns:a16="http://schemas.microsoft.com/office/drawing/2014/main" id="{CF9BFF8B-057F-77A2-51A1-DF6287CC054D}"/>
-                </a:ext>
-              </a:extLst>
-            </p:cNvPr>
-            <p:cNvSpPr/>
-            <p:nvPr/>
-          </p:nvSpPr>
-          <p:spPr>
-            <a:xfrm>
-              <a:off x="4770231" y="2789962"/>
-              <a:ext cx="1440000" cy="1440000"/>
-            </a:xfrm>
-            <a:prstGeom prst="rect">
-              <a:avLst/>
-            </a:prstGeom>
-            <a:noFill/>
-            <a:ln>
-              <a:noFill/>
-            </a:ln>
-          </p:spPr>
-          <p:style>
-            <a:lnRef idx="2">
-              <a:schemeClr val="accent1">
-                <a:shade val="15000"/>
-              </a:schemeClr>
-            </a:lnRef>
-            <a:fillRef idx="1">
-              <a:schemeClr val="accent1"/>
-            </a:fillRef>
-            <a:effectRef idx="0">
-              <a:schemeClr val="accent1"/>
-            </a:effectRef>
-            <a:fontRef idx="minor">
-              <a:schemeClr val="lt1"/>
-            </a:fontRef>
-          </p:style>
-          <p:txBody>
-            <a:bodyPr rtlCol="0" anchor="ctr"/>
-            <a:lstStyle/>
-            <a:p>
-              <a:pPr algn="ctr"/>
-              <a:endParaRPr lang="en-NL"/>
-            </a:p>
-          </p:txBody>
-        </p:sp>
-      </p:grpSp>
-      <p:grpSp>
-        <p:nvGrpSpPr>
-          <p:cNvPr id="82" name="Group 81">
-            <a:extLst>
-              <a:ext uri="{FF2B5EF4-FFF2-40B4-BE49-F238E27FC236}">
-                <a16:creationId xmlns:a16="http://schemas.microsoft.com/office/drawing/2014/main" id="{445C22AD-1852-746A-C3B1-4592600C38BE}"/>
-              </a:ext>
-            </a:extLst>
-          </p:cNvPr>
-          <p:cNvGrpSpPr/>
-          <p:nvPr/>
-        </p:nvGrpSpPr>
-        <p:grpSpPr>
-          <a:xfrm>
-            <a:off x="7113000" y="549000"/>
-            <a:ext cx="1440000" cy="1440000"/>
-            <a:chOff x="6210231" y="2789962"/>
-            <a:chExt cx="1440000" cy="1440000"/>
-          </a:xfrm>
-        </p:grpSpPr>
-        <p:pic>
-          <p:nvPicPr>
-            <p:cNvPr id="21" name="Graphic 20" descr="Camera with solid fill">
-              <a:extLst>
-                <a:ext uri="{FF2B5EF4-FFF2-40B4-BE49-F238E27FC236}">
-                  <a16:creationId xmlns:a16="http://schemas.microsoft.com/office/drawing/2014/main" id="{166FC6C8-F45E-B12E-A945-EA4C9C41927F}"/>
-                </a:ext>
-              </a:extLst>
-            </p:cNvPr>
-            <p:cNvPicPr>
-              <a:picLocks noChangeAspect="1"/>
-            </p:cNvPicPr>
-            <p:nvPr/>
-          </p:nvPicPr>
-          <p:blipFill>
-            <a:blip r:embed="rId4">
-              <a:extLst>
-                <a:ext uri="{96DAC541-7B7A-43D3-8B79-37D633B846F1}">
-                  <asvg:svgBlip xmlns:asvg="http://schemas.microsoft.com/office/drawing/2016/SVG/main" r:embed="rId5"/>
-                </a:ext>
-              </a:extLst>
-            </a:blip>
-            <a:stretch>
-              <a:fillRect/>
-            </a:stretch>
-          </p:blipFill>
-          <p:spPr>
-            <a:xfrm>
-              <a:off x="6354231" y="2933962"/>
-              <a:ext cx="1152000" cy="1152000"/>
-            </a:xfrm>
-            <a:prstGeom prst="rect">
-              <a:avLst/>
-            </a:prstGeom>
-          </p:spPr>
-        </p:pic>
-        <p:sp>
-          <p:nvSpPr>
-            <p:cNvPr id="81" name="Rectangle 80">
-              <a:extLst>
-                <a:ext uri="{FF2B5EF4-FFF2-40B4-BE49-F238E27FC236}">
-                  <a16:creationId xmlns:a16="http://schemas.microsoft.com/office/drawing/2014/main" id="{D3D550A5-5354-886C-CC26-FF6B5A58E368}"/>
-                </a:ext>
-              </a:extLst>
-            </p:cNvPr>
-            <p:cNvSpPr/>
-            <p:nvPr/>
-          </p:nvSpPr>
-          <p:spPr>
-            <a:xfrm>
-              <a:off x="6210231" y="2789962"/>
-              <a:ext cx="1440000" cy="1440000"/>
-            </a:xfrm>
-            <a:prstGeom prst="rect">
-              <a:avLst/>
-            </a:prstGeom>
-            <a:noFill/>
-            <a:ln>
-              <a:noFill/>
-            </a:ln>
-          </p:spPr>
-          <p:style>
-            <a:lnRef idx="2">
-              <a:schemeClr val="accent1">
-                <a:shade val="15000"/>
-              </a:schemeClr>
-            </a:lnRef>
-            <a:fillRef idx="1">
-              <a:schemeClr val="accent1"/>
-            </a:fillRef>
-            <a:effectRef idx="0">
-              <a:schemeClr val="accent1"/>
-            </a:effectRef>
-            <a:fontRef idx="minor">
-              <a:schemeClr val="lt1"/>
-            </a:fontRef>
-          </p:style>
-          <p:txBody>
-            <a:bodyPr rtlCol="0" anchor="ctr"/>
-            <a:lstStyle/>
-            <a:p>
-              <a:pPr algn="ctr"/>
-              <a:endParaRPr lang="en-NL"/>
-            </a:p>
-          </p:txBody>
-        </p:sp>
-      </p:grpSp>
-      <p:grpSp>
-        <p:nvGrpSpPr>
-          <p:cNvPr id="84" name="Group 83">
-            <a:extLst>
-              <a:ext uri="{FF2B5EF4-FFF2-40B4-BE49-F238E27FC236}">
-                <a16:creationId xmlns:a16="http://schemas.microsoft.com/office/drawing/2014/main" id="{184998A1-09C2-6192-5DDC-09A0647CAFD2}"/>
-              </a:ext>
-            </a:extLst>
-          </p:cNvPr>
-          <p:cNvGrpSpPr/>
-          <p:nvPr/>
-        </p:nvGrpSpPr>
-        <p:grpSpPr>
-          <a:xfrm>
-            <a:off x="2793000" y="549000"/>
-            <a:ext cx="1440000" cy="1440000"/>
-            <a:chOff x="1890231" y="2789962"/>
-            <a:chExt cx="1440000" cy="1440000"/>
-          </a:xfrm>
-        </p:grpSpPr>
-        <p:grpSp>
-          <p:nvGrpSpPr>
-            <p:cNvPr id="48" name="Group 47">
-              <a:extLst>
-                <a:ext uri="{FF2B5EF4-FFF2-40B4-BE49-F238E27FC236}">
-                  <a16:creationId xmlns:a16="http://schemas.microsoft.com/office/drawing/2014/main" id="{C24700BA-850C-7DD9-40DF-0E93F662A3BF}"/>
-                </a:ext>
-              </a:extLst>
-            </p:cNvPr>
-            <p:cNvGrpSpPr/>
-            <p:nvPr/>
-          </p:nvGrpSpPr>
-          <p:grpSpPr>
-            <a:xfrm>
-              <a:off x="2034231" y="2933962"/>
-              <a:ext cx="1152000" cy="1152000"/>
-              <a:chOff x="2034231" y="2933962"/>
-              <a:chExt cx="1152000" cy="1152000"/>
-            </a:xfrm>
-          </p:grpSpPr>
-          <p:cxnSp>
-            <p:nvCxnSpPr>
-              <p:cNvPr id="30" name="Straight Arrow Connector 29">
-                <a:extLst>
-                  <a:ext uri="{FF2B5EF4-FFF2-40B4-BE49-F238E27FC236}">
-                    <a16:creationId xmlns:a16="http://schemas.microsoft.com/office/drawing/2014/main" id="{8F224EA1-89B9-768A-00B3-E10736BF8C27}"/>
-                  </a:ext>
-                </a:extLst>
-              </p:cNvPr>
-              <p:cNvCxnSpPr>
-                <a:cxnSpLocks/>
-              </p:cNvCxnSpPr>
-              <p:nvPr/>
-            </p:nvCxnSpPr>
-            <p:spPr>
-              <a:xfrm flipH="1">
-                <a:off x="2034231" y="3509962"/>
-                <a:ext cx="1152000" cy="0"/>
-              </a:xfrm>
-              <a:prstGeom prst="straightConnector1">
-                <a:avLst/>
-              </a:prstGeom>
-              <a:ln w="101600">
-                <a:solidFill>
-                  <a:schemeClr val="bg1"/>
-                </a:solidFill>
-                <a:headEnd type="triangle" w="med" len="med"/>
-                <a:tailEnd type="triangle"/>
-              </a:ln>
-            </p:spPr>
-            <p:style>
-              <a:lnRef idx="2">
-                <a:schemeClr val="accent1"/>
-              </a:lnRef>
-              <a:fillRef idx="0">
-                <a:schemeClr val="accent1"/>
-              </a:fillRef>
-              <a:effectRef idx="1">
-                <a:schemeClr val="accent1"/>
-              </a:effectRef>
-              <a:fontRef idx="minor">
-                <a:schemeClr val="tx1"/>
-              </a:fontRef>
-            </p:style>
-          </p:cxnSp>
-          <p:cxnSp>
-            <p:nvCxnSpPr>
-              <p:cNvPr id="31" name="Straight Arrow Connector 30">
-                <a:extLst>
-                  <a:ext uri="{FF2B5EF4-FFF2-40B4-BE49-F238E27FC236}">
-                    <a16:creationId xmlns:a16="http://schemas.microsoft.com/office/drawing/2014/main" id="{9D77056B-A12B-315F-CB3B-70F47FAC02D5}"/>
-                  </a:ext>
-                </a:extLst>
-              </p:cNvPr>
-              <p:cNvCxnSpPr>
-                <a:cxnSpLocks/>
-              </p:cNvCxnSpPr>
-              <p:nvPr/>
-            </p:nvCxnSpPr>
-            <p:spPr>
-              <a:xfrm flipV="1">
-                <a:off x="2610231" y="2933962"/>
-                <a:ext cx="0" cy="1152000"/>
-              </a:xfrm>
-              <a:prstGeom prst="straightConnector1">
-                <a:avLst/>
-              </a:prstGeom>
-              <a:ln w="101600">
-                <a:solidFill>
-                  <a:schemeClr val="bg1"/>
-                </a:solidFill>
-                <a:headEnd type="triangle" w="med" len="med"/>
-                <a:tailEnd type="triangle"/>
-              </a:ln>
-            </p:spPr>
-            <p:style>
-              <a:lnRef idx="2">
-                <a:schemeClr val="accent1"/>
-              </a:lnRef>
-              <a:fillRef idx="0">
-                <a:schemeClr val="accent1"/>
-              </a:fillRef>
-              <a:effectRef idx="1">
-                <a:schemeClr val="accent1"/>
-              </a:effectRef>
-              <a:fontRef idx="minor">
-                <a:schemeClr val="tx1"/>
-              </a:fontRef>
-            </p:style>
-          </p:cxnSp>
-        </p:grpSp>
-        <p:sp>
-          <p:nvSpPr>
-            <p:cNvPr id="83" name="Rectangle 82">
-              <a:extLst>
-                <a:ext uri="{FF2B5EF4-FFF2-40B4-BE49-F238E27FC236}">
-                  <a16:creationId xmlns:a16="http://schemas.microsoft.com/office/drawing/2014/main" id="{FB0A96F4-67B8-632E-4E38-72CF0F10D9E6}"/>
-                </a:ext>
-              </a:extLst>
-            </p:cNvPr>
-            <p:cNvSpPr/>
-            <p:nvPr/>
-          </p:nvSpPr>
-          <p:spPr>
-            <a:xfrm>
-              <a:off x="1890231" y="2789962"/>
-              <a:ext cx="1440000" cy="1440000"/>
-            </a:xfrm>
-            <a:prstGeom prst="rect">
-              <a:avLst/>
-            </a:prstGeom>
-            <a:noFill/>
-            <a:ln>
-              <a:noFill/>
-            </a:ln>
-          </p:spPr>
-          <p:style>
-            <a:lnRef idx="2">
-              <a:schemeClr val="accent1">
-                <a:shade val="15000"/>
-              </a:schemeClr>
-            </a:lnRef>
-            <a:fillRef idx="1">
-              <a:schemeClr val="accent1"/>
-            </a:fillRef>
-            <a:effectRef idx="0">
-              <a:schemeClr val="accent1"/>
-            </a:effectRef>
-            <a:fontRef idx="minor">
-              <a:schemeClr val="lt1"/>
-            </a:fontRef>
-          </p:style>
-          <p:txBody>
-            <a:bodyPr rtlCol="0" anchor="ctr"/>
-            <a:lstStyle/>
-            <a:p>
-              <a:pPr algn="ctr"/>
-              <a:endParaRPr lang="en-NL" dirty="0"/>
-            </a:p>
-          </p:txBody>
-        </p:sp>
-      </p:grpSp>
-      <p:pic>
-        <p:nvPicPr>
-          <p:cNvPr id="26" name="Picture 25">
-            <a:extLst>
-              <a:ext uri="{FF2B5EF4-FFF2-40B4-BE49-F238E27FC236}">
-                <a16:creationId xmlns:a16="http://schemas.microsoft.com/office/drawing/2014/main" id="{941EA942-88F9-BCC8-1444-7BC93A2580D8}"/>
-              </a:ext>
-            </a:extLst>
-          </p:cNvPr>
-          <p:cNvPicPr>
-            <a:picLocks noChangeAspect="1"/>
-          </p:cNvPicPr>
-          <p:nvPr/>
-        </p:nvPicPr>
-        <p:blipFill>
-          <a:blip r:embed="rId6"/>
-          <a:stretch>
-            <a:fillRect/>
-          </a:stretch>
-        </p:blipFill>
-        <p:spPr>
-          <a:xfrm>
-            <a:off x="0" y="-2407161"/>
-            <a:ext cx="9906000" cy="2510141"/>
-          </a:xfrm>
-          <a:prstGeom prst="rect">
-            <a:avLst/>
-          </a:prstGeom>
-        </p:spPr>
-      </p:pic>
-      <p:sp>
-        <p:nvSpPr>
-          <p:cNvPr id="85" name="Rectangle 84">
-            <a:extLst>
-              <a:ext uri="{FF2B5EF4-FFF2-40B4-BE49-F238E27FC236}">
-                <a16:creationId xmlns:a16="http://schemas.microsoft.com/office/drawing/2014/main" id="{1291C0D1-78D3-89FD-4CFF-CBF39C269A70}"/>
-              </a:ext>
-            </a:extLst>
-          </p:cNvPr>
-          <p:cNvSpPr/>
-          <p:nvPr/>
-        </p:nvSpPr>
-        <p:spPr>
-          <a:xfrm>
-            <a:off x="7113000" y="1989000"/>
-            <a:ext cx="1440000" cy="1440000"/>
-          </a:xfrm>
-          <a:prstGeom prst="rect">
-            <a:avLst/>
-          </a:prstGeom>
-          <a:noFill/>
-          <a:ln>
-            <a:noFill/>
-          </a:ln>
-        </p:spPr>
-        <p:style>
-          <a:lnRef idx="2">
-            <a:schemeClr val="accent1">
-              <a:shade val="15000"/>
-            </a:schemeClr>
-          </a:lnRef>
-          <a:fillRef idx="1">
-            <a:schemeClr val="accent1"/>
-          </a:fillRef>
-          <a:effectRef idx="0">
-            <a:schemeClr val="accent1"/>
-          </a:effectRef>
-          <a:fontRef idx="minor">
-            <a:schemeClr val="lt1"/>
-          </a:fontRef>
-        </p:style>
-        <p:txBody>
-          <a:bodyPr rtlCol="0" anchor="t"/>
-          <a:lstStyle/>
-          <a:p>
-            <a:pPr algn="ctr"/>
-            <a:r>
-              <a:rPr lang="en-GB" sz="1100" b="1" dirty="0"/>
-              <a:t>Send a photo of […]</a:t>
-            </a:r>
-          </a:p>
-          <a:p>
-            <a:pPr algn="ctr"/>
-            <a:endParaRPr lang="en-GB" sz="1100" b="1" dirty="0"/>
-          </a:p>
-          <a:p>
-            <a:pPr algn="ctr"/>
-            <a:r>
-              <a:rPr lang="en-GB" sz="1100" b="1" dirty="0"/>
-              <a:t>A bridge</a:t>
-            </a:r>
-          </a:p>
-          <a:p>
-            <a:pPr algn="ctr"/>
-            <a:endParaRPr lang="en-GB" sz="1100" b="1" dirty="0"/>
-          </a:p>
-          <a:p>
-            <a:pPr algn="ctr"/>
-            <a:r>
-              <a:rPr lang="en-GB" sz="1100" b="1" dirty="0"/>
-              <a:t>A road</a:t>
-            </a:r>
-          </a:p>
-          <a:p>
-            <a:pPr algn="ctr"/>
-            <a:endParaRPr lang="en-GB" sz="1100" b="1" dirty="0"/>
-          </a:p>
-          <a:p>
-            <a:pPr algn="ctr"/>
-            <a:r>
-              <a:rPr lang="en-GB" sz="1100" b="1" dirty="0"/>
-              <a:t>A supermarket</a:t>
-            </a:r>
-          </a:p>
-          <a:p>
-            <a:pPr algn="ctr"/>
-            <a:endParaRPr lang="en-GB" sz="1100" b="1" dirty="0"/>
-          </a:p>
-          <a:p>
-            <a:pPr algn="ctr"/>
-            <a:r>
-              <a:rPr lang="en-GB" sz="1100" b="1" dirty="0"/>
-              <a:t>A snack bar</a:t>
-            </a:r>
-          </a:p>
-          <a:p>
-            <a:pPr algn="ctr"/>
-            <a:endParaRPr lang="en-GB" sz="1100" b="1" dirty="0"/>
-          </a:p>
-          <a:p>
-            <a:pPr algn="ctr"/>
-            <a:r>
-              <a:rPr lang="en-GB" sz="1100" b="1" dirty="0"/>
-              <a:t>A museum</a:t>
-            </a:r>
-          </a:p>
-          <a:p>
-            <a:pPr algn="ctr"/>
-            <a:endParaRPr lang="en-GB" sz="1100" b="1" dirty="0"/>
-          </a:p>
-          <a:p>
-            <a:pPr algn="ctr"/>
-            <a:r>
-              <a:rPr lang="en-GB" sz="1100" b="1" dirty="0"/>
-              <a:t>A school</a:t>
-            </a:r>
-          </a:p>
-          <a:p>
-            <a:pPr algn="ctr"/>
-            <a:endParaRPr lang="en-GB" sz="1100" b="1" dirty="0"/>
-          </a:p>
-          <a:p>
-            <a:pPr algn="ctr"/>
-            <a:r>
-              <a:rPr lang="en-GB" sz="1100" b="1" dirty="0"/>
-              <a:t>The tallest building you can see</a:t>
-            </a:r>
-          </a:p>
-          <a:p>
-            <a:pPr algn="ctr"/>
-            <a:endParaRPr lang="en-GB" sz="1100" b="1" dirty="0"/>
-          </a:p>
-          <a:p>
-            <a:pPr algn="ctr"/>
-            <a:r>
-              <a:rPr lang="en-GB" sz="1100" b="1" dirty="0"/>
-              <a:t>The largest body of water that you can see</a:t>
-            </a:r>
-          </a:p>
-          <a:p>
-            <a:pPr algn="ctr"/>
-            <a:endParaRPr lang="en-GB" sz="1100" b="1" dirty="0"/>
-          </a:p>
-          <a:p>
-            <a:pPr algn="ctr"/>
-            <a:r>
-              <a:rPr lang="en-GB" sz="1100" b="1" dirty="0"/>
-              <a:t>A 500 m </a:t>
-            </a:r>
-            <a:r>
-              <a:rPr lang="en-GB" sz="1100" b="1" dirty="0" err="1"/>
-              <a:t>strava</a:t>
-            </a:r>
-            <a:r>
-              <a:rPr lang="en-GB" sz="1100" b="1" dirty="0"/>
-              <a:t> route</a:t>
-            </a:r>
-          </a:p>
-          <a:p>
-            <a:pPr algn="ctr"/>
-            <a:endParaRPr lang="en-GB" sz="1100" b="1" dirty="0"/>
-          </a:p>
-          <a:p>
-            <a:pPr algn="ctr"/>
-            <a:endParaRPr lang="en-GB" sz="1100" b="1" dirty="0"/>
-          </a:p>
-          <a:p>
-            <a:pPr algn="ctr"/>
-            <a:endParaRPr lang="en-GB" sz="1100" b="1" dirty="0"/>
-          </a:p>
-          <a:p>
-            <a:pPr algn="ctr"/>
-            <a:endParaRPr lang="en-GB" sz="1100" b="1" dirty="0"/>
-          </a:p>
-          <a:p>
-            <a:pPr algn="ctr"/>
-            <a:endParaRPr lang="en-GB" sz="1100" b="1" dirty="0"/>
-          </a:p>
-          <a:p>
-            <a:pPr algn="ctr"/>
-            <a:endParaRPr lang="en-GB" sz="1100" b="1" dirty="0"/>
-          </a:p>
-          <a:p>
-            <a:pPr algn="ctr"/>
-            <a:endParaRPr lang="en-GB" sz="1100" b="1" dirty="0"/>
-          </a:p>
-          <a:p>
-            <a:pPr algn="ctr"/>
-            <a:endParaRPr lang="en-GB" sz="1100" b="1" dirty="0"/>
-          </a:p>
-          <a:p>
-            <a:pPr algn="ctr"/>
-            <a:endParaRPr lang="en-NL" sz="1100" b="1" dirty="0"/>
-          </a:p>
-        </p:txBody>
-      </p:sp>
-      <p:sp>
-        <p:nvSpPr>
-          <p:cNvPr id="87" name="Rectangle 86">
-            <a:extLst>
-              <a:ext uri="{FF2B5EF4-FFF2-40B4-BE49-F238E27FC236}">
-                <a16:creationId xmlns:a16="http://schemas.microsoft.com/office/drawing/2014/main" id="{120B2DCF-A3BD-F86D-904B-DF3F93B44EF0}"/>
-              </a:ext>
-            </a:extLst>
-          </p:cNvPr>
-          <p:cNvSpPr/>
-          <p:nvPr/>
-        </p:nvSpPr>
-        <p:spPr>
-          <a:xfrm>
-            <a:off x="1353000" y="1989000"/>
-            <a:ext cx="1440000" cy="1440000"/>
-          </a:xfrm>
-          <a:prstGeom prst="rect">
-            <a:avLst/>
-          </a:prstGeom>
-          <a:noFill/>
-          <a:ln>
-            <a:noFill/>
-          </a:ln>
-        </p:spPr>
-        <p:style>
-          <a:lnRef idx="2">
-            <a:schemeClr val="accent1">
-              <a:shade val="15000"/>
-            </a:schemeClr>
-          </a:lnRef>
-          <a:fillRef idx="1">
-            <a:schemeClr val="accent1"/>
-          </a:fillRef>
-          <a:effectRef idx="0">
-            <a:schemeClr val="accent1"/>
-          </a:effectRef>
-          <a:fontRef idx="minor">
-            <a:schemeClr val="lt1"/>
-          </a:fontRef>
-        </p:style>
-        <p:txBody>
-          <a:bodyPr rtlCol="0" anchor="ctr"/>
-          <a:lstStyle/>
-          <a:p>
-            <a:pPr algn="ctr"/>
-            <a:endParaRPr lang="en-NL" sz="2500" b="1" dirty="0"/>
-          </a:p>
-        </p:txBody>
-      </p:sp>
-      <p:sp>
-        <p:nvSpPr>
-          <p:cNvPr id="89" name="Rectangle 88">
-            <a:extLst>
-              <a:ext uri="{FF2B5EF4-FFF2-40B4-BE49-F238E27FC236}">
-                <a16:creationId xmlns:a16="http://schemas.microsoft.com/office/drawing/2014/main" id="{A8EEFF5C-B9CB-1E17-1C4F-C57EAC74B825}"/>
-              </a:ext>
-            </a:extLst>
-          </p:cNvPr>
-          <p:cNvSpPr/>
-          <p:nvPr/>
-        </p:nvSpPr>
-        <p:spPr>
-          <a:xfrm>
-            <a:off x="1353000" y="1989000"/>
-            <a:ext cx="1440000" cy="1440000"/>
-          </a:xfrm>
-          <a:prstGeom prst="rect">
-            <a:avLst/>
-          </a:prstGeom>
-          <a:noFill/>
-          <a:ln>
-            <a:noFill/>
-          </a:ln>
-        </p:spPr>
-        <p:style>
-          <a:lnRef idx="2">
-            <a:schemeClr val="accent1">
-              <a:shade val="15000"/>
-            </a:schemeClr>
-          </a:lnRef>
-          <a:fillRef idx="1">
-            <a:schemeClr val="accent1"/>
-          </a:fillRef>
-          <a:effectRef idx="0">
-            <a:schemeClr val="accent1"/>
-          </a:effectRef>
-          <a:fontRef idx="minor">
-            <a:schemeClr val="lt1"/>
-          </a:fontRef>
-        </p:style>
-        <p:txBody>
-          <a:bodyPr rtlCol="0" anchor="t"/>
-          <a:lstStyle/>
-          <a:p>
-            <a:pPr algn="ctr"/>
-            <a:r>
-              <a:rPr lang="en-GB" sz="1100" b="1" dirty="0"/>
-              <a:t>Is your nearest […] the same as mine?</a:t>
-            </a:r>
-          </a:p>
-          <a:p>
-            <a:pPr algn="ctr"/>
-            <a:endParaRPr lang="en-GB" sz="1100" b="1" dirty="0"/>
-          </a:p>
-          <a:p>
-            <a:pPr algn="ctr"/>
-            <a:endParaRPr lang="en-GB" sz="1100" b="1" dirty="0"/>
-          </a:p>
-          <a:p>
-            <a:pPr algn="ctr"/>
-            <a:r>
-              <a:rPr lang="en-GB" sz="1100" b="1" dirty="0"/>
-              <a:t>Suburb</a:t>
-            </a:r>
-          </a:p>
-          <a:p>
-            <a:pPr algn="ctr"/>
-            <a:endParaRPr lang="en-GB" sz="1100" b="1" dirty="0"/>
-          </a:p>
-          <a:p>
-            <a:pPr algn="ctr"/>
-            <a:r>
-              <a:rPr lang="en-GB" sz="1100" b="1" dirty="0"/>
-              <a:t>Water body</a:t>
-            </a:r>
-          </a:p>
-          <a:p>
-            <a:pPr algn="ctr"/>
-            <a:r>
-              <a:rPr lang="en-GB" sz="1100" b="1" dirty="0"/>
-              <a:t>(Maas, </a:t>
-            </a:r>
-            <a:r>
-              <a:rPr lang="en-GB" sz="1100" b="1" dirty="0" err="1"/>
-              <a:t>Kralingse</a:t>
-            </a:r>
-            <a:r>
-              <a:rPr lang="en-GB" sz="1100" b="1" dirty="0"/>
-              <a:t> Plas, …)</a:t>
-            </a:r>
-          </a:p>
-          <a:p>
-            <a:pPr algn="ctr"/>
-            <a:endParaRPr lang="en-GB" sz="1100" b="1" dirty="0"/>
-          </a:p>
-          <a:p>
-            <a:pPr algn="ctr"/>
-            <a:r>
-              <a:rPr lang="en-GB" sz="1100" b="1" dirty="0"/>
-              <a:t>A-road </a:t>
-            </a:r>
-          </a:p>
-          <a:p>
-            <a:pPr algn="ctr"/>
-            <a:r>
-              <a:rPr lang="en-GB" sz="1100" b="1" dirty="0"/>
-              <a:t>(A20, A15, …)</a:t>
-            </a:r>
-          </a:p>
-          <a:p>
-            <a:pPr algn="ctr"/>
-            <a:endParaRPr lang="en-GB" sz="1100" b="1" dirty="0"/>
-          </a:p>
-          <a:p>
-            <a:pPr algn="ctr"/>
-            <a:r>
-              <a:rPr lang="en-GB" sz="1100" b="1" dirty="0"/>
-              <a:t>Train station</a:t>
-            </a:r>
-          </a:p>
-          <a:p>
-            <a:pPr algn="ctr"/>
-            <a:endParaRPr lang="en-GB" sz="1100" b="1" dirty="0"/>
-          </a:p>
-          <a:p>
-            <a:pPr algn="ctr"/>
-            <a:r>
-              <a:rPr lang="en-GB" sz="1100" b="1" dirty="0"/>
-              <a:t>Metro station</a:t>
-            </a:r>
-          </a:p>
-          <a:p>
-            <a:pPr algn="ctr"/>
-            <a:endParaRPr lang="en-GB" sz="1100" b="1" dirty="0"/>
-          </a:p>
-          <a:p>
-            <a:pPr algn="ctr"/>
-            <a:r>
-              <a:rPr lang="en-GB" sz="1100" b="1" dirty="0"/>
-              <a:t>Tram station</a:t>
-            </a:r>
-          </a:p>
-          <a:p>
-            <a:pPr algn="ctr"/>
-            <a:endParaRPr lang="en-GB" sz="1100" b="1" dirty="0"/>
-          </a:p>
-          <a:p>
-            <a:pPr algn="ctr"/>
-            <a:endParaRPr lang="en-GB" sz="1100" b="1" dirty="0"/>
-          </a:p>
-          <a:p>
-            <a:pPr algn="ctr"/>
-            <a:endParaRPr lang="en-GB" sz="1100" b="1" dirty="0"/>
-          </a:p>
-          <a:p>
-            <a:pPr algn="ctr"/>
-            <a:endParaRPr lang="en-GB" sz="1100" b="1" dirty="0"/>
-          </a:p>
-          <a:p>
-            <a:pPr algn="ctr"/>
-            <a:endParaRPr lang="en-GB" sz="1100" b="1" dirty="0"/>
-          </a:p>
-          <a:p>
-            <a:pPr algn="ctr"/>
-            <a:endParaRPr lang="en-GB" sz="1100" b="1" dirty="0"/>
-          </a:p>
-          <a:p>
-            <a:pPr algn="ctr"/>
-            <a:endParaRPr lang="en-GB" sz="1100" b="1" dirty="0"/>
-          </a:p>
-          <a:p>
-            <a:pPr algn="ctr"/>
-            <a:endParaRPr lang="en-NL" sz="1100" b="1" dirty="0"/>
-          </a:p>
-        </p:txBody>
-      </p:sp>
-      <p:sp>
-        <p:nvSpPr>
-          <p:cNvPr id="91" name="Rectangle 90">
-            <a:extLst>
-              <a:ext uri="{FF2B5EF4-FFF2-40B4-BE49-F238E27FC236}">
-                <a16:creationId xmlns:a16="http://schemas.microsoft.com/office/drawing/2014/main" id="{975F2778-0BE5-B549-A01E-5F6D2AFFB1CE}"/>
-              </a:ext>
-            </a:extLst>
-          </p:cNvPr>
-          <p:cNvSpPr/>
-          <p:nvPr/>
-        </p:nvSpPr>
-        <p:spPr>
-          <a:xfrm>
-            <a:off x="2793000" y="1989000"/>
-            <a:ext cx="1440000" cy="1440000"/>
-          </a:xfrm>
-          <a:prstGeom prst="rect">
-            <a:avLst/>
-          </a:prstGeom>
-          <a:noFill/>
-          <a:ln>
-            <a:noFill/>
-          </a:ln>
-        </p:spPr>
-        <p:style>
-          <a:lnRef idx="2">
-            <a:schemeClr val="accent1">
-              <a:shade val="15000"/>
-            </a:schemeClr>
-          </a:lnRef>
-          <a:fillRef idx="1">
-            <a:schemeClr val="accent1"/>
-          </a:fillRef>
-          <a:effectRef idx="0">
-            <a:schemeClr val="accent1"/>
-          </a:effectRef>
-          <a:fontRef idx="minor">
-            <a:schemeClr val="lt1"/>
-          </a:fontRef>
-        </p:style>
-        <p:txBody>
-          <a:bodyPr rtlCol="0" anchor="t"/>
-          <a:lstStyle/>
-          <a:p>
-            <a:pPr algn="ctr"/>
-            <a:r>
-              <a:rPr lang="en-GB" sz="1100" b="1" dirty="0"/>
-              <a:t>Compared to me, are you closer to or further from a […]?</a:t>
-            </a:r>
-          </a:p>
-          <a:p>
-            <a:pPr algn="ctr"/>
-            <a:endParaRPr lang="en-GB" sz="1100" b="1" dirty="0"/>
-          </a:p>
-          <a:p>
-            <a:pPr algn="ctr"/>
-            <a:r>
-              <a:rPr lang="en-GB" sz="1100" b="1" dirty="0"/>
-              <a:t>Church</a:t>
-            </a:r>
-          </a:p>
-          <a:p>
-            <a:pPr algn="ctr"/>
-            <a:endParaRPr lang="en-GB" sz="1100" b="1" dirty="0"/>
-          </a:p>
-          <a:p>
-            <a:pPr algn="ctr"/>
-            <a:r>
-              <a:rPr lang="en-GB" sz="1100" b="1" dirty="0"/>
-              <a:t>School</a:t>
-            </a:r>
-          </a:p>
-          <a:p>
-            <a:pPr algn="ctr"/>
-            <a:endParaRPr lang="en-GB" sz="1100" b="1" dirty="0"/>
-          </a:p>
-          <a:p>
-            <a:pPr algn="ctr"/>
-            <a:r>
-              <a:rPr lang="en-GB" sz="1100" b="1" dirty="0"/>
-              <a:t>Museum</a:t>
-            </a:r>
-          </a:p>
-          <a:p>
-            <a:pPr algn="ctr"/>
-            <a:endParaRPr lang="en-GB" sz="1100" b="1" dirty="0"/>
-          </a:p>
-          <a:p>
-            <a:pPr algn="ctr"/>
-            <a:r>
-              <a:rPr lang="en-GB" sz="1100" b="1" dirty="0"/>
-              <a:t>Supermarket</a:t>
-            </a:r>
-          </a:p>
-          <a:p>
-            <a:pPr algn="ctr"/>
-            <a:endParaRPr lang="en-GB" sz="1100" b="1" dirty="0"/>
-          </a:p>
-          <a:p>
-            <a:pPr algn="ctr"/>
-            <a:r>
-              <a:rPr lang="en-GB" sz="1100" b="1" dirty="0"/>
-              <a:t>School</a:t>
-            </a:r>
-          </a:p>
-          <a:p>
-            <a:pPr algn="ctr"/>
-            <a:endParaRPr lang="en-GB" sz="1100" b="1" dirty="0"/>
-          </a:p>
-          <a:p>
-            <a:pPr algn="ctr"/>
-            <a:r>
-              <a:rPr lang="en-GB" sz="1100" b="1" dirty="0"/>
-              <a:t>Church</a:t>
-            </a:r>
-          </a:p>
-          <a:p>
-            <a:pPr algn="ctr"/>
-            <a:endParaRPr lang="en-GB" sz="1100" b="1" dirty="0"/>
-          </a:p>
-          <a:p>
-            <a:pPr algn="ctr"/>
-            <a:endParaRPr lang="en-GB" sz="1100" b="1" dirty="0"/>
-          </a:p>
-          <a:p>
-            <a:pPr algn="ctr"/>
-            <a:endParaRPr lang="en-GB" sz="1100" b="1" dirty="0"/>
-          </a:p>
-          <a:p>
-            <a:pPr algn="ctr"/>
-            <a:endParaRPr lang="en-NL" sz="1100" b="1" dirty="0"/>
-          </a:p>
-        </p:txBody>
-      </p:sp>
-      <p:sp>
-        <p:nvSpPr>
-          <p:cNvPr id="94" name="Rectangle 93">
-            <a:extLst>
-              <a:ext uri="{FF2B5EF4-FFF2-40B4-BE49-F238E27FC236}">
-                <a16:creationId xmlns:a16="http://schemas.microsoft.com/office/drawing/2014/main" id="{EB6BB4EC-BA51-A37D-3482-439A4D84AA9F}"/>
-              </a:ext>
-            </a:extLst>
-          </p:cNvPr>
-          <p:cNvSpPr/>
-          <p:nvPr/>
-        </p:nvSpPr>
-        <p:spPr>
-          <a:xfrm>
-            <a:off x="4233000" y="1989000"/>
-            <a:ext cx="1440000" cy="1440000"/>
-          </a:xfrm>
-          <a:prstGeom prst="rect">
-            <a:avLst/>
-          </a:prstGeom>
-          <a:noFill/>
-          <a:ln>
-            <a:noFill/>
-          </a:ln>
-        </p:spPr>
-        <p:style>
-          <a:lnRef idx="2">
-            <a:schemeClr val="accent1">
-              <a:shade val="15000"/>
-            </a:schemeClr>
-          </a:lnRef>
-          <a:fillRef idx="1">
-            <a:schemeClr val="accent1"/>
-          </a:fillRef>
-          <a:effectRef idx="0">
-            <a:schemeClr val="accent1"/>
-          </a:effectRef>
-          <a:fontRef idx="minor">
-            <a:schemeClr val="lt1"/>
-          </a:fontRef>
-        </p:style>
-        <p:txBody>
-          <a:bodyPr rtlCol="0" anchor="t"/>
-          <a:lstStyle/>
-          <a:p>
-            <a:pPr algn="ctr"/>
-            <a:r>
-              <a:rPr lang="en-GB" sz="1100" b="1" dirty="0"/>
-              <a:t>I’ve just travelled (at least) […]. Am I hotter or colder?</a:t>
-            </a:r>
-          </a:p>
-          <a:p>
-            <a:pPr algn="ctr"/>
-            <a:endParaRPr lang="en-GB" sz="1100" b="1" dirty="0"/>
-          </a:p>
-          <a:p>
-            <a:pPr algn="ctr"/>
-            <a:r>
-              <a:rPr lang="en-GB" sz="1100" b="1" dirty="0"/>
-              <a:t>2 km</a:t>
-            </a:r>
-          </a:p>
-          <a:p>
-            <a:pPr algn="ctr"/>
-            <a:endParaRPr lang="en-GB" sz="1100" b="1" dirty="0"/>
-          </a:p>
-          <a:p>
-            <a:pPr algn="ctr"/>
-            <a:r>
-              <a:rPr lang="en-GB" sz="1100" b="1" dirty="0"/>
-              <a:t>1 km</a:t>
-            </a:r>
-          </a:p>
-          <a:p>
-            <a:pPr algn="ctr"/>
-            <a:endParaRPr lang="en-GB" sz="1100" b="1" dirty="0"/>
-          </a:p>
-          <a:p>
-            <a:pPr algn="ctr"/>
-            <a:r>
-              <a:rPr lang="en-GB" sz="1100" b="1" dirty="0"/>
-              <a:t>500 m</a:t>
-            </a:r>
-            <a:endParaRPr lang="en-NL" sz="1100" b="1" dirty="0"/>
-          </a:p>
-        </p:txBody>
-      </p:sp>
-      <p:sp>
-        <p:nvSpPr>
-          <p:cNvPr id="95" name="Rectangle 94">
-            <a:extLst>
-              <a:ext uri="{FF2B5EF4-FFF2-40B4-BE49-F238E27FC236}">
-                <a16:creationId xmlns:a16="http://schemas.microsoft.com/office/drawing/2014/main" id="{E1C14839-322C-0B5D-CE63-F2473C58C3B6}"/>
-              </a:ext>
-            </a:extLst>
-          </p:cNvPr>
-          <p:cNvSpPr/>
-          <p:nvPr/>
-        </p:nvSpPr>
-        <p:spPr>
-          <a:xfrm>
-            <a:off x="5673000" y="1989000"/>
-            <a:ext cx="1440000" cy="1440000"/>
-          </a:xfrm>
-          <a:prstGeom prst="rect">
-            <a:avLst/>
-          </a:prstGeom>
-          <a:noFill/>
-          <a:ln>
-            <a:noFill/>
-          </a:ln>
-        </p:spPr>
-        <p:style>
-          <a:lnRef idx="2">
-            <a:schemeClr val="accent1">
-              <a:shade val="15000"/>
-            </a:schemeClr>
-          </a:lnRef>
-          <a:fillRef idx="1">
-            <a:schemeClr val="accent1"/>
-          </a:fillRef>
-          <a:effectRef idx="0">
-            <a:schemeClr val="accent1"/>
-          </a:effectRef>
-          <a:fontRef idx="minor">
-            <a:schemeClr val="lt1"/>
-          </a:fontRef>
-        </p:style>
-        <p:txBody>
-          <a:bodyPr rtlCol="0" anchor="t"/>
-          <a:lstStyle/>
-          <a:p>
-            <a:pPr algn="ctr"/>
-            <a:r>
-              <a:rPr lang="en-GB" sz="1100" b="1" dirty="0"/>
-              <a:t>Are you within a distance of […] from me?</a:t>
-            </a:r>
-          </a:p>
-          <a:p>
-            <a:pPr algn="ctr"/>
-            <a:endParaRPr lang="en-GB" sz="1100" b="1" dirty="0"/>
-          </a:p>
-          <a:p>
-            <a:pPr algn="ctr"/>
-            <a:r>
-              <a:rPr lang="en-GB" sz="1100" b="1" dirty="0"/>
-              <a:t>5 km</a:t>
-            </a:r>
-          </a:p>
-          <a:p>
-            <a:pPr algn="ctr"/>
-            <a:endParaRPr lang="en-GB" sz="1100" b="1" dirty="0"/>
-          </a:p>
-          <a:p>
-            <a:pPr algn="ctr"/>
-            <a:r>
-              <a:rPr lang="en-GB" sz="1100" b="1" dirty="0"/>
-              <a:t>2 km</a:t>
-            </a:r>
-          </a:p>
-          <a:p>
-            <a:pPr algn="ctr"/>
-            <a:endParaRPr lang="en-GB" sz="1100" b="1" dirty="0"/>
-          </a:p>
-          <a:p>
-            <a:pPr algn="ctr"/>
-            <a:r>
-              <a:rPr lang="en-GB" sz="1100" b="1" dirty="0"/>
-              <a:t>1 km</a:t>
-            </a:r>
-          </a:p>
-          <a:p>
-            <a:pPr algn="ctr"/>
-            <a:endParaRPr lang="en-GB" sz="1100" b="1" dirty="0"/>
-          </a:p>
-          <a:p>
-            <a:pPr algn="ctr"/>
-            <a:r>
-              <a:rPr lang="en-GB" sz="1100" b="1" dirty="0"/>
-              <a:t>500 m</a:t>
-            </a:r>
-          </a:p>
-          <a:p>
-            <a:pPr algn="ctr"/>
-            <a:endParaRPr lang="en-GB" sz="1100" b="1" dirty="0"/>
-          </a:p>
-          <a:p>
-            <a:pPr algn="ctr"/>
-            <a:r>
-              <a:rPr lang="en-GB" sz="1100" b="1" dirty="0"/>
-              <a:t>250 m</a:t>
-            </a:r>
-          </a:p>
-        </p:txBody>
-      </p:sp>
-    </p:spTree>
-    <p:extLst>
-      <p:ext uri="{BB962C8B-B14F-4D97-AF65-F5344CB8AC3E}">
-        <p14:creationId xmlns:p14="http://schemas.microsoft.com/office/powerpoint/2010/main" val="2551694278"/>
-      </p:ext>
-    </p:extLst>
-  </p:cSld>
-  <p:clrMapOvr>
-    <a:masterClrMapping/>
-  </p:clrMapOvr>
-</p:sld>
-</file>
-
-<file path=ppt/slides/slide7.xml><?xml version="1.0" encoding="utf-8"?>
-<p:sld xmlns:a="http://schemas.openxmlformats.org/drawingml/2006/main" xmlns:r="http://schemas.openxmlformats.org/officeDocument/2006/relationships" xmlns:p="http://schemas.openxmlformats.org/presentationml/2006/main">
-  <p:cSld>
-    <p:spTree>
-      <p:nvGrpSpPr>
-        <p:cNvPr id="1" name="">
-          <a:extLst>
-            <a:ext uri="{FF2B5EF4-FFF2-40B4-BE49-F238E27FC236}">
               <a16:creationId xmlns:a16="http://schemas.microsoft.com/office/drawing/2014/main" id="{EDD6B33D-5C04-BCF7-ECE8-9338D53BB0C5}"/>
             </a:ext>
           </a:extLst>
@@ -12646,7 +10373,7 @@
               <a:pPr algn="ctr"/>
               <a:r>
                 <a:rPr lang="en-GB" sz="1600" b="1" dirty="0"/>
-                <a:t>Train Station</a:t>
+                <a:t>Train Line</a:t>
               </a:r>
             </a:p>
           </p:txBody>
@@ -13705,7 +11432,7 @@
               <a:pPr algn="ctr"/>
               <a:r>
                 <a:rPr lang="en-GB" sz="1600" b="1" dirty="0"/>
-                <a:t>Metro Station</a:t>
+                <a:t>Metro Line</a:t>
               </a:r>
             </a:p>
           </p:txBody>
@@ -15083,7 +12810,9 @@
                 </a:pathLst>
               </a:custGeom>
               <a:solidFill>
-                <a:schemeClr val="bg1"/>
+                <a:schemeClr val="bg1">
+                  <a:lumMod val="95000"/>
+                </a:schemeClr>
               </a:solidFill>
               <a:ln w="11906" cap="flat">
                 <a:noFill/>
@@ -15439,7 +13168,7 @@
               <a:pPr algn="ctr"/>
               <a:r>
                 <a:rPr lang="en-GB" sz="1600" b="1" dirty="0"/>
-                <a:t>Tram Station</a:t>
+                <a:t>Tram Line</a:t>
               </a:r>
             </a:p>
           </p:txBody>
@@ -16043,6 +13772,923 @@
           </p:spPr>
         </p:pic>
       </p:grpSp>
+      <p:grpSp>
+        <p:nvGrpSpPr>
+          <p:cNvPr id="27" name="Group 26">
+            <a:extLst>
+              <a:ext uri="{FF2B5EF4-FFF2-40B4-BE49-F238E27FC236}">
+                <a16:creationId xmlns:a16="http://schemas.microsoft.com/office/drawing/2014/main" id="{C876A481-DB43-848D-3FD5-9F26806CDFB6}"/>
+              </a:ext>
+            </a:extLst>
+          </p:cNvPr>
+          <p:cNvGrpSpPr/>
+          <p:nvPr/>
+        </p:nvGrpSpPr>
+        <p:grpSpPr>
+          <a:xfrm>
+            <a:off x="4233000" y="1989000"/>
+            <a:ext cx="1440000" cy="1440000"/>
+            <a:chOff x="4233000" y="1989000"/>
+            <a:chExt cx="1440000" cy="1440000"/>
+          </a:xfrm>
+        </p:grpSpPr>
+        <p:sp>
+          <p:nvSpPr>
+            <p:cNvPr id="6" name="Rectangle 5">
+              <a:extLst>
+                <a:ext uri="{FF2B5EF4-FFF2-40B4-BE49-F238E27FC236}">
+                  <a16:creationId xmlns:a16="http://schemas.microsoft.com/office/drawing/2014/main" id="{2C1AE6B9-C6D1-3465-BE11-872433F7052E}"/>
+                </a:ext>
+              </a:extLst>
+            </p:cNvPr>
+            <p:cNvSpPr/>
+            <p:nvPr/>
+          </p:nvSpPr>
+          <p:spPr>
+            <a:xfrm>
+              <a:off x="4233000" y="1989000"/>
+              <a:ext cx="1440000" cy="1440000"/>
+            </a:xfrm>
+            <a:prstGeom prst="rect">
+              <a:avLst/>
+            </a:prstGeom>
+            <a:noFill/>
+            <a:ln>
+              <a:noFill/>
+            </a:ln>
+          </p:spPr>
+          <p:style>
+            <a:lnRef idx="2">
+              <a:schemeClr val="accent1">
+                <a:shade val="15000"/>
+              </a:schemeClr>
+            </a:lnRef>
+            <a:fillRef idx="1">
+              <a:schemeClr val="accent1"/>
+            </a:fillRef>
+            <a:effectRef idx="0">
+              <a:schemeClr val="accent1"/>
+            </a:effectRef>
+            <a:fontRef idx="minor">
+              <a:schemeClr val="lt1"/>
+            </a:fontRef>
+          </p:style>
+          <p:txBody>
+            <a:bodyPr rtlCol="0" anchor="ctr"/>
+            <a:lstStyle/>
+            <a:p>
+              <a:pPr algn="ctr"/>
+              <a:endParaRPr lang="en-GB" sz="1600" b="1" dirty="0"/>
+            </a:p>
+            <a:p>
+              <a:pPr algn="ctr"/>
+              <a:endParaRPr lang="en-GB" sz="1600" b="1" dirty="0"/>
+            </a:p>
+            <a:p>
+              <a:pPr algn="ctr"/>
+              <a:endParaRPr lang="en-GB" sz="1600" b="1" dirty="0"/>
+            </a:p>
+            <a:p>
+              <a:pPr algn="ctr"/>
+              <a:endParaRPr lang="en-GB" sz="1600" b="1" dirty="0"/>
+            </a:p>
+            <a:p>
+              <a:pPr algn="ctr"/>
+              <a:r>
+                <a:rPr lang="en-GB" sz="1600" b="1" dirty="0"/>
+                <a:t>Street/Path</a:t>
+              </a:r>
+            </a:p>
+          </p:txBody>
+        </p:sp>
+        <p:grpSp>
+          <p:nvGrpSpPr>
+            <p:cNvPr id="24" name="Group 23">
+              <a:extLst>
+                <a:ext uri="{FF2B5EF4-FFF2-40B4-BE49-F238E27FC236}">
+                  <a16:creationId xmlns:a16="http://schemas.microsoft.com/office/drawing/2014/main" id="{EC17F677-1A1D-BB0E-08E5-3B836C2255E0}"/>
+                </a:ext>
+              </a:extLst>
+            </p:cNvPr>
+            <p:cNvGrpSpPr/>
+            <p:nvPr/>
+          </p:nvGrpSpPr>
+          <p:grpSpPr>
+            <a:xfrm>
+              <a:off x="4543482" y="2248784"/>
+              <a:ext cx="809567" cy="714374"/>
+              <a:chOff x="4544017" y="2126473"/>
+              <a:chExt cx="809567" cy="714374"/>
+            </a:xfrm>
+            <a:solidFill>
+              <a:schemeClr val="bg1">
+                <a:lumMod val="95000"/>
+              </a:schemeClr>
+            </a:solidFill>
+          </p:grpSpPr>
+          <p:sp>
+            <p:nvSpPr>
+              <p:cNvPr id="21" name="Freeform: Shape 20">
+                <a:extLst>
+                  <a:ext uri="{FF2B5EF4-FFF2-40B4-BE49-F238E27FC236}">
+                    <a16:creationId xmlns:a16="http://schemas.microsoft.com/office/drawing/2014/main" id="{E71DE1CA-154C-0E92-AD61-BF78DEA69711}"/>
+                  </a:ext>
+                </a:extLst>
+              </p:cNvPr>
+              <p:cNvSpPr/>
+              <p:nvPr/>
+            </p:nvSpPr>
+            <p:spPr>
+              <a:xfrm>
+                <a:off x="4627122" y="2212198"/>
+                <a:ext cx="212169" cy="371475"/>
+              </a:xfrm>
+              <a:custGeom>
+                <a:avLst/>
+                <a:gdLst>
+                  <a:gd name="connsiteX0" fmla="*/ 155362 w 212169"/>
+                  <a:gd name="connsiteY0" fmla="*/ 199720 h 371475"/>
+                  <a:gd name="connsiteX1" fmla="*/ 190319 w 212169"/>
+                  <a:gd name="connsiteY1" fmla="*/ 199720 h 371475"/>
+                  <a:gd name="connsiteX2" fmla="*/ 106194 w 212169"/>
+                  <a:gd name="connsiteY2" fmla="*/ 0 h 371475"/>
+                  <a:gd name="connsiteX3" fmla="*/ 21850 w 212169"/>
+                  <a:gd name="connsiteY3" fmla="*/ 199720 h 371475"/>
+                  <a:gd name="connsiteX4" fmla="*/ 56817 w 212169"/>
+                  <a:gd name="connsiteY4" fmla="*/ 199720 h 371475"/>
+                  <a:gd name="connsiteX5" fmla="*/ 0 w 212169"/>
+                  <a:gd name="connsiteY5" fmla="*/ 318373 h 371475"/>
+                  <a:gd name="connsiteX6" fmla="*/ 84344 w 212169"/>
+                  <a:gd name="connsiteY6" fmla="*/ 318373 h 371475"/>
+                  <a:gd name="connsiteX7" fmla="*/ 84344 w 212169"/>
+                  <a:gd name="connsiteY7" fmla="*/ 371475 h 371475"/>
+                  <a:gd name="connsiteX8" fmla="*/ 128045 w 212169"/>
+                  <a:gd name="connsiteY8" fmla="*/ 371475 h 371475"/>
+                  <a:gd name="connsiteX9" fmla="*/ 128045 w 212169"/>
+                  <a:gd name="connsiteY9" fmla="*/ 318373 h 371475"/>
+                  <a:gd name="connsiteX10" fmla="*/ 212169 w 212169"/>
+                  <a:gd name="connsiteY10" fmla="*/ 318373 h 371475"/>
+                  <a:gd name="connsiteX11" fmla="*/ 155362 w 212169"/>
+                  <a:gd name="connsiteY11" fmla="*/ 199720 h 371475"/>
+                  <a:gd name="connsiteX12" fmla="*/ 155362 w 212169"/>
+                  <a:gd name="connsiteY12" fmla="*/ 199720 h 371475"/>
+                </a:gdLst>
+                <a:ahLst/>
+                <a:cxnLst>
+                  <a:cxn ang="0">
+                    <a:pos x="connsiteX0" y="connsiteY0"/>
+                  </a:cxn>
+                  <a:cxn ang="0">
+                    <a:pos x="connsiteX1" y="connsiteY1"/>
+                  </a:cxn>
+                  <a:cxn ang="0">
+                    <a:pos x="connsiteX2" y="connsiteY2"/>
+                  </a:cxn>
+                  <a:cxn ang="0">
+                    <a:pos x="connsiteX3" y="connsiteY3"/>
+                  </a:cxn>
+                  <a:cxn ang="0">
+                    <a:pos x="connsiteX4" y="connsiteY4"/>
+                  </a:cxn>
+                  <a:cxn ang="0">
+                    <a:pos x="connsiteX5" y="connsiteY5"/>
+                  </a:cxn>
+                  <a:cxn ang="0">
+                    <a:pos x="connsiteX6" y="connsiteY6"/>
+                  </a:cxn>
+                  <a:cxn ang="0">
+                    <a:pos x="connsiteX7" y="connsiteY7"/>
+                  </a:cxn>
+                  <a:cxn ang="0">
+                    <a:pos x="connsiteX8" y="connsiteY8"/>
+                  </a:cxn>
+                  <a:cxn ang="0">
+                    <a:pos x="connsiteX9" y="connsiteY9"/>
+                  </a:cxn>
+                  <a:cxn ang="0">
+                    <a:pos x="connsiteX10" y="connsiteY10"/>
+                  </a:cxn>
+                  <a:cxn ang="0">
+                    <a:pos x="connsiteX11" y="connsiteY11"/>
+                  </a:cxn>
+                  <a:cxn ang="0">
+                    <a:pos x="connsiteX12" y="connsiteY12"/>
+                  </a:cxn>
+                </a:cxnLst>
+                <a:rect l="l" t="t" r="r" b="b"/>
+                <a:pathLst>
+                  <a:path w="212169" h="371475">
+                    <a:moveTo>
+                      <a:pt x="155362" y="199720"/>
+                    </a:moveTo>
+                    <a:lnTo>
+                      <a:pt x="190319" y="199720"/>
+                    </a:lnTo>
+                    <a:lnTo>
+                      <a:pt x="106194" y="0"/>
+                    </a:lnTo>
+                    <a:lnTo>
+                      <a:pt x="21850" y="199720"/>
+                    </a:lnTo>
+                    <a:lnTo>
+                      <a:pt x="56817" y="199720"/>
+                    </a:lnTo>
+                    <a:lnTo>
+                      <a:pt x="0" y="318373"/>
+                    </a:lnTo>
+                    <a:lnTo>
+                      <a:pt x="84344" y="318373"/>
+                    </a:lnTo>
+                    <a:lnTo>
+                      <a:pt x="84344" y="371475"/>
+                    </a:lnTo>
+                    <a:lnTo>
+                      <a:pt x="128045" y="371475"/>
+                    </a:lnTo>
+                    <a:lnTo>
+                      <a:pt x="128045" y="318373"/>
+                    </a:lnTo>
+                    <a:lnTo>
+                      <a:pt x="212169" y="318373"/>
+                    </a:lnTo>
+                    <a:lnTo>
+                      <a:pt x="155362" y="199720"/>
+                    </a:lnTo>
+                    <a:lnTo>
+                      <a:pt x="155362" y="199720"/>
+                    </a:lnTo>
+                    <a:close/>
+                  </a:path>
+                </a:pathLst>
+              </a:custGeom>
+              <a:grpFill/>
+              <a:ln w="9525" cap="flat">
+                <a:noFill/>
+                <a:prstDash val="solid"/>
+                <a:miter/>
+              </a:ln>
+            </p:spPr>
+            <p:txBody>
+              <a:bodyPr rtlCol="0" anchor="ctr"/>
+              <a:lstStyle/>
+              <a:p>
+                <a:endParaRPr lang="en-NL"/>
+              </a:p>
+            </p:txBody>
+          </p:sp>
+          <p:sp>
+            <p:nvSpPr>
+              <p:cNvPr id="22" name="Freeform: Shape 21">
+                <a:extLst>
+                  <a:ext uri="{FF2B5EF4-FFF2-40B4-BE49-F238E27FC236}">
+                    <a16:creationId xmlns:a16="http://schemas.microsoft.com/office/drawing/2014/main" id="{A04B81D0-5365-146F-B247-8B0B614AE70B}"/>
+                  </a:ext>
+                </a:extLst>
+              </p:cNvPr>
+              <p:cNvSpPr/>
+              <p:nvPr/>
+            </p:nvSpPr>
+            <p:spPr>
+              <a:xfrm>
+                <a:off x="5203985" y="2126473"/>
+                <a:ext cx="149599" cy="261918"/>
+              </a:xfrm>
+              <a:custGeom>
+                <a:avLst/>
+                <a:gdLst>
+                  <a:gd name="connsiteX0" fmla="*/ 109547 w 149599"/>
+                  <a:gd name="connsiteY0" fmla="*/ 140818 h 261918"/>
+                  <a:gd name="connsiteX1" fmla="*/ 134198 w 149599"/>
+                  <a:gd name="connsiteY1" fmla="*/ 140818 h 261918"/>
+                  <a:gd name="connsiteX2" fmla="*/ 74876 w 149599"/>
+                  <a:gd name="connsiteY2" fmla="*/ 0 h 261918"/>
+                  <a:gd name="connsiteX3" fmla="*/ 15411 w 149599"/>
+                  <a:gd name="connsiteY3" fmla="*/ 140818 h 261918"/>
+                  <a:gd name="connsiteX4" fmla="*/ 40062 w 149599"/>
+                  <a:gd name="connsiteY4" fmla="*/ 140818 h 261918"/>
+                  <a:gd name="connsiteX5" fmla="*/ 0 w 149599"/>
+                  <a:gd name="connsiteY5" fmla="*/ 224485 h 261918"/>
+                  <a:gd name="connsiteX6" fmla="*/ 59474 w 149599"/>
+                  <a:gd name="connsiteY6" fmla="*/ 224485 h 261918"/>
+                  <a:gd name="connsiteX7" fmla="*/ 59474 w 149599"/>
+                  <a:gd name="connsiteY7" fmla="*/ 261918 h 261918"/>
+                  <a:gd name="connsiteX8" fmla="*/ 90288 w 149599"/>
+                  <a:gd name="connsiteY8" fmla="*/ 261918 h 261918"/>
+                  <a:gd name="connsiteX9" fmla="*/ 90288 w 149599"/>
+                  <a:gd name="connsiteY9" fmla="*/ 224485 h 261918"/>
+                  <a:gd name="connsiteX10" fmla="*/ 149600 w 149599"/>
+                  <a:gd name="connsiteY10" fmla="*/ 224485 h 261918"/>
+                  <a:gd name="connsiteX11" fmla="*/ 109547 w 149599"/>
+                  <a:gd name="connsiteY11" fmla="*/ 140818 h 261918"/>
+                  <a:gd name="connsiteX12" fmla="*/ 109547 w 149599"/>
+                  <a:gd name="connsiteY12" fmla="*/ 140818 h 261918"/>
+                </a:gdLst>
+                <a:ahLst/>
+                <a:cxnLst>
+                  <a:cxn ang="0">
+                    <a:pos x="connsiteX0" y="connsiteY0"/>
+                  </a:cxn>
+                  <a:cxn ang="0">
+                    <a:pos x="connsiteX1" y="connsiteY1"/>
+                  </a:cxn>
+                  <a:cxn ang="0">
+                    <a:pos x="connsiteX2" y="connsiteY2"/>
+                  </a:cxn>
+                  <a:cxn ang="0">
+                    <a:pos x="connsiteX3" y="connsiteY3"/>
+                  </a:cxn>
+                  <a:cxn ang="0">
+                    <a:pos x="connsiteX4" y="connsiteY4"/>
+                  </a:cxn>
+                  <a:cxn ang="0">
+                    <a:pos x="connsiteX5" y="connsiteY5"/>
+                  </a:cxn>
+                  <a:cxn ang="0">
+                    <a:pos x="connsiteX6" y="connsiteY6"/>
+                  </a:cxn>
+                  <a:cxn ang="0">
+                    <a:pos x="connsiteX7" y="connsiteY7"/>
+                  </a:cxn>
+                  <a:cxn ang="0">
+                    <a:pos x="connsiteX8" y="connsiteY8"/>
+                  </a:cxn>
+                  <a:cxn ang="0">
+                    <a:pos x="connsiteX9" y="connsiteY9"/>
+                  </a:cxn>
+                  <a:cxn ang="0">
+                    <a:pos x="connsiteX10" y="connsiteY10"/>
+                  </a:cxn>
+                  <a:cxn ang="0">
+                    <a:pos x="connsiteX11" y="connsiteY11"/>
+                  </a:cxn>
+                  <a:cxn ang="0">
+                    <a:pos x="connsiteX12" y="connsiteY12"/>
+                  </a:cxn>
+                </a:cxnLst>
+                <a:rect l="l" t="t" r="r" b="b"/>
+                <a:pathLst>
+                  <a:path w="149599" h="261918">
+                    <a:moveTo>
+                      <a:pt x="109547" y="140818"/>
+                    </a:moveTo>
+                    <a:lnTo>
+                      <a:pt x="134198" y="140818"/>
+                    </a:lnTo>
+                    <a:lnTo>
+                      <a:pt x="74876" y="0"/>
+                    </a:lnTo>
+                    <a:lnTo>
+                      <a:pt x="15411" y="140818"/>
+                    </a:lnTo>
+                    <a:lnTo>
+                      <a:pt x="40062" y="140818"/>
+                    </a:lnTo>
+                    <a:lnTo>
+                      <a:pt x="0" y="224485"/>
+                    </a:lnTo>
+                    <a:lnTo>
+                      <a:pt x="59474" y="224485"/>
+                    </a:lnTo>
+                    <a:lnTo>
+                      <a:pt x="59474" y="261918"/>
+                    </a:lnTo>
+                    <a:lnTo>
+                      <a:pt x="90288" y="261918"/>
+                    </a:lnTo>
+                    <a:lnTo>
+                      <a:pt x="90288" y="224485"/>
+                    </a:lnTo>
+                    <a:lnTo>
+                      <a:pt x="149600" y="224485"/>
+                    </a:lnTo>
+                    <a:lnTo>
+                      <a:pt x="109547" y="140818"/>
+                    </a:lnTo>
+                    <a:lnTo>
+                      <a:pt x="109547" y="140818"/>
+                    </a:lnTo>
+                    <a:close/>
+                  </a:path>
+                </a:pathLst>
+              </a:custGeom>
+              <a:grpFill/>
+              <a:ln w="9525" cap="flat">
+                <a:noFill/>
+                <a:prstDash val="solid"/>
+                <a:miter/>
+              </a:ln>
+            </p:spPr>
+            <p:txBody>
+              <a:bodyPr rtlCol="0" anchor="ctr"/>
+              <a:lstStyle/>
+              <a:p>
+                <a:endParaRPr lang="en-NL"/>
+              </a:p>
+            </p:txBody>
+          </p:sp>
+          <p:sp>
+            <p:nvSpPr>
+              <p:cNvPr id="23" name="Freeform: Shape 22">
+                <a:extLst>
+                  <a:ext uri="{FF2B5EF4-FFF2-40B4-BE49-F238E27FC236}">
+                    <a16:creationId xmlns:a16="http://schemas.microsoft.com/office/drawing/2014/main" id="{3C87A8ED-6C1E-042E-58CA-89DAE4E8BC47}"/>
+                  </a:ext>
+                </a:extLst>
+              </p:cNvPr>
+              <p:cNvSpPr/>
+              <p:nvPr/>
+            </p:nvSpPr>
+            <p:spPr>
+              <a:xfrm>
+                <a:off x="4544017" y="2259816"/>
+                <a:ext cx="707311" cy="581031"/>
+              </a:xfrm>
+              <a:custGeom>
+                <a:avLst/>
+                <a:gdLst>
+                  <a:gd name="connsiteX0" fmla="*/ 474812 w 707311"/>
+                  <a:gd name="connsiteY0" fmla="*/ 72577 h 581031"/>
+                  <a:gd name="connsiteX1" fmla="*/ 639661 w 707311"/>
+                  <a:gd name="connsiteY1" fmla="*/ 164294 h 581031"/>
+                  <a:gd name="connsiteX2" fmla="*/ 683914 w 707311"/>
+                  <a:gd name="connsiteY2" fmla="*/ 332477 h 581031"/>
+                  <a:gd name="connsiteX3" fmla="*/ 523361 w 707311"/>
+                  <a:gd name="connsiteY3" fmla="*/ 581032 h 581031"/>
+                  <a:gd name="connsiteX4" fmla="*/ 0 w 707311"/>
+                  <a:gd name="connsiteY4" fmla="*/ 581032 h 581031"/>
+                  <a:gd name="connsiteX5" fmla="*/ 417052 w 707311"/>
+                  <a:gd name="connsiteY5" fmla="*/ 323599 h 581031"/>
+                  <a:gd name="connsiteX6" fmla="*/ 466725 w 707311"/>
+                  <a:gd name="connsiteY6" fmla="*/ 161932 h 581031"/>
+                  <a:gd name="connsiteX7" fmla="*/ 380448 w 707311"/>
+                  <a:gd name="connsiteY7" fmla="*/ 72206 h 581031"/>
+                  <a:gd name="connsiteX8" fmla="*/ 476250 w 707311"/>
+                  <a:gd name="connsiteY8" fmla="*/ 7 h 581031"/>
+                  <a:gd name="connsiteX9" fmla="*/ 514350 w 707311"/>
+                  <a:gd name="connsiteY9" fmla="*/ 7 h 581031"/>
+                  <a:gd name="connsiteX10" fmla="*/ 474812 w 707311"/>
+                  <a:gd name="connsiteY10" fmla="*/ 72577 h 581031"/>
+                </a:gdLst>
+                <a:ahLst/>
+                <a:cxnLst>
+                  <a:cxn ang="0">
+                    <a:pos x="connsiteX0" y="connsiteY0"/>
+                  </a:cxn>
+                  <a:cxn ang="0">
+                    <a:pos x="connsiteX1" y="connsiteY1"/>
+                  </a:cxn>
+                  <a:cxn ang="0">
+                    <a:pos x="connsiteX2" y="connsiteY2"/>
+                  </a:cxn>
+                  <a:cxn ang="0">
+                    <a:pos x="connsiteX3" y="connsiteY3"/>
+                  </a:cxn>
+                  <a:cxn ang="0">
+                    <a:pos x="connsiteX4" y="connsiteY4"/>
+                  </a:cxn>
+                  <a:cxn ang="0">
+                    <a:pos x="connsiteX5" y="connsiteY5"/>
+                  </a:cxn>
+                  <a:cxn ang="0">
+                    <a:pos x="connsiteX6" y="connsiteY6"/>
+                  </a:cxn>
+                  <a:cxn ang="0">
+                    <a:pos x="connsiteX7" y="connsiteY7"/>
+                  </a:cxn>
+                  <a:cxn ang="0">
+                    <a:pos x="connsiteX8" y="connsiteY8"/>
+                  </a:cxn>
+                  <a:cxn ang="0">
+                    <a:pos x="connsiteX9" y="connsiteY9"/>
+                  </a:cxn>
+                  <a:cxn ang="0">
+                    <a:pos x="connsiteX10" y="connsiteY10"/>
+                  </a:cxn>
+                </a:cxnLst>
+                <a:rect l="l" t="t" r="r" b="b"/>
+                <a:pathLst>
+                  <a:path w="707311" h="581031">
+                    <a:moveTo>
+                      <a:pt x="474812" y="72577"/>
+                    </a:moveTo>
+                    <a:cubicBezTo>
+                      <a:pt x="514750" y="99609"/>
+                      <a:pt x="621573" y="151416"/>
+                      <a:pt x="639661" y="164294"/>
+                    </a:cubicBezTo>
+                    <a:cubicBezTo>
+                      <a:pt x="664959" y="182296"/>
+                      <a:pt x="747141" y="222825"/>
+                      <a:pt x="683914" y="332477"/>
+                    </a:cubicBezTo>
+                    <a:cubicBezTo>
+                      <a:pt x="620687" y="442128"/>
+                      <a:pt x="562127" y="522929"/>
+                      <a:pt x="523361" y="581032"/>
+                    </a:cubicBezTo>
+                    <a:lnTo>
+                      <a:pt x="0" y="581032"/>
+                    </a:lnTo>
+                    <a:cubicBezTo>
+                      <a:pt x="130131" y="474209"/>
+                      <a:pt x="330460" y="386064"/>
+                      <a:pt x="417052" y="323599"/>
+                    </a:cubicBezTo>
+                    <a:cubicBezTo>
+                      <a:pt x="503644" y="261134"/>
+                      <a:pt x="508340" y="213948"/>
+                      <a:pt x="466725" y="161932"/>
+                    </a:cubicBezTo>
+                    <a:cubicBezTo>
+                      <a:pt x="428625" y="114307"/>
+                      <a:pt x="394449" y="100886"/>
+                      <a:pt x="380448" y="72206"/>
+                    </a:cubicBezTo>
+                    <a:cubicBezTo>
+                      <a:pt x="355521" y="21171"/>
+                      <a:pt x="445541" y="-432"/>
+                      <a:pt x="476250" y="7"/>
+                    </a:cubicBezTo>
+                    <a:cubicBezTo>
+                      <a:pt x="479974" y="7"/>
+                      <a:pt x="514350" y="7"/>
+                      <a:pt x="514350" y="7"/>
+                    </a:cubicBezTo>
+                    <a:cubicBezTo>
+                      <a:pt x="514350" y="7"/>
+                      <a:pt x="434864" y="45555"/>
+                      <a:pt x="474812" y="72577"/>
+                    </a:cubicBezTo>
+                    <a:close/>
+                  </a:path>
+                </a:pathLst>
+              </a:custGeom>
+              <a:grpFill/>
+              <a:ln w="9525" cap="flat">
+                <a:noFill/>
+                <a:prstDash val="solid"/>
+                <a:miter/>
+              </a:ln>
+            </p:spPr>
+            <p:txBody>
+              <a:bodyPr rtlCol="0" anchor="ctr"/>
+              <a:lstStyle/>
+              <a:p>
+                <a:endParaRPr lang="en-NL"/>
+              </a:p>
+            </p:txBody>
+          </p:sp>
+        </p:grpSp>
+      </p:grpSp>
+      <p:grpSp>
+        <p:nvGrpSpPr>
+          <p:cNvPr id="25" name="Group 24">
+            <a:extLst>
+              <a:ext uri="{FF2B5EF4-FFF2-40B4-BE49-F238E27FC236}">
+                <a16:creationId xmlns:a16="http://schemas.microsoft.com/office/drawing/2014/main" id="{445248A1-D2C7-3DA5-5DF5-2F5B33609A20}"/>
+              </a:ext>
+            </a:extLst>
+          </p:cNvPr>
+          <p:cNvGrpSpPr/>
+          <p:nvPr/>
+        </p:nvGrpSpPr>
+        <p:grpSpPr>
+          <a:xfrm>
+            <a:off x="7113000" y="4869000"/>
+            <a:ext cx="1440000" cy="1440000"/>
+            <a:chOff x="4233000" y="3429000"/>
+            <a:chExt cx="1440000" cy="1440000"/>
+          </a:xfrm>
+        </p:grpSpPr>
+        <p:sp>
+          <p:nvSpPr>
+            <p:cNvPr id="9" name="Rectangle 8">
+              <a:extLst>
+                <a:ext uri="{FF2B5EF4-FFF2-40B4-BE49-F238E27FC236}">
+                  <a16:creationId xmlns:a16="http://schemas.microsoft.com/office/drawing/2014/main" id="{5B9D503C-A53C-00F4-4A15-16B25F6BDC05}"/>
+                </a:ext>
+              </a:extLst>
+            </p:cNvPr>
+            <p:cNvSpPr/>
+            <p:nvPr/>
+          </p:nvSpPr>
+          <p:spPr>
+            <a:xfrm>
+              <a:off x="4233000" y="3429000"/>
+              <a:ext cx="1440000" cy="1440000"/>
+            </a:xfrm>
+            <a:prstGeom prst="rect">
+              <a:avLst/>
+            </a:prstGeom>
+            <a:noFill/>
+            <a:ln>
+              <a:noFill/>
+            </a:ln>
+          </p:spPr>
+          <p:style>
+            <a:lnRef idx="2">
+              <a:schemeClr val="accent1">
+                <a:shade val="15000"/>
+              </a:schemeClr>
+            </a:lnRef>
+            <a:fillRef idx="1">
+              <a:schemeClr val="accent1"/>
+            </a:fillRef>
+            <a:effectRef idx="0">
+              <a:schemeClr val="accent1"/>
+            </a:effectRef>
+            <a:fontRef idx="minor">
+              <a:schemeClr val="lt1"/>
+            </a:fontRef>
+          </p:style>
+          <p:txBody>
+            <a:bodyPr rtlCol="0" anchor="ctr"/>
+            <a:lstStyle/>
+            <a:p>
+              <a:pPr algn="ctr"/>
+              <a:endParaRPr lang="en-GB" sz="1600" b="1" dirty="0"/>
+            </a:p>
+            <a:p>
+              <a:pPr algn="ctr"/>
+              <a:endParaRPr lang="en-GB" sz="1600" b="1" dirty="0"/>
+            </a:p>
+            <a:p>
+              <a:pPr algn="ctr"/>
+              <a:endParaRPr lang="en-GB" sz="1600" b="1" dirty="0"/>
+            </a:p>
+            <a:p>
+              <a:pPr algn="ctr"/>
+              <a:endParaRPr lang="en-GB" sz="1600" b="1" dirty="0"/>
+            </a:p>
+            <a:p>
+              <a:pPr algn="ctr"/>
+              <a:r>
+                <a:rPr lang="en-GB" sz="1600" b="1" dirty="0"/>
+                <a:t>Park</a:t>
+              </a:r>
+            </a:p>
+          </p:txBody>
+        </p:sp>
+        <p:sp>
+          <p:nvSpPr>
+            <p:cNvPr id="18" name="Graphic 16" descr="Picnic table with solid fill">
+              <a:extLst>
+                <a:ext uri="{FF2B5EF4-FFF2-40B4-BE49-F238E27FC236}">
+                  <a16:creationId xmlns:a16="http://schemas.microsoft.com/office/drawing/2014/main" id="{A461F7AB-1A3C-4B18-47AE-17539186DB6F}"/>
+                </a:ext>
+              </a:extLst>
+            </p:cNvPr>
+            <p:cNvSpPr/>
+            <p:nvPr/>
+          </p:nvSpPr>
+          <p:spPr>
+            <a:xfrm>
+              <a:off x="4444017" y="3788047"/>
+              <a:ext cx="1017966" cy="648953"/>
+            </a:xfrm>
+            <a:custGeom>
+              <a:avLst/>
+              <a:gdLst>
+                <a:gd name="connsiteX0" fmla="*/ 389573 w 838200"/>
+                <a:gd name="connsiteY0" fmla="*/ 95250 h 534352"/>
+                <a:gd name="connsiteX1" fmla="*/ 447675 w 838200"/>
+                <a:gd name="connsiteY1" fmla="*/ 95250 h 534352"/>
+                <a:gd name="connsiteX2" fmla="*/ 519113 w 838200"/>
+                <a:gd name="connsiteY2" fmla="*/ 266700 h 534352"/>
+                <a:gd name="connsiteX3" fmla="*/ 319088 w 838200"/>
+                <a:gd name="connsiteY3" fmla="*/ 266700 h 534352"/>
+                <a:gd name="connsiteX4" fmla="*/ 389573 w 838200"/>
+                <a:gd name="connsiteY4" fmla="*/ 95250 h 534352"/>
+                <a:gd name="connsiteX5" fmla="*/ 152400 w 838200"/>
+                <a:gd name="connsiteY5" fmla="*/ 0 h 534352"/>
+                <a:gd name="connsiteX6" fmla="*/ 152400 w 838200"/>
+                <a:gd name="connsiteY6" fmla="*/ 95250 h 534352"/>
+                <a:gd name="connsiteX7" fmla="*/ 288608 w 838200"/>
+                <a:gd name="connsiteY7" fmla="*/ 95250 h 534352"/>
+                <a:gd name="connsiteX8" fmla="*/ 217170 w 838200"/>
+                <a:gd name="connsiteY8" fmla="*/ 266700 h 534352"/>
+                <a:gd name="connsiteX9" fmla="*/ 0 w 838200"/>
+                <a:gd name="connsiteY9" fmla="*/ 266700 h 534352"/>
+                <a:gd name="connsiteX10" fmla="*/ 0 w 838200"/>
+                <a:gd name="connsiteY10" fmla="*/ 323850 h 534352"/>
+                <a:gd name="connsiteX11" fmla="*/ 193358 w 838200"/>
+                <a:gd name="connsiteY11" fmla="*/ 323850 h 534352"/>
+                <a:gd name="connsiteX12" fmla="*/ 105728 w 838200"/>
+                <a:gd name="connsiteY12" fmla="*/ 534353 h 534352"/>
+                <a:gd name="connsiteX13" fmla="*/ 207645 w 838200"/>
+                <a:gd name="connsiteY13" fmla="*/ 534353 h 534352"/>
+                <a:gd name="connsiteX14" fmla="*/ 295275 w 838200"/>
+                <a:gd name="connsiteY14" fmla="*/ 323850 h 534352"/>
+                <a:gd name="connsiteX15" fmla="*/ 542925 w 838200"/>
+                <a:gd name="connsiteY15" fmla="*/ 323850 h 534352"/>
+                <a:gd name="connsiteX16" fmla="*/ 630555 w 838200"/>
+                <a:gd name="connsiteY16" fmla="*/ 534353 h 534352"/>
+                <a:gd name="connsiteX17" fmla="*/ 732473 w 838200"/>
+                <a:gd name="connsiteY17" fmla="*/ 534353 h 534352"/>
+                <a:gd name="connsiteX18" fmla="*/ 644843 w 838200"/>
+                <a:gd name="connsiteY18" fmla="*/ 323850 h 534352"/>
+                <a:gd name="connsiteX19" fmla="*/ 838200 w 838200"/>
+                <a:gd name="connsiteY19" fmla="*/ 323850 h 534352"/>
+                <a:gd name="connsiteX20" fmla="*/ 838200 w 838200"/>
+                <a:gd name="connsiteY20" fmla="*/ 266700 h 534352"/>
+                <a:gd name="connsiteX21" fmla="*/ 621030 w 838200"/>
+                <a:gd name="connsiteY21" fmla="*/ 266700 h 534352"/>
+                <a:gd name="connsiteX22" fmla="*/ 549593 w 838200"/>
+                <a:gd name="connsiteY22" fmla="*/ 95250 h 534352"/>
+                <a:gd name="connsiteX23" fmla="*/ 685800 w 838200"/>
+                <a:gd name="connsiteY23" fmla="*/ 95250 h 534352"/>
+                <a:gd name="connsiteX24" fmla="*/ 685800 w 838200"/>
+                <a:gd name="connsiteY24" fmla="*/ 0 h 534352"/>
+                <a:gd name="connsiteX25" fmla="*/ 152400 w 838200"/>
+                <a:gd name="connsiteY25" fmla="*/ 0 h 534352"/>
+              </a:gdLst>
+              <a:ahLst/>
+              <a:cxnLst>
+                <a:cxn ang="0">
+                  <a:pos x="connsiteX0" y="connsiteY0"/>
+                </a:cxn>
+                <a:cxn ang="0">
+                  <a:pos x="connsiteX1" y="connsiteY1"/>
+                </a:cxn>
+                <a:cxn ang="0">
+                  <a:pos x="connsiteX2" y="connsiteY2"/>
+                </a:cxn>
+                <a:cxn ang="0">
+                  <a:pos x="connsiteX3" y="connsiteY3"/>
+                </a:cxn>
+                <a:cxn ang="0">
+                  <a:pos x="connsiteX4" y="connsiteY4"/>
+                </a:cxn>
+                <a:cxn ang="0">
+                  <a:pos x="connsiteX5" y="connsiteY5"/>
+                </a:cxn>
+                <a:cxn ang="0">
+                  <a:pos x="connsiteX6" y="connsiteY6"/>
+                </a:cxn>
+                <a:cxn ang="0">
+                  <a:pos x="connsiteX7" y="connsiteY7"/>
+                </a:cxn>
+                <a:cxn ang="0">
+                  <a:pos x="connsiteX8" y="connsiteY8"/>
+                </a:cxn>
+                <a:cxn ang="0">
+                  <a:pos x="connsiteX9" y="connsiteY9"/>
+                </a:cxn>
+                <a:cxn ang="0">
+                  <a:pos x="connsiteX10" y="connsiteY10"/>
+                </a:cxn>
+                <a:cxn ang="0">
+                  <a:pos x="connsiteX11" y="connsiteY11"/>
+                </a:cxn>
+                <a:cxn ang="0">
+                  <a:pos x="connsiteX12" y="connsiteY12"/>
+                </a:cxn>
+                <a:cxn ang="0">
+                  <a:pos x="connsiteX13" y="connsiteY13"/>
+                </a:cxn>
+                <a:cxn ang="0">
+                  <a:pos x="connsiteX14" y="connsiteY14"/>
+                </a:cxn>
+                <a:cxn ang="0">
+                  <a:pos x="connsiteX15" y="connsiteY15"/>
+                </a:cxn>
+                <a:cxn ang="0">
+                  <a:pos x="connsiteX16" y="connsiteY16"/>
+                </a:cxn>
+                <a:cxn ang="0">
+                  <a:pos x="connsiteX17" y="connsiteY17"/>
+                </a:cxn>
+                <a:cxn ang="0">
+                  <a:pos x="connsiteX18" y="connsiteY18"/>
+                </a:cxn>
+                <a:cxn ang="0">
+                  <a:pos x="connsiteX19" y="connsiteY19"/>
+                </a:cxn>
+                <a:cxn ang="0">
+                  <a:pos x="connsiteX20" y="connsiteY20"/>
+                </a:cxn>
+                <a:cxn ang="0">
+                  <a:pos x="connsiteX21" y="connsiteY21"/>
+                </a:cxn>
+                <a:cxn ang="0">
+                  <a:pos x="connsiteX22" y="connsiteY22"/>
+                </a:cxn>
+                <a:cxn ang="0">
+                  <a:pos x="connsiteX23" y="connsiteY23"/>
+                </a:cxn>
+                <a:cxn ang="0">
+                  <a:pos x="connsiteX24" y="connsiteY24"/>
+                </a:cxn>
+                <a:cxn ang="0">
+                  <a:pos x="connsiteX25" y="connsiteY25"/>
+                </a:cxn>
+              </a:cxnLst>
+              <a:rect l="l" t="t" r="r" b="b"/>
+              <a:pathLst>
+                <a:path w="838200" h="534352">
+                  <a:moveTo>
+                    <a:pt x="389573" y="95250"/>
+                  </a:moveTo>
+                  <a:lnTo>
+                    <a:pt x="447675" y="95250"/>
+                  </a:lnTo>
+                  <a:lnTo>
+                    <a:pt x="519113" y="266700"/>
+                  </a:lnTo>
+                  <a:lnTo>
+                    <a:pt x="319088" y="266700"/>
+                  </a:lnTo>
+                  <a:lnTo>
+                    <a:pt x="389573" y="95250"/>
+                  </a:lnTo>
+                  <a:close/>
+                  <a:moveTo>
+                    <a:pt x="152400" y="0"/>
+                  </a:moveTo>
+                  <a:lnTo>
+                    <a:pt x="152400" y="95250"/>
+                  </a:lnTo>
+                  <a:lnTo>
+                    <a:pt x="288608" y="95250"/>
+                  </a:lnTo>
+                  <a:lnTo>
+                    <a:pt x="217170" y="266700"/>
+                  </a:lnTo>
+                  <a:lnTo>
+                    <a:pt x="0" y="266700"/>
+                  </a:lnTo>
+                  <a:lnTo>
+                    <a:pt x="0" y="323850"/>
+                  </a:lnTo>
+                  <a:lnTo>
+                    <a:pt x="193358" y="323850"/>
+                  </a:lnTo>
+                  <a:lnTo>
+                    <a:pt x="105728" y="534353"/>
+                  </a:lnTo>
+                  <a:lnTo>
+                    <a:pt x="207645" y="534353"/>
+                  </a:lnTo>
+                  <a:lnTo>
+                    <a:pt x="295275" y="323850"/>
+                  </a:lnTo>
+                  <a:lnTo>
+                    <a:pt x="542925" y="323850"/>
+                  </a:lnTo>
+                  <a:lnTo>
+                    <a:pt x="630555" y="534353"/>
+                  </a:lnTo>
+                  <a:lnTo>
+                    <a:pt x="732473" y="534353"/>
+                  </a:lnTo>
+                  <a:lnTo>
+                    <a:pt x="644843" y="323850"/>
+                  </a:lnTo>
+                  <a:lnTo>
+                    <a:pt x="838200" y="323850"/>
+                  </a:lnTo>
+                  <a:lnTo>
+                    <a:pt x="838200" y="266700"/>
+                  </a:lnTo>
+                  <a:lnTo>
+                    <a:pt x="621030" y="266700"/>
+                  </a:lnTo>
+                  <a:lnTo>
+                    <a:pt x="549593" y="95250"/>
+                  </a:lnTo>
+                  <a:lnTo>
+                    <a:pt x="685800" y="95250"/>
+                  </a:lnTo>
+                  <a:lnTo>
+                    <a:pt x="685800" y="0"/>
+                  </a:lnTo>
+                  <a:lnTo>
+                    <a:pt x="152400" y="0"/>
+                  </a:lnTo>
+                  <a:close/>
+                </a:path>
+              </a:pathLst>
+            </a:custGeom>
+            <a:solidFill>
+              <a:schemeClr val="bg1">
+                <a:lumMod val="95000"/>
+              </a:schemeClr>
+            </a:solidFill>
+            <a:ln w="9525" cap="flat">
+              <a:noFill/>
+              <a:prstDash val="solid"/>
+              <a:miter/>
+            </a:ln>
+          </p:spPr>
+          <p:txBody>
+            <a:bodyPr rtlCol="0" anchor="ctr"/>
+            <a:lstStyle/>
+            <a:p>
+              <a:endParaRPr lang="en-NL"/>
+            </a:p>
+          </p:txBody>
+        </p:sp>
+      </p:grpSp>
     </p:spTree>
     <p:extLst>
       <p:ext uri="{BB962C8B-B14F-4D97-AF65-F5344CB8AC3E}">
@@ -16056,7 +14702,7 @@
 </p:sld>
 </file>
 
-<file path=ppt/slides/slide8.xml><?xml version="1.0" encoding="utf-8"?>
+<file path=ppt/slides/slide7.xml><?xml version="1.0" encoding="utf-8"?>
 <p:sld xmlns:a="http://schemas.openxmlformats.org/drawingml/2006/main" xmlns:r="http://schemas.openxmlformats.org/officeDocument/2006/relationships" xmlns:p="http://schemas.openxmlformats.org/presentationml/2006/main">
   <p:cSld>
     <p:spTree>
@@ -20112,7 +18758,7 @@
 </p:sld>
 </file>
 
-<file path=ppt/slides/slide9.xml><?xml version="1.0" encoding="utf-8"?>
+<file path=ppt/slides/slide8.xml><?xml version="1.0" encoding="utf-8"?>
 <p:sld xmlns:a="http://schemas.openxmlformats.org/drawingml/2006/main" xmlns:r="http://schemas.openxmlformats.org/officeDocument/2006/relationships" xmlns:p="http://schemas.openxmlformats.org/presentationml/2006/main">
   <p:cSld>
     <p:spTree>
@@ -20392,7 +19038,7 @@
               <a:pPr algn="ctr"/>
               <a:r>
                 <a:rPr lang="en-GB" sz="1600" b="1" dirty="0"/>
-                <a:t>Strava Route</a:t>
+                <a:t>Trace Route</a:t>
               </a:r>
               <a:endParaRPr lang="en-NL" sz="1600" b="1" dirty="0"/>
             </a:p>
@@ -20483,7 +19129,7 @@
               <a:pPr algn="ctr"/>
               <a:r>
                 <a:rPr lang="en-GB" sz="1600" b="1" dirty="0"/>
-                <a:t>High Building</a:t>
+                <a:t>Building</a:t>
               </a:r>
               <a:endParaRPr lang="en-NL" sz="1600" b="1" dirty="0"/>
             </a:p>
@@ -21186,7 +19832,7 @@
               <a:pPr algn="ctr"/>
               <a:r>
                 <a:rPr lang="en-GB" sz="1600" b="1" dirty="0"/>
-                <a:t>Large Bridge</a:t>
+                <a:t>Bridge</a:t>
               </a:r>
               <a:endParaRPr lang="en-NL" sz="1600" b="1" dirty="0"/>
             </a:p>
@@ -21229,10 +19875,438 @@
           </p:spPr>
         </p:pic>
       </p:grpSp>
+      <p:grpSp>
+        <p:nvGrpSpPr>
+          <p:cNvPr id="12" name="Group 11">
+            <a:extLst>
+              <a:ext uri="{FF2B5EF4-FFF2-40B4-BE49-F238E27FC236}">
+                <a16:creationId xmlns:a16="http://schemas.microsoft.com/office/drawing/2014/main" id="{7F83C51F-858A-9180-6C33-65DE5E946B5A}"/>
+              </a:ext>
+            </a:extLst>
+          </p:cNvPr>
+          <p:cNvGrpSpPr/>
+          <p:nvPr/>
+        </p:nvGrpSpPr>
+        <p:grpSpPr>
+          <a:xfrm>
+            <a:off x="2073000" y="1989000"/>
+            <a:ext cx="1440000" cy="1440000"/>
+            <a:chOff x="2073000" y="1989000"/>
+            <a:chExt cx="1440000" cy="1440000"/>
+          </a:xfrm>
+        </p:grpSpPr>
+        <p:sp>
+          <p:nvSpPr>
+            <p:cNvPr id="11" name="Rectangle 10">
+              <a:extLst>
+                <a:ext uri="{FF2B5EF4-FFF2-40B4-BE49-F238E27FC236}">
+                  <a16:creationId xmlns:a16="http://schemas.microsoft.com/office/drawing/2014/main" id="{40EC4409-C7F7-9CEB-1677-1316F86A3ADF}"/>
+                </a:ext>
+              </a:extLst>
+            </p:cNvPr>
+            <p:cNvSpPr/>
+            <p:nvPr/>
+          </p:nvSpPr>
+          <p:spPr>
+            <a:xfrm>
+              <a:off x="2073000" y="1989000"/>
+              <a:ext cx="1440000" cy="1440000"/>
+            </a:xfrm>
+            <a:prstGeom prst="rect">
+              <a:avLst/>
+            </a:prstGeom>
+            <a:noFill/>
+            <a:ln>
+              <a:noFill/>
+            </a:ln>
+          </p:spPr>
+          <p:style>
+            <a:lnRef idx="2">
+              <a:schemeClr val="accent1">
+                <a:shade val="15000"/>
+              </a:schemeClr>
+            </a:lnRef>
+            <a:fillRef idx="1">
+              <a:schemeClr val="accent1"/>
+            </a:fillRef>
+            <a:effectRef idx="0">
+              <a:schemeClr val="accent1"/>
+            </a:effectRef>
+            <a:fontRef idx="minor">
+              <a:schemeClr val="lt1"/>
+            </a:fontRef>
+          </p:style>
+          <p:txBody>
+            <a:bodyPr rtlCol="0" anchor="ctr"/>
+            <a:lstStyle/>
+            <a:p>
+              <a:pPr algn="ctr"/>
+              <a:endParaRPr lang="en-GB" sz="1600" b="1" dirty="0"/>
+            </a:p>
+            <a:p>
+              <a:pPr algn="ctr"/>
+              <a:endParaRPr lang="en-GB" sz="1600" b="1" dirty="0"/>
+            </a:p>
+            <a:p>
+              <a:pPr algn="ctr"/>
+              <a:endParaRPr lang="en-GB" sz="1600" b="1" dirty="0"/>
+            </a:p>
+            <a:p>
+              <a:pPr algn="ctr"/>
+              <a:endParaRPr lang="en-GB" sz="1600" b="1" dirty="0"/>
+            </a:p>
+            <a:p>
+              <a:pPr algn="ctr"/>
+              <a:r>
+                <a:rPr lang="en-GB" sz="1600" b="1" dirty="0"/>
+                <a:t>Tree</a:t>
+              </a:r>
+              <a:endParaRPr lang="en-NL" sz="1600" b="1" dirty="0"/>
+            </a:p>
+          </p:txBody>
+        </p:sp>
+        <p:pic>
+          <p:nvPicPr>
+            <p:cNvPr id="2" name="Graphic 1" descr="Deciduous tree with solid fill">
+              <a:extLst>
+                <a:ext uri="{FF2B5EF4-FFF2-40B4-BE49-F238E27FC236}">
+                  <a16:creationId xmlns:a16="http://schemas.microsoft.com/office/drawing/2014/main" id="{5AD4EB12-3171-2F6C-D366-E29D83B3E64C}"/>
+                </a:ext>
+              </a:extLst>
+            </p:cNvPr>
+            <p:cNvPicPr>
+              <a:picLocks noChangeAspect="1"/>
+            </p:cNvPicPr>
+            <p:nvPr/>
+          </p:nvPicPr>
+          <p:blipFill>
+            <a:blip r:embed="rId9">
+              <a:extLst>
+                <a:ext uri="{96DAC541-7B7A-43D3-8B79-37D633B846F1}">
+                  <asvg:svgBlip xmlns:asvg="http://schemas.microsoft.com/office/drawing/2016/SVG/main" r:embed="rId10"/>
+                </a:ext>
+              </a:extLst>
+            </a:blip>
+            <a:stretch>
+              <a:fillRect/>
+            </a:stretch>
+          </p:blipFill>
+          <p:spPr>
+            <a:xfrm>
+              <a:off x="2341912" y="2107800"/>
+              <a:ext cx="914400" cy="914400"/>
+            </a:xfrm>
+            <a:prstGeom prst="rect">
+              <a:avLst/>
+            </a:prstGeom>
+          </p:spPr>
+        </p:pic>
+      </p:grpSp>
+      <p:pic>
+        <p:nvPicPr>
+          <p:cNvPr id="17" name="Graphic 16" descr="Electric Tower with solid fill">
+            <a:extLst>
+              <a:ext uri="{FF2B5EF4-FFF2-40B4-BE49-F238E27FC236}">
+                <a16:creationId xmlns:a16="http://schemas.microsoft.com/office/drawing/2014/main" id="{75B6EE98-B2D9-AC60-27B9-FEAF0A39C957}"/>
+              </a:ext>
+            </a:extLst>
+          </p:cNvPr>
+          <p:cNvPicPr>
+            <a:picLocks noChangeAspect="1"/>
+          </p:cNvPicPr>
+          <p:nvPr/>
+        </p:nvPicPr>
+        <p:blipFill>
+          <a:blip r:embed="rId11">
+            <a:extLst>
+              <a:ext uri="{96DAC541-7B7A-43D3-8B79-37D633B846F1}">
+                <asvg:svgBlip xmlns:asvg="http://schemas.microsoft.com/office/drawing/2016/SVG/main" r:embed="rId12"/>
+              </a:ext>
+            </a:extLst>
+          </a:blip>
+          <a:stretch>
+            <a:fillRect/>
+          </a:stretch>
+        </p:blipFill>
+        <p:spPr>
+          <a:xfrm>
+            <a:off x="2505000" y="3907800"/>
+            <a:ext cx="914400" cy="914400"/>
+          </a:xfrm>
+          <a:prstGeom prst="rect">
+            <a:avLst/>
+          </a:prstGeom>
+        </p:spPr>
+      </p:pic>
+      <p:grpSp>
+        <p:nvGrpSpPr>
+          <p:cNvPr id="19" name="Group 18">
+            <a:extLst>
+              <a:ext uri="{FF2B5EF4-FFF2-40B4-BE49-F238E27FC236}">
+                <a16:creationId xmlns:a16="http://schemas.microsoft.com/office/drawing/2014/main" id="{8378A01E-2189-0A29-B6AC-CE31025AA6ED}"/>
+              </a:ext>
+            </a:extLst>
+          </p:cNvPr>
+          <p:cNvGrpSpPr/>
+          <p:nvPr/>
+        </p:nvGrpSpPr>
+        <p:grpSpPr>
+          <a:xfrm>
+            <a:off x="3513000" y="1989000"/>
+            <a:ext cx="1440000" cy="1440000"/>
+            <a:chOff x="2073000" y="1989000"/>
+            <a:chExt cx="1440000" cy="1440000"/>
+          </a:xfrm>
+        </p:grpSpPr>
+        <p:sp>
+          <p:nvSpPr>
+            <p:cNvPr id="20" name="Rectangle 19">
+              <a:extLst>
+                <a:ext uri="{FF2B5EF4-FFF2-40B4-BE49-F238E27FC236}">
+                  <a16:creationId xmlns:a16="http://schemas.microsoft.com/office/drawing/2014/main" id="{157A5608-26FF-51A2-5BF5-DCCF7DF472F9}"/>
+                </a:ext>
+              </a:extLst>
+            </p:cNvPr>
+            <p:cNvSpPr/>
+            <p:nvPr/>
+          </p:nvSpPr>
+          <p:spPr>
+            <a:xfrm>
+              <a:off x="2073000" y="1989000"/>
+              <a:ext cx="1440000" cy="1440000"/>
+            </a:xfrm>
+            <a:prstGeom prst="rect">
+              <a:avLst/>
+            </a:prstGeom>
+            <a:noFill/>
+            <a:ln>
+              <a:noFill/>
+            </a:ln>
+          </p:spPr>
+          <p:style>
+            <a:lnRef idx="2">
+              <a:schemeClr val="accent1">
+                <a:shade val="15000"/>
+              </a:schemeClr>
+            </a:lnRef>
+            <a:fillRef idx="1">
+              <a:schemeClr val="accent1"/>
+            </a:fillRef>
+            <a:effectRef idx="0">
+              <a:schemeClr val="accent1"/>
+            </a:effectRef>
+            <a:fontRef idx="minor">
+              <a:schemeClr val="lt1"/>
+            </a:fontRef>
+          </p:style>
+          <p:txBody>
+            <a:bodyPr rtlCol="0" anchor="ctr"/>
+            <a:lstStyle/>
+            <a:p>
+              <a:pPr algn="ctr"/>
+              <a:endParaRPr lang="en-GB" sz="1600" b="1" dirty="0"/>
+            </a:p>
+            <a:p>
+              <a:pPr algn="ctr"/>
+              <a:endParaRPr lang="en-GB" sz="1600" b="1" dirty="0"/>
+            </a:p>
+            <a:p>
+              <a:pPr algn="ctr"/>
+              <a:endParaRPr lang="en-GB" sz="1600" b="1" dirty="0"/>
+            </a:p>
+            <a:p>
+              <a:pPr algn="ctr"/>
+              <a:endParaRPr lang="en-GB" sz="1600" b="1" dirty="0"/>
+            </a:p>
+            <a:p>
+              <a:pPr algn="ctr"/>
+              <a:r>
+                <a:rPr lang="en-GB" sz="1600" b="1" dirty="0"/>
+                <a:t>Tree</a:t>
+              </a:r>
+              <a:endParaRPr lang="en-NL" sz="1600" b="1" dirty="0"/>
+            </a:p>
+          </p:txBody>
+        </p:sp>
+        <p:pic>
+          <p:nvPicPr>
+            <p:cNvPr id="21" name="Graphic 20" descr="Deciduous tree with solid fill">
+              <a:extLst>
+                <a:ext uri="{FF2B5EF4-FFF2-40B4-BE49-F238E27FC236}">
+                  <a16:creationId xmlns:a16="http://schemas.microsoft.com/office/drawing/2014/main" id="{DE3A1A95-51F8-CA26-B6F9-A8E14C62589A}"/>
+                </a:ext>
+              </a:extLst>
+            </p:cNvPr>
+            <p:cNvPicPr>
+              <a:picLocks noChangeAspect="1"/>
+            </p:cNvPicPr>
+            <p:nvPr/>
+          </p:nvPicPr>
+          <p:blipFill>
+            <a:blip r:embed="rId9">
+              <a:extLst>
+                <a:ext uri="{96DAC541-7B7A-43D3-8B79-37D633B846F1}">
+                  <asvg:svgBlip xmlns:asvg="http://schemas.microsoft.com/office/drawing/2016/SVG/main" r:embed="rId10"/>
+                </a:ext>
+              </a:extLst>
+            </a:blip>
+            <a:stretch>
+              <a:fillRect/>
+            </a:stretch>
+          </p:blipFill>
+          <p:spPr>
+            <a:xfrm>
+              <a:off x="2341912" y="2107800"/>
+              <a:ext cx="914400" cy="914400"/>
+            </a:xfrm>
+            <a:prstGeom prst="rect">
+              <a:avLst/>
+            </a:prstGeom>
+          </p:spPr>
+        </p:pic>
+      </p:grpSp>
     </p:spTree>
     <p:extLst>
       <p:ext uri="{BB962C8B-B14F-4D97-AF65-F5344CB8AC3E}">
         <p14:creationId xmlns:p14="http://schemas.microsoft.com/office/powerpoint/2010/main" val="1631735405"/>
+      </p:ext>
+    </p:extLst>
+  </p:cSld>
+  <p:clrMapOvr>
+    <a:masterClrMapping/>
+  </p:clrMapOvr>
+</p:sld>
+</file>
+
+<file path=ppt/slides/slide9.xml><?xml version="1.0" encoding="utf-8"?>
+<p:sld xmlns:a="http://schemas.openxmlformats.org/drawingml/2006/main" xmlns:r="http://schemas.openxmlformats.org/officeDocument/2006/relationships" xmlns:p="http://schemas.openxmlformats.org/presentationml/2006/main">
+  <p:cSld>
+    <p:spTree>
+      <p:nvGrpSpPr>
+        <p:cNvPr id="1" name="">
+          <a:extLst>
+            <a:ext uri="{FF2B5EF4-FFF2-40B4-BE49-F238E27FC236}">
+              <a16:creationId xmlns:a16="http://schemas.microsoft.com/office/drawing/2014/main" id="{66BC7FFA-FE87-CA85-DEDD-960BFC25ECE9}"/>
+            </a:ext>
+          </a:extLst>
+        </p:cNvPr>
+        <p:cNvGrpSpPr/>
+        <p:nvPr/>
+      </p:nvGrpSpPr>
+      <p:grpSpPr>
+        <a:xfrm>
+          <a:off x="0" y="0"/>
+          <a:ext cx="0" cy="0"/>
+          <a:chOff x="0" y="0"/>
+          <a:chExt cx="0" cy="0"/>
+        </a:xfrm>
+      </p:grpSpPr>
+      <p:pic>
+        <p:nvPicPr>
+          <p:cNvPr id="26" name="Picture 25">
+            <a:extLst>
+              <a:ext uri="{FF2B5EF4-FFF2-40B4-BE49-F238E27FC236}">
+                <a16:creationId xmlns:a16="http://schemas.microsoft.com/office/drawing/2014/main" id="{78E9D0D8-2885-A675-10E7-443354A71468}"/>
+              </a:ext>
+            </a:extLst>
+          </p:cNvPr>
+          <p:cNvPicPr>
+            <a:picLocks noChangeAspect="1"/>
+          </p:cNvPicPr>
+          <p:nvPr/>
+        </p:nvPicPr>
+        <p:blipFill>
+          <a:blip r:embed="rId2"/>
+          <a:stretch>
+            <a:fillRect/>
+          </a:stretch>
+        </p:blipFill>
+        <p:spPr>
+          <a:xfrm>
+            <a:off x="0" y="-2407161"/>
+            <a:ext cx="9906000" cy="2510141"/>
+          </a:xfrm>
+          <a:prstGeom prst="rect">
+            <a:avLst/>
+          </a:prstGeom>
+        </p:spPr>
+      </p:pic>
+      <p:pic>
+        <p:nvPicPr>
+          <p:cNvPr id="30" name="Graphic 29" descr="Badge Follow with solid fill">
+            <a:extLst>
+              <a:ext uri="{FF2B5EF4-FFF2-40B4-BE49-F238E27FC236}">
+                <a16:creationId xmlns:a16="http://schemas.microsoft.com/office/drawing/2014/main" id="{A7A6E2D5-738F-ED61-0543-7762CE392A94}"/>
+              </a:ext>
+            </a:extLst>
+          </p:cNvPr>
+          <p:cNvPicPr>
+            <a:picLocks noChangeAspect="1"/>
+          </p:cNvPicPr>
+          <p:nvPr/>
+        </p:nvPicPr>
+        <p:blipFill>
+          <a:blip r:embed="rId3">
+            <a:extLst>
+              <a:ext uri="{96DAC541-7B7A-43D3-8B79-37D633B846F1}">
+                <asvg:svgBlip xmlns:asvg="http://schemas.microsoft.com/office/drawing/2016/SVG/main" r:embed="rId4"/>
+              </a:ext>
+            </a:extLst>
+          </a:blip>
+          <a:stretch>
+            <a:fillRect/>
+          </a:stretch>
+        </p:blipFill>
+        <p:spPr>
+          <a:xfrm>
+            <a:off x="3513000" y="2709000"/>
+            <a:ext cx="1440000" cy="1440000"/>
+          </a:xfrm>
+          <a:prstGeom prst="rect">
+            <a:avLst/>
+          </a:prstGeom>
+        </p:spPr>
+      </p:pic>
+      <p:pic>
+        <p:nvPicPr>
+          <p:cNvPr id="32" name="Graphic 31" descr="Magic Wand Auto with solid fill">
+            <a:extLst>
+              <a:ext uri="{FF2B5EF4-FFF2-40B4-BE49-F238E27FC236}">
+                <a16:creationId xmlns:a16="http://schemas.microsoft.com/office/drawing/2014/main" id="{AD598D14-58EA-9ED7-9172-C24FDE7380B5}"/>
+              </a:ext>
+            </a:extLst>
+          </p:cNvPr>
+          <p:cNvPicPr>
+            <a:picLocks noChangeAspect="1"/>
+          </p:cNvPicPr>
+          <p:nvPr/>
+        </p:nvPicPr>
+        <p:blipFill>
+          <a:blip r:embed="rId5">
+            <a:extLst>
+              <a:ext uri="{96DAC541-7B7A-43D3-8B79-37D633B846F1}">
+                <asvg:svgBlip xmlns:asvg="http://schemas.microsoft.com/office/drawing/2016/SVG/main" r:embed="rId6"/>
+              </a:ext>
+            </a:extLst>
+          </a:blip>
+          <a:stretch>
+            <a:fillRect/>
+          </a:stretch>
+        </p:blipFill>
+        <p:spPr>
+          <a:xfrm>
+            <a:off x="4953000" y="2709000"/>
+            <a:ext cx="1440000" cy="1440000"/>
+          </a:xfrm>
+          <a:prstGeom prst="rect">
+            <a:avLst/>
+          </a:prstGeom>
+        </p:spPr>
+      </p:pic>
+    </p:spTree>
+    <p:extLst>
+      <p:ext uri="{BB962C8B-B14F-4D97-AF65-F5344CB8AC3E}">
+        <p14:creationId xmlns:p14="http://schemas.microsoft.com/office/powerpoint/2010/main" val="3365089638"/>
       </p:ext>
     </p:extLst>
   </p:cSld>

--- a/prototype/prototype.pptx
+++ b/prototype/prototype.pptx
@@ -5727,7 +5727,10 @@
             <a:lstStyle/>
             <a:p>
               <a:pPr algn="ctr"/>
-              <a:endParaRPr lang="en-NL"/>
+              <a:endParaRPr lang="en-NL" sz="1300" dirty="0">
+                <a:latin typeface="Rubik" pitchFamily="2" charset="-79"/>
+                <a:cs typeface="Rubik" pitchFamily="2" charset="-79"/>
+              </a:endParaRPr>
             </a:p>
           </p:txBody>
         </p:sp>
@@ -5801,7 +5804,10 @@
               <a:lstStyle/>
               <a:p>
                 <a:pPr algn="ctr"/>
-                <a:endParaRPr lang="en-NL"/>
+                <a:endParaRPr lang="en-NL" sz="1300" dirty="0">
+                  <a:latin typeface="Rubik" pitchFamily="2" charset="-79"/>
+                  <a:cs typeface="Rubik" pitchFamily="2" charset="-79"/>
+                </a:endParaRPr>
               </a:p>
             </p:txBody>
           </p:sp>
@@ -5853,7 +5859,10 @@
               <a:lstStyle/>
               <a:p>
                 <a:pPr algn="ctr"/>
-                <a:endParaRPr lang="en-NL"/>
+                <a:endParaRPr lang="en-NL" sz="1300" dirty="0">
+                  <a:latin typeface="Rubik" pitchFamily="2" charset="-79"/>
+                  <a:cs typeface="Rubik" pitchFamily="2" charset="-79"/>
+                </a:endParaRPr>
               </a:p>
             </p:txBody>
           </p:sp>
@@ -6098,7 +6107,10 @@
               <a:bodyPr rtlCol="0" anchor="ctr"/>
               <a:lstStyle/>
               <a:p>
-                <a:endParaRPr lang="en-NL"/>
+                <a:endParaRPr lang="en-NL" sz="1300" dirty="0">
+                  <a:latin typeface="Rubik" pitchFamily="2" charset="-79"/>
+                  <a:cs typeface="Rubik" pitchFamily="2" charset="-79"/>
+                </a:endParaRPr>
               </a:p>
             </p:txBody>
           </p:sp>
@@ -6295,7 +6307,10 @@
               <a:bodyPr rtlCol="0" anchor="ctr"/>
               <a:lstStyle/>
               <a:p>
-                <a:endParaRPr lang="en-NL"/>
+                <a:endParaRPr lang="en-NL" sz="1300" dirty="0">
+                  <a:latin typeface="Rubik" pitchFamily="2" charset="-79"/>
+                  <a:cs typeface="Rubik" pitchFamily="2" charset="-79"/>
+                </a:endParaRPr>
               </a:p>
             </p:txBody>
           </p:sp>
@@ -6478,7 +6493,10 @@
             <a:lstStyle/>
             <a:p>
               <a:pPr algn="ctr"/>
-              <a:endParaRPr lang="en-NL" dirty="0"/>
+              <a:endParaRPr lang="en-NL" sz="1300" dirty="0">
+                <a:latin typeface="Rubik" pitchFamily="2" charset="-79"/>
+                <a:cs typeface="Rubik" pitchFamily="2" charset="-79"/>
+              </a:endParaRPr>
             </a:p>
           </p:txBody>
         </p:sp>
@@ -6579,27 +6597,52 @@
             <a:lstStyle/>
             <a:p>
               <a:pPr algn="ctr"/>
-              <a:endParaRPr lang="en-GB" sz="1600" b="1" dirty="0"/>
+              <a:endParaRPr lang="en-GB" sz="1300" b="1" dirty="0">
+                <a:latin typeface="Rubik" pitchFamily="2" charset="-79"/>
+                <a:cs typeface="Rubik" pitchFamily="2" charset="-79"/>
+              </a:endParaRPr>
             </a:p>
             <a:p>
               <a:pPr algn="ctr"/>
-              <a:endParaRPr lang="en-GB" sz="1600" b="1" dirty="0"/>
+              <a:endParaRPr lang="en-GB" sz="1300" b="1" dirty="0">
+                <a:latin typeface="Rubik" pitchFamily="2" charset="-79"/>
+                <a:cs typeface="Rubik" pitchFamily="2" charset="-79"/>
+              </a:endParaRPr>
             </a:p>
             <a:p>
               <a:pPr algn="ctr"/>
-              <a:endParaRPr lang="en-GB" sz="1600" b="1" dirty="0"/>
+              <a:endParaRPr lang="en-GB" sz="1300" b="1" dirty="0">
+                <a:latin typeface="Rubik" pitchFamily="2" charset="-79"/>
+                <a:cs typeface="Rubik" pitchFamily="2" charset="-79"/>
+              </a:endParaRPr>
             </a:p>
             <a:p>
               <a:pPr algn="ctr"/>
-              <a:endParaRPr lang="en-GB" sz="1600" b="1" dirty="0"/>
+              <a:endParaRPr lang="en-GB" sz="1300" b="1" dirty="0">
+                <a:latin typeface="Rubik" pitchFamily="2" charset="-79"/>
+                <a:cs typeface="Rubik" pitchFamily="2" charset="-79"/>
+              </a:endParaRPr>
+            </a:p>
+            <a:p>
+              <a:pPr algn="ctr"/>
+              <a:endParaRPr lang="en-GB" sz="1300" b="1" dirty="0">
+                <a:latin typeface="Rubik" pitchFamily="2" charset="-79"/>
+                <a:cs typeface="Rubik" pitchFamily="2" charset="-79"/>
+              </a:endParaRPr>
             </a:p>
             <a:p>
               <a:pPr algn="ctr"/>
               <a:r>
-                <a:rPr lang="en-GB" sz="1600" b="1" dirty="0"/>
-                <a:t>Church</a:t>
+                <a:rPr lang="en-GB" sz="1300" b="1" dirty="0">
+                  <a:latin typeface="Rubik" pitchFamily="2" charset="-79"/>
+                  <a:cs typeface="Rubik" pitchFamily="2" charset="-79"/>
+                </a:rPr>
+                <a:t>CHURCH</a:t>
               </a:r>
-              <a:endParaRPr lang="en-NL" sz="1600" b="1" dirty="0"/>
+              <a:endParaRPr lang="en-NL" sz="1300" b="1" dirty="0">
+                <a:latin typeface="Rubik" pitchFamily="2" charset="-79"/>
+                <a:cs typeface="Rubik" pitchFamily="2" charset="-79"/>
+              </a:endParaRPr>
             </a:p>
           </p:txBody>
         </p:sp>
@@ -6654,7 +6697,7 @@
         </p:nvGrpSpPr>
         <p:grpSpPr>
           <a:xfrm>
-            <a:off x="7113000" y="1989000"/>
+            <a:off x="4233000" y="4869000"/>
             <a:ext cx="1440000" cy="1440000"/>
             <a:chOff x="7113000" y="1989000"/>
             <a:chExt cx="1440000" cy="1440000"/>
@@ -6706,27 +6749,52 @@
             <a:lstStyle/>
             <a:p>
               <a:pPr algn="ctr"/>
-              <a:endParaRPr lang="en-GB" sz="1600" b="1" dirty="0"/>
+              <a:endParaRPr lang="en-GB" sz="1300" b="1" dirty="0">
+                <a:latin typeface="Rubik" pitchFamily="2" charset="-79"/>
+                <a:cs typeface="Rubik" pitchFamily="2" charset="-79"/>
+              </a:endParaRPr>
             </a:p>
             <a:p>
               <a:pPr algn="ctr"/>
-              <a:endParaRPr lang="en-GB" sz="1600" b="1" dirty="0"/>
+              <a:endParaRPr lang="en-GB" sz="1300" b="1" dirty="0">
+                <a:latin typeface="Rubik" pitchFamily="2" charset="-79"/>
+                <a:cs typeface="Rubik" pitchFamily="2" charset="-79"/>
+              </a:endParaRPr>
             </a:p>
             <a:p>
               <a:pPr algn="ctr"/>
-              <a:endParaRPr lang="en-GB" sz="1600" b="1" dirty="0"/>
+              <a:endParaRPr lang="en-GB" sz="1300" b="1" dirty="0">
+                <a:latin typeface="Rubik" pitchFamily="2" charset="-79"/>
+                <a:cs typeface="Rubik" pitchFamily="2" charset="-79"/>
+              </a:endParaRPr>
             </a:p>
             <a:p>
               <a:pPr algn="ctr"/>
-              <a:endParaRPr lang="en-GB" sz="1600" b="1" dirty="0"/>
+              <a:endParaRPr lang="en-GB" sz="1300" b="1" dirty="0">
+                <a:latin typeface="Rubik" pitchFamily="2" charset="-79"/>
+                <a:cs typeface="Rubik" pitchFamily="2" charset="-79"/>
+              </a:endParaRPr>
+            </a:p>
+            <a:p>
+              <a:pPr algn="ctr"/>
+              <a:endParaRPr lang="en-GB" sz="1300" b="1" dirty="0">
+                <a:latin typeface="Rubik" pitchFamily="2" charset="-79"/>
+                <a:cs typeface="Rubik" pitchFamily="2" charset="-79"/>
+              </a:endParaRPr>
             </a:p>
             <a:p>
               <a:pPr algn="ctr"/>
               <a:r>
-                <a:rPr lang="en-GB" sz="1600" b="1" dirty="0"/>
-                <a:t>Supermarket</a:t>
+                <a:rPr lang="en-GB" sz="1300" b="1" dirty="0">
+                  <a:latin typeface="Rubik" pitchFamily="2" charset="-79"/>
+                  <a:cs typeface="Rubik" pitchFamily="2" charset="-79"/>
+                </a:rPr>
+                <a:t>SUPERMARKET</a:t>
               </a:r>
-              <a:endParaRPr lang="en-NL" sz="1600" b="1" dirty="0"/>
+              <a:endParaRPr lang="en-NL" sz="1300" b="1" dirty="0">
+                <a:latin typeface="Rubik" pitchFamily="2" charset="-79"/>
+                <a:cs typeface="Rubik" pitchFamily="2" charset="-79"/>
+              </a:endParaRPr>
             </a:p>
           </p:txBody>
         </p:sp>
@@ -6781,7 +6849,7 @@
         </p:nvGrpSpPr>
         <p:grpSpPr>
           <a:xfrm>
-            <a:off x="1353000" y="4869000"/>
+            <a:off x="2793000" y="3429000"/>
             <a:ext cx="1440000" cy="1440000"/>
             <a:chOff x="2793000" y="4869000"/>
             <a:chExt cx="1440000" cy="1440000"/>
@@ -6833,25 +6901,47 @@
             <a:lstStyle/>
             <a:p>
               <a:pPr algn="ctr"/>
-              <a:endParaRPr lang="en-GB" sz="1600" b="1" dirty="0"/>
+              <a:endParaRPr lang="en-GB" sz="1300" b="1" dirty="0">
+                <a:latin typeface="Rubik" pitchFamily="2" charset="-79"/>
+                <a:cs typeface="Rubik" pitchFamily="2" charset="-79"/>
+              </a:endParaRPr>
             </a:p>
             <a:p>
               <a:pPr algn="ctr"/>
-              <a:endParaRPr lang="en-GB" sz="1600" b="1" dirty="0"/>
+              <a:endParaRPr lang="en-GB" sz="1300" b="1" dirty="0">
+                <a:latin typeface="Rubik" pitchFamily="2" charset="-79"/>
+                <a:cs typeface="Rubik" pitchFamily="2" charset="-79"/>
+              </a:endParaRPr>
             </a:p>
             <a:p>
               <a:pPr algn="ctr"/>
-              <a:endParaRPr lang="en-GB" sz="1600" b="1" dirty="0"/>
+              <a:endParaRPr lang="en-GB" sz="1300" b="1" dirty="0">
+                <a:latin typeface="Rubik" pitchFamily="2" charset="-79"/>
+                <a:cs typeface="Rubik" pitchFamily="2" charset="-79"/>
+              </a:endParaRPr>
             </a:p>
             <a:p>
               <a:pPr algn="ctr"/>
-              <a:endParaRPr lang="en-GB" sz="1600" b="1" dirty="0"/>
+              <a:endParaRPr lang="en-GB" sz="1300" b="1" dirty="0">
+                <a:latin typeface="Rubik" pitchFamily="2" charset="-79"/>
+                <a:cs typeface="Rubik" pitchFamily="2" charset="-79"/>
+              </a:endParaRPr>
+            </a:p>
+            <a:p>
+              <a:pPr algn="ctr"/>
+              <a:endParaRPr lang="en-GB" sz="1300" b="1" dirty="0">
+                <a:latin typeface="Rubik" pitchFamily="2" charset="-79"/>
+                <a:cs typeface="Rubik" pitchFamily="2" charset="-79"/>
+              </a:endParaRPr>
             </a:p>
             <a:p>
               <a:pPr algn="ctr"/>
               <a:r>
-                <a:rPr lang="en-GB" sz="1600" b="1" dirty="0"/>
-                <a:t>A-road</a:t>
+                <a:rPr lang="en-GB" sz="1300" b="1" dirty="0">
+                  <a:latin typeface="Rubik" pitchFamily="2" charset="-79"/>
+                  <a:cs typeface="Rubik" pitchFamily="2" charset="-79"/>
+                </a:rPr>
+                <a:t>A-ROAD</a:t>
               </a:r>
             </a:p>
           </p:txBody>
@@ -7795,7 +7885,10 @@
             <a:bodyPr rtlCol="0" anchor="ctr"/>
             <a:lstStyle/>
             <a:p>
-              <a:endParaRPr lang="en-NL" dirty="0"/>
+              <a:endParaRPr lang="en-NL" sz="1300" dirty="0">
+                <a:latin typeface="Rubik" pitchFamily="2" charset="-79"/>
+                <a:cs typeface="Rubik" pitchFamily="2" charset="-79"/>
+              </a:endParaRPr>
             </a:p>
           </p:txBody>
         </p:sp>
@@ -7866,27 +7959,52 @@
             <a:lstStyle/>
             <a:p>
               <a:pPr algn="ctr"/>
-              <a:endParaRPr lang="en-GB" sz="1600" b="1" dirty="0"/>
+              <a:endParaRPr lang="en-GB" sz="1300" b="1" dirty="0">
+                <a:latin typeface="Rubik" pitchFamily="2" charset="-79"/>
+                <a:cs typeface="Rubik" pitchFamily="2" charset="-79"/>
+              </a:endParaRPr>
             </a:p>
             <a:p>
               <a:pPr algn="ctr"/>
-              <a:endParaRPr lang="en-GB" sz="1600" b="1" dirty="0"/>
+              <a:endParaRPr lang="en-GB" sz="1300" b="1" dirty="0">
+                <a:latin typeface="Rubik" pitchFamily="2" charset="-79"/>
+                <a:cs typeface="Rubik" pitchFamily="2" charset="-79"/>
+              </a:endParaRPr>
             </a:p>
             <a:p>
               <a:pPr algn="ctr"/>
-              <a:endParaRPr lang="en-GB" sz="1600" b="1" dirty="0"/>
+              <a:endParaRPr lang="en-GB" sz="1300" b="1" dirty="0">
+                <a:latin typeface="Rubik" pitchFamily="2" charset="-79"/>
+                <a:cs typeface="Rubik" pitchFamily="2" charset="-79"/>
+              </a:endParaRPr>
             </a:p>
             <a:p>
               <a:pPr algn="ctr"/>
-              <a:endParaRPr lang="en-GB" sz="1600" b="1" dirty="0"/>
+              <a:endParaRPr lang="en-GB" sz="1300" b="1" dirty="0">
+                <a:latin typeface="Rubik" pitchFamily="2" charset="-79"/>
+                <a:cs typeface="Rubik" pitchFamily="2" charset="-79"/>
+              </a:endParaRPr>
+            </a:p>
+            <a:p>
+              <a:pPr algn="ctr"/>
+              <a:endParaRPr lang="en-GB" sz="1300" b="1" dirty="0">
+                <a:latin typeface="Rubik" pitchFamily="2" charset="-79"/>
+                <a:cs typeface="Rubik" pitchFamily="2" charset="-79"/>
+              </a:endParaRPr>
             </a:p>
             <a:p>
               <a:pPr algn="ctr"/>
               <a:r>
-                <a:rPr lang="en-GB" sz="1600" b="1" dirty="0"/>
-                <a:t>Suburb</a:t>
+                <a:rPr lang="en-GB" sz="1300" b="1" dirty="0">
+                  <a:latin typeface="Rubik" pitchFamily="2" charset="-79"/>
+                  <a:cs typeface="Rubik" pitchFamily="2" charset="-79"/>
+                </a:rPr>
+                <a:t>SUBURB</a:t>
               </a:r>
-              <a:endParaRPr lang="en-NL" sz="1600" b="1" dirty="0"/>
+              <a:endParaRPr lang="en-NL" sz="1300" b="1" dirty="0">
+                <a:latin typeface="Rubik" pitchFamily="2" charset="-79"/>
+                <a:cs typeface="Rubik" pitchFamily="2" charset="-79"/>
+              </a:endParaRPr>
             </a:p>
           </p:txBody>
         </p:sp>
@@ -8272,7 +8390,10 @@
               <a:bodyPr rtlCol="0" anchor="ctr"/>
               <a:lstStyle/>
               <a:p>
-                <a:endParaRPr lang="en-NL"/>
+                <a:endParaRPr lang="en-NL" sz="1300" dirty="0">
+                  <a:latin typeface="Rubik" pitchFamily="2" charset="-79"/>
+                  <a:cs typeface="Rubik" pitchFamily="2" charset="-79"/>
+                </a:endParaRPr>
               </a:p>
             </p:txBody>
           </p:sp>
@@ -8556,7 +8677,10 @@
               <a:bodyPr rtlCol="0" anchor="ctr"/>
               <a:lstStyle/>
               <a:p>
-                <a:endParaRPr lang="en-NL"/>
+                <a:endParaRPr lang="en-NL" sz="1300" dirty="0">
+                  <a:latin typeface="Rubik" pitchFamily="2" charset="-79"/>
+                  <a:cs typeface="Rubik" pitchFamily="2" charset="-79"/>
+                </a:endParaRPr>
               </a:p>
             </p:txBody>
           </p:sp>
@@ -8824,7 +8948,10 @@
               <a:bodyPr rtlCol="0" anchor="ctr"/>
               <a:lstStyle/>
               <a:p>
-                <a:endParaRPr lang="en-NL"/>
+                <a:endParaRPr lang="en-NL" sz="1300" dirty="0">
+                  <a:latin typeface="Rubik" pitchFamily="2" charset="-79"/>
+                  <a:cs typeface="Rubik" pitchFamily="2" charset="-79"/>
+                </a:endParaRPr>
               </a:p>
             </p:txBody>
           </p:sp>
@@ -8844,7 +8971,7 @@
         </p:nvGrpSpPr>
         <p:grpSpPr>
           <a:xfrm>
-            <a:off x="1353000" y="3429000"/>
+            <a:off x="2793000" y="4869000"/>
             <a:ext cx="1440000" cy="1440000"/>
             <a:chOff x="1353000" y="3429000"/>
             <a:chExt cx="1440000" cy="1440000"/>
@@ -8896,27 +9023,52 @@
             <a:lstStyle/>
             <a:p>
               <a:pPr algn="ctr"/>
-              <a:endParaRPr lang="en-GB" sz="1600" b="1" dirty="0"/>
+              <a:endParaRPr lang="en-GB" sz="1300" b="1" dirty="0">
+                <a:latin typeface="Rubik" pitchFamily="2" charset="-79"/>
+                <a:cs typeface="Rubik" pitchFamily="2" charset="-79"/>
+              </a:endParaRPr>
             </a:p>
             <a:p>
               <a:pPr algn="ctr"/>
-              <a:endParaRPr lang="en-GB" sz="1600" b="1" dirty="0"/>
+              <a:endParaRPr lang="en-GB" sz="1300" b="1" dirty="0">
+                <a:latin typeface="Rubik" pitchFamily="2" charset="-79"/>
+                <a:cs typeface="Rubik" pitchFamily="2" charset="-79"/>
+              </a:endParaRPr>
             </a:p>
             <a:p>
               <a:pPr algn="ctr"/>
-              <a:endParaRPr lang="en-GB" sz="1600" b="1" dirty="0"/>
+              <a:endParaRPr lang="en-GB" sz="1300" b="1" dirty="0">
+                <a:latin typeface="Rubik" pitchFamily="2" charset="-79"/>
+                <a:cs typeface="Rubik" pitchFamily="2" charset="-79"/>
+              </a:endParaRPr>
             </a:p>
             <a:p>
               <a:pPr algn="ctr"/>
-              <a:endParaRPr lang="en-GB" sz="1600" b="1" dirty="0"/>
+              <a:endParaRPr lang="en-GB" sz="1300" b="1" dirty="0">
+                <a:latin typeface="Rubik" pitchFamily="2" charset="-79"/>
+                <a:cs typeface="Rubik" pitchFamily="2" charset="-79"/>
+              </a:endParaRPr>
+            </a:p>
+            <a:p>
+              <a:pPr algn="ctr"/>
+              <a:endParaRPr lang="en-GB" sz="1300" b="1" dirty="0">
+                <a:latin typeface="Rubik" pitchFamily="2" charset="-79"/>
+                <a:cs typeface="Rubik" pitchFamily="2" charset="-79"/>
+              </a:endParaRPr>
             </a:p>
             <a:p>
               <a:pPr algn="ctr"/>
               <a:r>
-                <a:rPr lang="en-GB" sz="1600" b="1" dirty="0"/>
-                <a:t>Water Body</a:t>
+                <a:rPr lang="en-GB" sz="1300" b="1" dirty="0">
+                  <a:latin typeface="Rubik" pitchFamily="2" charset="-79"/>
+                  <a:cs typeface="Rubik" pitchFamily="2" charset="-79"/>
+                </a:rPr>
+                <a:t>WATER BODY</a:t>
               </a:r>
-              <a:endParaRPr lang="en-NL" sz="1600" b="1" dirty="0"/>
+              <a:endParaRPr lang="en-NL" sz="1300" b="1" dirty="0">
+                <a:latin typeface="Rubik" pitchFamily="2" charset="-79"/>
+                <a:cs typeface="Rubik" pitchFamily="2" charset="-79"/>
+              </a:endParaRPr>
             </a:p>
           </p:txBody>
         </p:sp>
@@ -9387,7 +9539,10 @@
               <a:bodyPr rtlCol="0" anchor="ctr"/>
               <a:lstStyle/>
               <a:p>
-                <a:endParaRPr lang="en-NL"/>
+                <a:endParaRPr lang="en-NL" sz="1300" dirty="0">
+                  <a:latin typeface="Rubik" pitchFamily="2" charset="-79"/>
+                  <a:cs typeface="Rubik" pitchFamily="2" charset="-79"/>
+                </a:endParaRPr>
               </a:p>
             </p:txBody>
           </p:sp>
@@ -9835,7 +9990,10 @@
               <a:bodyPr rtlCol="0" anchor="ctr"/>
               <a:lstStyle/>
               <a:p>
-                <a:endParaRPr lang="en-NL"/>
+                <a:endParaRPr lang="en-NL" sz="1300" dirty="0">
+                  <a:latin typeface="Rubik" pitchFamily="2" charset="-79"/>
+                  <a:cs typeface="Rubik" pitchFamily="2" charset="-79"/>
+                </a:endParaRPr>
               </a:p>
             </p:txBody>
           </p:sp>
@@ -10283,7 +10441,10 @@
               <a:bodyPr rtlCol="0" anchor="ctr"/>
               <a:lstStyle/>
               <a:p>
-                <a:endParaRPr lang="en-NL"/>
+                <a:endParaRPr lang="en-NL" sz="1300" dirty="0">
+                  <a:latin typeface="Rubik" pitchFamily="2" charset="-79"/>
+                  <a:cs typeface="Rubik" pitchFamily="2" charset="-79"/>
+                </a:endParaRPr>
               </a:p>
             </p:txBody>
           </p:sp>
@@ -10303,7 +10464,7 @@
         </p:nvGrpSpPr>
         <p:grpSpPr>
           <a:xfrm>
-            <a:off x="2793000" y="1989000"/>
+            <a:off x="1353000" y="3429000"/>
             <a:ext cx="1440000" cy="1440000"/>
             <a:chOff x="1363050" y="4869000"/>
             <a:chExt cx="1440000" cy="1440000"/>
@@ -10355,25 +10516,47 @@
             <a:lstStyle/>
             <a:p>
               <a:pPr algn="ctr"/>
-              <a:endParaRPr lang="en-GB" sz="1600" b="1" dirty="0"/>
+              <a:endParaRPr lang="en-GB" sz="1300" b="1" dirty="0">
+                <a:latin typeface="Rubik" pitchFamily="2" charset="-79"/>
+                <a:cs typeface="Rubik" pitchFamily="2" charset="-79"/>
+              </a:endParaRPr>
             </a:p>
             <a:p>
               <a:pPr algn="ctr"/>
-              <a:endParaRPr lang="en-GB" sz="1600" b="1" dirty="0"/>
+              <a:endParaRPr lang="en-GB" sz="1300" b="1" dirty="0">
+                <a:latin typeface="Rubik" pitchFamily="2" charset="-79"/>
+                <a:cs typeface="Rubik" pitchFamily="2" charset="-79"/>
+              </a:endParaRPr>
             </a:p>
             <a:p>
               <a:pPr algn="ctr"/>
-              <a:endParaRPr lang="en-GB" sz="1600" b="1" dirty="0"/>
+              <a:endParaRPr lang="en-GB" sz="1300" b="1" dirty="0">
+                <a:latin typeface="Rubik" pitchFamily="2" charset="-79"/>
+                <a:cs typeface="Rubik" pitchFamily="2" charset="-79"/>
+              </a:endParaRPr>
             </a:p>
             <a:p>
               <a:pPr algn="ctr"/>
-              <a:endParaRPr lang="en-GB" sz="1600" b="1" dirty="0"/>
+              <a:endParaRPr lang="en-GB" sz="1300" b="1" dirty="0">
+                <a:latin typeface="Rubik" pitchFamily="2" charset="-79"/>
+                <a:cs typeface="Rubik" pitchFamily="2" charset="-79"/>
+              </a:endParaRPr>
+            </a:p>
+            <a:p>
+              <a:pPr algn="ctr"/>
+              <a:endParaRPr lang="en-GB" sz="1300" b="1" dirty="0">
+                <a:latin typeface="Rubik" pitchFamily="2" charset="-79"/>
+                <a:cs typeface="Rubik" pitchFamily="2" charset="-79"/>
+              </a:endParaRPr>
             </a:p>
             <a:p>
               <a:pPr algn="ctr"/>
               <a:r>
-                <a:rPr lang="en-GB" sz="1600" b="1" dirty="0"/>
-                <a:t>Train Line</a:t>
+                <a:rPr lang="en-GB" sz="1300" b="1" dirty="0">
+                  <a:latin typeface="Rubik" pitchFamily="2" charset="-79"/>
+                  <a:cs typeface="Rubik" pitchFamily="2" charset="-79"/>
+                </a:rPr>
+                <a:t>TRAIN LINE</a:t>
               </a:r>
             </a:p>
           </p:txBody>
@@ -11343,7 +11526,10 @@
             <a:bodyPr rtlCol="0" anchor="ctr"/>
             <a:lstStyle/>
             <a:p>
-              <a:endParaRPr lang="en-NL"/>
+              <a:endParaRPr lang="en-NL" sz="1300" dirty="0">
+                <a:latin typeface="Rubik" pitchFamily="2" charset="-79"/>
+                <a:cs typeface="Rubik" pitchFamily="2" charset="-79"/>
+              </a:endParaRPr>
             </a:p>
           </p:txBody>
         </p:sp>
@@ -11362,7 +11548,7 @@
         </p:nvGrpSpPr>
         <p:grpSpPr>
           <a:xfrm>
-            <a:off x="2793000" y="3429000"/>
+            <a:off x="1353000" y="4869000"/>
             <a:ext cx="1440000" cy="1440000"/>
             <a:chOff x="2793000" y="1989000"/>
             <a:chExt cx="1440000" cy="1440000"/>
@@ -11414,25 +11600,47 @@
             <a:lstStyle/>
             <a:p>
               <a:pPr algn="ctr"/>
-              <a:endParaRPr lang="en-GB" sz="1600" b="1" dirty="0"/>
+              <a:endParaRPr lang="en-GB" sz="1300" b="1" dirty="0">
+                <a:latin typeface="Rubik" pitchFamily="2" charset="-79"/>
+                <a:cs typeface="Rubik" pitchFamily="2" charset="-79"/>
+              </a:endParaRPr>
             </a:p>
             <a:p>
               <a:pPr algn="ctr"/>
-              <a:endParaRPr lang="en-GB" sz="1600" b="1" dirty="0"/>
+              <a:endParaRPr lang="en-GB" sz="1300" b="1" dirty="0">
+                <a:latin typeface="Rubik" pitchFamily="2" charset="-79"/>
+                <a:cs typeface="Rubik" pitchFamily="2" charset="-79"/>
+              </a:endParaRPr>
             </a:p>
             <a:p>
               <a:pPr algn="ctr"/>
-              <a:endParaRPr lang="en-GB" sz="1600" b="1" dirty="0"/>
+              <a:endParaRPr lang="en-GB" sz="1300" b="1" dirty="0">
+                <a:latin typeface="Rubik" pitchFamily="2" charset="-79"/>
+                <a:cs typeface="Rubik" pitchFamily="2" charset="-79"/>
+              </a:endParaRPr>
             </a:p>
             <a:p>
               <a:pPr algn="ctr"/>
-              <a:endParaRPr lang="en-GB" sz="1600" b="1" dirty="0"/>
+              <a:endParaRPr lang="en-GB" sz="1300" b="1" dirty="0">
+                <a:latin typeface="Rubik" pitchFamily="2" charset="-79"/>
+                <a:cs typeface="Rubik" pitchFamily="2" charset="-79"/>
+              </a:endParaRPr>
+            </a:p>
+            <a:p>
+              <a:pPr algn="ctr"/>
+              <a:endParaRPr lang="en-GB" sz="1300" b="1" dirty="0">
+                <a:latin typeface="Rubik" pitchFamily="2" charset="-79"/>
+                <a:cs typeface="Rubik" pitchFamily="2" charset="-79"/>
+              </a:endParaRPr>
             </a:p>
             <a:p>
               <a:pPr algn="ctr"/>
               <a:r>
-                <a:rPr lang="en-GB" sz="1600" b="1" dirty="0"/>
-                <a:t>Metro Line</a:t>
+                <a:rPr lang="en-GB" sz="1300" b="1" dirty="0">
+                  <a:latin typeface="Rubik" pitchFamily="2" charset="-79"/>
+                  <a:cs typeface="Rubik" pitchFamily="2" charset="-79"/>
+                </a:rPr>
+                <a:t>METRO LINE</a:t>
               </a:r>
             </a:p>
           </p:txBody>
@@ -11853,7 +12061,10 @@
               <a:lstStyle/>
               <a:p>
                 <a:pPr algn="ctr"/>
-                <a:endParaRPr lang="en-NL" dirty="0"/>
+                <a:endParaRPr lang="en-NL" sz="1300" dirty="0">
+                  <a:latin typeface="Rubik" pitchFamily="2" charset="-79"/>
+                  <a:cs typeface="Rubik" pitchFamily="2" charset="-79"/>
+                </a:endParaRPr>
               </a:p>
             </p:txBody>
           </p:sp>
@@ -12824,7 +13035,10 @@
               <a:bodyPr rtlCol="0" anchor="ctr"/>
               <a:lstStyle/>
               <a:p>
-                <a:endParaRPr lang="en-NL" dirty="0"/>
+                <a:endParaRPr lang="en-NL" sz="1300" dirty="0">
+                  <a:latin typeface="Rubik" pitchFamily="2" charset="-79"/>
+                  <a:cs typeface="Rubik" pitchFamily="2" charset="-79"/>
+                </a:endParaRPr>
               </a:p>
             </p:txBody>
           </p:sp>
@@ -12896,27 +13110,52 @@
             <a:lstStyle/>
             <a:p>
               <a:pPr algn="ctr"/>
-              <a:endParaRPr lang="en-GB" sz="1600" b="1" dirty="0"/>
+              <a:endParaRPr lang="en-GB" sz="1300" b="1" dirty="0">
+                <a:latin typeface="Rubik" pitchFamily="2" charset="-79"/>
+                <a:cs typeface="Rubik" pitchFamily="2" charset="-79"/>
+              </a:endParaRPr>
             </a:p>
             <a:p>
               <a:pPr algn="ctr"/>
-              <a:endParaRPr lang="en-GB" sz="1600" b="1" dirty="0"/>
+              <a:endParaRPr lang="en-GB" sz="1300" b="1" dirty="0">
+                <a:latin typeface="Rubik" pitchFamily="2" charset="-79"/>
+                <a:cs typeface="Rubik" pitchFamily="2" charset="-79"/>
+              </a:endParaRPr>
             </a:p>
             <a:p>
               <a:pPr algn="ctr"/>
-              <a:endParaRPr lang="en-GB" sz="1600" b="1" dirty="0"/>
+              <a:endParaRPr lang="en-GB" sz="1300" b="1" dirty="0">
+                <a:latin typeface="Rubik" pitchFamily="2" charset="-79"/>
+                <a:cs typeface="Rubik" pitchFamily="2" charset="-79"/>
+              </a:endParaRPr>
             </a:p>
             <a:p>
               <a:pPr algn="ctr"/>
-              <a:endParaRPr lang="en-GB" sz="1600" b="1" dirty="0"/>
+              <a:endParaRPr lang="en-GB" sz="1300" b="1" dirty="0">
+                <a:latin typeface="Rubik" pitchFamily="2" charset="-79"/>
+                <a:cs typeface="Rubik" pitchFamily="2" charset="-79"/>
+              </a:endParaRPr>
+            </a:p>
+            <a:p>
+              <a:pPr algn="ctr"/>
+              <a:endParaRPr lang="en-GB" sz="1300" b="1" dirty="0">
+                <a:latin typeface="Rubik" pitchFamily="2" charset="-79"/>
+                <a:cs typeface="Rubik" pitchFamily="2" charset="-79"/>
+              </a:endParaRPr>
             </a:p>
             <a:p>
               <a:pPr algn="ctr"/>
               <a:r>
-                <a:rPr lang="en-GB" sz="1600" b="1" dirty="0"/>
-                <a:t>School</a:t>
+                <a:rPr lang="en-GB" sz="1300" b="1" dirty="0">
+                  <a:latin typeface="Rubik" pitchFamily="2" charset="-79"/>
+                  <a:cs typeface="Rubik" pitchFamily="2" charset="-79"/>
+                </a:rPr>
+                <a:t>SCHOOL</a:t>
               </a:r>
-              <a:endParaRPr lang="en-NL" sz="1600" b="1" dirty="0"/>
+              <a:endParaRPr lang="en-NL" sz="1300" b="1" dirty="0">
+                <a:latin typeface="Rubik" pitchFamily="2" charset="-79"/>
+                <a:cs typeface="Rubik" pitchFamily="2" charset="-79"/>
+              </a:endParaRPr>
             </a:p>
           </p:txBody>
         </p:sp>
@@ -13023,27 +13262,52 @@
             <a:lstStyle/>
             <a:p>
               <a:pPr algn="ctr"/>
-              <a:endParaRPr lang="en-GB" sz="1600" b="1" dirty="0"/>
+              <a:endParaRPr lang="en-GB" sz="1300" b="1" dirty="0">
+                <a:latin typeface="Rubik" pitchFamily="2" charset="-79"/>
+                <a:cs typeface="Rubik" pitchFamily="2" charset="-79"/>
+              </a:endParaRPr>
             </a:p>
             <a:p>
               <a:pPr algn="ctr"/>
-              <a:endParaRPr lang="en-GB" sz="1600" b="1" dirty="0"/>
+              <a:endParaRPr lang="en-GB" sz="1300" b="1" dirty="0">
+                <a:latin typeface="Rubik" pitchFamily="2" charset="-79"/>
+                <a:cs typeface="Rubik" pitchFamily="2" charset="-79"/>
+              </a:endParaRPr>
             </a:p>
             <a:p>
               <a:pPr algn="ctr"/>
-              <a:endParaRPr lang="en-GB" sz="1600" b="1" dirty="0"/>
+              <a:endParaRPr lang="en-GB" sz="1300" b="1" dirty="0">
+                <a:latin typeface="Rubik" pitchFamily="2" charset="-79"/>
+                <a:cs typeface="Rubik" pitchFamily="2" charset="-79"/>
+              </a:endParaRPr>
             </a:p>
             <a:p>
               <a:pPr algn="ctr"/>
-              <a:endParaRPr lang="en-GB" sz="1600" b="1" dirty="0"/>
+              <a:endParaRPr lang="en-GB" sz="1300" b="1" dirty="0">
+                <a:latin typeface="Rubik" pitchFamily="2" charset="-79"/>
+                <a:cs typeface="Rubik" pitchFamily="2" charset="-79"/>
+              </a:endParaRPr>
+            </a:p>
+            <a:p>
+              <a:pPr algn="ctr"/>
+              <a:endParaRPr lang="en-GB" sz="1300" b="1" dirty="0">
+                <a:latin typeface="Rubik" pitchFamily="2" charset="-79"/>
+                <a:cs typeface="Rubik" pitchFamily="2" charset="-79"/>
+              </a:endParaRPr>
             </a:p>
             <a:p>
               <a:pPr algn="ctr"/>
               <a:r>
-                <a:rPr lang="en-GB" sz="1600" b="1" dirty="0"/>
-                <a:t>Museum</a:t>
+                <a:rPr lang="en-GB" sz="1300" b="1" dirty="0">
+                  <a:latin typeface="Rubik" pitchFamily="2" charset="-79"/>
+                  <a:cs typeface="Rubik" pitchFamily="2" charset="-79"/>
+                </a:rPr>
+                <a:t>MUSEUM</a:t>
               </a:r>
-              <a:endParaRPr lang="en-NL" sz="1600" b="1" dirty="0"/>
+              <a:endParaRPr lang="en-NL" sz="1300" b="1" dirty="0">
+                <a:latin typeface="Rubik" pitchFamily="2" charset="-79"/>
+                <a:cs typeface="Rubik" pitchFamily="2" charset="-79"/>
+              </a:endParaRPr>
             </a:p>
           </p:txBody>
         </p:sp>
@@ -13098,7 +13362,7 @@
         </p:nvGrpSpPr>
         <p:grpSpPr>
           <a:xfrm>
-            <a:off x="2793000" y="4869000"/>
+            <a:off x="2793000" y="1989000"/>
             <a:ext cx="1440000" cy="1440000"/>
             <a:chOff x="2793000" y="3429000"/>
             <a:chExt cx="1440000" cy="1440000"/>
@@ -13150,25 +13414,47 @@
             <a:lstStyle/>
             <a:p>
               <a:pPr algn="ctr"/>
-              <a:endParaRPr lang="en-GB" sz="1600" b="1" dirty="0"/>
+              <a:endParaRPr lang="en-GB" sz="1300" b="1" dirty="0">
+                <a:latin typeface="Rubik" pitchFamily="2" charset="-79"/>
+                <a:cs typeface="Rubik" pitchFamily="2" charset="-79"/>
+              </a:endParaRPr>
             </a:p>
             <a:p>
               <a:pPr algn="ctr"/>
-              <a:endParaRPr lang="en-GB" sz="1600" b="1" dirty="0"/>
+              <a:endParaRPr lang="en-GB" sz="1300" b="1" dirty="0">
+                <a:latin typeface="Rubik" pitchFamily="2" charset="-79"/>
+                <a:cs typeface="Rubik" pitchFamily="2" charset="-79"/>
+              </a:endParaRPr>
             </a:p>
             <a:p>
               <a:pPr algn="ctr"/>
-              <a:endParaRPr lang="en-GB" sz="1600" b="1" dirty="0"/>
+              <a:endParaRPr lang="en-GB" sz="1300" b="1" dirty="0">
+                <a:latin typeface="Rubik" pitchFamily="2" charset="-79"/>
+                <a:cs typeface="Rubik" pitchFamily="2" charset="-79"/>
+              </a:endParaRPr>
             </a:p>
             <a:p>
               <a:pPr algn="ctr"/>
-              <a:endParaRPr lang="en-GB" sz="1600" b="1" dirty="0"/>
+              <a:endParaRPr lang="en-GB" sz="1300" b="1" dirty="0">
+                <a:latin typeface="Rubik" pitchFamily="2" charset="-79"/>
+                <a:cs typeface="Rubik" pitchFamily="2" charset="-79"/>
+              </a:endParaRPr>
+            </a:p>
+            <a:p>
+              <a:pPr algn="ctr"/>
+              <a:endParaRPr lang="en-GB" sz="1300" b="1" dirty="0">
+                <a:latin typeface="Rubik" pitchFamily="2" charset="-79"/>
+                <a:cs typeface="Rubik" pitchFamily="2" charset="-79"/>
+              </a:endParaRPr>
             </a:p>
             <a:p>
               <a:pPr algn="ctr"/>
               <a:r>
-                <a:rPr lang="en-GB" sz="1600" b="1" dirty="0"/>
-                <a:t>Tram Line</a:t>
+                <a:rPr lang="en-GB" sz="1300" b="1" dirty="0">
+                  <a:latin typeface="Rubik" pitchFamily="2" charset="-79"/>
+                  <a:cs typeface="Rubik" pitchFamily="2" charset="-79"/>
+                </a:rPr>
+                <a:t>TRAM LINE</a:t>
               </a:r>
             </a:p>
           </p:txBody>
@@ -13640,7 +13926,10 @@
             <a:bodyPr rtlCol="0" anchor="ctr"/>
             <a:lstStyle/>
             <a:p>
-              <a:endParaRPr lang="en-NL"/>
+              <a:endParaRPr lang="en-NL" sz="1300" dirty="0">
+                <a:latin typeface="Rubik" pitchFamily="2" charset="-79"/>
+                <a:cs typeface="Rubik" pitchFamily="2" charset="-79"/>
+              </a:endParaRPr>
             </a:p>
           </p:txBody>
         </p:sp>
@@ -13659,7 +13948,7 @@
         </p:nvGrpSpPr>
         <p:grpSpPr>
           <a:xfrm>
-            <a:off x="7113000" y="3429000"/>
+            <a:off x="7113000" y="1989000"/>
             <a:ext cx="1440000" cy="1440000"/>
             <a:chOff x="7113000" y="3429000"/>
             <a:chExt cx="1440000" cy="1440000"/>
@@ -13711,27 +14000,52 @@
             <a:lstStyle/>
             <a:p>
               <a:pPr algn="ctr"/>
-              <a:endParaRPr lang="en-GB" sz="1600" b="1" dirty="0"/>
+              <a:endParaRPr lang="en-GB" sz="1300" b="1" dirty="0">
+                <a:latin typeface="Rubik" pitchFamily="2" charset="-79"/>
+                <a:cs typeface="Rubik" pitchFamily="2" charset="-79"/>
+              </a:endParaRPr>
             </a:p>
             <a:p>
               <a:pPr algn="ctr"/>
-              <a:endParaRPr lang="en-GB" sz="1600" b="1" dirty="0"/>
+              <a:endParaRPr lang="en-GB" sz="1300" b="1" dirty="0">
+                <a:latin typeface="Rubik" pitchFamily="2" charset="-79"/>
+                <a:cs typeface="Rubik" pitchFamily="2" charset="-79"/>
+              </a:endParaRPr>
             </a:p>
             <a:p>
               <a:pPr algn="ctr"/>
-              <a:endParaRPr lang="en-GB" sz="1600" b="1" dirty="0"/>
+              <a:endParaRPr lang="en-GB" sz="1300" b="1" dirty="0">
+                <a:latin typeface="Rubik" pitchFamily="2" charset="-79"/>
+                <a:cs typeface="Rubik" pitchFamily="2" charset="-79"/>
+              </a:endParaRPr>
             </a:p>
             <a:p>
               <a:pPr algn="ctr"/>
-              <a:endParaRPr lang="en-GB" sz="1600" b="1" dirty="0"/>
+              <a:endParaRPr lang="en-GB" sz="1300" b="1" dirty="0">
+                <a:latin typeface="Rubik" pitchFamily="2" charset="-79"/>
+                <a:cs typeface="Rubik" pitchFamily="2" charset="-79"/>
+              </a:endParaRPr>
+            </a:p>
+            <a:p>
+              <a:pPr algn="ctr"/>
+              <a:endParaRPr lang="en-GB" sz="1300" b="1" dirty="0">
+                <a:latin typeface="Rubik" pitchFamily="2" charset="-79"/>
+                <a:cs typeface="Rubik" pitchFamily="2" charset="-79"/>
+              </a:endParaRPr>
             </a:p>
             <a:p>
               <a:pPr algn="ctr"/>
               <a:r>
-                <a:rPr lang="en-GB" sz="1600" b="1" dirty="0"/>
-                <a:t>Cinema</a:t>
+                <a:rPr lang="en-GB" sz="1300" b="1" dirty="0">
+                  <a:latin typeface="Rubik" pitchFamily="2" charset="-79"/>
+                  <a:cs typeface="Rubik" pitchFamily="2" charset="-79"/>
+                </a:rPr>
+                <a:t>CINEMA</a:t>
               </a:r>
-              <a:endParaRPr lang="en-NL" sz="1600" b="1" dirty="0"/>
+              <a:endParaRPr lang="en-NL" sz="1300" b="1" dirty="0">
+                <a:latin typeface="Rubik" pitchFamily="2" charset="-79"/>
+                <a:cs typeface="Rubik" pitchFamily="2" charset="-79"/>
+              </a:endParaRPr>
             </a:p>
           </p:txBody>
         </p:sp>
@@ -13786,7 +14100,7 @@
         </p:nvGrpSpPr>
         <p:grpSpPr>
           <a:xfrm>
-            <a:off x="4233000" y="1989000"/>
+            <a:off x="7113000" y="3429000"/>
             <a:ext cx="1440000" cy="1440000"/>
             <a:chOff x="4233000" y="1989000"/>
             <a:chExt cx="1440000" cy="1440000"/>
@@ -13838,25 +14152,47 @@
             <a:lstStyle/>
             <a:p>
               <a:pPr algn="ctr"/>
-              <a:endParaRPr lang="en-GB" sz="1600" b="1" dirty="0"/>
+              <a:endParaRPr lang="en-GB" sz="1300" b="1" dirty="0">
+                <a:latin typeface="Rubik" pitchFamily="2" charset="-79"/>
+                <a:cs typeface="Rubik" pitchFamily="2" charset="-79"/>
+              </a:endParaRPr>
             </a:p>
             <a:p>
               <a:pPr algn="ctr"/>
-              <a:endParaRPr lang="en-GB" sz="1600" b="1" dirty="0"/>
+              <a:endParaRPr lang="en-GB" sz="1300" b="1" dirty="0">
+                <a:latin typeface="Rubik" pitchFamily="2" charset="-79"/>
+                <a:cs typeface="Rubik" pitchFamily="2" charset="-79"/>
+              </a:endParaRPr>
             </a:p>
             <a:p>
               <a:pPr algn="ctr"/>
-              <a:endParaRPr lang="en-GB" sz="1600" b="1" dirty="0"/>
+              <a:endParaRPr lang="en-GB" sz="1300" b="1" dirty="0">
+                <a:latin typeface="Rubik" pitchFamily="2" charset="-79"/>
+                <a:cs typeface="Rubik" pitchFamily="2" charset="-79"/>
+              </a:endParaRPr>
             </a:p>
             <a:p>
               <a:pPr algn="ctr"/>
-              <a:endParaRPr lang="en-GB" sz="1600" b="1" dirty="0"/>
+              <a:endParaRPr lang="en-GB" sz="1300" b="1" dirty="0">
+                <a:latin typeface="Rubik" pitchFamily="2" charset="-79"/>
+                <a:cs typeface="Rubik" pitchFamily="2" charset="-79"/>
+              </a:endParaRPr>
+            </a:p>
+            <a:p>
+              <a:pPr algn="ctr"/>
+              <a:endParaRPr lang="en-GB" sz="1300" b="1" dirty="0">
+                <a:latin typeface="Rubik" pitchFamily="2" charset="-79"/>
+                <a:cs typeface="Rubik" pitchFamily="2" charset="-79"/>
+              </a:endParaRPr>
             </a:p>
             <a:p>
               <a:pPr algn="ctr"/>
               <a:r>
-                <a:rPr lang="en-GB" sz="1600" b="1" dirty="0"/>
-                <a:t>Street/Path</a:t>
+                <a:rPr lang="en-GB" sz="1300" b="1" dirty="0">
+                  <a:latin typeface="Rubik" pitchFamily="2" charset="-79"/>
+                  <a:cs typeface="Rubik" pitchFamily="2" charset="-79"/>
+                </a:rPr>
+                <a:t>STREET/PATH</a:t>
               </a:r>
             </a:p>
           </p:txBody>
@@ -14032,7 +14368,10 @@
               <a:bodyPr rtlCol="0" anchor="ctr"/>
               <a:lstStyle/>
               <a:p>
-                <a:endParaRPr lang="en-NL"/>
+                <a:endParaRPr lang="en-NL" sz="1300" dirty="0">
+                  <a:latin typeface="Rubik" pitchFamily="2" charset="-79"/>
+                  <a:cs typeface="Rubik" pitchFamily="2" charset="-79"/>
+                </a:endParaRPr>
               </a:p>
             </p:txBody>
           </p:sp>
@@ -14182,7 +14521,10 @@
               <a:bodyPr rtlCol="0" anchor="ctr"/>
               <a:lstStyle/>
               <a:p>
-                <a:endParaRPr lang="en-NL"/>
+                <a:endParaRPr lang="en-NL" sz="1300" dirty="0">
+                  <a:latin typeface="Rubik" pitchFamily="2" charset="-79"/>
+                  <a:cs typeface="Rubik" pitchFamily="2" charset="-79"/>
+                </a:endParaRPr>
               </a:p>
             </p:txBody>
           </p:sp>
@@ -14334,7 +14676,10 @@
               <a:bodyPr rtlCol="0" anchor="ctr"/>
               <a:lstStyle/>
               <a:p>
-                <a:endParaRPr lang="en-NL"/>
+                <a:endParaRPr lang="en-NL" sz="1300" dirty="0">
+                  <a:latin typeface="Rubik" pitchFamily="2" charset="-79"/>
+                  <a:cs typeface="Rubik" pitchFamily="2" charset="-79"/>
+                </a:endParaRPr>
               </a:p>
             </p:txBody>
           </p:sp>
@@ -14354,7 +14699,7 @@
         </p:nvGrpSpPr>
         <p:grpSpPr>
           <a:xfrm>
-            <a:off x="7113000" y="4869000"/>
+            <a:off x="4233000" y="3429000"/>
             <a:ext cx="1440000" cy="1440000"/>
             <a:chOff x="4233000" y="3429000"/>
             <a:chExt cx="1440000" cy="1440000"/>
@@ -14406,25 +14751,47 @@
             <a:lstStyle/>
             <a:p>
               <a:pPr algn="ctr"/>
-              <a:endParaRPr lang="en-GB" sz="1600" b="1" dirty="0"/>
+              <a:endParaRPr lang="en-GB" sz="1300" b="1" dirty="0">
+                <a:latin typeface="Rubik" pitchFamily="2" charset="-79"/>
+                <a:cs typeface="Rubik" pitchFamily="2" charset="-79"/>
+              </a:endParaRPr>
             </a:p>
             <a:p>
               <a:pPr algn="ctr"/>
-              <a:endParaRPr lang="en-GB" sz="1600" b="1" dirty="0"/>
+              <a:endParaRPr lang="en-GB" sz="1300" b="1" dirty="0">
+                <a:latin typeface="Rubik" pitchFamily="2" charset="-79"/>
+                <a:cs typeface="Rubik" pitchFamily="2" charset="-79"/>
+              </a:endParaRPr>
             </a:p>
             <a:p>
               <a:pPr algn="ctr"/>
-              <a:endParaRPr lang="en-GB" sz="1600" b="1" dirty="0"/>
+              <a:endParaRPr lang="en-GB" sz="1300" b="1" dirty="0">
+                <a:latin typeface="Rubik" pitchFamily="2" charset="-79"/>
+                <a:cs typeface="Rubik" pitchFamily="2" charset="-79"/>
+              </a:endParaRPr>
             </a:p>
             <a:p>
               <a:pPr algn="ctr"/>
-              <a:endParaRPr lang="en-GB" sz="1600" b="1" dirty="0"/>
+              <a:endParaRPr lang="en-GB" sz="1300" b="1" dirty="0">
+                <a:latin typeface="Rubik" pitchFamily="2" charset="-79"/>
+                <a:cs typeface="Rubik" pitchFamily="2" charset="-79"/>
+              </a:endParaRPr>
+            </a:p>
+            <a:p>
+              <a:pPr algn="ctr"/>
+              <a:endParaRPr lang="en-GB" sz="1300" b="1" dirty="0">
+                <a:latin typeface="Rubik" pitchFamily="2" charset="-79"/>
+                <a:cs typeface="Rubik" pitchFamily="2" charset="-79"/>
+              </a:endParaRPr>
             </a:p>
             <a:p>
               <a:pPr algn="ctr"/>
               <a:r>
-                <a:rPr lang="en-GB" sz="1600" b="1" dirty="0"/>
-                <a:t>Park</a:t>
+                <a:rPr lang="en-GB" sz="1300" b="1" dirty="0">
+                  <a:latin typeface="Rubik" pitchFamily="2" charset="-79"/>
+                  <a:cs typeface="Rubik" pitchFamily="2" charset="-79"/>
+                </a:rPr>
+                <a:t>PARK</a:t>
               </a:r>
             </a:p>
           </p:txBody>
@@ -14684,10 +15051,165 @@
             <a:bodyPr rtlCol="0" anchor="ctr"/>
             <a:lstStyle/>
             <a:p>
-              <a:endParaRPr lang="en-NL"/>
+              <a:endParaRPr lang="en-NL" sz="1300" dirty="0">
+                <a:latin typeface="Rubik" pitchFamily="2" charset="-79"/>
+                <a:cs typeface="Rubik" pitchFamily="2" charset="-79"/>
+              </a:endParaRPr>
             </a:p>
           </p:txBody>
         </p:sp>
+      </p:grpSp>
+      <p:grpSp>
+        <p:nvGrpSpPr>
+          <p:cNvPr id="38" name="Group 37">
+            <a:extLst>
+              <a:ext uri="{FF2B5EF4-FFF2-40B4-BE49-F238E27FC236}">
+                <a16:creationId xmlns:a16="http://schemas.microsoft.com/office/drawing/2014/main" id="{F92066AF-92EF-A9C3-835B-65C6FB694CDE}"/>
+              </a:ext>
+            </a:extLst>
+          </p:cNvPr>
+          <p:cNvGrpSpPr/>
+          <p:nvPr/>
+        </p:nvGrpSpPr>
+        <p:grpSpPr>
+          <a:xfrm>
+            <a:off x="4233000" y="1989000"/>
+            <a:ext cx="1440000" cy="1440000"/>
+            <a:chOff x="633000" y="4869000"/>
+            <a:chExt cx="1440000" cy="1440000"/>
+          </a:xfrm>
+        </p:grpSpPr>
+        <p:sp>
+          <p:nvSpPr>
+            <p:cNvPr id="39" name="Rectangle 38">
+              <a:extLst>
+                <a:ext uri="{FF2B5EF4-FFF2-40B4-BE49-F238E27FC236}">
+                  <a16:creationId xmlns:a16="http://schemas.microsoft.com/office/drawing/2014/main" id="{8AA92429-55BB-55B3-DAA3-2F165D80923D}"/>
+                </a:ext>
+              </a:extLst>
+            </p:cNvPr>
+            <p:cNvSpPr/>
+            <p:nvPr/>
+          </p:nvSpPr>
+          <p:spPr>
+            <a:xfrm>
+              <a:off x="633000" y="4869000"/>
+              <a:ext cx="1440000" cy="1440000"/>
+            </a:xfrm>
+            <a:prstGeom prst="rect">
+              <a:avLst/>
+            </a:prstGeom>
+            <a:noFill/>
+            <a:ln>
+              <a:noFill/>
+            </a:ln>
+          </p:spPr>
+          <p:style>
+            <a:lnRef idx="2">
+              <a:schemeClr val="accent1">
+                <a:shade val="15000"/>
+              </a:schemeClr>
+            </a:lnRef>
+            <a:fillRef idx="1">
+              <a:schemeClr val="accent1"/>
+            </a:fillRef>
+            <a:effectRef idx="0">
+              <a:schemeClr val="accent1"/>
+            </a:effectRef>
+            <a:fontRef idx="minor">
+              <a:schemeClr val="lt1"/>
+            </a:fontRef>
+          </p:style>
+          <p:txBody>
+            <a:bodyPr rtlCol="0" anchor="ctr"/>
+            <a:lstStyle/>
+            <a:p>
+              <a:pPr algn="ctr"/>
+              <a:endParaRPr lang="en-GB" sz="1300" b="1" dirty="0">
+                <a:latin typeface="Rubik" pitchFamily="2" charset="-79"/>
+                <a:cs typeface="Rubik" pitchFamily="2" charset="-79"/>
+              </a:endParaRPr>
+            </a:p>
+            <a:p>
+              <a:pPr algn="ctr"/>
+              <a:endParaRPr lang="en-GB" sz="1300" b="1" dirty="0">
+                <a:latin typeface="Rubik" pitchFamily="2" charset="-79"/>
+                <a:cs typeface="Rubik" pitchFamily="2" charset="-79"/>
+              </a:endParaRPr>
+            </a:p>
+            <a:p>
+              <a:pPr algn="ctr"/>
+              <a:endParaRPr lang="en-GB" sz="1300" b="1" dirty="0">
+                <a:latin typeface="Rubik" pitchFamily="2" charset="-79"/>
+                <a:cs typeface="Rubik" pitchFamily="2" charset="-79"/>
+              </a:endParaRPr>
+            </a:p>
+            <a:p>
+              <a:pPr algn="ctr"/>
+              <a:endParaRPr lang="en-GB" sz="1300" b="1" dirty="0">
+                <a:latin typeface="Rubik" pitchFamily="2" charset="-79"/>
+                <a:cs typeface="Rubik" pitchFamily="2" charset="-79"/>
+              </a:endParaRPr>
+            </a:p>
+            <a:p>
+              <a:pPr algn="ctr"/>
+              <a:endParaRPr lang="en-GB" sz="1300" b="1" dirty="0">
+                <a:latin typeface="Rubik" pitchFamily="2" charset="-79"/>
+                <a:cs typeface="Rubik" pitchFamily="2" charset="-79"/>
+              </a:endParaRPr>
+            </a:p>
+            <a:p>
+              <a:pPr algn="ctr"/>
+              <a:r>
+                <a:rPr lang="en-GB" sz="1300" b="1" dirty="0">
+                  <a:latin typeface="Rubik" pitchFamily="2" charset="-79"/>
+                  <a:cs typeface="Rubik" pitchFamily="2" charset="-79"/>
+                </a:rPr>
+                <a:t>BRIDGE</a:t>
+              </a:r>
+              <a:endParaRPr lang="en-NL" sz="1300" b="1" dirty="0">
+                <a:latin typeface="Rubik" pitchFamily="2" charset="-79"/>
+                <a:cs typeface="Rubik" pitchFamily="2" charset="-79"/>
+              </a:endParaRPr>
+            </a:p>
+          </p:txBody>
+        </p:sp>
+        <p:pic>
+          <p:nvPicPr>
+            <p:cNvPr id="42" name="Graphic 41" descr="Bridge scene with solid fill">
+              <a:extLst>
+                <a:ext uri="{FF2B5EF4-FFF2-40B4-BE49-F238E27FC236}">
+                  <a16:creationId xmlns:a16="http://schemas.microsoft.com/office/drawing/2014/main" id="{84CAAAAD-E760-5D28-D1DB-1F388A94A42E}"/>
+                </a:ext>
+              </a:extLst>
+            </p:cNvPr>
+            <p:cNvPicPr>
+              <a:picLocks noChangeAspect="1"/>
+            </p:cNvPicPr>
+            <p:nvPr/>
+          </p:nvPicPr>
+          <p:blipFill>
+            <a:blip r:embed="rId13">
+              <a:extLst>
+                <a:ext uri="{96DAC541-7B7A-43D3-8B79-37D633B846F1}">
+                  <asvg:svgBlip xmlns:asvg="http://schemas.microsoft.com/office/drawing/2016/SVG/main" r:embed="rId14"/>
+                </a:ext>
+              </a:extLst>
+            </a:blip>
+            <a:stretch>
+              <a:fillRect/>
+            </a:stretch>
+          </p:blipFill>
+          <p:spPr>
+            <a:xfrm>
+              <a:off x="921000" y="5013000"/>
+              <a:ext cx="864000" cy="864000"/>
+            </a:xfrm>
+            <a:prstGeom prst="rect">
+              <a:avLst/>
+            </a:prstGeom>
+          </p:spPr>
+        </p:pic>
       </p:grpSp>
     </p:spTree>
     <p:extLst>
@@ -14771,25 +15293,40 @@
           <a:lstStyle/>
           <a:p>
             <a:pPr algn="ctr"/>
-            <a:endParaRPr lang="en-GB" sz="1600" b="1" dirty="0"/>
+            <a:endParaRPr lang="en-GB" sz="1300" b="1" dirty="0">
+              <a:latin typeface="Rubik" pitchFamily="2" charset="-79"/>
+              <a:cs typeface="Rubik" pitchFamily="2" charset="-79"/>
+            </a:endParaRPr>
           </a:p>
           <a:p>
             <a:pPr algn="ctr"/>
-            <a:endParaRPr lang="en-GB" sz="1600" b="1" dirty="0"/>
+            <a:endParaRPr lang="en-GB" sz="1300" b="1" dirty="0">
+              <a:latin typeface="Rubik" pitchFamily="2" charset="-79"/>
+              <a:cs typeface="Rubik" pitchFamily="2" charset="-79"/>
+            </a:endParaRPr>
           </a:p>
           <a:p>
             <a:pPr algn="ctr"/>
-            <a:endParaRPr lang="en-GB" sz="1600" b="1" dirty="0"/>
+            <a:endParaRPr lang="en-GB" sz="1300" b="1" dirty="0">
+              <a:latin typeface="Rubik" pitchFamily="2" charset="-79"/>
+              <a:cs typeface="Rubik" pitchFamily="2" charset="-79"/>
+            </a:endParaRPr>
           </a:p>
           <a:p>
             <a:pPr algn="ctr"/>
-            <a:endParaRPr lang="en-GB" sz="1600" b="1" dirty="0"/>
+            <a:endParaRPr lang="en-GB" sz="1300" b="1" dirty="0">
+              <a:latin typeface="Rubik" pitchFamily="2" charset="-79"/>
+              <a:cs typeface="Rubik" pitchFamily="2" charset="-79"/>
+            </a:endParaRPr>
           </a:p>
           <a:p>
             <a:pPr algn="ctr"/>
             <a:r>
-              <a:rPr lang="en-GB" sz="1600" b="1" dirty="0"/>
-              <a:t>A-road</a:t>
+              <a:rPr lang="en-GB" sz="1300" b="1" dirty="0">
+                <a:latin typeface="Rubik" pitchFamily="2" charset="-79"/>
+                <a:cs typeface="Rubik" pitchFamily="2" charset="-79"/>
+              </a:rPr>
+              <a:t>A-ROAD</a:t>
             </a:r>
           </a:p>
         </p:txBody>
@@ -14840,25 +15377,40 @@
           <a:lstStyle/>
           <a:p>
             <a:pPr algn="ctr"/>
-            <a:endParaRPr lang="en-GB" sz="1600" b="1" dirty="0"/>
+            <a:endParaRPr lang="en-GB" sz="1300" b="1" dirty="0">
+              <a:latin typeface="Rubik" pitchFamily="2" charset="-79"/>
+              <a:cs typeface="Rubik" pitchFamily="2" charset="-79"/>
+            </a:endParaRPr>
           </a:p>
           <a:p>
             <a:pPr algn="ctr"/>
-            <a:endParaRPr lang="en-GB" sz="1600" b="1" dirty="0"/>
+            <a:endParaRPr lang="en-GB" sz="1300" b="1" dirty="0">
+              <a:latin typeface="Rubik" pitchFamily="2" charset="-79"/>
+              <a:cs typeface="Rubik" pitchFamily="2" charset="-79"/>
+            </a:endParaRPr>
           </a:p>
           <a:p>
             <a:pPr algn="ctr"/>
-            <a:endParaRPr lang="en-GB" sz="1600" b="1" dirty="0"/>
+            <a:endParaRPr lang="en-GB" sz="1300" b="1" dirty="0">
+              <a:latin typeface="Rubik" pitchFamily="2" charset="-79"/>
+              <a:cs typeface="Rubik" pitchFamily="2" charset="-79"/>
+            </a:endParaRPr>
           </a:p>
           <a:p>
             <a:pPr algn="ctr"/>
-            <a:endParaRPr lang="en-GB" sz="1600" b="1" dirty="0"/>
+            <a:endParaRPr lang="en-GB" sz="1300" b="1" dirty="0">
+              <a:latin typeface="Rubik" pitchFamily="2" charset="-79"/>
+              <a:cs typeface="Rubik" pitchFamily="2" charset="-79"/>
+            </a:endParaRPr>
           </a:p>
           <a:p>
             <a:pPr algn="ctr"/>
             <a:r>
-              <a:rPr lang="en-GB" sz="1600" b="1" dirty="0"/>
-              <a:t>Tram Station</a:t>
+              <a:rPr lang="en-GB" sz="1300" b="1" dirty="0">
+                <a:latin typeface="Rubik" pitchFamily="2" charset="-79"/>
+                <a:cs typeface="Rubik" pitchFamily="2" charset="-79"/>
+              </a:rPr>
+              <a:t>TRAM STATION</a:t>
             </a:r>
           </a:p>
         </p:txBody>
@@ -14877,7 +15429,7 @@
         </p:nvGrpSpPr>
         <p:grpSpPr>
           <a:xfrm>
-            <a:off x="633000" y="549000"/>
+            <a:off x="1353000" y="549000"/>
             <a:ext cx="1440000" cy="1440000"/>
             <a:chOff x="633000" y="549000"/>
             <a:chExt cx="1440000" cy="1440000"/>
@@ -14965,7 +15517,10 @@
             <a:lstStyle/>
             <a:p>
               <a:pPr algn="ctr"/>
-              <a:endParaRPr lang="en-NL" dirty="0"/>
+              <a:endParaRPr lang="en-NL" sz="1300" dirty="0">
+                <a:latin typeface="Rubik" pitchFamily="2" charset="-79"/>
+                <a:cs typeface="Rubik" pitchFamily="2" charset="-79"/>
+              </a:endParaRPr>
             </a:p>
           </p:txBody>
         </p:sp>
@@ -14984,7 +15539,7 @@
         </p:nvSpPr>
         <p:spPr>
           <a:xfrm>
-            <a:off x="5025000" y="1989000"/>
+            <a:off x="5745001" y="1989000"/>
             <a:ext cx="1440000" cy="1440000"/>
           </a:xfrm>
           <a:prstGeom prst="rect">
@@ -15016,7 +15571,10 @@
           <a:lstStyle/>
           <a:p>
             <a:pPr algn="ctr"/>
-            <a:endParaRPr lang="en-NL"/>
+            <a:endParaRPr lang="en-NL" sz="1300" dirty="0">
+              <a:latin typeface="Rubik" pitchFamily="2" charset="-79"/>
+              <a:cs typeface="Rubik" pitchFamily="2" charset="-79"/>
+            </a:endParaRPr>
           </a:p>
         </p:txBody>
       </p:sp>
@@ -15989,7 +16547,10 @@
           <a:bodyPr rtlCol="0" anchor="ctr"/>
           <a:lstStyle/>
           <a:p>
-            <a:endParaRPr lang="en-NL" dirty="0"/>
+            <a:endParaRPr lang="en-NL" sz="1300" dirty="0">
+              <a:latin typeface="Rubik" pitchFamily="2" charset="-79"/>
+              <a:cs typeface="Rubik" pitchFamily="2" charset="-79"/>
+            </a:endParaRPr>
           </a:p>
         </p:txBody>
       </p:sp>
@@ -16460,7 +17021,10 @@
           <a:bodyPr rtlCol="0" anchor="ctr"/>
           <a:lstStyle/>
           <a:p>
-            <a:endParaRPr lang="en-NL"/>
+            <a:endParaRPr lang="en-NL" sz="1300" dirty="0">
+              <a:latin typeface="Rubik" pitchFamily="2" charset="-79"/>
+              <a:cs typeface="Rubik" pitchFamily="2" charset="-79"/>
+            </a:endParaRPr>
           </a:p>
         </p:txBody>
       </p:sp>
@@ -16478,7 +17042,7 @@
         </p:nvGrpSpPr>
         <p:grpSpPr>
           <a:xfrm>
-            <a:off x="633000" y="1989000"/>
+            <a:off x="1353000" y="1989000"/>
             <a:ext cx="1440000" cy="1440000"/>
             <a:chOff x="633000" y="1989000"/>
             <a:chExt cx="1440000" cy="1440000"/>
@@ -16530,27 +17094,52 @@
             <a:lstStyle/>
             <a:p>
               <a:pPr algn="ctr"/>
-              <a:endParaRPr lang="en-GB" sz="1600" b="1" dirty="0"/>
+              <a:endParaRPr lang="en-GB" sz="1300" b="1" dirty="0">
+                <a:latin typeface="Rubik" pitchFamily="2" charset="-79"/>
+                <a:cs typeface="Rubik" pitchFamily="2" charset="-79"/>
+              </a:endParaRPr>
             </a:p>
             <a:p>
               <a:pPr algn="ctr"/>
-              <a:endParaRPr lang="en-GB" sz="1600" b="1" dirty="0"/>
+              <a:endParaRPr lang="en-GB" sz="1300" b="1" dirty="0">
+                <a:latin typeface="Rubik" pitchFamily="2" charset="-79"/>
+                <a:cs typeface="Rubik" pitchFamily="2" charset="-79"/>
+              </a:endParaRPr>
             </a:p>
             <a:p>
               <a:pPr algn="ctr"/>
-              <a:endParaRPr lang="en-GB" sz="1600" b="1" dirty="0"/>
+              <a:endParaRPr lang="en-GB" sz="1300" b="1" dirty="0">
+                <a:latin typeface="Rubik" pitchFamily="2" charset="-79"/>
+                <a:cs typeface="Rubik" pitchFamily="2" charset="-79"/>
+              </a:endParaRPr>
             </a:p>
             <a:p>
               <a:pPr algn="ctr"/>
-              <a:endParaRPr lang="en-GB" sz="1600" b="1" dirty="0"/>
+              <a:endParaRPr lang="en-GB" sz="1300" b="1" dirty="0">
+                <a:latin typeface="Rubik" pitchFamily="2" charset="-79"/>
+                <a:cs typeface="Rubik" pitchFamily="2" charset="-79"/>
+              </a:endParaRPr>
+            </a:p>
+            <a:p>
+              <a:pPr algn="ctr"/>
+              <a:endParaRPr lang="en-GB" sz="1300" b="1" dirty="0">
+                <a:latin typeface="Rubik" pitchFamily="2" charset="-79"/>
+                <a:cs typeface="Rubik" pitchFamily="2" charset="-79"/>
+              </a:endParaRPr>
             </a:p>
             <a:p>
               <a:pPr algn="ctr"/>
               <a:r>
-                <a:rPr lang="en-GB" sz="1600" b="1" dirty="0"/>
-                <a:t>2 km</a:t>
+                <a:rPr lang="en-GB" sz="1300" b="1" dirty="0">
+                  <a:latin typeface="Rubik" pitchFamily="2" charset="-79"/>
+                  <a:cs typeface="Rubik" pitchFamily="2" charset="-79"/>
+                </a:rPr>
+                <a:t>2 KM</a:t>
               </a:r>
-              <a:endParaRPr lang="en-NL" sz="1600" b="1" dirty="0"/>
+              <a:endParaRPr lang="en-NL" sz="1300" b="1" dirty="0">
+                <a:latin typeface="Rubik" pitchFamily="2" charset="-79"/>
+                <a:cs typeface="Rubik" pitchFamily="2" charset="-79"/>
+              </a:endParaRPr>
             </a:p>
           </p:txBody>
         </p:sp>
@@ -16605,7 +17194,7 @@
         </p:nvGrpSpPr>
         <p:grpSpPr>
           <a:xfrm>
-            <a:off x="633000" y="3429000"/>
+            <a:off x="1353000" y="3429000"/>
             <a:ext cx="1440000" cy="1440000"/>
             <a:chOff x="633000" y="3429000"/>
             <a:chExt cx="1440000" cy="1440000"/>
@@ -16657,27 +17246,52 @@
             <a:lstStyle/>
             <a:p>
               <a:pPr algn="ctr"/>
-              <a:endParaRPr lang="en-GB" sz="1600" b="1" dirty="0"/>
+              <a:endParaRPr lang="en-GB" sz="1300" b="1" dirty="0">
+                <a:latin typeface="Rubik" pitchFamily="2" charset="-79"/>
+                <a:cs typeface="Rubik" pitchFamily="2" charset="-79"/>
+              </a:endParaRPr>
             </a:p>
             <a:p>
               <a:pPr algn="ctr"/>
-              <a:endParaRPr lang="en-GB" sz="1600" b="1" dirty="0"/>
+              <a:endParaRPr lang="en-GB" sz="1300" b="1" dirty="0">
+                <a:latin typeface="Rubik" pitchFamily="2" charset="-79"/>
+                <a:cs typeface="Rubik" pitchFamily="2" charset="-79"/>
+              </a:endParaRPr>
             </a:p>
             <a:p>
               <a:pPr algn="ctr"/>
-              <a:endParaRPr lang="en-GB" sz="1600" b="1" dirty="0"/>
+              <a:endParaRPr lang="en-GB" sz="1300" b="1" dirty="0">
+                <a:latin typeface="Rubik" pitchFamily="2" charset="-79"/>
+                <a:cs typeface="Rubik" pitchFamily="2" charset="-79"/>
+              </a:endParaRPr>
             </a:p>
             <a:p>
               <a:pPr algn="ctr"/>
-              <a:endParaRPr lang="en-GB" sz="1600" b="1" dirty="0"/>
+              <a:endParaRPr lang="en-GB" sz="1300" b="1" dirty="0">
+                <a:latin typeface="Rubik" pitchFamily="2" charset="-79"/>
+                <a:cs typeface="Rubik" pitchFamily="2" charset="-79"/>
+              </a:endParaRPr>
+            </a:p>
+            <a:p>
+              <a:pPr algn="ctr"/>
+              <a:endParaRPr lang="en-GB" sz="1300" b="1" dirty="0">
+                <a:latin typeface="Rubik" pitchFamily="2" charset="-79"/>
+                <a:cs typeface="Rubik" pitchFamily="2" charset="-79"/>
+              </a:endParaRPr>
             </a:p>
             <a:p>
               <a:pPr algn="ctr"/>
               <a:r>
-                <a:rPr lang="en-GB" sz="1600" b="1" dirty="0"/>
-                <a:t>1 km</a:t>
+                <a:rPr lang="en-GB" sz="1300" b="1" dirty="0">
+                  <a:latin typeface="Rubik" pitchFamily="2" charset="-79"/>
+                  <a:cs typeface="Rubik" pitchFamily="2" charset="-79"/>
+                </a:rPr>
+                <a:t>1 KM</a:t>
               </a:r>
-              <a:endParaRPr lang="en-NL" sz="1600" b="1" dirty="0"/>
+              <a:endParaRPr lang="en-NL" sz="1300" b="1" dirty="0">
+                <a:latin typeface="Rubik" pitchFamily="2" charset="-79"/>
+                <a:cs typeface="Rubik" pitchFamily="2" charset="-79"/>
+              </a:endParaRPr>
             </a:p>
           </p:txBody>
         </p:sp>
@@ -16732,7 +17346,7 @@
         </p:nvGrpSpPr>
         <p:grpSpPr>
           <a:xfrm>
-            <a:off x="633000" y="4869000"/>
+            <a:off x="1353000" y="4869000"/>
             <a:ext cx="1440000" cy="1440000"/>
             <a:chOff x="633000" y="4869000"/>
             <a:chExt cx="1440000" cy="1440000"/>
@@ -16784,27 +17398,52 @@
             <a:lstStyle/>
             <a:p>
               <a:pPr algn="ctr"/>
-              <a:endParaRPr lang="en-GB" sz="1600" b="1" dirty="0"/>
+              <a:endParaRPr lang="en-GB" sz="1300" b="1" dirty="0">
+                <a:latin typeface="Rubik" pitchFamily="2" charset="-79"/>
+                <a:cs typeface="Rubik" pitchFamily="2" charset="-79"/>
+              </a:endParaRPr>
             </a:p>
             <a:p>
               <a:pPr algn="ctr"/>
-              <a:endParaRPr lang="en-GB" sz="1600" b="1" dirty="0"/>
+              <a:endParaRPr lang="en-GB" sz="1300" b="1" dirty="0">
+                <a:latin typeface="Rubik" pitchFamily="2" charset="-79"/>
+                <a:cs typeface="Rubik" pitchFamily="2" charset="-79"/>
+              </a:endParaRPr>
             </a:p>
             <a:p>
               <a:pPr algn="ctr"/>
-              <a:endParaRPr lang="en-GB" sz="1600" b="1" dirty="0"/>
+              <a:endParaRPr lang="en-GB" sz="1300" b="1" dirty="0">
+                <a:latin typeface="Rubik" pitchFamily="2" charset="-79"/>
+                <a:cs typeface="Rubik" pitchFamily="2" charset="-79"/>
+              </a:endParaRPr>
             </a:p>
             <a:p>
               <a:pPr algn="ctr"/>
-              <a:endParaRPr lang="en-GB" sz="1600" b="1" dirty="0"/>
+              <a:endParaRPr lang="en-GB" sz="1300" b="1" dirty="0">
+                <a:latin typeface="Rubik" pitchFamily="2" charset="-79"/>
+                <a:cs typeface="Rubik" pitchFamily="2" charset="-79"/>
+              </a:endParaRPr>
+            </a:p>
+            <a:p>
+              <a:pPr algn="ctr"/>
+              <a:endParaRPr lang="en-GB" sz="1300" b="1" dirty="0">
+                <a:latin typeface="Rubik" pitchFamily="2" charset="-79"/>
+                <a:cs typeface="Rubik" pitchFamily="2" charset="-79"/>
+              </a:endParaRPr>
             </a:p>
             <a:p>
               <a:pPr algn="ctr"/>
               <a:r>
-                <a:rPr lang="en-GB" sz="1600" b="1" dirty="0"/>
-                <a:t>500 m</a:t>
+                <a:rPr lang="en-GB" sz="1300" b="1" dirty="0">
+                  <a:latin typeface="Rubik" pitchFamily="2" charset="-79"/>
+                  <a:cs typeface="Rubik" pitchFamily="2" charset="-79"/>
+                </a:rPr>
+                <a:t>500 M</a:t>
               </a:r>
-              <a:endParaRPr lang="en-NL" sz="1600" b="1" dirty="0"/>
+              <a:endParaRPr lang="en-NL" sz="1300" b="1" dirty="0">
+                <a:latin typeface="Rubik" pitchFamily="2" charset="-79"/>
+                <a:cs typeface="Rubik" pitchFamily="2" charset="-79"/>
+              </a:endParaRPr>
             </a:p>
           </p:txBody>
         </p:sp>
@@ -16859,7 +17498,7 @@
         </p:nvGrpSpPr>
         <p:grpSpPr>
           <a:xfrm>
-            <a:off x="4952999" y="1989000"/>
+            <a:off x="5673000" y="1989000"/>
             <a:ext cx="1440000" cy="1440000"/>
             <a:chOff x="4952999" y="1989000"/>
             <a:chExt cx="1440000" cy="1440000"/>
@@ -16911,27 +17550,52 @@
             <a:lstStyle/>
             <a:p>
               <a:pPr algn="ctr"/>
-              <a:endParaRPr lang="en-GB" sz="1600" b="1" dirty="0"/>
+              <a:endParaRPr lang="en-GB" sz="1300" b="1" dirty="0">
+                <a:latin typeface="Rubik" pitchFamily="2" charset="-79"/>
+                <a:cs typeface="Rubik" pitchFamily="2" charset="-79"/>
+              </a:endParaRPr>
             </a:p>
             <a:p>
               <a:pPr algn="ctr"/>
-              <a:endParaRPr lang="en-GB" sz="1600" b="1" dirty="0"/>
+              <a:endParaRPr lang="en-GB" sz="1300" b="1" dirty="0">
+                <a:latin typeface="Rubik" pitchFamily="2" charset="-79"/>
+                <a:cs typeface="Rubik" pitchFamily="2" charset="-79"/>
+              </a:endParaRPr>
             </a:p>
             <a:p>
               <a:pPr algn="ctr"/>
-              <a:endParaRPr lang="en-GB" sz="1600" b="1" dirty="0"/>
+              <a:endParaRPr lang="en-GB" sz="1300" b="1" dirty="0">
+                <a:latin typeface="Rubik" pitchFamily="2" charset="-79"/>
+                <a:cs typeface="Rubik" pitchFamily="2" charset="-79"/>
+              </a:endParaRPr>
             </a:p>
             <a:p>
               <a:pPr algn="ctr"/>
-              <a:endParaRPr lang="en-GB" sz="1600" b="1" dirty="0"/>
+              <a:endParaRPr lang="en-GB" sz="1300" b="1" dirty="0">
+                <a:latin typeface="Rubik" pitchFamily="2" charset="-79"/>
+                <a:cs typeface="Rubik" pitchFamily="2" charset="-79"/>
+              </a:endParaRPr>
+            </a:p>
+            <a:p>
+              <a:pPr algn="ctr"/>
+              <a:endParaRPr lang="en-GB" sz="1300" b="1" dirty="0">
+                <a:latin typeface="Rubik" pitchFamily="2" charset="-79"/>
+                <a:cs typeface="Rubik" pitchFamily="2" charset="-79"/>
+              </a:endParaRPr>
             </a:p>
             <a:p>
               <a:pPr algn="ctr"/>
               <a:r>
-                <a:rPr lang="en-GB" sz="1600" b="1" dirty="0"/>
-                <a:t>2 km</a:t>
+                <a:rPr lang="en-GB" sz="1300" b="1" dirty="0">
+                  <a:latin typeface="Rubik" pitchFamily="2" charset="-79"/>
+                  <a:cs typeface="Rubik" pitchFamily="2" charset="-79"/>
+                </a:rPr>
+                <a:t>2 KM</a:t>
               </a:r>
-              <a:endParaRPr lang="en-NL" sz="1600" b="1" dirty="0"/>
+              <a:endParaRPr lang="en-NL" sz="1300" b="1" dirty="0">
+                <a:latin typeface="Rubik" pitchFamily="2" charset="-79"/>
+                <a:cs typeface="Rubik" pitchFamily="2" charset="-79"/>
+              </a:endParaRPr>
             </a:p>
           </p:txBody>
         </p:sp>
@@ -17006,7 +17670,10 @@
               <a:lstStyle/>
               <a:p>
                 <a:pPr algn="ctr"/>
-                <a:endParaRPr lang="en-NL"/>
+                <a:endParaRPr lang="en-NL" sz="1300" dirty="0">
+                  <a:latin typeface="Rubik" pitchFamily="2" charset="-79"/>
+                  <a:cs typeface="Rubik" pitchFamily="2" charset="-79"/>
+                </a:endParaRPr>
               </a:p>
             </p:txBody>
           </p:sp>
@@ -17058,7 +17725,10 @@
               <a:lstStyle/>
               <a:p>
                 <a:pPr algn="ctr"/>
-                <a:endParaRPr lang="en-NL" dirty="0"/>
+                <a:endParaRPr lang="en-NL" sz="1300" dirty="0">
+                  <a:latin typeface="Rubik" pitchFamily="2" charset="-79"/>
+                  <a:cs typeface="Rubik" pitchFamily="2" charset="-79"/>
+                </a:endParaRPr>
               </a:p>
             </p:txBody>
           </p:sp>
@@ -17113,7 +17783,10 @@
               <a:lstStyle/>
               <a:p>
                 <a:pPr algn="ctr"/>
-                <a:endParaRPr lang="en-NL"/>
+                <a:endParaRPr lang="en-NL" sz="1300" dirty="0">
+                  <a:latin typeface="Rubik" pitchFamily="2" charset="-79"/>
+                  <a:cs typeface="Rubik" pitchFamily="2" charset="-79"/>
+                </a:endParaRPr>
               </a:p>
             </p:txBody>
           </p:sp>
@@ -17179,7 +17852,7 @@
         </p:nvGrpSpPr>
         <p:grpSpPr>
           <a:xfrm>
-            <a:off x="4953000" y="3429000"/>
+            <a:off x="5673001" y="3429000"/>
             <a:ext cx="1440000" cy="1440000"/>
             <a:chOff x="4953000" y="3429000"/>
             <a:chExt cx="1440000" cy="1440000"/>
@@ -17231,27 +17904,52 @@
             <a:lstStyle/>
             <a:p>
               <a:pPr algn="ctr"/>
-              <a:endParaRPr lang="en-GB" sz="1600" b="1" dirty="0"/>
+              <a:endParaRPr lang="en-GB" sz="1300" b="1" dirty="0">
+                <a:latin typeface="Rubik" pitchFamily="2" charset="-79"/>
+                <a:cs typeface="Rubik" pitchFamily="2" charset="-79"/>
+              </a:endParaRPr>
             </a:p>
             <a:p>
               <a:pPr algn="ctr"/>
-              <a:endParaRPr lang="en-GB" sz="1600" b="1" dirty="0"/>
+              <a:endParaRPr lang="en-GB" sz="1300" b="1" dirty="0">
+                <a:latin typeface="Rubik" pitchFamily="2" charset="-79"/>
+                <a:cs typeface="Rubik" pitchFamily="2" charset="-79"/>
+              </a:endParaRPr>
             </a:p>
             <a:p>
               <a:pPr algn="ctr"/>
-              <a:endParaRPr lang="en-GB" sz="1600" b="1" dirty="0"/>
+              <a:endParaRPr lang="en-GB" sz="1300" b="1" dirty="0">
+                <a:latin typeface="Rubik" pitchFamily="2" charset="-79"/>
+                <a:cs typeface="Rubik" pitchFamily="2" charset="-79"/>
+              </a:endParaRPr>
             </a:p>
             <a:p>
               <a:pPr algn="ctr"/>
-              <a:endParaRPr lang="en-GB" sz="1600" b="1" dirty="0"/>
+              <a:endParaRPr lang="en-GB" sz="1300" b="1" dirty="0">
+                <a:latin typeface="Rubik" pitchFamily="2" charset="-79"/>
+                <a:cs typeface="Rubik" pitchFamily="2" charset="-79"/>
+              </a:endParaRPr>
+            </a:p>
+            <a:p>
+              <a:pPr algn="ctr"/>
+              <a:endParaRPr lang="en-GB" sz="1300" b="1" dirty="0">
+                <a:latin typeface="Rubik" pitchFamily="2" charset="-79"/>
+                <a:cs typeface="Rubik" pitchFamily="2" charset="-79"/>
+              </a:endParaRPr>
             </a:p>
             <a:p>
               <a:pPr algn="ctr"/>
               <a:r>
-                <a:rPr lang="en-GB" sz="1600" b="1" dirty="0"/>
-                <a:t>1 km</a:t>
+                <a:rPr lang="en-GB" sz="1300" b="1" dirty="0">
+                  <a:latin typeface="Rubik" pitchFamily="2" charset="-79"/>
+                  <a:cs typeface="Rubik" pitchFamily="2" charset="-79"/>
+                </a:rPr>
+                <a:t>1 KM</a:t>
               </a:r>
-              <a:endParaRPr lang="en-NL" sz="1600" b="1" dirty="0"/>
+              <a:endParaRPr lang="en-NL" sz="1300" b="1" dirty="0">
+                <a:latin typeface="Rubik" pitchFamily="2" charset="-79"/>
+                <a:cs typeface="Rubik" pitchFamily="2" charset="-79"/>
+              </a:endParaRPr>
             </a:p>
           </p:txBody>
         </p:sp>
@@ -17326,7 +18024,10 @@
               <a:lstStyle/>
               <a:p>
                 <a:pPr algn="ctr"/>
-                <a:endParaRPr lang="en-NL"/>
+                <a:endParaRPr lang="en-NL" sz="1300" dirty="0">
+                  <a:latin typeface="Rubik" pitchFamily="2" charset="-79"/>
+                  <a:cs typeface="Rubik" pitchFamily="2" charset="-79"/>
+                </a:endParaRPr>
               </a:p>
             </p:txBody>
           </p:sp>
@@ -17378,7 +18079,10 @@
               <a:lstStyle/>
               <a:p>
                 <a:pPr algn="ctr"/>
-                <a:endParaRPr lang="en-NL" dirty="0"/>
+                <a:endParaRPr lang="en-NL" sz="1300" dirty="0">
+                  <a:latin typeface="Rubik" pitchFamily="2" charset="-79"/>
+                  <a:cs typeface="Rubik" pitchFamily="2" charset="-79"/>
+                </a:endParaRPr>
               </a:p>
             </p:txBody>
           </p:sp>
@@ -17433,7 +18137,10 @@
               <a:lstStyle/>
               <a:p>
                 <a:pPr algn="ctr"/>
-                <a:endParaRPr lang="en-NL"/>
+                <a:endParaRPr lang="en-NL" sz="1300" dirty="0">
+                  <a:latin typeface="Rubik" pitchFamily="2" charset="-79"/>
+                  <a:cs typeface="Rubik" pitchFamily="2" charset="-79"/>
+                </a:endParaRPr>
               </a:p>
             </p:txBody>
           </p:sp>
@@ -17499,7 +18206,7 @@
         </p:nvGrpSpPr>
         <p:grpSpPr>
           <a:xfrm>
-            <a:off x="4953000" y="4869000"/>
+            <a:off x="5673001" y="4869000"/>
             <a:ext cx="1440000" cy="1440000"/>
             <a:chOff x="4953000" y="4869000"/>
             <a:chExt cx="1440000" cy="1440000"/>
@@ -17551,27 +18258,52 @@
             <a:lstStyle/>
             <a:p>
               <a:pPr algn="ctr"/>
-              <a:endParaRPr lang="en-GB" sz="1600" b="1" dirty="0"/>
+              <a:endParaRPr lang="en-GB" sz="1300" b="1" dirty="0">
+                <a:latin typeface="Rubik" pitchFamily="2" charset="-79"/>
+                <a:cs typeface="Rubik" pitchFamily="2" charset="-79"/>
+              </a:endParaRPr>
             </a:p>
             <a:p>
               <a:pPr algn="ctr"/>
-              <a:endParaRPr lang="en-GB" sz="1600" b="1" dirty="0"/>
+              <a:endParaRPr lang="en-GB" sz="1300" b="1" dirty="0">
+                <a:latin typeface="Rubik" pitchFamily="2" charset="-79"/>
+                <a:cs typeface="Rubik" pitchFamily="2" charset="-79"/>
+              </a:endParaRPr>
             </a:p>
             <a:p>
               <a:pPr algn="ctr"/>
-              <a:endParaRPr lang="en-GB" sz="1600" b="1" dirty="0"/>
+              <a:endParaRPr lang="en-GB" sz="1300" b="1" dirty="0">
+                <a:latin typeface="Rubik" pitchFamily="2" charset="-79"/>
+                <a:cs typeface="Rubik" pitchFamily="2" charset="-79"/>
+              </a:endParaRPr>
             </a:p>
             <a:p>
               <a:pPr algn="ctr"/>
-              <a:endParaRPr lang="en-GB" sz="1600" b="1" dirty="0"/>
+              <a:endParaRPr lang="en-GB" sz="1300" b="1" dirty="0">
+                <a:latin typeface="Rubik" pitchFamily="2" charset="-79"/>
+                <a:cs typeface="Rubik" pitchFamily="2" charset="-79"/>
+              </a:endParaRPr>
+            </a:p>
+            <a:p>
+              <a:pPr algn="ctr"/>
+              <a:endParaRPr lang="en-GB" sz="1300" b="1" dirty="0">
+                <a:latin typeface="Rubik" pitchFamily="2" charset="-79"/>
+                <a:cs typeface="Rubik" pitchFamily="2" charset="-79"/>
+              </a:endParaRPr>
             </a:p>
             <a:p>
               <a:pPr algn="ctr"/>
               <a:r>
-                <a:rPr lang="en-GB" sz="1600" b="1" dirty="0"/>
-                <a:t>500 m</a:t>
+                <a:rPr lang="en-GB" sz="1300" b="1" dirty="0">
+                  <a:latin typeface="Rubik" pitchFamily="2" charset="-79"/>
+                  <a:cs typeface="Rubik" pitchFamily="2" charset="-79"/>
+                </a:rPr>
+                <a:t>500 M</a:t>
               </a:r>
-              <a:endParaRPr lang="en-NL" sz="1600" b="1" dirty="0"/>
+              <a:endParaRPr lang="en-NL" sz="1300" b="1" dirty="0">
+                <a:latin typeface="Rubik" pitchFamily="2" charset="-79"/>
+                <a:cs typeface="Rubik" pitchFamily="2" charset="-79"/>
+              </a:endParaRPr>
             </a:p>
           </p:txBody>
         </p:sp>
@@ -17646,7 +18378,10 @@
               <a:lstStyle/>
               <a:p>
                 <a:pPr algn="ctr"/>
-                <a:endParaRPr lang="en-NL"/>
+                <a:endParaRPr lang="en-NL" sz="1300" dirty="0">
+                  <a:latin typeface="Rubik" pitchFamily="2" charset="-79"/>
+                  <a:cs typeface="Rubik" pitchFamily="2" charset="-79"/>
+                </a:endParaRPr>
               </a:p>
             </p:txBody>
           </p:sp>
@@ -17698,7 +18433,10 @@
               <a:lstStyle/>
               <a:p>
                 <a:pPr algn="ctr"/>
-                <a:endParaRPr lang="en-NL" dirty="0"/>
+                <a:endParaRPr lang="en-NL" sz="1300" dirty="0">
+                  <a:latin typeface="Rubik" pitchFamily="2" charset="-79"/>
+                  <a:cs typeface="Rubik" pitchFamily="2" charset="-79"/>
+                </a:endParaRPr>
               </a:p>
             </p:txBody>
           </p:sp>
@@ -17753,7 +18491,10 @@
               <a:lstStyle/>
               <a:p>
                 <a:pPr algn="ctr"/>
-                <a:endParaRPr lang="en-NL"/>
+                <a:endParaRPr lang="en-NL" sz="1300" dirty="0">
+                  <a:latin typeface="Rubik" pitchFamily="2" charset="-79"/>
+                  <a:cs typeface="Rubik" pitchFamily="2" charset="-79"/>
+                </a:endParaRPr>
               </a:p>
             </p:txBody>
           </p:sp>
@@ -17819,7 +18560,7 @@
         </p:nvGrpSpPr>
         <p:grpSpPr>
           <a:xfrm>
-            <a:off x="6392999" y="1989000"/>
+            <a:off x="7113000" y="1989000"/>
             <a:ext cx="1440000" cy="1440000"/>
             <a:chOff x="6392999" y="1989000"/>
             <a:chExt cx="1440000" cy="1440000"/>
@@ -17871,27 +18612,52 @@
             <a:lstStyle/>
             <a:p>
               <a:pPr algn="ctr"/>
-              <a:endParaRPr lang="en-GB" sz="1600" b="1" dirty="0"/>
+              <a:endParaRPr lang="en-GB" sz="1300" b="1" dirty="0">
+                <a:latin typeface="Rubik" pitchFamily="2" charset="-79"/>
+                <a:cs typeface="Rubik" pitchFamily="2" charset="-79"/>
+              </a:endParaRPr>
             </a:p>
             <a:p>
               <a:pPr algn="ctr"/>
-              <a:endParaRPr lang="en-GB" sz="1600" b="1" dirty="0"/>
+              <a:endParaRPr lang="en-GB" sz="1300" b="1" dirty="0">
+                <a:latin typeface="Rubik" pitchFamily="2" charset="-79"/>
+                <a:cs typeface="Rubik" pitchFamily="2" charset="-79"/>
+              </a:endParaRPr>
             </a:p>
             <a:p>
               <a:pPr algn="ctr"/>
-              <a:endParaRPr lang="en-GB" sz="1600" b="1" dirty="0"/>
+              <a:endParaRPr lang="en-GB" sz="1300" b="1" dirty="0">
+                <a:latin typeface="Rubik" pitchFamily="2" charset="-79"/>
+                <a:cs typeface="Rubik" pitchFamily="2" charset="-79"/>
+              </a:endParaRPr>
             </a:p>
             <a:p>
               <a:pPr algn="ctr"/>
-              <a:endParaRPr lang="en-GB" sz="1600" b="1" dirty="0"/>
+              <a:endParaRPr lang="en-GB" sz="1300" b="1" dirty="0">
+                <a:latin typeface="Rubik" pitchFamily="2" charset="-79"/>
+                <a:cs typeface="Rubik" pitchFamily="2" charset="-79"/>
+              </a:endParaRPr>
+            </a:p>
+            <a:p>
+              <a:pPr algn="ctr"/>
+              <a:endParaRPr lang="en-GB" sz="1300" b="1" dirty="0">
+                <a:latin typeface="Rubik" pitchFamily="2" charset="-79"/>
+                <a:cs typeface="Rubik" pitchFamily="2" charset="-79"/>
+              </a:endParaRPr>
             </a:p>
             <a:p>
               <a:pPr algn="ctr"/>
               <a:r>
-                <a:rPr lang="en-GB" sz="1600" b="1" dirty="0"/>
-                <a:t>250 m</a:t>
+                <a:rPr lang="en-GB" sz="1300" b="1" dirty="0">
+                  <a:latin typeface="Rubik" pitchFamily="2" charset="-79"/>
+                  <a:cs typeface="Rubik" pitchFamily="2" charset="-79"/>
+                </a:rPr>
+                <a:t>250 M</a:t>
               </a:r>
-              <a:endParaRPr lang="en-NL" sz="1600" b="1" dirty="0"/>
+              <a:endParaRPr lang="en-NL" sz="1300" b="1" dirty="0">
+                <a:latin typeface="Rubik" pitchFamily="2" charset="-79"/>
+                <a:cs typeface="Rubik" pitchFamily="2" charset="-79"/>
+              </a:endParaRPr>
             </a:p>
           </p:txBody>
         </p:sp>
@@ -17966,7 +18732,10 @@
               <a:lstStyle/>
               <a:p>
                 <a:pPr algn="ctr"/>
-                <a:endParaRPr lang="en-NL"/>
+                <a:endParaRPr lang="en-NL" sz="1300" dirty="0">
+                  <a:latin typeface="Rubik" pitchFamily="2" charset="-79"/>
+                  <a:cs typeface="Rubik" pitchFamily="2" charset="-79"/>
+                </a:endParaRPr>
               </a:p>
             </p:txBody>
           </p:sp>
@@ -18018,7 +18787,10 @@
               <a:lstStyle/>
               <a:p>
                 <a:pPr algn="ctr"/>
-                <a:endParaRPr lang="en-NL" dirty="0"/>
+                <a:endParaRPr lang="en-NL" sz="1300" dirty="0">
+                  <a:latin typeface="Rubik" pitchFamily="2" charset="-79"/>
+                  <a:cs typeface="Rubik" pitchFamily="2" charset="-79"/>
+                </a:endParaRPr>
               </a:p>
             </p:txBody>
           </p:sp>
@@ -18073,7 +18845,10 @@
               <a:lstStyle/>
               <a:p>
                 <a:pPr algn="ctr"/>
-                <a:endParaRPr lang="en-NL"/>
+                <a:endParaRPr lang="en-NL" sz="1300" dirty="0">
+                  <a:latin typeface="Rubik" pitchFamily="2" charset="-79"/>
+                  <a:cs typeface="Rubik" pitchFamily="2" charset="-79"/>
+                </a:endParaRPr>
               </a:p>
             </p:txBody>
           </p:sp>
@@ -18139,7 +18914,7 @@
         </p:nvGrpSpPr>
         <p:grpSpPr>
           <a:xfrm>
-            <a:off x="4953000" y="549000"/>
+            <a:off x="5673001" y="549000"/>
             <a:ext cx="1440000" cy="1440000"/>
             <a:chOff x="4953000" y="549000"/>
             <a:chExt cx="1440000" cy="1440000"/>
@@ -18216,7 +18991,10 @@
               <a:lstStyle/>
               <a:p>
                 <a:pPr algn="ctr"/>
-                <a:endParaRPr lang="en-NL"/>
+                <a:endParaRPr lang="en-NL" sz="1300" dirty="0">
+                  <a:latin typeface="Rubik" pitchFamily="2" charset="-79"/>
+                  <a:cs typeface="Rubik" pitchFamily="2" charset="-79"/>
+                </a:endParaRPr>
               </a:p>
             </p:txBody>
           </p:sp>
@@ -18268,7 +19046,10 @@
               <a:lstStyle/>
               <a:p>
                 <a:pPr algn="ctr"/>
-                <a:endParaRPr lang="en-NL"/>
+                <a:endParaRPr lang="en-NL" sz="1300" dirty="0">
+                  <a:latin typeface="Rubik" pitchFamily="2" charset="-79"/>
+                  <a:cs typeface="Rubik" pitchFamily="2" charset="-79"/>
+                </a:endParaRPr>
               </a:p>
             </p:txBody>
           </p:sp>
@@ -18323,7 +19104,10 @@
               <a:lstStyle/>
               <a:p>
                 <a:pPr algn="ctr"/>
-                <a:endParaRPr lang="en-NL"/>
+                <a:endParaRPr lang="en-NL" sz="1300" dirty="0">
+                  <a:latin typeface="Rubik" pitchFamily="2" charset="-79"/>
+                  <a:cs typeface="Rubik" pitchFamily="2" charset="-79"/>
+                </a:endParaRPr>
               </a:p>
             </p:txBody>
           </p:sp>
@@ -18420,7 +19204,10 @@
             <a:lstStyle/>
             <a:p>
               <a:pPr algn="ctr"/>
-              <a:endParaRPr lang="en-NL" dirty="0"/>
+              <a:endParaRPr lang="en-NL" sz="1300" dirty="0">
+                <a:latin typeface="Rubik" pitchFamily="2" charset="-79"/>
+                <a:cs typeface="Rubik" pitchFamily="2" charset="-79"/>
+              </a:endParaRPr>
             </a:p>
           </p:txBody>
         </p:sp>
@@ -18439,7 +19226,7 @@
         </p:nvGrpSpPr>
         <p:grpSpPr>
           <a:xfrm>
-            <a:off x="6392999" y="3429000"/>
+            <a:off x="7113000" y="3429000"/>
             <a:ext cx="1440000" cy="1440000"/>
             <a:chOff x="6392999" y="1989000"/>
             <a:chExt cx="1440000" cy="1440000"/>
@@ -18491,27 +19278,52 @@
             <a:lstStyle/>
             <a:p>
               <a:pPr algn="ctr"/>
-              <a:endParaRPr lang="en-GB" sz="1600" b="1" dirty="0"/>
+              <a:endParaRPr lang="en-GB" sz="1300" b="1" dirty="0">
+                <a:latin typeface="Rubik" pitchFamily="2" charset="-79"/>
+                <a:cs typeface="Rubik" pitchFamily="2" charset="-79"/>
+              </a:endParaRPr>
             </a:p>
             <a:p>
               <a:pPr algn="ctr"/>
-              <a:endParaRPr lang="en-GB" sz="1600" b="1" dirty="0"/>
+              <a:endParaRPr lang="en-GB" sz="1300" b="1" dirty="0">
+                <a:latin typeface="Rubik" pitchFamily="2" charset="-79"/>
+                <a:cs typeface="Rubik" pitchFamily="2" charset="-79"/>
+              </a:endParaRPr>
             </a:p>
             <a:p>
               <a:pPr algn="ctr"/>
-              <a:endParaRPr lang="en-GB" sz="1600" b="1" dirty="0"/>
+              <a:endParaRPr lang="en-GB" sz="1300" b="1" dirty="0">
+                <a:latin typeface="Rubik" pitchFamily="2" charset="-79"/>
+                <a:cs typeface="Rubik" pitchFamily="2" charset="-79"/>
+              </a:endParaRPr>
             </a:p>
             <a:p>
               <a:pPr algn="ctr"/>
-              <a:endParaRPr lang="en-GB" sz="1600" b="1" dirty="0"/>
+              <a:endParaRPr lang="en-GB" sz="1300" b="1" dirty="0">
+                <a:latin typeface="Rubik" pitchFamily="2" charset="-79"/>
+                <a:cs typeface="Rubik" pitchFamily="2" charset="-79"/>
+              </a:endParaRPr>
+            </a:p>
+            <a:p>
+              <a:pPr algn="ctr"/>
+              <a:endParaRPr lang="en-GB" sz="1300" b="1" dirty="0">
+                <a:latin typeface="Rubik" pitchFamily="2" charset="-79"/>
+                <a:cs typeface="Rubik" pitchFamily="2" charset="-79"/>
+              </a:endParaRPr>
             </a:p>
             <a:p>
               <a:pPr algn="ctr"/>
               <a:r>
-                <a:rPr lang="en-GB" sz="1600" b="1" dirty="0"/>
-                <a:t>100 m</a:t>
+                <a:rPr lang="en-GB" sz="1300" b="1" dirty="0">
+                  <a:latin typeface="Rubik" pitchFamily="2" charset="-79"/>
+                  <a:cs typeface="Rubik" pitchFamily="2" charset="-79"/>
+                </a:rPr>
+                <a:t>100 M</a:t>
               </a:r>
-              <a:endParaRPr lang="en-NL" sz="1600" b="1" dirty="0"/>
+              <a:endParaRPr lang="en-NL" sz="1300" b="1" dirty="0">
+                <a:latin typeface="Rubik" pitchFamily="2" charset="-79"/>
+                <a:cs typeface="Rubik" pitchFamily="2" charset="-79"/>
+              </a:endParaRPr>
             </a:p>
           </p:txBody>
         </p:sp>
@@ -18586,7 +19398,10 @@
               <a:lstStyle/>
               <a:p>
                 <a:pPr algn="ctr"/>
-                <a:endParaRPr lang="en-NL"/>
+                <a:endParaRPr lang="en-NL" sz="1300" dirty="0">
+                  <a:latin typeface="Rubik" pitchFamily="2" charset="-79"/>
+                  <a:cs typeface="Rubik" pitchFamily="2" charset="-79"/>
+                </a:endParaRPr>
               </a:p>
             </p:txBody>
           </p:sp>
@@ -18638,7 +19453,10 @@
               <a:lstStyle/>
               <a:p>
                 <a:pPr algn="ctr"/>
-                <a:endParaRPr lang="en-NL" dirty="0"/>
+                <a:endParaRPr lang="en-NL" sz="1300" dirty="0">
+                  <a:latin typeface="Rubik" pitchFamily="2" charset="-79"/>
+                  <a:cs typeface="Rubik" pitchFamily="2" charset="-79"/>
+                </a:endParaRPr>
               </a:p>
             </p:txBody>
           </p:sp>
@@ -18693,7 +19511,10 @@
               <a:lstStyle/>
               <a:p>
                 <a:pPr algn="ctr"/>
-                <a:endParaRPr lang="en-NL"/>
+                <a:endParaRPr lang="en-NL" sz="1300" dirty="0">
+                  <a:latin typeface="Rubik" pitchFamily="2" charset="-79"/>
+                  <a:cs typeface="Rubik" pitchFamily="2" charset="-79"/>
+                </a:endParaRPr>
               </a:p>
             </p:txBody>
           </p:sp>
@@ -18913,7 +19734,10 @@
             <a:lstStyle/>
             <a:p>
               <a:pPr algn="ctr"/>
-              <a:endParaRPr lang="en-NL"/>
+              <a:endParaRPr lang="en-NL" sz="1300" dirty="0">
+                <a:latin typeface="Rubik" pitchFamily="2" charset="-79"/>
+                <a:cs typeface="Rubik" pitchFamily="2" charset="-79"/>
+              </a:endParaRPr>
             </a:p>
           </p:txBody>
         </p:sp>
@@ -18932,7 +19756,7 @@
         </p:nvGrpSpPr>
         <p:grpSpPr>
           <a:xfrm>
-            <a:off x="633000" y="1989000"/>
+            <a:off x="3513000" y="1989000"/>
             <a:ext cx="1440000" cy="1440000"/>
             <a:chOff x="633000" y="1989000"/>
             <a:chExt cx="1440000" cy="1440000"/>
@@ -19020,37 +19844,2671 @@
             <a:lstStyle/>
             <a:p>
               <a:pPr algn="ctr"/>
-              <a:endParaRPr lang="en-GB" sz="1600" b="1" dirty="0"/>
+              <a:endParaRPr lang="en-GB" sz="1300" b="1" dirty="0">
+                <a:latin typeface="Rubik" pitchFamily="2" charset="-79"/>
+                <a:cs typeface="Rubik" pitchFamily="2" charset="-79"/>
+              </a:endParaRPr>
             </a:p>
             <a:p>
               <a:pPr algn="ctr"/>
-              <a:endParaRPr lang="en-GB" sz="1600" b="1" dirty="0"/>
+              <a:endParaRPr lang="en-GB" sz="1300" b="1" dirty="0">
+                <a:latin typeface="Rubik" pitchFamily="2" charset="-79"/>
+                <a:cs typeface="Rubik" pitchFamily="2" charset="-79"/>
+              </a:endParaRPr>
             </a:p>
             <a:p>
               <a:pPr algn="ctr"/>
-              <a:endParaRPr lang="en-GB" sz="1600" b="1" dirty="0"/>
+              <a:endParaRPr lang="en-GB" sz="1300" b="1" dirty="0">
+                <a:latin typeface="Rubik" pitchFamily="2" charset="-79"/>
+                <a:cs typeface="Rubik" pitchFamily="2" charset="-79"/>
+              </a:endParaRPr>
             </a:p>
             <a:p>
               <a:pPr algn="ctr"/>
-              <a:endParaRPr lang="en-GB" sz="1600" b="1" dirty="0"/>
+              <a:endParaRPr lang="en-GB" sz="1300" b="1" dirty="0">
+                <a:latin typeface="Rubik" pitchFamily="2" charset="-79"/>
+                <a:cs typeface="Rubik" pitchFamily="2" charset="-79"/>
+              </a:endParaRPr>
+            </a:p>
+            <a:p>
+              <a:pPr algn="ctr"/>
+              <a:endParaRPr lang="en-GB" sz="1300" b="1" dirty="0">
+                <a:latin typeface="Rubik" pitchFamily="2" charset="-79"/>
+                <a:cs typeface="Rubik" pitchFamily="2" charset="-79"/>
+              </a:endParaRPr>
             </a:p>
             <a:p>
               <a:pPr algn="ctr"/>
               <a:r>
-                <a:rPr lang="en-GB" sz="1600" b="1" dirty="0"/>
-                <a:t>Trace Route</a:t>
+                <a:rPr lang="en-GB" sz="1300" b="1" dirty="0">
+                  <a:latin typeface="Rubik" pitchFamily="2" charset="-79"/>
+                  <a:cs typeface="Rubik" pitchFamily="2" charset="-79"/>
+                </a:rPr>
+                <a:t>ROUTE</a:t>
               </a:r>
-              <a:endParaRPr lang="en-NL" sz="1600" b="1" dirty="0"/>
+              <a:endParaRPr lang="en-NL" sz="1300" b="1" dirty="0">
+                <a:latin typeface="Rubik" pitchFamily="2" charset="-79"/>
+                <a:cs typeface="Rubik" pitchFamily="2" charset="-79"/>
+              </a:endParaRPr>
             </a:p>
           </p:txBody>
         </p:sp>
       </p:grpSp>
       <p:grpSp>
         <p:nvGrpSpPr>
-          <p:cNvPr id="34" name="Group 33">
+          <p:cNvPr id="53" name="Group 52">
             <a:extLst>
               <a:ext uri="{FF2B5EF4-FFF2-40B4-BE49-F238E27FC236}">
-                <a16:creationId xmlns:a16="http://schemas.microsoft.com/office/drawing/2014/main" id="{44F3C870-E9C4-E51D-76F6-5CBAC733F92F}"/>
+                <a16:creationId xmlns:a16="http://schemas.microsoft.com/office/drawing/2014/main" id="{C0C099DF-1A25-19AC-514A-35E3AAAE8307}"/>
+              </a:ext>
+            </a:extLst>
+          </p:cNvPr>
+          <p:cNvGrpSpPr/>
+          <p:nvPr/>
+        </p:nvGrpSpPr>
+        <p:grpSpPr>
+          <a:xfrm>
+            <a:off x="2073000" y="1989000"/>
+            <a:ext cx="1440000" cy="1440000"/>
+            <a:chOff x="1353000" y="1989000"/>
+            <a:chExt cx="1440000" cy="1440000"/>
+          </a:xfrm>
+        </p:grpSpPr>
+        <p:sp>
+          <p:nvSpPr>
+            <p:cNvPr id="54" name="Rectangle 53">
+              <a:extLst>
+                <a:ext uri="{FF2B5EF4-FFF2-40B4-BE49-F238E27FC236}">
+                  <a16:creationId xmlns:a16="http://schemas.microsoft.com/office/drawing/2014/main" id="{76F911A2-FCEC-CD38-EC27-A39C2E64A6B9}"/>
+                </a:ext>
+              </a:extLst>
+            </p:cNvPr>
+            <p:cNvSpPr/>
+            <p:nvPr/>
+          </p:nvSpPr>
+          <p:spPr>
+            <a:xfrm>
+              <a:off x="1353000" y="1989000"/>
+              <a:ext cx="1440000" cy="1440000"/>
+            </a:xfrm>
+            <a:prstGeom prst="rect">
+              <a:avLst/>
+            </a:prstGeom>
+            <a:noFill/>
+            <a:ln>
+              <a:noFill/>
+            </a:ln>
+          </p:spPr>
+          <p:style>
+            <a:lnRef idx="2">
+              <a:schemeClr val="accent1">
+                <a:shade val="15000"/>
+              </a:schemeClr>
+            </a:lnRef>
+            <a:fillRef idx="1">
+              <a:schemeClr val="accent1"/>
+            </a:fillRef>
+            <a:effectRef idx="0">
+              <a:schemeClr val="accent1"/>
+            </a:effectRef>
+            <a:fontRef idx="minor">
+              <a:schemeClr val="lt1"/>
+            </a:fontRef>
+          </p:style>
+          <p:txBody>
+            <a:bodyPr rtlCol="0" anchor="ctr"/>
+            <a:lstStyle/>
+            <a:p>
+              <a:pPr algn="ctr"/>
+              <a:endParaRPr lang="en-GB" sz="1300" b="1" dirty="0">
+                <a:latin typeface="Rubik" pitchFamily="2" charset="-79"/>
+                <a:cs typeface="Rubik" pitchFamily="2" charset="-79"/>
+              </a:endParaRPr>
+            </a:p>
+            <a:p>
+              <a:pPr algn="ctr"/>
+              <a:endParaRPr lang="en-GB" sz="1300" b="1" dirty="0">
+                <a:latin typeface="Rubik" pitchFamily="2" charset="-79"/>
+                <a:cs typeface="Rubik" pitchFamily="2" charset="-79"/>
+              </a:endParaRPr>
+            </a:p>
+            <a:p>
+              <a:pPr algn="ctr"/>
+              <a:endParaRPr lang="en-GB" sz="1300" b="1" dirty="0">
+                <a:latin typeface="Rubik" pitchFamily="2" charset="-79"/>
+                <a:cs typeface="Rubik" pitchFamily="2" charset="-79"/>
+              </a:endParaRPr>
+            </a:p>
+            <a:p>
+              <a:pPr algn="ctr"/>
+              <a:endParaRPr lang="en-GB" sz="1300" b="1" dirty="0">
+                <a:latin typeface="Rubik" pitchFamily="2" charset="-79"/>
+                <a:cs typeface="Rubik" pitchFamily="2" charset="-79"/>
+              </a:endParaRPr>
+            </a:p>
+            <a:p>
+              <a:pPr algn="ctr"/>
+              <a:endParaRPr lang="en-GB" sz="1300" b="1" dirty="0">
+                <a:latin typeface="Rubik" pitchFamily="2" charset="-79"/>
+                <a:cs typeface="Rubik" pitchFamily="2" charset="-79"/>
+              </a:endParaRPr>
+            </a:p>
+            <a:p>
+              <a:pPr algn="ctr"/>
+              <a:r>
+                <a:rPr lang="en-GB" sz="1300" b="1" dirty="0">
+                  <a:latin typeface="Rubik" pitchFamily="2" charset="-79"/>
+                  <a:cs typeface="Rubik" pitchFamily="2" charset="-79"/>
+                </a:rPr>
+                <a:t>BUILDINGS</a:t>
+              </a:r>
+              <a:endParaRPr lang="en-NL" sz="1300" b="1" dirty="0">
+                <a:latin typeface="Rubik" pitchFamily="2" charset="-79"/>
+                <a:cs typeface="Rubik" pitchFamily="2" charset="-79"/>
+              </a:endParaRPr>
+            </a:p>
+          </p:txBody>
+        </p:sp>
+        <p:grpSp>
+          <p:nvGrpSpPr>
+            <p:cNvPr id="55" name="Group 54">
+              <a:extLst>
+                <a:ext uri="{FF2B5EF4-FFF2-40B4-BE49-F238E27FC236}">
+                  <a16:creationId xmlns:a16="http://schemas.microsoft.com/office/drawing/2014/main" id="{3485FAA4-A0CD-CC67-0363-644BEF5396F3}"/>
+                </a:ext>
+              </a:extLst>
+            </p:cNvPr>
+            <p:cNvGrpSpPr/>
+            <p:nvPr/>
+          </p:nvGrpSpPr>
+          <p:grpSpPr>
+            <a:xfrm>
+              <a:off x="1713000" y="2133000"/>
+              <a:ext cx="720000" cy="862481"/>
+              <a:chOff x="3221625" y="2548684"/>
+              <a:chExt cx="495300" cy="590547"/>
+            </a:xfrm>
+          </p:grpSpPr>
+          <p:sp>
+            <p:nvSpPr>
+              <p:cNvPr id="56" name="Freeform: Shape 55">
+                <a:extLst>
+                  <a:ext uri="{FF2B5EF4-FFF2-40B4-BE49-F238E27FC236}">
+                    <a16:creationId xmlns:a16="http://schemas.microsoft.com/office/drawing/2014/main" id="{7F9CDD22-8DD1-84C3-9B1F-55BC91506D9F}"/>
+                  </a:ext>
+                </a:extLst>
+              </p:cNvPr>
+              <p:cNvSpPr/>
+              <p:nvPr/>
+            </p:nvSpPr>
+            <p:spPr>
+              <a:xfrm>
+                <a:off x="3221625" y="2796330"/>
+                <a:ext cx="228600" cy="342900"/>
+              </a:xfrm>
+              <a:custGeom>
+                <a:avLst/>
+                <a:gdLst>
+                  <a:gd name="connsiteX0" fmla="*/ 57150 w 228600"/>
+                  <a:gd name="connsiteY0" fmla="*/ 209550 h 342900"/>
+                  <a:gd name="connsiteX1" fmla="*/ 95250 w 228600"/>
+                  <a:gd name="connsiteY1" fmla="*/ 209550 h 342900"/>
+                  <a:gd name="connsiteX2" fmla="*/ 95250 w 228600"/>
+                  <a:gd name="connsiteY2" fmla="*/ 247650 h 342900"/>
+                  <a:gd name="connsiteX3" fmla="*/ 57150 w 228600"/>
+                  <a:gd name="connsiteY3" fmla="*/ 247650 h 342900"/>
+                  <a:gd name="connsiteX4" fmla="*/ 57150 w 228600"/>
+                  <a:gd name="connsiteY4" fmla="*/ 209550 h 342900"/>
+                  <a:gd name="connsiteX5" fmla="*/ 57150 w 228600"/>
+                  <a:gd name="connsiteY5" fmla="*/ 133350 h 342900"/>
+                  <a:gd name="connsiteX6" fmla="*/ 95250 w 228600"/>
+                  <a:gd name="connsiteY6" fmla="*/ 133350 h 342900"/>
+                  <a:gd name="connsiteX7" fmla="*/ 95250 w 228600"/>
+                  <a:gd name="connsiteY7" fmla="*/ 171450 h 342900"/>
+                  <a:gd name="connsiteX8" fmla="*/ 57150 w 228600"/>
+                  <a:gd name="connsiteY8" fmla="*/ 171450 h 342900"/>
+                  <a:gd name="connsiteX9" fmla="*/ 57150 w 228600"/>
+                  <a:gd name="connsiteY9" fmla="*/ 133350 h 342900"/>
+                  <a:gd name="connsiteX10" fmla="*/ 57150 w 228600"/>
+                  <a:gd name="connsiteY10" fmla="*/ 57150 h 342900"/>
+                  <a:gd name="connsiteX11" fmla="*/ 95250 w 228600"/>
+                  <a:gd name="connsiteY11" fmla="*/ 57150 h 342900"/>
+                  <a:gd name="connsiteX12" fmla="*/ 95250 w 228600"/>
+                  <a:gd name="connsiteY12" fmla="*/ 95250 h 342900"/>
+                  <a:gd name="connsiteX13" fmla="*/ 57150 w 228600"/>
+                  <a:gd name="connsiteY13" fmla="*/ 95250 h 342900"/>
+                  <a:gd name="connsiteX14" fmla="*/ 57150 w 228600"/>
+                  <a:gd name="connsiteY14" fmla="*/ 57150 h 342900"/>
+                  <a:gd name="connsiteX15" fmla="*/ 133350 w 228600"/>
+                  <a:gd name="connsiteY15" fmla="*/ 209550 h 342900"/>
+                  <a:gd name="connsiteX16" fmla="*/ 171450 w 228600"/>
+                  <a:gd name="connsiteY16" fmla="*/ 209550 h 342900"/>
+                  <a:gd name="connsiteX17" fmla="*/ 171450 w 228600"/>
+                  <a:gd name="connsiteY17" fmla="*/ 247650 h 342900"/>
+                  <a:gd name="connsiteX18" fmla="*/ 133350 w 228600"/>
+                  <a:gd name="connsiteY18" fmla="*/ 247650 h 342900"/>
+                  <a:gd name="connsiteX19" fmla="*/ 133350 w 228600"/>
+                  <a:gd name="connsiteY19" fmla="*/ 209550 h 342900"/>
+                  <a:gd name="connsiteX20" fmla="*/ 133350 w 228600"/>
+                  <a:gd name="connsiteY20" fmla="*/ 133350 h 342900"/>
+                  <a:gd name="connsiteX21" fmla="*/ 171450 w 228600"/>
+                  <a:gd name="connsiteY21" fmla="*/ 133350 h 342900"/>
+                  <a:gd name="connsiteX22" fmla="*/ 171450 w 228600"/>
+                  <a:gd name="connsiteY22" fmla="*/ 171450 h 342900"/>
+                  <a:gd name="connsiteX23" fmla="*/ 133350 w 228600"/>
+                  <a:gd name="connsiteY23" fmla="*/ 171450 h 342900"/>
+                  <a:gd name="connsiteX24" fmla="*/ 133350 w 228600"/>
+                  <a:gd name="connsiteY24" fmla="*/ 133350 h 342900"/>
+                  <a:gd name="connsiteX25" fmla="*/ 133350 w 228600"/>
+                  <a:gd name="connsiteY25" fmla="*/ 57150 h 342900"/>
+                  <a:gd name="connsiteX26" fmla="*/ 171450 w 228600"/>
+                  <a:gd name="connsiteY26" fmla="*/ 57150 h 342900"/>
+                  <a:gd name="connsiteX27" fmla="*/ 171450 w 228600"/>
+                  <a:gd name="connsiteY27" fmla="*/ 95250 h 342900"/>
+                  <a:gd name="connsiteX28" fmla="*/ 133350 w 228600"/>
+                  <a:gd name="connsiteY28" fmla="*/ 95250 h 342900"/>
+                  <a:gd name="connsiteX29" fmla="*/ 133350 w 228600"/>
+                  <a:gd name="connsiteY29" fmla="*/ 57150 h 342900"/>
+                  <a:gd name="connsiteX30" fmla="*/ 0 w 228600"/>
+                  <a:gd name="connsiteY30" fmla="*/ 342900 h 342900"/>
+                  <a:gd name="connsiteX31" fmla="*/ 95250 w 228600"/>
+                  <a:gd name="connsiteY31" fmla="*/ 342900 h 342900"/>
+                  <a:gd name="connsiteX32" fmla="*/ 95250 w 228600"/>
+                  <a:gd name="connsiteY32" fmla="*/ 285750 h 342900"/>
+                  <a:gd name="connsiteX33" fmla="*/ 133350 w 228600"/>
+                  <a:gd name="connsiteY33" fmla="*/ 285750 h 342900"/>
+                  <a:gd name="connsiteX34" fmla="*/ 133350 w 228600"/>
+                  <a:gd name="connsiteY34" fmla="*/ 342900 h 342900"/>
+                  <a:gd name="connsiteX35" fmla="*/ 228600 w 228600"/>
+                  <a:gd name="connsiteY35" fmla="*/ 342900 h 342900"/>
+                  <a:gd name="connsiteX36" fmla="*/ 228600 w 228600"/>
+                  <a:gd name="connsiteY36" fmla="*/ 0 h 342900"/>
+                  <a:gd name="connsiteX37" fmla="*/ 0 w 228600"/>
+                  <a:gd name="connsiteY37" fmla="*/ 0 h 342900"/>
+                  <a:gd name="connsiteX38" fmla="*/ 0 w 228600"/>
+                  <a:gd name="connsiteY38" fmla="*/ 342900 h 342900"/>
+                </a:gdLst>
+                <a:ahLst/>
+                <a:cxnLst>
+                  <a:cxn ang="0">
+                    <a:pos x="connsiteX0" y="connsiteY0"/>
+                  </a:cxn>
+                  <a:cxn ang="0">
+                    <a:pos x="connsiteX1" y="connsiteY1"/>
+                  </a:cxn>
+                  <a:cxn ang="0">
+                    <a:pos x="connsiteX2" y="connsiteY2"/>
+                  </a:cxn>
+                  <a:cxn ang="0">
+                    <a:pos x="connsiteX3" y="connsiteY3"/>
+                  </a:cxn>
+                  <a:cxn ang="0">
+                    <a:pos x="connsiteX4" y="connsiteY4"/>
+                  </a:cxn>
+                  <a:cxn ang="0">
+                    <a:pos x="connsiteX5" y="connsiteY5"/>
+                  </a:cxn>
+                  <a:cxn ang="0">
+                    <a:pos x="connsiteX6" y="connsiteY6"/>
+                  </a:cxn>
+                  <a:cxn ang="0">
+                    <a:pos x="connsiteX7" y="connsiteY7"/>
+                  </a:cxn>
+                  <a:cxn ang="0">
+                    <a:pos x="connsiteX8" y="connsiteY8"/>
+                  </a:cxn>
+                  <a:cxn ang="0">
+                    <a:pos x="connsiteX9" y="connsiteY9"/>
+                  </a:cxn>
+                  <a:cxn ang="0">
+                    <a:pos x="connsiteX10" y="connsiteY10"/>
+                  </a:cxn>
+                  <a:cxn ang="0">
+                    <a:pos x="connsiteX11" y="connsiteY11"/>
+                  </a:cxn>
+                  <a:cxn ang="0">
+                    <a:pos x="connsiteX12" y="connsiteY12"/>
+                  </a:cxn>
+                  <a:cxn ang="0">
+                    <a:pos x="connsiteX13" y="connsiteY13"/>
+                  </a:cxn>
+                  <a:cxn ang="0">
+                    <a:pos x="connsiteX14" y="connsiteY14"/>
+                  </a:cxn>
+                  <a:cxn ang="0">
+                    <a:pos x="connsiteX15" y="connsiteY15"/>
+                  </a:cxn>
+                  <a:cxn ang="0">
+                    <a:pos x="connsiteX16" y="connsiteY16"/>
+                  </a:cxn>
+                  <a:cxn ang="0">
+                    <a:pos x="connsiteX17" y="connsiteY17"/>
+                  </a:cxn>
+                  <a:cxn ang="0">
+                    <a:pos x="connsiteX18" y="connsiteY18"/>
+                  </a:cxn>
+                  <a:cxn ang="0">
+                    <a:pos x="connsiteX19" y="connsiteY19"/>
+                  </a:cxn>
+                  <a:cxn ang="0">
+                    <a:pos x="connsiteX20" y="connsiteY20"/>
+                  </a:cxn>
+                  <a:cxn ang="0">
+                    <a:pos x="connsiteX21" y="connsiteY21"/>
+                  </a:cxn>
+                  <a:cxn ang="0">
+                    <a:pos x="connsiteX22" y="connsiteY22"/>
+                  </a:cxn>
+                  <a:cxn ang="0">
+                    <a:pos x="connsiteX23" y="connsiteY23"/>
+                  </a:cxn>
+                  <a:cxn ang="0">
+                    <a:pos x="connsiteX24" y="connsiteY24"/>
+                  </a:cxn>
+                  <a:cxn ang="0">
+                    <a:pos x="connsiteX25" y="connsiteY25"/>
+                  </a:cxn>
+                  <a:cxn ang="0">
+                    <a:pos x="connsiteX26" y="connsiteY26"/>
+                  </a:cxn>
+                  <a:cxn ang="0">
+                    <a:pos x="connsiteX27" y="connsiteY27"/>
+                  </a:cxn>
+                  <a:cxn ang="0">
+                    <a:pos x="connsiteX28" y="connsiteY28"/>
+                  </a:cxn>
+                  <a:cxn ang="0">
+                    <a:pos x="connsiteX29" y="connsiteY29"/>
+                  </a:cxn>
+                  <a:cxn ang="0">
+                    <a:pos x="connsiteX30" y="connsiteY30"/>
+                  </a:cxn>
+                  <a:cxn ang="0">
+                    <a:pos x="connsiteX31" y="connsiteY31"/>
+                  </a:cxn>
+                  <a:cxn ang="0">
+                    <a:pos x="connsiteX32" y="connsiteY32"/>
+                  </a:cxn>
+                  <a:cxn ang="0">
+                    <a:pos x="connsiteX33" y="connsiteY33"/>
+                  </a:cxn>
+                  <a:cxn ang="0">
+                    <a:pos x="connsiteX34" y="connsiteY34"/>
+                  </a:cxn>
+                  <a:cxn ang="0">
+                    <a:pos x="connsiteX35" y="connsiteY35"/>
+                  </a:cxn>
+                  <a:cxn ang="0">
+                    <a:pos x="connsiteX36" y="connsiteY36"/>
+                  </a:cxn>
+                  <a:cxn ang="0">
+                    <a:pos x="connsiteX37" y="connsiteY37"/>
+                  </a:cxn>
+                  <a:cxn ang="0">
+                    <a:pos x="connsiteX38" y="connsiteY38"/>
+                  </a:cxn>
+                </a:cxnLst>
+                <a:rect l="l" t="t" r="r" b="b"/>
+                <a:pathLst>
+                  <a:path w="228600" h="342900">
+                    <a:moveTo>
+                      <a:pt x="57150" y="209550"/>
+                    </a:moveTo>
+                    <a:lnTo>
+                      <a:pt x="95250" y="209550"/>
+                    </a:lnTo>
+                    <a:lnTo>
+                      <a:pt x="95250" y="247650"/>
+                    </a:lnTo>
+                    <a:lnTo>
+                      <a:pt x="57150" y="247650"/>
+                    </a:lnTo>
+                    <a:lnTo>
+                      <a:pt x="57150" y="209550"/>
+                    </a:lnTo>
+                    <a:close/>
+                    <a:moveTo>
+                      <a:pt x="57150" y="133350"/>
+                    </a:moveTo>
+                    <a:lnTo>
+                      <a:pt x="95250" y="133350"/>
+                    </a:lnTo>
+                    <a:lnTo>
+                      <a:pt x="95250" y="171450"/>
+                    </a:lnTo>
+                    <a:lnTo>
+                      <a:pt x="57150" y="171450"/>
+                    </a:lnTo>
+                    <a:lnTo>
+                      <a:pt x="57150" y="133350"/>
+                    </a:lnTo>
+                    <a:close/>
+                    <a:moveTo>
+                      <a:pt x="57150" y="57150"/>
+                    </a:moveTo>
+                    <a:lnTo>
+                      <a:pt x="95250" y="57150"/>
+                    </a:lnTo>
+                    <a:lnTo>
+                      <a:pt x="95250" y="95250"/>
+                    </a:lnTo>
+                    <a:lnTo>
+                      <a:pt x="57150" y="95250"/>
+                    </a:lnTo>
+                    <a:lnTo>
+                      <a:pt x="57150" y="57150"/>
+                    </a:lnTo>
+                    <a:close/>
+                    <a:moveTo>
+                      <a:pt x="133350" y="209550"/>
+                    </a:moveTo>
+                    <a:lnTo>
+                      <a:pt x="171450" y="209550"/>
+                    </a:lnTo>
+                    <a:lnTo>
+                      <a:pt x="171450" y="247650"/>
+                    </a:lnTo>
+                    <a:lnTo>
+                      <a:pt x="133350" y="247650"/>
+                    </a:lnTo>
+                    <a:lnTo>
+                      <a:pt x="133350" y="209550"/>
+                    </a:lnTo>
+                    <a:close/>
+                    <a:moveTo>
+                      <a:pt x="133350" y="133350"/>
+                    </a:moveTo>
+                    <a:lnTo>
+                      <a:pt x="171450" y="133350"/>
+                    </a:lnTo>
+                    <a:lnTo>
+                      <a:pt x="171450" y="171450"/>
+                    </a:lnTo>
+                    <a:lnTo>
+                      <a:pt x="133350" y="171450"/>
+                    </a:lnTo>
+                    <a:lnTo>
+                      <a:pt x="133350" y="133350"/>
+                    </a:lnTo>
+                    <a:close/>
+                    <a:moveTo>
+                      <a:pt x="133350" y="57150"/>
+                    </a:moveTo>
+                    <a:lnTo>
+                      <a:pt x="171450" y="57150"/>
+                    </a:lnTo>
+                    <a:lnTo>
+                      <a:pt x="171450" y="95250"/>
+                    </a:lnTo>
+                    <a:lnTo>
+                      <a:pt x="133350" y="95250"/>
+                    </a:lnTo>
+                    <a:lnTo>
+                      <a:pt x="133350" y="57150"/>
+                    </a:lnTo>
+                    <a:close/>
+                    <a:moveTo>
+                      <a:pt x="0" y="342900"/>
+                    </a:moveTo>
+                    <a:lnTo>
+                      <a:pt x="95250" y="342900"/>
+                    </a:lnTo>
+                    <a:lnTo>
+                      <a:pt x="95250" y="285750"/>
+                    </a:lnTo>
+                    <a:lnTo>
+                      <a:pt x="133350" y="285750"/>
+                    </a:lnTo>
+                    <a:lnTo>
+                      <a:pt x="133350" y="342900"/>
+                    </a:lnTo>
+                    <a:lnTo>
+                      <a:pt x="228600" y="342900"/>
+                    </a:lnTo>
+                    <a:lnTo>
+                      <a:pt x="228600" y="0"/>
+                    </a:lnTo>
+                    <a:lnTo>
+                      <a:pt x="0" y="0"/>
+                    </a:lnTo>
+                    <a:lnTo>
+                      <a:pt x="0" y="342900"/>
+                    </a:lnTo>
+                    <a:close/>
+                  </a:path>
+                </a:pathLst>
+              </a:custGeom>
+              <a:solidFill>
+                <a:schemeClr val="bg1"/>
+              </a:solidFill>
+              <a:ln w="9525" cap="flat">
+                <a:noFill/>
+                <a:prstDash val="solid"/>
+                <a:miter/>
+              </a:ln>
+            </p:spPr>
+            <p:txBody>
+              <a:bodyPr rtlCol="0" anchor="ctr"/>
+              <a:lstStyle/>
+              <a:p>
+                <a:endParaRPr lang="en-NL" sz="1300" dirty="0">
+                  <a:latin typeface="Rubik" pitchFamily="2" charset="-79"/>
+                  <a:cs typeface="Rubik" pitchFamily="2" charset="-79"/>
+                </a:endParaRPr>
+              </a:p>
+            </p:txBody>
+          </p:sp>
+          <p:sp>
+            <p:nvSpPr>
+              <p:cNvPr id="57" name="Freeform: Shape 56">
+                <a:extLst>
+                  <a:ext uri="{FF2B5EF4-FFF2-40B4-BE49-F238E27FC236}">
+                    <a16:creationId xmlns:a16="http://schemas.microsoft.com/office/drawing/2014/main" id="{ABA41A00-2B52-A01F-D55F-8720949195EA}"/>
+                  </a:ext>
+                </a:extLst>
+              </p:cNvPr>
+              <p:cNvSpPr/>
+              <p:nvPr/>
+            </p:nvSpPr>
+            <p:spPr>
+              <a:xfrm>
+                <a:off x="3488325" y="2872531"/>
+                <a:ext cx="228600" cy="266700"/>
+              </a:xfrm>
+              <a:custGeom>
+                <a:avLst/>
+                <a:gdLst>
+                  <a:gd name="connsiteX0" fmla="*/ 57150 w 228600"/>
+                  <a:gd name="connsiteY0" fmla="*/ 133350 h 266700"/>
+                  <a:gd name="connsiteX1" fmla="*/ 95250 w 228600"/>
+                  <a:gd name="connsiteY1" fmla="*/ 133350 h 266700"/>
+                  <a:gd name="connsiteX2" fmla="*/ 95250 w 228600"/>
+                  <a:gd name="connsiteY2" fmla="*/ 171450 h 266700"/>
+                  <a:gd name="connsiteX3" fmla="*/ 57150 w 228600"/>
+                  <a:gd name="connsiteY3" fmla="*/ 171450 h 266700"/>
+                  <a:gd name="connsiteX4" fmla="*/ 57150 w 228600"/>
+                  <a:gd name="connsiteY4" fmla="*/ 133350 h 266700"/>
+                  <a:gd name="connsiteX5" fmla="*/ 57150 w 228600"/>
+                  <a:gd name="connsiteY5" fmla="*/ 57150 h 266700"/>
+                  <a:gd name="connsiteX6" fmla="*/ 95250 w 228600"/>
+                  <a:gd name="connsiteY6" fmla="*/ 57150 h 266700"/>
+                  <a:gd name="connsiteX7" fmla="*/ 95250 w 228600"/>
+                  <a:gd name="connsiteY7" fmla="*/ 95250 h 266700"/>
+                  <a:gd name="connsiteX8" fmla="*/ 57150 w 228600"/>
+                  <a:gd name="connsiteY8" fmla="*/ 95250 h 266700"/>
+                  <a:gd name="connsiteX9" fmla="*/ 57150 w 228600"/>
+                  <a:gd name="connsiteY9" fmla="*/ 57150 h 266700"/>
+                  <a:gd name="connsiteX10" fmla="*/ 133350 w 228600"/>
+                  <a:gd name="connsiteY10" fmla="*/ 133350 h 266700"/>
+                  <a:gd name="connsiteX11" fmla="*/ 171450 w 228600"/>
+                  <a:gd name="connsiteY11" fmla="*/ 133350 h 266700"/>
+                  <a:gd name="connsiteX12" fmla="*/ 171450 w 228600"/>
+                  <a:gd name="connsiteY12" fmla="*/ 171450 h 266700"/>
+                  <a:gd name="connsiteX13" fmla="*/ 133350 w 228600"/>
+                  <a:gd name="connsiteY13" fmla="*/ 171450 h 266700"/>
+                  <a:gd name="connsiteX14" fmla="*/ 133350 w 228600"/>
+                  <a:gd name="connsiteY14" fmla="*/ 133350 h 266700"/>
+                  <a:gd name="connsiteX15" fmla="*/ 133350 w 228600"/>
+                  <a:gd name="connsiteY15" fmla="*/ 57150 h 266700"/>
+                  <a:gd name="connsiteX16" fmla="*/ 171450 w 228600"/>
+                  <a:gd name="connsiteY16" fmla="*/ 57150 h 266700"/>
+                  <a:gd name="connsiteX17" fmla="*/ 171450 w 228600"/>
+                  <a:gd name="connsiteY17" fmla="*/ 95250 h 266700"/>
+                  <a:gd name="connsiteX18" fmla="*/ 133350 w 228600"/>
+                  <a:gd name="connsiteY18" fmla="*/ 95250 h 266700"/>
+                  <a:gd name="connsiteX19" fmla="*/ 133350 w 228600"/>
+                  <a:gd name="connsiteY19" fmla="*/ 57150 h 266700"/>
+                  <a:gd name="connsiteX20" fmla="*/ 0 w 228600"/>
+                  <a:gd name="connsiteY20" fmla="*/ 266700 h 266700"/>
+                  <a:gd name="connsiteX21" fmla="*/ 95250 w 228600"/>
+                  <a:gd name="connsiteY21" fmla="*/ 266700 h 266700"/>
+                  <a:gd name="connsiteX22" fmla="*/ 95250 w 228600"/>
+                  <a:gd name="connsiteY22" fmla="*/ 209550 h 266700"/>
+                  <a:gd name="connsiteX23" fmla="*/ 133350 w 228600"/>
+                  <a:gd name="connsiteY23" fmla="*/ 209550 h 266700"/>
+                  <a:gd name="connsiteX24" fmla="*/ 133350 w 228600"/>
+                  <a:gd name="connsiteY24" fmla="*/ 266700 h 266700"/>
+                  <a:gd name="connsiteX25" fmla="*/ 228600 w 228600"/>
+                  <a:gd name="connsiteY25" fmla="*/ 266700 h 266700"/>
+                  <a:gd name="connsiteX26" fmla="*/ 228600 w 228600"/>
+                  <a:gd name="connsiteY26" fmla="*/ 0 h 266700"/>
+                  <a:gd name="connsiteX27" fmla="*/ 0 w 228600"/>
+                  <a:gd name="connsiteY27" fmla="*/ 0 h 266700"/>
+                  <a:gd name="connsiteX28" fmla="*/ 0 w 228600"/>
+                  <a:gd name="connsiteY28" fmla="*/ 266700 h 266700"/>
+                </a:gdLst>
+                <a:ahLst/>
+                <a:cxnLst>
+                  <a:cxn ang="0">
+                    <a:pos x="connsiteX0" y="connsiteY0"/>
+                  </a:cxn>
+                  <a:cxn ang="0">
+                    <a:pos x="connsiteX1" y="connsiteY1"/>
+                  </a:cxn>
+                  <a:cxn ang="0">
+                    <a:pos x="connsiteX2" y="connsiteY2"/>
+                  </a:cxn>
+                  <a:cxn ang="0">
+                    <a:pos x="connsiteX3" y="connsiteY3"/>
+                  </a:cxn>
+                  <a:cxn ang="0">
+                    <a:pos x="connsiteX4" y="connsiteY4"/>
+                  </a:cxn>
+                  <a:cxn ang="0">
+                    <a:pos x="connsiteX5" y="connsiteY5"/>
+                  </a:cxn>
+                  <a:cxn ang="0">
+                    <a:pos x="connsiteX6" y="connsiteY6"/>
+                  </a:cxn>
+                  <a:cxn ang="0">
+                    <a:pos x="connsiteX7" y="connsiteY7"/>
+                  </a:cxn>
+                  <a:cxn ang="0">
+                    <a:pos x="connsiteX8" y="connsiteY8"/>
+                  </a:cxn>
+                  <a:cxn ang="0">
+                    <a:pos x="connsiteX9" y="connsiteY9"/>
+                  </a:cxn>
+                  <a:cxn ang="0">
+                    <a:pos x="connsiteX10" y="connsiteY10"/>
+                  </a:cxn>
+                  <a:cxn ang="0">
+                    <a:pos x="connsiteX11" y="connsiteY11"/>
+                  </a:cxn>
+                  <a:cxn ang="0">
+                    <a:pos x="connsiteX12" y="connsiteY12"/>
+                  </a:cxn>
+                  <a:cxn ang="0">
+                    <a:pos x="connsiteX13" y="connsiteY13"/>
+                  </a:cxn>
+                  <a:cxn ang="0">
+                    <a:pos x="connsiteX14" y="connsiteY14"/>
+                  </a:cxn>
+                  <a:cxn ang="0">
+                    <a:pos x="connsiteX15" y="connsiteY15"/>
+                  </a:cxn>
+                  <a:cxn ang="0">
+                    <a:pos x="connsiteX16" y="connsiteY16"/>
+                  </a:cxn>
+                  <a:cxn ang="0">
+                    <a:pos x="connsiteX17" y="connsiteY17"/>
+                  </a:cxn>
+                  <a:cxn ang="0">
+                    <a:pos x="connsiteX18" y="connsiteY18"/>
+                  </a:cxn>
+                  <a:cxn ang="0">
+                    <a:pos x="connsiteX19" y="connsiteY19"/>
+                  </a:cxn>
+                  <a:cxn ang="0">
+                    <a:pos x="connsiteX20" y="connsiteY20"/>
+                  </a:cxn>
+                  <a:cxn ang="0">
+                    <a:pos x="connsiteX21" y="connsiteY21"/>
+                  </a:cxn>
+                  <a:cxn ang="0">
+                    <a:pos x="connsiteX22" y="connsiteY22"/>
+                  </a:cxn>
+                  <a:cxn ang="0">
+                    <a:pos x="connsiteX23" y="connsiteY23"/>
+                  </a:cxn>
+                  <a:cxn ang="0">
+                    <a:pos x="connsiteX24" y="connsiteY24"/>
+                  </a:cxn>
+                  <a:cxn ang="0">
+                    <a:pos x="connsiteX25" y="connsiteY25"/>
+                  </a:cxn>
+                  <a:cxn ang="0">
+                    <a:pos x="connsiteX26" y="connsiteY26"/>
+                  </a:cxn>
+                  <a:cxn ang="0">
+                    <a:pos x="connsiteX27" y="connsiteY27"/>
+                  </a:cxn>
+                  <a:cxn ang="0">
+                    <a:pos x="connsiteX28" y="connsiteY28"/>
+                  </a:cxn>
+                </a:cxnLst>
+                <a:rect l="l" t="t" r="r" b="b"/>
+                <a:pathLst>
+                  <a:path w="228600" h="266700">
+                    <a:moveTo>
+                      <a:pt x="57150" y="133350"/>
+                    </a:moveTo>
+                    <a:lnTo>
+                      <a:pt x="95250" y="133350"/>
+                    </a:lnTo>
+                    <a:lnTo>
+                      <a:pt x="95250" y="171450"/>
+                    </a:lnTo>
+                    <a:lnTo>
+                      <a:pt x="57150" y="171450"/>
+                    </a:lnTo>
+                    <a:lnTo>
+                      <a:pt x="57150" y="133350"/>
+                    </a:lnTo>
+                    <a:close/>
+                    <a:moveTo>
+                      <a:pt x="57150" y="57150"/>
+                    </a:moveTo>
+                    <a:lnTo>
+                      <a:pt x="95250" y="57150"/>
+                    </a:lnTo>
+                    <a:lnTo>
+                      <a:pt x="95250" y="95250"/>
+                    </a:lnTo>
+                    <a:lnTo>
+                      <a:pt x="57150" y="95250"/>
+                    </a:lnTo>
+                    <a:lnTo>
+                      <a:pt x="57150" y="57150"/>
+                    </a:lnTo>
+                    <a:close/>
+                    <a:moveTo>
+                      <a:pt x="133350" y="133350"/>
+                    </a:moveTo>
+                    <a:lnTo>
+                      <a:pt x="171450" y="133350"/>
+                    </a:lnTo>
+                    <a:lnTo>
+                      <a:pt x="171450" y="171450"/>
+                    </a:lnTo>
+                    <a:lnTo>
+                      <a:pt x="133350" y="171450"/>
+                    </a:lnTo>
+                    <a:lnTo>
+                      <a:pt x="133350" y="133350"/>
+                    </a:lnTo>
+                    <a:close/>
+                    <a:moveTo>
+                      <a:pt x="133350" y="57150"/>
+                    </a:moveTo>
+                    <a:lnTo>
+                      <a:pt x="171450" y="57150"/>
+                    </a:lnTo>
+                    <a:lnTo>
+                      <a:pt x="171450" y="95250"/>
+                    </a:lnTo>
+                    <a:lnTo>
+                      <a:pt x="133350" y="95250"/>
+                    </a:lnTo>
+                    <a:lnTo>
+                      <a:pt x="133350" y="57150"/>
+                    </a:lnTo>
+                    <a:close/>
+                    <a:moveTo>
+                      <a:pt x="0" y="266700"/>
+                    </a:moveTo>
+                    <a:lnTo>
+                      <a:pt x="95250" y="266700"/>
+                    </a:lnTo>
+                    <a:lnTo>
+                      <a:pt x="95250" y="209550"/>
+                    </a:lnTo>
+                    <a:lnTo>
+                      <a:pt x="133350" y="209550"/>
+                    </a:lnTo>
+                    <a:lnTo>
+                      <a:pt x="133350" y="266700"/>
+                    </a:lnTo>
+                    <a:lnTo>
+                      <a:pt x="228600" y="266700"/>
+                    </a:lnTo>
+                    <a:lnTo>
+                      <a:pt x="228600" y="0"/>
+                    </a:lnTo>
+                    <a:lnTo>
+                      <a:pt x="0" y="0"/>
+                    </a:lnTo>
+                    <a:lnTo>
+                      <a:pt x="0" y="266700"/>
+                    </a:lnTo>
+                    <a:close/>
+                  </a:path>
+                </a:pathLst>
+              </a:custGeom>
+              <a:solidFill>
+                <a:schemeClr val="bg1"/>
+              </a:solidFill>
+              <a:ln w="9525" cap="flat">
+                <a:noFill/>
+                <a:prstDash val="solid"/>
+                <a:miter/>
+              </a:ln>
+            </p:spPr>
+            <p:txBody>
+              <a:bodyPr rtlCol="0" anchor="ctr"/>
+              <a:lstStyle/>
+              <a:p>
+                <a:endParaRPr lang="en-NL" sz="1300" dirty="0">
+                  <a:latin typeface="Rubik" pitchFamily="2" charset="-79"/>
+                  <a:cs typeface="Rubik" pitchFamily="2" charset="-79"/>
+                </a:endParaRPr>
+              </a:p>
+            </p:txBody>
+          </p:sp>
+          <p:sp>
+            <p:nvSpPr>
+              <p:cNvPr id="58" name="Freeform: Shape 57">
+                <a:extLst>
+                  <a:ext uri="{FF2B5EF4-FFF2-40B4-BE49-F238E27FC236}">
+                    <a16:creationId xmlns:a16="http://schemas.microsoft.com/office/drawing/2014/main" id="{496A788A-B20E-593E-60EE-67425B8C3890}"/>
+                  </a:ext>
+                </a:extLst>
+              </p:cNvPr>
+              <p:cNvSpPr/>
+              <p:nvPr/>
+            </p:nvSpPr>
+            <p:spPr>
+              <a:xfrm>
+                <a:off x="3354975" y="2548684"/>
+                <a:ext cx="228600" cy="285750"/>
+              </a:xfrm>
+              <a:custGeom>
+                <a:avLst/>
+                <a:gdLst>
+                  <a:gd name="connsiteX0" fmla="*/ 133350 w 228600"/>
+                  <a:gd name="connsiteY0" fmla="*/ 133350 h 285750"/>
+                  <a:gd name="connsiteX1" fmla="*/ 171450 w 228600"/>
+                  <a:gd name="connsiteY1" fmla="*/ 133350 h 285750"/>
+                  <a:gd name="connsiteX2" fmla="*/ 171450 w 228600"/>
+                  <a:gd name="connsiteY2" fmla="*/ 171450 h 285750"/>
+                  <a:gd name="connsiteX3" fmla="*/ 133350 w 228600"/>
+                  <a:gd name="connsiteY3" fmla="*/ 171450 h 285750"/>
+                  <a:gd name="connsiteX4" fmla="*/ 133350 w 228600"/>
+                  <a:gd name="connsiteY4" fmla="*/ 133350 h 285750"/>
+                  <a:gd name="connsiteX5" fmla="*/ 133350 w 228600"/>
+                  <a:gd name="connsiteY5" fmla="*/ 57150 h 285750"/>
+                  <a:gd name="connsiteX6" fmla="*/ 171450 w 228600"/>
+                  <a:gd name="connsiteY6" fmla="*/ 57150 h 285750"/>
+                  <a:gd name="connsiteX7" fmla="*/ 171450 w 228600"/>
+                  <a:gd name="connsiteY7" fmla="*/ 95250 h 285750"/>
+                  <a:gd name="connsiteX8" fmla="*/ 133350 w 228600"/>
+                  <a:gd name="connsiteY8" fmla="*/ 95250 h 285750"/>
+                  <a:gd name="connsiteX9" fmla="*/ 133350 w 228600"/>
+                  <a:gd name="connsiteY9" fmla="*/ 57150 h 285750"/>
+                  <a:gd name="connsiteX10" fmla="*/ 95250 w 228600"/>
+                  <a:gd name="connsiteY10" fmla="*/ 95250 h 285750"/>
+                  <a:gd name="connsiteX11" fmla="*/ 57150 w 228600"/>
+                  <a:gd name="connsiteY11" fmla="*/ 95250 h 285750"/>
+                  <a:gd name="connsiteX12" fmla="*/ 57150 w 228600"/>
+                  <a:gd name="connsiteY12" fmla="*/ 57150 h 285750"/>
+                  <a:gd name="connsiteX13" fmla="*/ 95250 w 228600"/>
+                  <a:gd name="connsiteY13" fmla="*/ 57150 h 285750"/>
+                  <a:gd name="connsiteX14" fmla="*/ 95250 w 228600"/>
+                  <a:gd name="connsiteY14" fmla="*/ 95250 h 285750"/>
+                  <a:gd name="connsiteX15" fmla="*/ 95250 w 228600"/>
+                  <a:gd name="connsiteY15" fmla="*/ 171450 h 285750"/>
+                  <a:gd name="connsiteX16" fmla="*/ 57150 w 228600"/>
+                  <a:gd name="connsiteY16" fmla="*/ 171450 h 285750"/>
+                  <a:gd name="connsiteX17" fmla="*/ 57150 w 228600"/>
+                  <a:gd name="connsiteY17" fmla="*/ 133350 h 285750"/>
+                  <a:gd name="connsiteX18" fmla="*/ 95250 w 228600"/>
+                  <a:gd name="connsiteY18" fmla="*/ 133350 h 285750"/>
+                  <a:gd name="connsiteX19" fmla="*/ 95250 w 228600"/>
+                  <a:gd name="connsiteY19" fmla="*/ 171450 h 285750"/>
+                  <a:gd name="connsiteX20" fmla="*/ 133350 w 228600"/>
+                  <a:gd name="connsiteY20" fmla="*/ 285750 h 285750"/>
+                  <a:gd name="connsiteX21" fmla="*/ 228600 w 228600"/>
+                  <a:gd name="connsiteY21" fmla="*/ 285750 h 285750"/>
+                  <a:gd name="connsiteX22" fmla="*/ 228600 w 228600"/>
+                  <a:gd name="connsiteY22" fmla="*/ 0 h 285750"/>
+                  <a:gd name="connsiteX23" fmla="*/ 0 w 228600"/>
+                  <a:gd name="connsiteY23" fmla="*/ 0 h 285750"/>
+                  <a:gd name="connsiteX24" fmla="*/ 0 w 228600"/>
+                  <a:gd name="connsiteY24" fmla="*/ 209550 h 285750"/>
+                  <a:gd name="connsiteX25" fmla="*/ 133350 w 228600"/>
+                  <a:gd name="connsiteY25" fmla="*/ 209550 h 285750"/>
+                  <a:gd name="connsiteX26" fmla="*/ 133350 w 228600"/>
+                  <a:gd name="connsiteY26" fmla="*/ 285750 h 285750"/>
+                </a:gdLst>
+                <a:ahLst/>
+                <a:cxnLst>
+                  <a:cxn ang="0">
+                    <a:pos x="connsiteX0" y="connsiteY0"/>
+                  </a:cxn>
+                  <a:cxn ang="0">
+                    <a:pos x="connsiteX1" y="connsiteY1"/>
+                  </a:cxn>
+                  <a:cxn ang="0">
+                    <a:pos x="connsiteX2" y="connsiteY2"/>
+                  </a:cxn>
+                  <a:cxn ang="0">
+                    <a:pos x="connsiteX3" y="connsiteY3"/>
+                  </a:cxn>
+                  <a:cxn ang="0">
+                    <a:pos x="connsiteX4" y="connsiteY4"/>
+                  </a:cxn>
+                  <a:cxn ang="0">
+                    <a:pos x="connsiteX5" y="connsiteY5"/>
+                  </a:cxn>
+                  <a:cxn ang="0">
+                    <a:pos x="connsiteX6" y="connsiteY6"/>
+                  </a:cxn>
+                  <a:cxn ang="0">
+                    <a:pos x="connsiteX7" y="connsiteY7"/>
+                  </a:cxn>
+                  <a:cxn ang="0">
+                    <a:pos x="connsiteX8" y="connsiteY8"/>
+                  </a:cxn>
+                  <a:cxn ang="0">
+                    <a:pos x="connsiteX9" y="connsiteY9"/>
+                  </a:cxn>
+                  <a:cxn ang="0">
+                    <a:pos x="connsiteX10" y="connsiteY10"/>
+                  </a:cxn>
+                  <a:cxn ang="0">
+                    <a:pos x="connsiteX11" y="connsiteY11"/>
+                  </a:cxn>
+                  <a:cxn ang="0">
+                    <a:pos x="connsiteX12" y="connsiteY12"/>
+                  </a:cxn>
+                  <a:cxn ang="0">
+                    <a:pos x="connsiteX13" y="connsiteY13"/>
+                  </a:cxn>
+                  <a:cxn ang="0">
+                    <a:pos x="connsiteX14" y="connsiteY14"/>
+                  </a:cxn>
+                  <a:cxn ang="0">
+                    <a:pos x="connsiteX15" y="connsiteY15"/>
+                  </a:cxn>
+                  <a:cxn ang="0">
+                    <a:pos x="connsiteX16" y="connsiteY16"/>
+                  </a:cxn>
+                  <a:cxn ang="0">
+                    <a:pos x="connsiteX17" y="connsiteY17"/>
+                  </a:cxn>
+                  <a:cxn ang="0">
+                    <a:pos x="connsiteX18" y="connsiteY18"/>
+                  </a:cxn>
+                  <a:cxn ang="0">
+                    <a:pos x="connsiteX19" y="connsiteY19"/>
+                  </a:cxn>
+                  <a:cxn ang="0">
+                    <a:pos x="connsiteX20" y="connsiteY20"/>
+                  </a:cxn>
+                  <a:cxn ang="0">
+                    <a:pos x="connsiteX21" y="connsiteY21"/>
+                  </a:cxn>
+                  <a:cxn ang="0">
+                    <a:pos x="connsiteX22" y="connsiteY22"/>
+                  </a:cxn>
+                  <a:cxn ang="0">
+                    <a:pos x="connsiteX23" y="connsiteY23"/>
+                  </a:cxn>
+                  <a:cxn ang="0">
+                    <a:pos x="connsiteX24" y="connsiteY24"/>
+                  </a:cxn>
+                  <a:cxn ang="0">
+                    <a:pos x="connsiteX25" y="connsiteY25"/>
+                  </a:cxn>
+                  <a:cxn ang="0">
+                    <a:pos x="connsiteX26" y="connsiteY26"/>
+                  </a:cxn>
+                </a:cxnLst>
+                <a:rect l="l" t="t" r="r" b="b"/>
+                <a:pathLst>
+                  <a:path w="228600" h="285750">
+                    <a:moveTo>
+                      <a:pt x="133350" y="133350"/>
+                    </a:moveTo>
+                    <a:lnTo>
+                      <a:pt x="171450" y="133350"/>
+                    </a:lnTo>
+                    <a:lnTo>
+                      <a:pt x="171450" y="171450"/>
+                    </a:lnTo>
+                    <a:lnTo>
+                      <a:pt x="133350" y="171450"/>
+                    </a:lnTo>
+                    <a:lnTo>
+                      <a:pt x="133350" y="133350"/>
+                    </a:lnTo>
+                    <a:close/>
+                    <a:moveTo>
+                      <a:pt x="133350" y="57150"/>
+                    </a:moveTo>
+                    <a:lnTo>
+                      <a:pt x="171450" y="57150"/>
+                    </a:lnTo>
+                    <a:lnTo>
+                      <a:pt x="171450" y="95250"/>
+                    </a:lnTo>
+                    <a:lnTo>
+                      <a:pt x="133350" y="95250"/>
+                    </a:lnTo>
+                    <a:lnTo>
+                      <a:pt x="133350" y="57150"/>
+                    </a:lnTo>
+                    <a:close/>
+                    <a:moveTo>
+                      <a:pt x="95250" y="95250"/>
+                    </a:moveTo>
+                    <a:lnTo>
+                      <a:pt x="57150" y="95250"/>
+                    </a:lnTo>
+                    <a:lnTo>
+                      <a:pt x="57150" y="57150"/>
+                    </a:lnTo>
+                    <a:lnTo>
+                      <a:pt x="95250" y="57150"/>
+                    </a:lnTo>
+                    <a:lnTo>
+                      <a:pt x="95250" y="95250"/>
+                    </a:lnTo>
+                    <a:close/>
+                    <a:moveTo>
+                      <a:pt x="95250" y="171450"/>
+                    </a:moveTo>
+                    <a:lnTo>
+                      <a:pt x="57150" y="171450"/>
+                    </a:lnTo>
+                    <a:lnTo>
+                      <a:pt x="57150" y="133350"/>
+                    </a:lnTo>
+                    <a:lnTo>
+                      <a:pt x="95250" y="133350"/>
+                    </a:lnTo>
+                    <a:lnTo>
+                      <a:pt x="95250" y="171450"/>
+                    </a:lnTo>
+                    <a:close/>
+                    <a:moveTo>
+                      <a:pt x="133350" y="285750"/>
+                    </a:moveTo>
+                    <a:lnTo>
+                      <a:pt x="228600" y="285750"/>
+                    </a:lnTo>
+                    <a:lnTo>
+                      <a:pt x="228600" y="0"/>
+                    </a:lnTo>
+                    <a:lnTo>
+                      <a:pt x="0" y="0"/>
+                    </a:lnTo>
+                    <a:lnTo>
+                      <a:pt x="0" y="209550"/>
+                    </a:lnTo>
+                    <a:lnTo>
+                      <a:pt x="133350" y="209550"/>
+                    </a:lnTo>
+                    <a:lnTo>
+                      <a:pt x="133350" y="285750"/>
+                    </a:lnTo>
+                    <a:close/>
+                  </a:path>
+                </a:pathLst>
+              </a:custGeom>
+              <a:solidFill>
+                <a:schemeClr val="bg1"/>
+              </a:solidFill>
+              <a:ln w="9525" cap="flat">
+                <a:noFill/>
+                <a:prstDash val="solid"/>
+                <a:miter/>
+              </a:ln>
+            </p:spPr>
+            <p:txBody>
+              <a:bodyPr rtlCol="0" anchor="ctr"/>
+              <a:lstStyle/>
+              <a:p>
+                <a:endParaRPr lang="en-NL" sz="1300" dirty="0">
+                  <a:latin typeface="Rubik" pitchFamily="2" charset="-79"/>
+                  <a:cs typeface="Rubik" pitchFamily="2" charset="-79"/>
+                </a:endParaRPr>
+              </a:p>
+            </p:txBody>
+          </p:sp>
+        </p:grpSp>
+      </p:grpSp>
+      <p:grpSp>
+        <p:nvGrpSpPr>
+          <p:cNvPr id="98" name="Group 97">
+            <a:extLst>
+              <a:ext uri="{FF2B5EF4-FFF2-40B4-BE49-F238E27FC236}">
+                <a16:creationId xmlns:a16="http://schemas.microsoft.com/office/drawing/2014/main" id="{784EC997-83E1-8D4D-D98F-D9E14C78A220}"/>
+              </a:ext>
+            </a:extLst>
+          </p:cNvPr>
+          <p:cNvGrpSpPr/>
+          <p:nvPr/>
+        </p:nvGrpSpPr>
+        <p:grpSpPr>
+          <a:xfrm>
+            <a:off x="2073000" y="4869000"/>
+            <a:ext cx="1440000" cy="1440000"/>
+            <a:chOff x="3513000" y="1989000"/>
+            <a:chExt cx="1440000" cy="1440000"/>
+          </a:xfrm>
+        </p:grpSpPr>
+        <p:sp>
+          <p:nvSpPr>
+            <p:cNvPr id="51" name="Rectangle 50">
+              <a:extLst>
+                <a:ext uri="{FF2B5EF4-FFF2-40B4-BE49-F238E27FC236}">
+                  <a16:creationId xmlns:a16="http://schemas.microsoft.com/office/drawing/2014/main" id="{7773307C-F493-458A-5BD6-409DF838DB46}"/>
+                </a:ext>
+              </a:extLst>
+            </p:cNvPr>
+            <p:cNvSpPr/>
+            <p:nvPr/>
+          </p:nvSpPr>
+          <p:spPr>
+            <a:xfrm>
+              <a:off x="3513000" y="1989000"/>
+              <a:ext cx="1440000" cy="1440000"/>
+            </a:xfrm>
+            <a:prstGeom prst="rect">
+              <a:avLst/>
+            </a:prstGeom>
+            <a:noFill/>
+            <a:ln>
+              <a:noFill/>
+            </a:ln>
+          </p:spPr>
+          <p:style>
+            <a:lnRef idx="2">
+              <a:schemeClr val="accent1">
+                <a:shade val="15000"/>
+              </a:schemeClr>
+            </a:lnRef>
+            <a:fillRef idx="1">
+              <a:schemeClr val="accent1"/>
+            </a:fillRef>
+            <a:effectRef idx="0">
+              <a:schemeClr val="accent1"/>
+            </a:effectRef>
+            <a:fontRef idx="minor">
+              <a:schemeClr val="lt1"/>
+            </a:fontRef>
+          </p:style>
+          <p:txBody>
+            <a:bodyPr rtlCol="0" anchor="ctr"/>
+            <a:lstStyle/>
+            <a:p>
+              <a:pPr algn="ctr"/>
+              <a:endParaRPr lang="en-GB" sz="1300" b="1" dirty="0">
+                <a:latin typeface="Rubik" pitchFamily="2" charset="-79"/>
+                <a:cs typeface="Rubik" pitchFamily="2" charset="-79"/>
+              </a:endParaRPr>
+            </a:p>
+            <a:p>
+              <a:pPr algn="ctr"/>
+              <a:endParaRPr lang="en-GB" sz="1300" b="1" dirty="0">
+                <a:latin typeface="Rubik" pitchFamily="2" charset="-79"/>
+                <a:cs typeface="Rubik" pitchFamily="2" charset="-79"/>
+              </a:endParaRPr>
+            </a:p>
+            <a:p>
+              <a:pPr algn="ctr"/>
+              <a:endParaRPr lang="en-GB" sz="1300" b="1" dirty="0">
+                <a:latin typeface="Rubik" pitchFamily="2" charset="-79"/>
+                <a:cs typeface="Rubik" pitchFamily="2" charset="-79"/>
+              </a:endParaRPr>
+            </a:p>
+            <a:p>
+              <a:pPr algn="ctr"/>
+              <a:endParaRPr lang="en-GB" sz="1300" b="1" dirty="0">
+                <a:latin typeface="Rubik" pitchFamily="2" charset="-79"/>
+                <a:cs typeface="Rubik" pitchFamily="2" charset="-79"/>
+              </a:endParaRPr>
+            </a:p>
+            <a:p>
+              <a:pPr algn="ctr"/>
+              <a:endParaRPr lang="en-GB" sz="1300" b="1" dirty="0">
+                <a:latin typeface="Rubik" pitchFamily="2" charset="-79"/>
+                <a:cs typeface="Rubik" pitchFamily="2" charset="-79"/>
+              </a:endParaRPr>
+            </a:p>
+            <a:p>
+              <a:pPr algn="ctr"/>
+              <a:r>
+                <a:rPr lang="en-GB" sz="1300" b="1" dirty="0">
+                  <a:latin typeface="Rubik" pitchFamily="2" charset="-79"/>
+                  <a:cs typeface="Rubik" pitchFamily="2" charset="-79"/>
+                </a:rPr>
+                <a:t>SHOP</a:t>
+              </a:r>
+              <a:endParaRPr lang="en-NL" sz="1300" b="1" dirty="0">
+                <a:latin typeface="Rubik" pitchFamily="2" charset="-79"/>
+                <a:cs typeface="Rubik" pitchFamily="2" charset="-79"/>
+              </a:endParaRPr>
+            </a:p>
+          </p:txBody>
+        </p:sp>
+        <p:sp>
+          <p:nvSpPr>
+            <p:cNvPr id="61" name="Graphic 59" descr="Store with solid fill">
+              <a:extLst>
+                <a:ext uri="{FF2B5EF4-FFF2-40B4-BE49-F238E27FC236}">
+                  <a16:creationId xmlns:a16="http://schemas.microsoft.com/office/drawing/2014/main" id="{D2F8185C-387F-06BD-DD58-D164D8DA6D17}"/>
+                </a:ext>
+              </a:extLst>
+            </p:cNvPr>
+            <p:cNvSpPr/>
+            <p:nvPr/>
+          </p:nvSpPr>
+          <p:spPr>
+            <a:xfrm>
+              <a:off x="3907200" y="2241150"/>
+              <a:ext cx="685800" cy="647700"/>
+            </a:xfrm>
+            <a:custGeom>
+              <a:avLst/>
+              <a:gdLst>
+                <a:gd name="connsiteX0" fmla="*/ 609600 w 685800"/>
+                <a:gd name="connsiteY0" fmla="*/ 285750 h 647700"/>
+                <a:gd name="connsiteX1" fmla="*/ 571500 w 685800"/>
+                <a:gd name="connsiteY1" fmla="*/ 323850 h 647700"/>
+                <a:gd name="connsiteX2" fmla="*/ 533400 w 685800"/>
+                <a:gd name="connsiteY2" fmla="*/ 285750 h 647700"/>
+                <a:gd name="connsiteX3" fmla="*/ 533400 w 685800"/>
+                <a:gd name="connsiteY3" fmla="*/ 247650 h 647700"/>
+                <a:gd name="connsiteX4" fmla="*/ 514350 w 685800"/>
+                <a:gd name="connsiteY4" fmla="*/ 57150 h 647700"/>
+                <a:gd name="connsiteX5" fmla="*/ 590550 w 685800"/>
+                <a:gd name="connsiteY5" fmla="*/ 57150 h 647700"/>
+                <a:gd name="connsiteX6" fmla="*/ 609600 w 685800"/>
+                <a:gd name="connsiteY6" fmla="*/ 247650 h 647700"/>
+                <a:gd name="connsiteX7" fmla="*/ 609600 w 685800"/>
+                <a:gd name="connsiteY7" fmla="*/ 285750 h 647700"/>
+                <a:gd name="connsiteX8" fmla="*/ 457200 w 685800"/>
+                <a:gd name="connsiteY8" fmla="*/ 285750 h 647700"/>
+                <a:gd name="connsiteX9" fmla="*/ 419100 w 685800"/>
+                <a:gd name="connsiteY9" fmla="*/ 323850 h 647700"/>
+                <a:gd name="connsiteX10" fmla="*/ 381000 w 685800"/>
+                <a:gd name="connsiteY10" fmla="*/ 285750 h 647700"/>
+                <a:gd name="connsiteX11" fmla="*/ 381000 w 685800"/>
+                <a:gd name="connsiteY11" fmla="*/ 247650 h 647700"/>
+                <a:gd name="connsiteX12" fmla="*/ 371475 w 685800"/>
+                <a:gd name="connsiteY12" fmla="*/ 57150 h 647700"/>
+                <a:gd name="connsiteX13" fmla="*/ 447675 w 685800"/>
+                <a:gd name="connsiteY13" fmla="*/ 57150 h 647700"/>
+                <a:gd name="connsiteX14" fmla="*/ 457200 w 685800"/>
+                <a:gd name="connsiteY14" fmla="*/ 247650 h 647700"/>
+                <a:gd name="connsiteX15" fmla="*/ 457200 w 685800"/>
+                <a:gd name="connsiteY15" fmla="*/ 285750 h 647700"/>
+                <a:gd name="connsiteX16" fmla="*/ 304800 w 685800"/>
+                <a:gd name="connsiteY16" fmla="*/ 247650 h 647700"/>
+                <a:gd name="connsiteX17" fmla="*/ 304800 w 685800"/>
+                <a:gd name="connsiteY17" fmla="*/ 285750 h 647700"/>
+                <a:gd name="connsiteX18" fmla="*/ 266700 w 685800"/>
+                <a:gd name="connsiteY18" fmla="*/ 323850 h 647700"/>
+                <a:gd name="connsiteX19" fmla="*/ 228600 w 685800"/>
+                <a:gd name="connsiteY19" fmla="*/ 285750 h 647700"/>
+                <a:gd name="connsiteX20" fmla="*/ 228600 w 685800"/>
+                <a:gd name="connsiteY20" fmla="*/ 247650 h 647700"/>
+                <a:gd name="connsiteX21" fmla="*/ 238125 w 685800"/>
+                <a:gd name="connsiteY21" fmla="*/ 57150 h 647700"/>
+                <a:gd name="connsiteX22" fmla="*/ 314325 w 685800"/>
+                <a:gd name="connsiteY22" fmla="*/ 57150 h 647700"/>
+                <a:gd name="connsiteX23" fmla="*/ 304800 w 685800"/>
+                <a:gd name="connsiteY23" fmla="*/ 247650 h 647700"/>
+                <a:gd name="connsiteX24" fmla="*/ 266700 w 685800"/>
+                <a:gd name="connsiteY24" fmla="*/ 552450 h 647700"/>
+                <a:gd name="connsiteX25" fmla="*/ 114300 w 685800"/>
+                <a:gd name="connsiteY25" fmla="*/ 552450 h 647700"/>
+                <a:gd name="connsiteX26" fmla="*/ 114300 w 685800"/>
+                <a:gd name="connsiteY26" fmla="*/ 400050 h 647700"/>
+                <a:gd name="connsiteX27" fmla="*/ 266700 w 685800"/>
+                <a:gd name="connsiteY27" fmla="*/ 400050 h 647700"/>
+                <a:gd name="connsiteX28" fmla="*/ 266700 w 685800"/>
+                <a:gd name="connsiteY28" fmla="*/ 552450 h 647700"/>
+                <a:gd name="connsiteX29" fmla="*/ 76200 w 685800"/>
+                <a:gd name="connsiteY29" fmla="*/ 285750 h 647700"/>
+                <a:gd name="connsiteX30" fmla="*/ 76200 w 685800"/>
+                <a:gd name="connsiteY30" fmla="*/ 247650 h 647700"/>
+                <a:gd name="connsiteX31" fmla="*/ 95250 w 685800"/>
+                <a:gd name="connsiteY31" fmla="*/ 57150 h 647700"/>
+                <a:gd name="connsiteX32" fmla="*/ 171450 w 685800"/>
+                <a:gd name="connsiteY32" fmla="*/ 57150 h 647700"/>
+                <a:gd name="connsiteX33" fmla="*/ 152400 w 685800"/>
+                <a:gd name="connsiteY33" fmla="*/ 247650 h 647700"/>
+                <a:gd name="connsiteX34" fmla="*/ 152400 w 685800"/>
+                <a:gd name="connsiteY34" fmla="*/ 285750 h 647700"/>
+                <a:gd name="connsiteX35" fmla="*/ 114300 w 685800"/>
+                <a:gd name="connsiteY35" fmla="*/ 323850 h 647700"/>
+                <a:gd name="connsiteX36" fmla="*/ 76200 w 685800"/>
+                <a:gd name="connsiteY36" fmla="*/ 285750 h 647700"/>
+                <a:gd name="connsiteX37" fmla="*/ 647700 w 685800"/>
+                <a:gd name="connsiteY37" fmla="*/ 0 h 647700"/>
+                <a:gd name="connsiteX38" fmla="*/ 38100 w 685800"/>
+                <a:gd name="connsiteY38" fmla="*/ 0 h 647700"/>
+                <a:gd name="connsiteX39" fmla="*/ 0 w 685800"/>
+                <a:gd name="connsiteY39" fmla="*/ 247650 h 647700"/>
+                <a:gd name="connsiteX40" fmla="*/ 0 w 685800"/>
+                <a:gd name="connsiteY40" fmla="*/ 285750 h 647700"/>
+                <a:gd name="connsiteX41" fmla="*/ 38100 w 685800"/>
+                <a:gd name="connsiteY41" fmla="*/ 323850 h 647700"/>
+                <a:gd name="connsiteX42" fmla="*/ 38100 w 685800"/>
+                <a:gd name="connsiteY42" fmla="*/ 647700 h 647700"/>
+                <a:gd name="connsiteX43" fmla="*/ 361950 w 685800"/>
+                <a:gd name="connsiteY43" fmla="*/ 647700 h 647700"/>
+                <a:gd name="connsiteX44" fmla="*/ 361950 w 685800"/>
+                <a:gd name="connsiteY44" fmla="*/ 400050 h 647700"/>
+                <a:gd name="connsiteX45" fmla="*/ 571500 w 685800"/>
+                <a:gd name="connsiteY45" fmla="*/ 400050 h 647700"/>
+                <a:gd name="connsiteX46" fmla="*/ 571500 w 685800"/>
+                <a:gd name="connsiteY46" fmla="*/ 647700 h 647700"/>
+                <a:gd name="connsiteX47" fmla="*/ 647700 w 685800"/>
+                <a:gd name="connsiteY47" fmla="*/ 647700 h 647700"/>
+                <a:gd name="connsiteX48" fmla="*/ 647700 w 685800"/>
+                <a:gd name="connsiteY48" fmla="*/ 323850 h 647700"/>
+                <a:gd name="connsiteX49" fmla="*/ 685800 w 685800"/>
+                <a:gd name="connsiteY49" fmla="*/ 285750 h 647700"/>
+                <a:gd name="connsiteX50" fmla="*/ 685800 w 685800"/>
+                <a:gd name="connsiteY50" fmla="*/ 247650 h 647700"/>
+                <a:gd name="connsiteX51" fmla="*/ 647700 w 685800"/>
+                <a:gd name="connsiteY51" fmla="*/ 0 h 647700"/>
+              </a:gdLst>
+              <a:ahLst/>
+              <a:cxnLst>
+                <a:cxn ang="0">
+                  <a:pos x="connsiteX0" y="connsiteY0"/>
+                </a:cxn>
+                <a:cxn ang="0">
+                  <a:pos x="connsiteX1" y="connsiteY1"/>
+                </a:cxn>
+                <a:cxn ang="0">
+                  <a:pos x="connsiteX2" y="connsiteY2"/>
+                </a:cxn>
+                <a:cxn ang="0">
+                  <a:pos x="connsiteX3" y="connsiteY3"/>
+                </a:cxn>
+                <a:cxn ang="0">
+                  <a:pos x="connsiteX4" y="connsiteY4"/>
+                </a:cxn>
+                <a:cxn ang="0">
+                  <a:pos x="connsiteX5" y="connsiteY5"/>
+                </a:cxn>
+                <a:cxn ang="0">
+                  <a:pos x="connsiteX6" y="connsiteY6"/>
+                </a:cxn>
+                <a:cxn ang="0">
+                  <a:pos x="connsiteX7" y="connsiteY7"/>
+                </a:cxn>
+                <a:cxn ang="0">
+                  <a:pos x="connsiteX8" y="connsiteY8"/>
+                </a:cxn>
+                <a:cxn ang="0">
+                  <a:pos x="connsiteX9" y="connsiteY9"/>
+                </a:cxn>
+                <a:cxn ang="0">
+                  <a:pos x="connsiteX10" y="connsiteY10"/>
+                </a:cxn>
+                <a:cxn ang="0">
+                  <a:pos x="connsiteX11" y="connsiteY11"/>
+                </a:cxn>
+                <a:cxn ang="0">
+                  <a:pos x="connsiteX12" y="connsiteY12"/>
+                </a:cxn>
+                <a:cxn ang="0">
+                  <a:pos x="connsiteX13" y="connsiteY13"/>
+                </a:cxn>
+                <a:cxn ang="0">
+                  <a:pos x="connsiteX14" y="connsiteY14"/>
+                </a:cxn>
+                <a:cxn ang="0">
+                  <a:pos x="connsiteX15" y="connsiteY15"/>
+                </a:cxn>
+                <a:cxn ang="0">
+                  <a:pos x="connsiteX16" y="connsiteY16"/>
+                </a:cxn>
+                <a:cxn ang="0">
+                  <a:pos x="connsiteX17" y="connsiteY17"/>
+                </a:cxn>
+                <a:cxn ang="0">
+                  <a:pos x="connsiteX18" y="connsiteY18"/>
+                </a:cxn>
+                <a:cxn ang="0">
+                  <a:pos x="connsiteX19" y="connsiteY19"/>
+                </a:cxn>
+                <a:cxn ang="0">
+                  <a:pos x="connsiteX20" y="connsiteY20"/>
+                </a:cxn>
+                <a:cxn ang="0">
+                  <a:pos x="connsiteX21" y="connsiteY21"/>
+                </a:cxn>
+                <a:cxn ang="0">
+                  <a:pos x="connsiteX22" y="connsiteY22"/>
+                </a:cxn>
+                <a:cxn ang="0">
+                  <a:pos x="connsiteX23" y="connsiteY23"/>
+                </a:cxn>
+                <a:cxn ang="0">
+                  <a:pos x="connsiteX24" y="connsiteY24"/>
+                </a:cxn>
+                <a:cxn ang="0">
+                  <a:pos x="connsiteX25" y="connsiteY25"/>
+                </a:cxn>
+                <a:cxn ang="0">
+                  <a:pos x="connsiteX26" y="connsiteY26"/>
+                </a:cxn>
+                <a:cxn ang="0">
+                  <a:pos x="connsiteX27" y="connsiteY27"/>
+                </a:cxn>
+                <a:cxn ang="0">
+                  <a:pos x="connsiteX28" y="connsiteY28"/>
+                </a:cxn>
+                <a:cxn ang="0">
+                  <a:pos x="connsiteX29" y="connsiteY29"/>
+                </a:cxn>
+                <a:cxn ang="0">
+                  <a:pos x="connsiteX30" y="connsiteY30"/>
+                </a:cxn>
+                <a:cxn ang="0">
+                  <a:pos x="connsiteX31" y="connsiteY31"/>
+                </a:cxn>
+                <a:cxn ang="0">
+                  <a:pos x="connsiteX32" y="connsiteY32"/>
+                </a:cxn>
+                <a:cxn ang="0">
+                  <a:pos x="connsiteX33" y="connsiteY33"/>
+                </a:cxn>
+                <a:cxn ang="0">
+                  <a:pos x="connsiteX34" y="connsiteY34"/>
+                </a:cxn>
+                <a:cxn ang="0">
+                  <a:pos x="connsiteX35" y="connsiteY35"/>
+                </a:cxn>
+                <a:cxn ang="0">
+                  <a:pos x="connsiteX36" y="connsiteY36"/>
+                </a:cxn>
+                <a:cxn ang="0">
+                  <a:pos x="connsiteX37" y="connsiteY37"/>
+                </a:cxn>
+                <a:cxn ang="0">
+                  <a:pos x="connsiteX38" y="connsiteY38"/>
+                </a:cxn>
+                <a:cxn ang="0">
+                  <a:pos x="connsiteX39" y="connsiteY39"/>
+                </a:cxn>
+                <a:cxn ang="0">
+                  <a:pos x="connsiteX40" y="connsiteY40"/>
+                </a:cxn>
+                <a:cxn ang="0">
+                  <a:pos x="connsiteX41" y="connsiteY41"/>
+                </a:cxn>
+                <a:cxn ang="0">
+                  <a:pos x="connsiteX42" y="connsiteY42"/>
+                </a:cxn>
+                <a:cxn ang="0">
+                  <a:pos x="connsiteX43" y="connsiteY43"/>
+                </a:cxn>
+                <a:cxn ang="0">
+                  <a:pos x="connsiteX44" y="connsiteY44"/>
+                </a:cxn>
+                <a:cxn ang="0">
+                  <a:pos x="connsiteX45" y="connsiteY45"/>
+                </a:cxn>
+                <a:cxn ang="0">
+                  <a:pos x="connsiteX46" y="connsiteY46"/>
+                </a:cxn>
+                <a:cxn ang="0">
+                  <a:pos x="connsiteX47" y="connsiteY47"/>
+                </a:cxn>
+                <a:cxn ang="0">
+                  <a:pos x="connsiteX48" y="connsiteY48"/>
+                </a:cxn>
+                <a:cxn ang="0">
+                  <a:pos x="connsiteX49" y="connsiteY49"/>
+                </a:cxn>
+                <a:cxn ang="0">
+                  <a:pos x="connsiteX50" y="connsiteY50"/>
+                </a:cxn>
+                <a:cxn ang="0">
+                  <a:pos x="connsiteX51" y="connsiteY51"/>
+                </a:cxn>
+              </a:cxnLst>
+              <a:rect l="l" t="t" r="r" b="b"/>
+              <a:pathLst>
+                <a:path w="685800" h="647700">
+                  <a:moveTo>
+                    <a:pt x="609600" y="285750"/>
+                  </a:moveTo>
+                  <a:cubicBezTo>
+                    <a:pt x="609600" y="306705"/>
+                    <a:pt x="592455" y="323850"/>
+                    <a:pt x="571500" y="323850"/>
+                  </a:cubicBezTo>
+                  <a:cubicBezTo>
+                    <a:pt x="550545" y="323850"/>
+                    <a:pt x="533400" y="306705"/>
+                    <a:pt x="533400" y="285750"/>
+                  </a:cubicBezTo>
+                  <a:lnTo>
+                    <a:pt x="533400" y="247650"/>
+                  </a:lnTo>
+                  <a:lnTo>
+                    <a:pt x="514350" y="57150"/>
+                  </a:lnTo>
+                  <a:lnTo>
+                    <a:pt x="590550" y="57150"/>
+                  </a:lnTo>
+                  <a:lnTo>
+                    <a:pt x="609600" y="247650"/>
+                  </a:lnTo>
+                  <a:lnTo>
+                    <a:pt x="609600" y="285750"/>
+                  </a:lnTo>
+                  <a:close/>
+                  <a:moveTo>
+                    <a:pt x="457200" y="285750"/>
+                  </a:moveTo>
+                  <a:cubicBezTo>
+                    <a:pt x="457200" y="306705"/>
+                    <a:pt x="440055" y="323850"/>
+                    <a:pt x="419100" y="323850"/>
+                  </a:cubicBezTo>
+                  <a:cubicBezTo>
+                    <a:pt x="398145" y="323850"/>
+                    <a:pt x="381000" y="306705"/>
+                    <a:pt x="381000" y="285750"/>
+                  </a:cubicBezTo>
+                  <a:lnTo>
+                    <a:pt x="381000" y="247650"/>
+                  </a:lnTo>
+                  <a:lnTo>
+                    <a:pt x="371475" y="57150"/>
+                  </a:lnTo>
+                  <a:lnTo>
+                    <a:pt x="447675" y="57150"/>
+                  </a:lnTo>
+                  <a:lnTo>
+                    <a:pt x="457200" y="247650"/>
+                  </a:lnTo>
+                  <a:lnTo>
+                    <a:pt x="457200" y="285750"/>
+                  </a:lnTo>
+                  <a:close/>
+                  <a:moveTo>
+                    <a:pt x="304800" y="247650"/>
+                  </a:moveTo>
+                  <a:lnTo>
+                    <a:pt x="304800" y="285750"/>
+                  </a:lnTo>
+                  <a:cubicBezTo>
+                    <a:pt x="304800" y="306705"/>
+                    <a:pt x="287655" y="323850"/>
+                    <a:pt x="266700" y="323850"/>
+                  </a:cubicBezTo>
+                  <a:cubicBezTo>
+                    <a:pt x="245745" y="323850"/>
+                    <a:pt x="228600" y="306705"/>
+                    <a:pt x="228600" y="285750"/>
+                  </a:cubicBezTo>
+                  <a:lnTo>
+                    <a:pt x="228600" y="247650"/>
+                  </a:lnTo>
+                  <a:lnTo>
+                    <a:pt x="238125" y="57150"/>
+                  </a:lnTo>
+                  <a:lnTo>
+                    <a:pt x="314325" y="57150"/>
+                  </a:lnTo>
+                  <a:lnTo>
+                    <a:pt x="304800" y="247650"/>
+                  </a:lnTo>
+                  <a:close/>
+                  <a:moveTo>
+                    <a:pt x="266700" y="552450"/>
+                  </a:moveTo>
+                  <a:lnTo>
+                    <a:pt x="114300" y="552450"/>
+                  </a:lnTo>
+                  <a:lnTo>
+                    <a:pt x="114300" y="400050"/>
+                  </a:lnTo>
+                  <a:lnTo>
+                    <a:pt x="266700" y="400050"/>
+                  </a:lnTo>
+                  <a:lnTo>
+                    <a:pt x="266700" y="552450"/>
+                  </a:lnTo>
+                  <a:close/>
+                  <a:moveTo>
+                    <a:pt x="76200" y="285750"/>
+                  </a:moveTo>
+                  <a:lnTo>
+                    <a:pt x="76200" y="247650"/>
+                  </a:lnTo>
+                  <a:lnTo>
+                    <a:pt x="95250" y="57150"/>
+                  </a:lnTo>
+                  <a:lnTo>
+                    <a:pt x="171450" y="57150"/>
+                  </a:lnTo>
+                  <a:lnTo>
+                    <a:pt x="152400" y="247650"/>
+                  </a:lnTo>
+                  <a:lnTo>
+                    <a:pt x="152400" y="285750"/>
+                  </a:lnTo>
+                  <a:cubicBezTo>
+                    <a:pt x="152400" y="306705"/>
+                    <a:pt x="135255" y="323850"/>
+                    <a:pt x="114300" y="323850"/>
+                  </a:cubicBezTo>
+                  <a:cubicBezTo>
+                    <a:pt x="93345" y="323850"/>
+                    <a:pt x="76200" y="306705"/>
+                    <a:pt x="76200" y="285750"/>
+                  </a:cubicBezTo>
+                  <a:close/>
+                  <a:moveTo>
+                    <a:pt x="647700" y="0"/>
+                  </a:moveTo>
+                  <a:lnTo>
+                    <a:pt x="38100" y="0"/>
+                  </a:lnTo>
+                  <a:lnTo>
+                    <a:pt x="0" y="247650"/>
+                  </a:lnTo>
+                  <a:lnTo>
+                    <a:pt x="0" y="285750"/>
+                  </a:lnTo>
+                  <a:cubicBezTo>
+                    <a:pt x="0" y="306705"/>
+                    <a:pt x="17145" y="323850"/>
+                    <a:pt x="38100" y="323850"/>
+                  </a:cubicBezTo>
+                  <a:lnTo>
+                    <a:pt x="38100" y="647700"/>
+                  </a:lnTo>
+                  <a:lnTo>
+                    <a:pt x="361950" y="647700"/>
+                  </a:lnTo>
+                  <a:lnTo>
+                    <a:pt x="361950" y="400050"/>
+                  </a:lnTo>
+                  <a:lnTo>
+                    <a:pt x="571500" y="400050"/>
+                  </a:lnTo>
+                  <a:lnTo>
+                    <a:pt x="571500" y="647700"/>
+                  </a:lnTo>
+                  <a:lnTo>
+                    <a:pt x="647700" y="647700"/>
+                  </a:lnTo>
+                  <a:lnTo>
+                    <a:pt x="647700" y="323850"/>
+                  </a:lnTo>
+                  <a:cubicBezTo>
+                    <a:pt x="668655" y="323850"/>
+                    <a:pt x="685800" y="306705"/>
+                    <a:pt x="685800" y="285750"/>
+                  </a:cubicBezTo>
+                  <a:lnTo>
+                    <a:pt x="685800" y="247650"/>
+                  </a:lnTo>
+                  <a:lnTo>
+                    <a:pt x="647700" y="0"/>
+                  </a:lnTo>
+                  <a:close/>
+                </a:path>
+              </a:pathLst>
+            </a:custGeom>
+            <a:solidFill>
+              <a:schemeClr val="bg1">
+                <a:lumMod val="95000"/>
+              </a:schemeClr>
+            </a:solidFill>
+            <a:ln w="9525" cap="flat">
+              <a:noFill/>
+              <a:prstDash val="solid"/>
+              <a:miter/>
+            </a:ln>
+          </p:spPr>
+          <p:txBody>
+            <a:bodyPr rtlCol="0" anchor="ctr"/>
+            <a:lstStyle/>
+            <a:p>
+              <a:endParaRPr lang="en-NL" sz="1300" dirty="0">
+                <a:latin typeface="Rubik" pitchFamily="2" charset="-79"/>
+                <a:cs typeface="Rubik" pitchFamily="2" charset="-79"/>
+              </a:endParaRPr>
+            </a:p>
+          </p:txBody>
+        </p:sp>
+      </p:grpSp>
+      <p:grpSp>
+        <p:nvGrpSpPr>
+          <p:cNvPr id="99" name="Group 98">
+            <a:extLst>
+              <a:ext uri="{FF2B5EF4-FFF2-40B4-BE49-F238E27FC236}">
+                <a16:creationId xmlns:a16="http://schemas.microsoft.com/office/drawing/2014/main" id="{482CC18C-C259-4053-5121-E670F92ED960}"/>
+              </a:ext>
+            </a:extLst>
+          </p:cNvPr>
+          <p:cNvGrpSpPr/>
+          <p:nvPr/>
+        </p:nvGrpSpPr>
+        <p:grpSpPr>
+          <a:xfrm>
+            <a:off x="633000" y="1989000"/>
+            <a:ext cx="1440000" cy="1440000"/>
+            <a:chOff x="633000" y="1989000"/>
+            <a:chExt cx="1440000" cy="1440000"/>
+          </a:xfrm>
+        </p:grpSpPr>
+        <p:sp>
+          <p:nvSpPr>
+            <p:cNvPr id="23" name="Rectangle 22">
+              <a:extLst>
+                <a:ext uri="{FF2B5EF4-FFF2-40B4-BE49-F238E27FC236}">
+                  <a16:creationId xmlns:a16="http://schemas.microsoft.com/office/drawing/2014/main" id="{4C3E4EB1-26E9-56FE-D818-2500085C78FF}"/>
+                </a:ext>
+              </a:extLst>
+            </p:cNvPr>
+            <p:cNvSpPr/>
+            <p:nvPr/>
+          </p:nvSpPr>
+          <p:spPr>
+            <a:xfrm>
+              <a:off x="633000" y="1989000"/>
+              <a:ext cx="1440000" cy="1440000"/>
+            </a:xfrm>
+            <a:prstGeom prst="rect">
+              <a:avLst/>
+            </a:prstGeom>
+            <a:noFill/>
+            <a:ln>
+              <a:noFill/>
+            </a:ln>
+          </p:spPr>
+          <p:style>
+            <a:lnRef idx="2">
+              <a:schemeClr val="accent1">
+                <a:shade val="15000"/>
+              </a:schemeClr>
+            </a:lnRef>
+            <a:fillRef idx="1">
+              <a:schemeClr val="accent1"/>
+            </a:fillRef>
+            <a:effectRef idx="0">
+              <a:schemeClr val="accent1"/>
+            </a:effectRef>
+            <a:fontRef idx="minor">
+              <a:schemeClr val="lt1"/>
+            </a:fontRef>
+          </p:style>
+          <p:txBody>
+            <a:bodyPr rtlCol="0" anchor="ctr"/>
+            <a:lstStyle/>
+            <a:p>
+              <a:pPr algn="ctr"/>
+              <a:endParaRPr lang="en-GB" sz="1300" b="1" dirty="0">
+                <a:latin typeface="Rubik" pitchFamily="2" charset="-79"/>
+                <a:cs typeface="Rubik" pitchFamily="2" charset="-79"/>
+              </a:endParaRPr>
+            </a:p>
+            <a:p>
+              <a:pPr algn="ctr"/>
+              <a:endParaRPr lang="en-GB" sz="1300" b="1" dirty="0">
+                <a:latin typeface="Rubik" pitchFamily="2" charset="-79"/>
+                <a:cs typeface="Rubik" pitchFamily="2" charset="-79"/>
+              </a:endParaRPr>
+            </a:p>
+            <a:p>
+              <a:pPr algn="ctr"/>
+              <a:endParaRPr lang="en-GB" sz="1300" b="1" dirty="0">
+                <a:latin typeface="Rubik" pitchFamily="2" charset="-79"/>
+                <a:cs typeface="Rubik" pitchFamily="2" charset="-79"/>
+              </a:endParaRPr>
+            </a:p>
+            <a:p>
+              <a:pPr algn="ctr"/>
+              <a:endParaRPr lang="en-GB" sz="1300" b="1" dirty="0">
+                <a:latin typeface="Rubik" pitchFamily="2" charset="-79"/>
+                <a:cs typeface="Rubik" pitchFamily="2" charset="-79"/>
+              </a:endParaRPr>
+            </a:p>
+            <a:p>
+              <a:pPr algn="ctr"/>
+              <a:endParaRPr lang="en-GB" sz="1300" b="1" dirty="0">
+                <a:latin typeface="Rubik" pitchFamily="2" charset="-79"/>
+                <a:cs typeface="Rubik" pitchFamily="2" charset="-79"/>
+              </a:endParaRPr>
+            </a:p>
+            <a:p>
+              <a:pPr algn="ctr"/>
+              <a:r>
+                <a:rPr lang="en-GB" sz="1300" b="1" dirty="0">
+                  <a:latin typeface="Rubik" pitchFamily="2" charset="-79"/>
+                  <a:cs typeface="Rubik" pitchFamily="2" charset="-79"/>
+                </a:rPr>
+                <a:t>SELFIE</a:t>
+              </a:r>
+              <a:endParaRPr lang="en-NL" sz="1300" b="1" dirty="0">
+                <a:latin typeface="Rubik" pitchFamily="2" charset="-79"/>
+                <a:cs typeface="Rubik" pitchFamily="2" charset="-79"/>
+              </a:endParaRPr>
+            </a:p>
+          </p:txBody>
+        </p:sp>
+        <p:grpSp>
+          <p:nvGrpSpPr>
+            <p:cNvPr id="74" name="Group 73">
+              <a:extLst>
+                <a:ext uri="{FF2B5EF4-FFF2-40B4-BE49-F238E27FC236}">
+                  <a16:creationId xmlns:a16="http://schemas.microsoft.com/office/drawing/2014/main" id="{54646518-8D30-CF38-503F-7848224CE8CA}"/>
+                </a:ext>
+              </a:extLst>
+            </p:cNvPr>
+            <p:cNvGrpSpPr/>
+            <p:nvPr/>
+          </p:nvGrpSpPr>
+          <p:grpSpPr>
+            <a:xfrm>
+              <a:off x="1049829" y="2241150"/>
+              <a:ext cx="600073" cy="780297"/>
+              <a:chOff x="1069950" y="2259600"/>
+              <a:chExt cx="600073" cy="780297"/>
+            </a:xfrm>
+            <a:solidFill>
+              <a:schemeClr val="bg1">
+                <a:lumMod val="95000"/>
+              </a:schemeClr>
+            </a:solidFill>
+          </p:grpSpPr>
+          <p:sp>
+            <p:nvSpPr>
+              <p:cNvPr id="67" name="Freeform: Shape 66">
+                <a:extLst>
+                  <a:ext uri="{FF2B5EF4-FFF2-40B4-BE49-F238E27FC236}">
+                    <a16:creationId xmlns:a16="http://schemas.microsoft.com/office/drawing/2014/main" id="{0ABC2934-2F86-91D5-C9BF-CE5BD991EB94}"/>
+                  </a:ext>
+                </a:extLst>
+              </p:cNvPr>
+              <p:cNvSpPr/>
+              <p:nvPr/>
+            </p:nvSpPr>
+            <p:spPr>
+              <a:xfrm>
+                <a:off x="1155675" y="2624826"/>
+                <a:ext cx="247650" cy="145751"/>
+              </a:xfrm>
+              <a:custGeom>
+                <a:avLst/>
+                <a:gdLst>
+                  <a:gd name="connsiteX0" fmla="*/ 247650 w 247650"/>
+                  <a:gd name="connsiteY0" fmla="*/ 145752 h 145751"/>
+                  <a:gd name="connsiteX1" fmla="*/ 247650 w 247650"/>
+                  <a:gd name="connsiteY1" fmla="*/ 61932 h 145751"/>
+                  <a:gd name="connsiteX2" fmla="*/ 235268 w 247650"/>
+                  <a:gd name="connsiteY2" fmla="*/ 37167 h 145751"/>
+                  <a:gd name="connsiteX3" fmla="*/ 174898 w 247650"/>
+                  <a:gd name="connsiteY3" fmla="*/ 7753 h 145751"/>
+                  <a:gd name="connsiteX4" fmla="*/ 123825 w 247650"/>
+                  <a:gd name="connsiteY4" fmla="*/ 0 h 145751"/>
+                  <a:gd name="connsiteX5" fmla="*/ 72742 w 247650"/>
+                  <a:gd name="connsiteY5" fmla="*/ 7734 h 145751"/>
+                  <a:gd name="connsiteX6" fmla="*/ 12382 w 247650"/>
+                  <a:gd name="connsiteY6" fmla="*/ 37147 h 145751"/>
+                  <a:gd name="connsiteX7" fmla="*/ 0 w 247650"/>
+                  <a:gd name="connsiteY7" fmla="*/ 61913 h 145751"/>
+                  <a:gd name="connsiteX8" fmla="*/ 0 w 247650"/>
+                  <a:gd name="connsiteY8" fmla="*/ 145732 h 145751"/>
+                </a:gdLst>
+                <a:ahLst/>
+                <a:cxnLst>
+                  <a:cxn ang="0">
+                    <a:pos x="connsiteX0" y="connsiteY0"/>
+                  </a:cxn>
+                  <a:cxn ang="0">
+                    <a:pos x="connsiteX1" y="connsiteY1"/>
+                  </a:cxn>
+                  <a:cxn ang="0">
+                    <a:pos x="connsiteX2" y="connsiteY2"/>
+                  </a:cxn>
+                  <a:cxn ang="0">
+                    <a:pos x="connsiteX3" y="connsiteY3"/>
+                  </a:cxn>
+                  <a:cxn ang="0">
+                    <a:pos x="connsiteX4" y="connsiteY4"/>
+                  </a:cxn>
+                  <a:cxn ang="0">
+                    <a:pos x="connsiteX5" y="connsiteY5"/>
+                  </a:cxn>
+                  <a:cxn ang="0">
+                    <a:pos x="connsiteX6" y="connsiteY6"/>
+                  </a:cxn>
+                  <a:cxn ang="0">
+                    <a:pos x="connsiteX7" y="connsiteY7"/>
+                  </a:cxn>
+                  <a:cxn ang="0">
+                    <a:pos x="connsiteX8" y="connsiteY8"/>
+                  </a:cxn>
+                </a:cxnLst>
+                <a:rect l="l" t="t" r="r" b="b"/>
+                <a:pathLst>
+                  <a:path w="247650" h="145751">
+                    <a:moveTo>
+                      <a:pt x="247650" y="145752"/>
+                    </a:moveTo>
+                    <a:lnTo>
+                      <a:pt x="247650" y="61932"/>
+                    </a:lnTo>
+                    <a:cubicBezTo>
+                      <a:pt x="247445" y="52237"/>
+                      <a:pt x="242900" y="43146"/>
+                      <a:pt x="235268" y="37167"/>
+                    </a:cubicBezTo>
+                    <a:cubicBezTo>
+                      <a:pt x="217317" y="23418"/>
+                      <a:pt x="196787" y="13416"/>
+                      <a:pt x="174898" y="7753"/>
+                    </a:cubicBezTo>
+                    <a:cubicBezTo>
+                      <a:pt x="158345" y="2683"/>
+                      <a:pt x="141137" y="71"/>
+                      <a:pt x="123825" y="0"/>
+                    </a:cubicBezTo>
+                    <a:cubicBezTo>
+                      <a:pt x="106530" y="299"/>
+                      <a:pt x="89351" y="2900"/>
+                      <a:pt x="72742" y="7734"/>
+                    </a:cubicBezTo>
+                    <a:cubicBezTo>
+                      <a:pt x="51103" y="14050"/>
+                      <a:pt x="30692" y="23996"/>
+                      <a:pt x="12382" y="37147"/>
+                    </a:cubicBezTo>
+                    <a:cubicBezTo>
+                      <a:pt x="4746" y="43125"/>
+                      <a:pt x="201" y="52217"/>
+                      <a:pt x="0" y="61913"/>
+                    </a:cubicBezTo>
+                    <a:lnTo>
+                      <a:pt x="0" y="145732"/>
+                    </a:lnTo>
+                    <a:close/>
+                  </a:path>
+                </a:pathLst>
+              </a:custGeom>
+              <a:grpFill/>
+              <a:ln w="9525" cap="flat">
+                <a:noFill/>
+                <a:prstDash val="solid"/>
+                <a:miter/>
+              </a:ln>
+            </p:spPr>
+            <p:txBody>
+              <a:bodyPr rtlCol="0" anchor="ctr"/>
+              <a:lstStyle/>
+              <a:p>
+                <a:endParaRPr lang="en-NL" sz="1300" dirty="0">
+                  <a:latin typeface="Rubik" pitchFamily="2" charset="-79"/>
+                  <a:cs typeface="Rubik" pitchFamily="2" charset="-79"/>
+                </a:endParaRPr>
+              </a:p>
+            </p:txBody>
+          </p:sp>
+          <p:sp>
+            <p:nvSpPr>
+              <p:cNvPr id="68" name="Freeform: Shape 67">
+                <a:extLst>
+                  <a:ext uri="{FF2B5EF4-FFF2-40B4-BE49-F238E27FC236}">
+                    <a16:creationId xmlns:a16="http://schemas.microsoft.com/office/drawing/2014/main" id="{0E99E540-6F68-D14F-62CB-E1E4E67D7CE6}"/>
+                  </a:ext>
+                </a:extLst>
+              </p:cNvPr>
+              <p:cNvSpPr/>
+              <p:nvPr/>
+            </p:nvSpPr>
+            <p:spPr>
+              <a:xfrm>
+                <a:off x="1208329" y="2466997"/>
+                <a:ext cx="142341" cy="142341"/>
+              </a:xfrm>
+              <a:custGeom>
+                <a:avLst/>
+                <a:gdLst>
+                  <a:gd name="connsiteX0" fmla="*/ 71171 w 142341"/>
+                  <a:gd name="connsiteY0" fmla="*/ 0 h 142341"/>
+                  <a:gd name="connsiteX1" fmla="*/ 0 w 142341"/>
+                  <a:gd name="connsiteY1" fmla="*/ 71171 h 142341"/>
+                  <a:gd name="connsiteX2" fmla="*/ 71171 w 142341"/>
+                  <a:gd name="connsiteY2" fmla="*/ 142342 h 142341"/>
+                  <a:gd name="connsiteX3" fmla="*/ 142342 w 142341"/>
+                  <a:gd name="connsiteY3" fmla="*/ 71171 h 142341"/>
+                  <a:gd name="connsiteX4" fmla="*/ 71171 w 142341"/>
+                  <a:gd name="connsiteY4" fmla="*/ 0 h 142341"/>
+                  <a:gd name="connsiteX5" fmla="*/ 71171 w 142341"/>
+                  <a:gd name="connsiteY5" fmla="*/ 123625 h 142341"/>
+                  <a:gd name="connsiteX6" fmla="*/ 29023 w 142341"/>
+                  <a:gd name="connsiteY6" fmla="*/ 97403 h 142341"/>
+                  <a:gd name="connsiteX7" fmla="*/ 113309 w 142341"/>
+                  <a:gd name="connsiteY7" fmla="*/ 97403 h 142341"/>
+                  <a:gd name="connsiteX8" fmla="*/ 71171 w 142341"/>
+                  <a:gd name="connsiteY8" fmla="*/ 123625 h 142341"/>
+                </a:gdLst>
+                <a:ahLst/>
+                <a:cxnLst>
+                  <a:cxn ang="0">
+                    <a:pos x="connsiteX0" y="connsiteY0"/>
+                  </a:cxn>
+                  <a:cxn ang="0">
+                    <a:pos x="connsiteX1" y="connsiteY1"/>
+                  </a:cxn>
+                  <a:cxn ang="0">
+                    <a:pos x="connsiteX2" y="connsiteY2"/>
+                  </a:cxn>
+                  <a:cxn ang="0">
+                    <a:pos x="connsiteX3" y="connsiteY3"/>
+                  </a:cxn>
+                  <a:cxn ang="0">
+                    <a:pos x="connsiteX4" y="connsiteY4"/>
+                  </a:cxn>
+                  <a:cxn ang="0">
+                    <a:pos x="connsiteX5" y="connsiteY5"/>
+                  </a:cxn>
+                  <a:cxn ang="0">
+                    <a:pos x="connsiteX6" y="connsiteY6"/>
+                  </a:cxn>
+                  <a:cxn ang="0">
+                    <a:pos x="connsiteX7" y="connsiteY7"/>
+                  </a:cxn>
+                  <a:cxn ang="0">
+                    <a:pos x="connsiteX8" y="connsiteY8"/>
+                  </a:cxn>
+                </a:cxnLst>
+                <a:rect l="l" t="t" r="r" b="b"/>
+                <a:pathLst>
+                  <a:path w="142341" h="142341">
+                    <a:moveTo>
+                      <a:pt x="71171" y="0"/>
+                    </a:moveTo>
+                    <a:cubicBezTo>
+                      <a:pt x="31864" y="0"/>
+                      <a:pt x="0" y="31864"/>
+                      <a:pt x="0" y="71171"/>
+                    </a:cubicBezTo>
+                    <a:cubicBezTo>
+                      <a:pt x="0" y="110478"/>
+                      <a:pt x="31864" y="142342"/>
+                      <a:pt x="71171" y="142342"/>
+                    </a:cubicBezTo>
+                    <a:cubicBezTo>
+                      <a:pt x="110478" y="142342"/>
+                      <a:pt x="142342" y="110478"/>
+                      <a:pt x="142342" y="71171"/>
+                    </a:cubicBezTo>
+                    <a:cubicBezTo>
+                      <a:pt x="142342" y="31864"/>
+                      <a:pt x="110478" y="0"/>
+                      <a:pt x="71171" y="0"/>
+                    </a:cubicBezTo>
+                    <a:close/>
+                    <a:moveTo>
+                      <a:pt x="71171" y="123625"/>
+                    </a:moveTo>
+                    <a:cubicBezTo>
+                      <a:pt x="53270" y="123640"/>
+                      <a:pt x="36920" y="113468"/>
+                      <a:pt x="29023" y="97403"/>
+                    </a:cubicBezTo>
+                    <a:lnTo>
+                      <a:pt x="113309" y="97403"/>
+                    </a:lnTo>
+                    <a:cubicBezTo>
+                      <a:pt x="105420" y="113469"/>
+                      <a:pt x="89070" y="123643"/>
+                      <a:pt x="71171" y="123625"/>
+                    </a:cubicBezTo>
+                    <a:close/>
+                  </a:path>
+                </a:pathLst>
+              </a:custGeom>
+              <a:grpFill/>
+              <a:ln w="9525" cap="flat">
+                <a:noFill/>
+                <a:prstDash val="solid"/>
+                <a:miter/>
+              </a:ln>
+            </p:spPr>
+            <p:txBody>
+              <a:bodyPr rtlCol="0" anchor="ctr"/>
+              <a:lstStyle/>
+              <a:p>
+                <a:endParaRPr lang="en-NL" sz="1300" dirty="0">
+                  <a:latin typeface="Rubik" pitchFamily="2" charset="-79"/>
+                  <a:cs typeface="Rubik" pitchFamily="2" charset="-79"/>
+                </a:endParaRPr>
+              </a:p>
+            </p:txBody>
+          </p:sp>
+          <p:sp>
+            <p:nvSpPr>
+              <p:cNvPr id="72" name="Freeform: Shape 71">
+                <a:extLst>
+                  <a:ext uri="{FF2B5EF4-FFF2-40B4-BE49-F238E27FC236}">
+                    <a16:creationId xmlns:a16="http://schemas.microsoft.com/office/drawing/2014/main" id="{111D2FF2-36D2-BF19-0F5E-C45171BB018D}"/>
+                  </a:ext>
+                </a:extLst>
+              </p:cNvPr>
+              <p:cNvSpPr/>
+              <p:nvPr/>
+            </p:nvSpPr>
+            <p:spPr>
+              <a:xfrm>
+                <a:off x="1069950" y="2259600"/>
+                <a:ext cx="419100" cy="704850"/>
+              </a:xfrm>
+              <a:custGeom>
+                <a:avLst/>
+                <a:gdLst>
+                  <a:gd name="connsiteX0" fmla="*/ 381000 w 419100"/>
+                  <a:gd name="connsiteY0" fmla="*/ 337185 h 704850"/>
+                  <a:gd name="connsiteX1" fmla="*/ 381000 w 419100"/>
+                  <a:gd name="connsiteY1" fmla="*/ 600075 h 704850"/>
+                  <a:gd name="connsiteX2" fmla="*/ 38100 w 419100"/>
+                  <a:gd name="connsiteY2" fmla="*/ 600075 h 704850"/>
+                  <a:gd name="connsiteX3" fmla="*/ 38100 w 419100"/>
+                  <a:gd name="connsiteY3" fmla="*/ 104775 h 704850"/>
+                  <a:gd name="connsiteX4" fmla="*/ 381000 w 419100"/>
+                  <a:gd name="connsiteY4" fmla="*/ 104775 h 704850"/>
+                  <a:gd name="connsiteX5" fmla="*/ 381000 w 419100"/>
+                  <a:gd name="connsiteY5" fmla="*/ 215903 h 704850"/>
+                  <a:gd name="connsiteX6" fmla="*/ 384191 w 419100"/>
+                  <a:gd name="connsiteY6" fmla="*/ 213741 h 704850"/>
+                  <a:gd name="connsiteX7" fmla="*/ 418671 w 419100"/>
+                  <a:gd name="connsiteY7" fmla="*/ 204102 h 704850"/>
+                  <a:gd name="connsiteX8" fmla="*/ 419100 w 419100"/>
+                  <a:gd name="connsiteY8" fmla="*/ 204102 h 704850"/>
+                  <a:gd name="connsiteX9" fmla="*/ 419100 w 419100"/>
+                  <a:gd name="connsiteY9" fmla="*/ 38100 h 704850"/>
+                  <a:gd name="connsiteX10" fmla="*/ 381000 w 419100"/>
+                  <a:gd name="connsiteY10" fmla="*/ 0 h 704850"/>
+                  <a:gd name="connsiteX11" fmla="*/ 38100 w 419100"/>
+                  <a:gd name="connsiteY11" fmla="*/ 0 h 704850"/>
+                  <a:gd name="connsiteX12" fmla="*/ 0 w 419100"/>
+                  <a:gd name="connsiteY12" fmla="*/ 38100 h 704850"/>
+                  <a:gd name="connsiteX13" fmla="*/ 0 w 419100"/>
+                  <a:gd name="connsiteY13" fmla="*/ 666750 h 704850"/>
+                  <a:gd name="connsiteX14" fmla="*/ 38100 w 419100"/>
+                  <a:gd name="connsiteY14" fmla="*/ 704850 h 704850"/>
+                  <a:gd name="connsiteX15" fmla="*/ 381000 w 419100"/>
+                  <a:gd name="connsiteY15" fmla="*/ 704850 h 704850"/>
+                  <a:gd name="connsiteX16" fmla="*/ 419100 w 419100"/>
+                  <a:gd name="connsiteY16" fmla="*/ 666750 h 704850"/>
+                  <a:gd name="connsiteX17" fmla="*/ 419100 w 419100"/>
+                  <a:gd name="connsiteY17" fmla="*/ 400050 h 704850"/>
+                  <a:gd name="connsiteX18" fmla="*/ 176213 w 419100"/>
+                  <a:gd name="connsiteY18" fmla="*/ 38100 h 704850"/>
+                  <a:gd name="connsiteX19" fmla="*/ 242888 w 419100"/>
+                  <a:gd name="connsiteY19" fmla="*/ 38100 h 704850"/>
+                  <a:gd name="connsiteX20" fmla="*/ 257175 w 419100"/>
+                  <a:gd name="connsiteY20" fmla="*/ 52388 h 704850"/>
+                  <a:gd name="connsiteX21" fmla="*/ 242888 w 419100"/>
+                  <a:gd name="connsiteY21" fmla="*/ 66675 h 704850"/>
+                  <a:gd name="connsiteX22" fmla="*/ 176213 w 419100"/>
+                  <a:gd name="connsiteY22" fmla="*/ 66675 h 704850"/>
+                  <a:gd name="connsiteX23" fmla="*/ 161925 w 419100"/>
+                  <a:gd name="connsiteY23" fmla="*/ 52388 h 704850"/>
+                  <a:gd name="connsiteX24" fmla="*/ 176213 w 419100"/>
+                  <a:gd name="connsiteY24" fmla="*/ 38100 h 704850"/>
+                  <a:gd name="connsiteX25" fmla="*/ 128588 w 419100"/>
+                  <a:gd name="connsiteY25" fmla="*/ 38100 h 704850"/>
+                  <a:gd name="connsiteX26" fmla="*/ 142875 w 419100"/>
+                  <a:gd name="connsiteY26" fmla="*/ 52388 h 704850"/>
+                  <a:gd name="connsiteX27" fmla="*/ 128588 w 419100"/>
+                  <a:gd name="connsiteY27" fmla="*/ 66675 h 704850"/>
+                  <a:gd name="connsiteX28" fmla="*/ 114300 w 419100"/>
+                  <a:gd name="connsiteY28" fmla="*/ 52388 h 704850"/>
+                  <a:gd name="connsiteX29" fmla="*/ 128588 w 419100"/>
+                  <a:gd name="connsiteY29" fmla="*/ 38100 h 704850"/>
+                </a:gdLst>
+                <a:ahLst/>
+                <a:cxnLst>
+                  <a:cxn ang="0">
+                    <a:pos x="connsiteX0" y="connsiteY0"/>
+                  </a:cxn>
+                  <a:cxn ang="0">
+                    <a:pos x="connsiteX1" y="connsiteY1"/>
+                  </a:cxn>
+                  <a:cxn ang="0">
+                    <a:pos x="connsiteX2" y="connsiteY2"/>
+                  </a:cxn>
+                  <a:cxn ang="0">
+                    <a:pos x="connsiteX3" y="connsiteY3"/>
+                  </a:cxn>
+                  <a:cxn ang="0">
+                    <a:pos x="connsiteX4" y="connsiteY4"/>
+                  </a:cxn>
+                  <a:cxn ang="0">
+                    <a:pos x="connsiteX5" y="connsiteY5"/>
+                  </a:cxn>
+                  <a:cxn ang="0">
+                    <a:pos x="connsiteX6" y="connsiteY6"/>
+                  </a:cxn>
+                  <a:cxn ang="0">
+                    <a:pos x="connsiteX7" y="connsiteY7"/>
+                  </a:cxn>
+                  <a:cxn ang="0">
+                    <a:pos x="connsiteX8" y="connsiteY8"/>
+                  </a:cxn>
+                  <a:cxn ang="0">
+                    <a:pos x="connsiteX9" y="connsiteY9"/>
+                  </a:cxn>
+                  <a:cxn ang="0">
+                    <a:pos x="connsiteX10" y="connsiteY10"/>
+                  </a:cxn>
+                  <a:cxn ang="0">
+                    <a:pos x="connsiteX11" y="connsiteY11"/>
+                  </a:cxn>
+                  <a:cxn ang="0">
+                    <a:pos x="connsiteX12" y="connsiteY12"/>
+                  </a:cxn>
+                  <a:cxn ang="0">
+                    <a:pos x="connsiteX13" y="connsiteY13"/>
+                  </a:cxn>
+                  <a:cxn ang="0">
+                    <a:pos x="connsiteX14" y="connsiteY14"/>
+                  </a:cxn>
+                  <a:cxn ang="0">
+                    <a:pos x="connsiteX15" y="connsiteY15"/>
+                  </a:cxn>
+                  <a:cxn ang="0">
+                    <a:pos x="connsiteX16" y="connsiteY16"/>
+                  </a:cxn>
+                  <a:cxn ang="0">
+                    <a:pos x="connsiteX17" y="connsiteY17"/>
+                  </a:cxn>
+                  <a:cxn ang="0">
+                    <a:pos x="connsiteX18" y="connsiteY18"/>
+                  </a:cxn>
+                  <a:cxn ang="0">
+                    <a:pos x="connsiteX19" y="connsiteY19"/>
+                  </a:cxn>
+                  <a:cxn ang="0">
+                    <a:pos x="connsiteX20" y="connsiteY20"/>
+                  </a:cxn>
+                  <a:cxn ang="0">
+                    <a:pos x="connsiteX21" y="connsiteY21"/>
+                  </a:cxn>
+                  <a:cxn ang="0">
+                    <a:pos x="connsiteX22" y="connsiteY22"/>
+                  </a:cxn>
+                  <a:cxn ang="0">
+                    <a:pos x="connsiteX23" y="connsiteY23"/>
+                  </a:cxn>
+                  <a:cxn ang="0">
+                    <a:pos x="connsiteX24" y="connsiteY24"/>
+                  </a:cxn>
+                  <a:cxn ang="0">
+                    <a:pos x="connsiteX25" y="connsiteY25"/>
+                  </a:cxn>
+                  <a:cxn ang="0">
+                    <a:pos x="connsiteX26" y="connsiteY26"/>
+                  </a:cxn>
+                  <a:cxn ang="0">
+                    <a:pos x="connsiteX27" y="connsiteY27"/>
+                  </a:cxn>
+                  <a:cxn ang="0">
+                    <a:pos x="connsiteX28" y="connsiteY28"/>
+                  </a:cxn>
+                  <a:cxn ang="0">
+                    <a:pos x="connsiteX29" y="connsiteY29"/>
+                  </a:cxn>
+                </a:cxnLst>
+                <a:rect l="l" t="t" r="r" b="b"/>
+                <a:pathLst>
+                  <a:path w="419100" h="704850">
+                    <a:moveTo>
+                      <a:pt x="381000" y="337185"/>
+                    </a:moveTo>
+                    <a:lnTo>
+                      <a:pt x="381000" y="600075"/>
+                    </a:lnTo>
+                    <a:lnTo>
+                      <a:pt x="38100" y="600075"/>
+                    </a:lnTo>
+                    <a:lnTo>
+                      <a:pt x="38100" y="104775"/>
+                    </a:lnTo>
+                    <a:lnTo>
+                      <a:pt x="381000" y="104775"/>
+                    </a:lnTo>
+                    <a:lnTo>
+                      <a:pt x="381000" y="215903"/>
+                    </a:lnTo>
+                    <a:cubicBezTo>
+                      <a:pt x="382057" y="215170"/>
+                      <a:pt x="383086" y="214408"/>
+                      <a:pt x="384191" y="213741"/>
+                    </a:cubicBezTo>
+                    <a:cubicBezTo>
+                      <a:pt x="394589" y="207442"/>
+                      <a:pt x="406514" y="204108"/>
+                      <a:pt x="418671" y="204102"/>
+                    </a:cubicBezTo>
+                    <a:lnTo>
+                      <a:pt x="419100" y="204102"/>
+                    </a:lnTo>
+                    <a:lnTo>
+                      <a:pt x="419100" y="38100"/>
+                    </a:lnTo>
+                    <a:cubicBezTo>
+                      <a:pt x="419037" y="17084"/>
+                      <a:pt x="402016" y="63"/>
+                      <a:pt x="381000" y="0"/>
+                    </a:cubicBezTo>
+                    <a:lnTo>
+                      <a:pt x="38100" y="0"/>
+                    </a:lnTo>
+                    <a:cubicBezTo>
+                      <a:pt x="17084" y="63"/>
+                      <a:pt x="63" y="17084"/>
+                      <a:pt x="0" y="38100"/>
+                    </a:cubicBezTo>
+                    <a:lnTo>
+                      <a:pt x="0" y="666750"/>
+                    </a:lnTo>
+                    <a:cubicBezTo>
+                      <a:pt x="63" y="687766"/>
+                      <a:pt x="17084" y="704787"/>
+                      <a:pt x="38100" y="704850"/>
+                    </a:cubicBezTo>
+                    <a:lnTo>
+                      <a:pt x="381000" y="704850"/>
+                    </a:lnTo>
+                    <a:cubicBezTo>
+                      <a:pt x="402016" y="704787"/>
+                      <a:pt x="419037" y="687766"/>
+                      <a:pt x="419100" y="666750"/>
+                    </a:cubicBezTo>
+                    <a:lnTo>
+                      <a:pt x="419100" y="400050"/>
+                    </a:lnTo>
+                    <a:close/>
+                    <a:moveTo>
+                      <a:pt x="176213" y="38100"/>
+                    </a:moveTo>
+                    <a:lnTo>
+                      <a:pt x="242888" y="38100"/>
+                    </a:lnTo>
+                    <a:cubicBezTo>
+                      <a:pt x="250778" y="38100"/>
+                      <a:pt x="257175" y="44497"/>
+                      <a:pt x="257175" y="52388"/>
+                    </a:cubicBezTo>
+                    <a:cubicBezTo>
+                      <a:pt x="257175" y="60278"/>
+                      <a:pt x="250778" y="66675"/>
+                      <a:pt x="242888" y="66675"/>
+                    </a:cubicBezTo>
+                    <a:lnTo>
+                      <a:pt x="176213" y="66675"/>
+                    </a:lnTo>
+                    <a:cubicBezTo>
+                      <a:pt x="168322" y="66675"/>
+                      <a:pt x="161925" y="60278"/>
+                      <a:pt x="161925" y="52388"/>
+                    </a:cubicBezTo>
+                    <a:cubicBezTo>
+                      <a:pt x="161925" y="44497"/>
+                      <a:pt x="168322" y="38100"/>
+                      <a:pt x="176213" y="38100"/>
+                    </a:cubicBezTo>
+                    <a:close/>
+                    <a:moveTo>
+                      <a:pt x="128588" y="38100"/>
+                    </a:moveTo>
+                    <a:cubicBezTo>
+                      <a:pt x="136478" y="38100"/>
+                      <a:pt x="142875" y="44497"/>
+                      <a:pt x="142875" y="52388"/>
+                    </a:cubicBezTo>
+                    <a:cubicBezTo>
+                      <a:pt x="142875" y="60278"/>
+                      <a:pt x="136478" y="66675"/>
+                      <a:pt x="128588" y="66675"/>
+                    </a:cubicBezTo>
+                    <a:cubicBezTo>
+                      <a:pt x="120697" y="66675"/>
+                      <a:pt x="114300" y="60278"/>
+                      <a:pt x="114300" y="52388"/>
+                    </a:cubicBezTo>
+                    <a:cubicBezTo>
+                      <a:pt x="114300" y="44497"/>
+                      <a:pt x="120697" y="38100"/>
+                      <a:pt x="128588" y="38100"/>
+                    </a:cubicBezTo>
+                    <a:close/>
+                  </a:path>
+                </a:pathLst>
+              </a:custGeom>
+              <a:grpFill/>
+              <a:ln w="9525" cap="flat">
+                <a:noFill/>
+                <a:prstDash val="solid"/>
+                <a:miter/>
+              </a:ln>
+            </p:spPr>
+            <p:txBody>
+              <a:bodyPr rtlCol="0" anchor="ctr"/>
+              <a:lstStyle/>
+              <a:p>
+                <a:endParaRPr lang="en-NL" sz="1300" dirty="0">
+                  <a:latin typeface="Rubik" pitchFamily="2" charset="-79"/>
+                  <a:cs typeface="Rubik" pitchFamily="2" charset="-79"/>
+                </a:endParaRPr>
+              </a:p>
+            </p:txBody>
+          </p:sp>
+          <p:sp>
+            <p:nvSpPr>
+              <p:cNvPr id="73" name="Freeform: Shape 72">
+                <a:extLst>
+                  <a:ext uri="{FF2B5EF4-FFF2-40B4-BE49-F238E27FC236}">
+                    <a16:creationId xmlns:a16="http://schemas.microsoft.com/office/drawing/2014/main" id="{22CEB41C-1CEE-DA82-173F-3E05361BBAA5}"/>
+                  </a:ext>
+                </a:extLst>
+              </p:cNvPr>
+              <p:cNvSpPr/>
+              <p:nvPr/>
+            </p:nvSpPr>
+            <p:spPr>
+              <a:xfrm>
+                <a:off x="1443330" y="2492277"/>
+                <a:ext cx="226693" cy="547620"/>
+              </a:xfrm>
+              <a:custGeom>
+                <a:avLst/>
+                <a:gdLst>
+                  <a:gd name="connsiteX0" fmla="*/ 74295 w 226693"/>
+                  <a:gd name="connsiteY0" fmla="*/ 186423 h 547620"/>
+                  <a:gd name="connsiteX1" fmla="*/ 74295 w 226693"/>
+                  <a:gd name="connsiteY1" fmla="*/ 434073 h 547620"/>
+                  <a:gd name="connsiteX2" fmla="*/ 7620 w 226693"/>
+                  <a:gd name="connsiteY2" fmla="*/ 500748 h 547620"/>
+                  <a:gd name="connsiteX3" fmla="*/ 0 w 226693"/>
+                  <a:gd name="connsiteY3" fmla="*/ 499652 h 547620"/>
+                  <a:gd name="connsiteX4" fmla="*/ 57150 w 226693"/>
+                  <a:gd name="connsiteY4" fmla="*/ 540524 h 547620"/>
+                  <a:gd name="connsiteX5" fmla="*/ 105566 w 226693"/>
+                  <a:gd name="connsiteY5" fmla="*/ 537114 h 547620"/>
+                  <a:gd name="connsiteX6" fmla="*/ 214865 w 226693"/>
+                  <a:gd name="connsiteY6" fmla="*/ 433120 h 547620"/>
+                  <a:gd name="connsiteX7" fmla="*/ 220151 w 226693"/>
+                  <a:gd name="connsiteY7" fmla="*/ 384181 h 547620"/>
+                  <a:gd name="connsiteX8" fmla="*/ 181537 w 226693"/>
+                  <a:gd name="connsiteY8" fmla="*/ 327097 h 547620"/>
+                  <a:gd name="connsiteX9" fmla="*/ 181537 w 226693"/>
+                  <a:gd name="connsiteY9" fmla="*/ 326878 h 547620"/>
+                  <a:gd name="connsiteX10" fmla="*/ 142580 w 226693"/>
+                  <a:gd name="connsiteY10" fmla="*/ 129520 h 547620"/>
+                  <a:gd name="connsiteX11" fmla="*/ 139436 w 226693"/>
+                  <a:gd name="connsiteY11" fmla="*/ 120490 h 547620"/>
+                  <a:gd name="connsiteX12" fmla="*/ 136579 w 226693"/>
+                  <a:gd name="connsiteY12" fmla="*/ 114556 h 547620"/>
+                  <a:gd name="connsiteX13" fmla="*/ 78324 w 226693"/>
+                  <a:gd name="connsiteY13" fmla="*/ 18382 h 547620"/>
+                  <a:gd name="connsiteX14" fmla="*/ 25998 w 226693"/>
+                  <a:gd name="connsiteY14" fmla="*/ 5509 h 547620"/>
+                  <a:gd name="connsiteX15" fmla="*/ 13125 w 226693"/>
+                  <a:gd name="connsiteY15" fmla="*/ 57835 h 547620"/>
+                  <a:gd name="connsiteX16" fmla="*/ 68913 w 226693"/>
+                  <a:gd name="connsiteY16" fmla="*/ 149875 h 547620"/>
+                  <a:gd name="connsiteX17" fmla="*/ 74505 w 226693"/>
+                  <a:gd name="connsiteY17" fmla="*/ 178221 h 547620"/>
+                </a:gdLst>
+                <a:ahLst/>
+                <a:cxnLst>
+                  <a:cxn ang="0">
+                    <a:pos x="connsiteX0" y="connsiteY0"/>
+                  </a:cxn>
+                  <a:cxn ang="0">
+                    <a:pos x="connsiteX1" y="connsiteY1"/>
+                  </a:cxn>
+                  <a:cxn ang="0">
+                    <a:pos x="connsiteX2" y="connsiteY2"/>
+                  </a:cxn>
+                  <a:cxn ang="0">
+                    <a:pos x="connsiteX3" y="connsiteY3"/>
+                  </a:cxn>
+                  <a:cxn ang="0">
+                    <a:pos x="connsiteX4" y="connsiteY4"/>
+                  </a:cxn>
+                  <a:cxn ang="0">
+                    <a:pos x="connsiteX5" y="connsiteY5"/>
+                  </a:cxn>
+                  <a:cxn ang="0">
+                    <a:pos x="connsiteX6" y="connsiteY6"/>
+                  </a:cxn>
+                  <a:cxn ang="0">
+                    <a:pos x="connsiteX7" y="connsiteY7"/>
+                  </a:cxn>
+                  <a:cxn ang="0">
+                    <a:pos x="connsiteX8" y="connsiteY8"/>
+                  </a:cxn>
+                  <a:cxn ang="0">
+                    <a:pos x="connsiteX9" y="connsiteY9"/>
+                  </a:cxn>
+                  <a:cxn ang="0">
+                    <a:pos x="connsiteX10" y="connsiteY10"/>
+                  </a:cxn>
+                  <a:cxn ang="0">
+                    <a:pos x="connsiteX11" y="connsiteY11"/>
+                  </a:cxn>
+                  <a:cxn ang="0">
+                    <a:pos x="connsiteX12" y="connsiteY12"/>
+                  </a:cxn>
+                  <a:cxn ang="0">
+                    <a:pos x="connsiteX13" y="connsiteY13"/>
+                  </a:cxn>
+                  <a:cxn ang="0">
+                    <a:pos x="connsiteX14" y="connsiteY14"/>
+                  </a:cxn>
+                  <a:cxn ang="0">
+                    <a:pos x="connsiteX15" y="connsiteY15"/>
+                  </a:cxn>
+                  <a:cxn ang="0">
+                    <a:pos x="connsiteX16" y="connsiteY16"/>
+                  </a:cxn>
+                  <a:cxn ang="0">
+                    <a:pos x="connsiteX17" y="connsiteY17"/>
+                  </a:cxn>
+                </a:cxnLst>
+                <a:rect l="l" t="t" r="r" b="b"/>
+                <a:pathLst>
+                  <a:path w="226693" h="547620">
+                    <a:moveTo>
+                      <a:pt x="74295" y="186423"/>
+                    </a:moveTo>
+                    <a:lnTo>
+                      <a:pt x="74295" y="434073"/>
+                    </a:lnTo>
+                    <a:cubicBezTo>
+                      <a:pt x="74253" y="470879"/>
+                      <a:pt x="44427" y="500706"/>
+                      <a:pt x="7620" y="500748"/>
+                    </a:cubicBezTo>
+                    <a:lnTo>
+                      <a:pt x="0" y="499652"/>
+                    </a:lnTo>
+                    <a:lnTo>
+                      <a:pt x="57150" y="540524"/>
+                    </a:lnTo>
+                    <a:cubicBezTo>
+                      <a:pt x="72019" y="551143"/>
+                      <a:pt x="92332" y="549713"/>
+                      <a:pt x="105566" y="537114"/>
+                    </a:cubicBezTo>
+                    <a:lnTo>
+                      <a:pt x="214865" y="433120"/>
+                    </a:lnTo>
+                    <a:cubicBezTo>
+                      <a:pt x="228343" y="420287"/>
+                      <a:pt x="230578" y="399596"/>
+                      <a:pt x="220151" y="384181"/>
+                    </a:cubicBezTo>
+                    <a:lnTo>
+                      <a:pt x="181537" y="327097"/>
+                    </a:lnTo>
+                    <a:lnTo>
+                      <a:pt x="181537" y="326878"/>
+                    </a:lnTo>
+                    <a:lnTo>
+                      <a:pt x="142580" y="129520"/>
+                    </a:lnTo>
+                    <a:cubicBezTo>
+                      <a:pt x="141919" y="126389"/>
+                      <a:pt x="140862" y="123356"/>
+                      <a:pt x="139436" y="120490"/>
+                    </a:cubicBezTo>
+                    <a:cubicBezTo>
+                      <a:pt x="138662" y="118431"/>
+                      <a:pt x="137706" y="116445"/>
+                      <a:pt x="136579" y="114556"/>
+                    </a:cubicBezTo>
+                    <a:lnTo>
+                      <a:pt x="78324" y="18382"/>
+                    </a:lnTo>
+                    <a:cubicBezTo>
+                      <a:pt x="67429" y="378"/>
+                      <a:pt x="44003" y="-5385"/>
+                      <a:pt x="25998" y="5509"/>
+                    </a:cubicBezTo>
+                    <a:cubicBezTo>
+                      <a:pt x="7994" y="16404"/>
+                      <a:pt x="2231" y="39831"/>
+                      <a:pt x="13125" y="57835"/>
+                    </a:cubicBezTo>
+                    <a:lnTo>
+                      <a:pt x="68913" y="149875"/>
+                    </a:lnTo>
+                    <a:lnTo>
+                      <a:pt x="74505" y="178221"/>
+                    </a:lnTo>
+                    <a:close/>
+                  </a:path>
+                </a:pathLst>
+              </a:custGeom>
+              <a:grpFill/>
+              <a:ln w="9525" cap="flat">
+                <a:noFill/>
+                <a:prstDash val="solid"/>
+                <a:miter/>
+              </a:ln>
+            </p:spPr>
+            <p:txBody>
+              <a:bodyPr rtlCol="0" anchor="ctr"/>
+              <a:lstStyle/>
+              <a:p>
+                <a:endParaRPr lang="en-NL" sz="1300" dirty="0">
+                  <a:latin typeface="Rubik" pitchFamily="2" charset="-79"/>
+                  <a:cs typeface="Rubik" pitchFamily="2" charset="-79"/>
+                </a:endParaRPr>
+              </a:p>
+            </p:txBody>
+          </p:sp>
+        </p:grpSp>
+      </p:grpSp>
+      <p:grpSp>
+        <p:nvGrpSpPr>
+          <p:cNvPr id="100" name="Group 99">
+            <a:extLst>
+              <a:ext uri="{FF2B5EF4-FFF2-40B4-BE49-F238E27FC236}">
+                <a16:creationId xmlns:a16="http://schemas.microsoft.com/office/drawing/2014/main" id="{AC571E21-F242-E3AC-05C2-0E2DB8DA302C}"/>
               </a:ext>
             </a:extLst>
           </p:cNvPr>
@@ -19067,10 +22525,10 @@
         </p:grpSpPr>
         <p:sp>
           <p:nvSpPr>
-            <p:cNvPr id="14" name="Rectangle 13">
+            <p:cNvPr id="39" name="Rectangle 38">
               <a:extLst>
                 <a:ext uri="{FF2B5EF4-FFF2-40B4-BE49-F238E27FC236}">
-                  <a16:creationId xmlns:a16="http://schemas.microsoft.com/office/drawing/2014/main" id="{93BBA51D-2404-93B8-3F24-9AEB46D3E1C9}"/>
+                  <a16:creationId xmlns:a16="http://schemas.microsoft.com/office/drawing/2014/main" id="{02EAF377-1461-39AB-3A68-BC3B24D54FAD}"/>
                 </a:ext>
               </a:extLst>
             </p:cNvPr>
@@ -19111,36 +22569,894 @@
             <a:lstStyle/>
             <a:p>
               <a:pPr algn="ctr"/>
-              <a:endParaRPr lang="en-GB" sz="1600" b="1" dirty="0"/>
+              <a:endParaRPr lang="en-GB" sz="1300" b="1" dirty="0">
+                <a:latin typeface="Rubik" pitchFamily="2" charset="-79"/>
+                <a:cs typeface="Rubik" pitchFamily="2" charset="-79"/>
+              </a:endParaRPr>
             </a:p>
             <a:p>
               <a:pPr algn="ctr"/>
-              <a:endParaRPr lang="en-GB" sz="1600" b="1" dirty="0"/>
+              <a:endParaRPr lang="en-GB" sz="1300" b="1" dirty="0">
+                <a:latin typeface="Rubik" pitchFamily="2" charset="-79"/>
+                <a:cs typeface="Rubik" pitchFamily="2" charset="-79"/>
+              </a:endParaRPr>
             </a:p>
             <a:p>
               <a:pPr algn="ctr"/>
-              <a:endParaRPr lang="en-GB" sz="1600" b="1" dirty="0"/>
+              <a:endParaRPr lang="en-GB" sz="1300" b="1" dirty="0">
+                <a:latin typeface="Rubik" pitchFamily="2" charset="-79"/>
+                <a:cs typeface="Rubik" pitchFamily="2" charset="-79"/>
+              </a:endParaRPr>
             </a:p>
             <a:p>
               <a:pPr algn="ctr"/>
-              <a:endParaRPr lang="en-GB" sz="1600" b="1" dirty="0"/>
+              <a:endParaRPr lang="en-GB" sz="1300" b="1" dirty="0">
+                <a:latin typeface="Rubik" pitchFamily="2" charset="-79"/>
+                <a:cs typeface="Rubik" pitchFamily="2" charset="-79"/>
+              </a:endParaRPr>
+            </a:p>
+            <a:p>
+              <a:pPr algn="ctr"/>
+              <a:endParaRPr lang="en-GB" sz="1300" b="1" dirty="0">
+                <a:latin typeface="Rubik" pitchFamily="2" charset="-79"/>
+                <a:cs typeface="Rubik" pitchFamily="2" charset="-79"/>
+              </a:endParaRPr>
             </a:p>
             <a:p>
               <a:pPr algn="ctr"/>
               <a:r>
-                <a:rPr lang="en-GB" sz="1600" b="1" dirty="0"/>
-                <a:t>Building</a:t>
+                <a:rPr lang="en-GB" sz="1300" b="1" dirty="0">
+                  <a:latin typeface="Rubik" pitchFamily="2" charset="-79"/>
+                  <a:cs typeface="Rubik" pitchFamily="2" charset="-79"/>
+                </a:rPr>
+                <a:t>SKY</a:t>
               </a:r>
-              <a:endParaRPr lang="en-NL" sz="1600" b="1" dirty="0"/>
+              <a:endParaRPr lang="en-NL" sz="1300" b="1" dirty="0">
+                <a:latin typeface="Rubik" pitchFamily="2" charset="-79"/>
+                <a:cs typeface="Rubik" pitchFamily="2" charset="-79"/>
+              </a:endParaRPr>
             </a:p>
           </p:txBody>
         </p:sp>
+        <p:grpSp>
+          <p:nvGrpSpPr>
+            <p:cNvPr id="77" name="Graphic 75" descr="Partial sun with solid fill">
+              <a:extLst>
+                <a:ext uri="{FF2B5EF4-FFF2-40B4-BE49-F238E27FC236}">
+                  <a16:creationId xmlns:a16="http://schemas.microsoft.com/office/drawing/2014/main" id="{BAB49E27-80C5-2B55-AF6A-B367A8C6A472}"/>
+                </a:ext>
+              </a:extLst>
+            </p:cNvPr>
+            <p:cNvGrpSpPr/>
+            <p:nvPr/>
+          </p:nvGrpSpPr>
+          <p:grpSpPr>
+            <a:xfrm>
+              <a:off x="954717" y="3688783"/>
+              <a:ext cx="796565" cy="714375"/>
+              <a:chOff x="979779" y="3766612"/>
+              <a:chExt cx="796565" cy="714375"/>
+            </a:xfrm>
+            <a:solidFill>
+              <a:schemeClr val="bg1">
+                <a:lumMod val="95000"/>
+              </a:schemeClr>
+            </a:solidFill>
+          </p:grpSpPr>
+          <p:sp>
+            <p:nvSpPr>
+              <p:cNvPr id="78" name="Freeform: Shape 77">
+                <a:extLst>
+                  <a:ext uri="{FF2B5EF4-FFF2-40B4-BE49-F238E27FC236}">
+                    <a16:creationId xmlns:a16="http://schemas.microsoft.com/office/drawing/2014/main" id="{D79062A1-F497-E19A-037D-82F33E28A217}"/>
+                  </a:ext>
+                </a:extLst>
+              </p:cNvPr>
+              <p:cNvSpPr/>
+              <p:nvPr/>
+            </p:nvSpPr>
+            <p:spPr>
+              <a:xfrm>
+                <a:off x="1462020" y="3766612"/>
+                <a:ext cx="38100" cy="114300"/>
+              </a:xfrm>
+              <a:custGeom>
+                <a:avLst/>
+                <a:gdLst>
+                  <a:gd name="connsiteX0" fmla="*/ 0 w 38100"/>
+                  <a:gd name="connsiteY0" fmla="*/ 0 h 114300"/>
+                  <a:gd name="connsiteX1" fmla="*/ 38100 w 38100"/>
+                  <a:gd name="connsiteY1" fmla="*/ 0 h 114300"/>
+                  <a:gd name="connsiteX2" fmla="*/ 38100 w 38100"/>
+                  <a:gd name="connsiteY2" fmla="*/ 114300 h 114300"/>
+                  <a:gd name="connsiteX3" fmla="*/ 0 w 38100"/>
+                  <a:gd name="connsiteY3" fmla="*/ 114300 h 114300"/>
+                </a:gdLst>
+                <a:ahLst/>
+                <a:cxnLst>
+                  <a:cxn ang="0">
+                    <a:pos x="connsiteX0" y="connsiteY0"/>
+                  </a:cxn>
+                  <a:cxn ang="0">
+                    <a:pos x="connsiteX1" y="connsiteY1"/>
+                  </a:cxn>
+                  <a:cxn ang="0">
+                    <a:pos x="connsiteX2" y="connsiteY2"/>
+                  </a:cxn>
+                  <a:cxn ang="0">
+                    <a:pos x="connsiteX3" y="connsiteY3"/>
+                  </a:cxn>
+                </a:cxnLst>
+                <a:rect l="l" t="t" r="r" b="b"/>
+                <a:pathLst>
+                  <a:path w="38100" h="114300">
+                    <a:moveTo>
+                      <a:pt x="0" y="0"/>
+                    </a:moveTo>
+                    <a:lnTo>
+                      <a:pt x="38100" y="0"/>
+                    </a:lnTo>
+                    <a:lnTo>
+                      <a:pt x="38100" y="114300"/>
+                    </a:lnTo>
+                    <a:lnTo>
+                      <a:pt x="0" y="114300"/>
+                    </a:lnTo>
+                    <a:close/>
+                  </a:path>
+                </a:pathLst>
+              </a:custGeom>
+              <a:grpFill/>
+              <a:ln w="9525" cap="flat">
+                <a:noFill/>
+                <a:prstDash val="solid"/>
+                <a:miter/>
+              </a:ln>
+            </p:spPr>
+            <p:txBody>
+              <a:bodyPr rtlCol="0" anchor="ctr"/>
+              <a:lstStyle/>
+              <a:p>
+                <a:endParaRPr lang="en-NL" sz="1300" dirty="0">
+                  <a:latin typeface="Rubik" pitchFamily="2" charset="-79"/>
+                  <a:cs typeface="Rubik" pitchFamily="2" charset="-79"/>
+                </a:endParaRPr>
+              </a:p>
+            </p:txBody>
+          </p:sp>
+          <p:sp>
+            <p:nvSpPr>
+              <p:cNvPr id="79" name="Freeform: Shape 78">
+                <a:extLst>
+                  <a:ext uri="{FF2B5EF4-FFF2-40B4-BE49-F238E27FC236}">
+                    <a16:creationId xmlns:a16="http://schemas.microsoft.com/office/drawing/2014/main" id="{6F61AA49-43C6-4A01-48C9-0AC32C8914C1}"/>
+                  </a:ext>
+                </a:extLst>
+              </p:cNvPr>
+              <p:cNvSpPr/>
+              <p:nvPr/>
+            </p:nvSpPr>
+            <p:spPr>
+              <a:xfrm rot="8100000">
+                <a:off x="1592930" y="3874437"/>
+                <a:ext cx="114298" cy="38099"/>
+              </a:xfrm>
+              <a:custGeom>
+                <a:avLst/>
+                <a:gdLst>
+                  <a:gd name="connsiteX0" fmla="*/ 0 w 114298"/>
+                  <a:gd name="connsiteY0" fmla="*/ 0 h 38099"/>
+                  <a:gd name="connsiteX1" fmla="*/ 114299 w 114298"/>
+                  <a:gd name="connsiteY1" fmla="*/ 0 h 38099"/>
+                  <a:gd name="connsiteX2" fmla="*/ 114299 w 114298"/>
+                  <a:gd name="connsiteY2" fmla="*/ 38100 h 38099"/>
+                  <a:gd name="connsiteX3" fmla="*/ 0 w 114298"/>
+                  <a:gd name="connsiteY3" fmla="*/ 38100 h 38099"/>
+                </a:gdLst>
+                <a:ahLst/>
+                <a:cxnLst>
+                  <a:cxn ang="0">
+                    <a:pos x="connsiteX0" y="connsiteY0"/>
+                  </a:cxn>
+                  <a:cxn ang="0">
+                    <a:pos x="connsiteX1" y="connsiteY1"/>
+                  </a:cxn>
+                  <a:cxn ang="0">
+                    <a:pos x="connsiteX2" y="connsiteY2"/>
+                  </a:cxn>
+                  <a:cxn ang="0">
+                    <a:pos x="connsiteX3" y="connsiteY3"/>
+                  </a:cxn>
+                </a:cxnLst>
+                <a:rect l="l" t="t" r="r" b="b"/>
+                <a:pathLst>
+                  <a:path w="114298" h="38099">
+                    <a:moveTo>
+                      <a:pt x="0" y="0"/>
+                    </a:moveTo>
+                    <a:lnTo>
+                      <a:pt x="114299" y="0"/>
+                    </a:lnTo>
+                    <a:lnTo>
+                      <a:pt x="114299" y="38100"/>
+                    </a:lnTo>
+                    <a:lnTo>
+                      <a:pt x="0" y="38100"/>
+                    </a:lnTo>
+                    <a:close/>
+                  </a:path>
+                </a:pathLst>
+              </a:custGeom>
+              <a:grpFill/>
+              <a:ln w="9525" cap="flat">
+                <a:noFill/>
+                <a:prstDash val="solid"/>
+                <a:miter/>
+              </a:ln>
+            </p:spPr>
+            <p:txBody>
+              <a:bodyPr rtlCol="0" anchor="ctr"/>
+              <a:lstStyle/>
+              <a:p>
+                <a:endParaRPr lang="en-NL" sz="1300" dirty="0">
+                  <a:latin typeface="Rubik" pitchFamily="2" charset="-79"/>
+                  <a:cs typeface="Rubik" pitchFamily="2" charset="-79"/>
+                </a:endParaRPr>
+              </a:p>
+            </p:txBody>
+          </p:sp>
+          <p:sp>
+            <p:nvSpPr>
+              <p:cNvPr id="80" name="Freeform: Shape 79">
+                <a:extLst>
+                  <a:ext uri="{FF2B5EF4-FFF2-40B4-BE49-F238E27FC236}">
+                    <a16:creationId xmlns:a16="http://schemas.microsoft.com/office/drawing/2014/main" id="{8FAAC79D-649F-E03D-5735-857C427954C0}"/>
+                  </a:ext>
+                </a:extLst>
+              </p:cNvPr>
+              <p:cNvSpPr/>
+              <p:nvPr/>
+            </p:nvSpPr>
+            <p:spPr>
+              <a:xfrm>
+                <a:off x="1662045" y="4042837"/>
+                <a:ext cx="114300" cy="38100"/>
+              </a:xfrm>
+              <a:custGeom>
+                <a:avLst/>
+                <a:gdLst>
+                  <a:gd name="connsiteX0" fmla="*/ 0 w 114300"/>
+                  <a:gd name="connsiteY0" fmla="*/ 0 h 38100"/>
+                  <a:gd name="connsiteX1" fmla="*/ 114300 w 114300"/>
+                  <a:gd name="connsiteY1" fmla="*/ 0 h 38100"/>
+                  <a:gd name="connsiteX2" fmla="*/ 114300 w 114300"/>
+                  <a:gd name="connsiteY2" fmla="*/ 38100 h 38100"/>
+                  <a:gd name="connsiteX3" fmla="*/ 0 w 114300"/>
+                  <a:gd name="connsiteY3" fmla="*/ 38100 h 38100"/>
+                </a:gdLst>
+                <a:ahLst/>
+                <a:cxnLst>
+                  <a:cxn ang="0">
+                    <a:pos x="connsiteX0" y="connsiteY0"/>
+                  </a:cxn>
+                  <a:cxn ang="0">
+                    <a:pos x="connsiteX1" y="connsiteY1"/>
+                  </a:cxn>
+                  <a:cxn ang="0">
+                    <a:pos x="connsiteX2" y="connsiteY2"/>
+                  </a:cxn>
+                  <a:cxn ang="0">
+                    <a:pos x="connsiteX3" y="connsiteY3"/>
+                  </a:cxn>
+                </a:cxnLst>
+                <a:rect l="l" t="t" r="r" b="b"/>
+                <a:pathLst>
+                  <a:path w="114300" h="38100">
+                    <a:moveTo>
+                      <a:pt x="0" y="0"/>
+                    </a:moveTo>
+                    <a:lnTo>
+                      <a:pt x="114300" y="0"/>
+                    </a:lnTo>
+                    <a:lnTo>
+                      <a:pt x="114300" y="38100"/>
+                    </a:lnTo>
+                    <a:lnTo>
+                      <a:pt x="0" y="38100"/>
+                    </a:lnTo>
+                    <a:close/>
+                  </a:path>
+                </a:pathLst>
+              </a:custGeom>
+              <a:grpFill/>
+              <a:ln w="9525" cap="flat">
+                <a:noFill/>
+                <a:prstDash val="solid"/>
+                <a:miter/>
+              </a:ln>
+            </p:spPr>
+            <p:txBody>
+              <a:bodyPr rtlCol="0" anchor="ctr"/>
+              <a:lstStyle/>
+              <a:p>
+                <a:endParaRPr lang="en-NL" sz="1300" dirty="0">
+                  <a:latin typeface="Rubik" pitchFamily="2" charset="-79"/>
+                  <a:cs typeface="Rubik" pitchFamily="2" charset="-79"/>
+                </a:endParaRPr>
+              </a:p>
+            </p:txBody>
+          </p:sp>
+          <p:sp>
+            <p:nvSpPr>
+              <p:cNvPr id="81" name="Freeform: Shape 80">
+                <a:extLst>
+                  <a:ext uri="{FF2B5EF4-FFF2-40B4-BE49-F238E27FC236}">
+                    <a16:creationId xmlns:a16="http://schemas.microsoft.com/office/drawing/2014/main" id="{D7F8A8B7-5913-2268-C937-B383CE91FCB1}"/>
+                  </a:ext>
+                </a:extLst>
+              </p:cNvPr>
+              <p:cNvSpPr/>
+              <p:nvPr/>
+            </p:nvSpPr>
+            <p:spPr>
+              <a:xfrm rot="8100000">
+                <a:off x="1630836" y="4172903"/>
+                <a:ext cx="38099" cy="114298"/>
+              </a:xfrm>
+              <a:custGeom>
+                <a:avLst/>
+                <a:gdLst>
+                  <a:gd name="connsiteX0" fmla="*/ 0 w 38099"/>
+                  <a:gd name="connsiteY0" fmla="*/ 0 h 114298"/>
+                  <a:gd name="connsiteX1" fmla="*/ 38100 w 38099"/>
+                  <a:gd name="connsiteY1" fmla="*/ 0 h 114298"/>
+                  <a:gd name="connsiteX2" fmla="*/ 38100 w 38099"/>
+                  <a:gd name="connsiteY2" fmla="*/ 114299 h 114298"/>
+                  <a:gd name="connsiteX3" fmla="*/ 0 w 38099"/>
+                  <a:gd name="connsiteY3" fmla="*/ 114299 h 114298"/>
+                </a:gdLst>
+                <a:ahLst/>
+                <a:cxnLst>
+                  <a:cxn ang="0">
+                    <a:pos x="connsiteX0" y="connsiteY0"/>
+                  </a:cxn>
+                  <a:cxn ang="0">
+                    <a:pos x="connsiteX1" y="connsiteY1"/>
+                  </a:cxn>
+                  <a:cxn ang="0">
+                    <a:pos x="connsiteX2" y="connsiteY2"/>
+                  </a:cxn>
+                  <a:cxn ang="0">
+                    <a:pos x="connsiteX3" y="connsiteY3"/>
+                  </a:cxn>
+                </a:cxnLst>
+                <a:rect l="l" t="t" r="r" b="b"/>
+                <a:pathLst>
+                  <a:path w="38099" h="114298">
+                    <a:moveTo>
+                      <a:pt x="0" y="0"/>
+                    </a:moveTo>
+                    <a:lnTo>
+                      <a:pt x="38100" y="0"/>
+                    </a:lnTo>
+                    <a:lnTo>
+                      <a:pt x="38100" y="114299"/>
+                    </a:lnTo>
+                    <a:lnTo>
+                      <a:pt x="0" y="114299"/>
+                    </a:lnTo>
+                    <a:close/>
+                  </a:path>
+                </a:pathLst>
+              </a:custGeom>
+              <a:grpFill/>
+              <a:ln w="9525" cap="flat">
+                <a:noFill/>
+                <a:prstDash val="solid"/>
+                <a:miter/>
+              </a:ln>
+            </p:spPr>
+            <p:txBody>
+              <a:bodyPr rtlCol="0" anchor="ctr"/>
+              <a:lstStyle/>
+              <a:p>
+                <a:endParaRPr lang="en-NL" sz="1300" dirty="0">
+                  <a:latin typeface="Rubik" pitchFamily="2" charset="-79"/>
+                  <a:cs typeface="Rubik" pitchFamily="2" charset="-79"/>
+                </a:endParaRPr>
+              </a:p>
+            </p:txBody>
+          </p:sp>
+          <p:sp>
+            <p:nvSpPr>
+              <p:cNvPr id="82" name="Freeform: Shape 81">
+                <a:extLst>
+                  <a:ext uri="{FF2B5EF4-FFF2-40B4-BE49-F238E27FC236}">
+                    <a16:creationId xmlns:a16="http://schemas.microsoft.com/office/drawing/2014/main" id="{F9E8C3BD-82B4-01ED-8C52-E6C0D2CF7B7B}"/>
+                  </a:ext>
+                </a:extLst>
+              </p:cNvPr>
+              <p:cNvSpPr/>
+              <p:nvPr/>
+            </p:nvSpPr>
+            <p:spPr>
+              <a:xfrm>
+                <a:off x="1185795" y="4042837"/>
+                <a:ext cx="114299" cy="38100"/>
+              </a:xfrm>
+              <a:custGeom>
+                <a:avLst/>
+                <a:gdLst>
+                  <a:gd name="connsiteX0" fmla="*/ 0 w 114299"/>
+                  <a:gd name="connsiteY0" fmla="*/ 0 h 38100"/>
+                  <a:gd name="connsiteX1" fmla="*/ 114300 w 114299"/>
+                  <a:gd name="connsiteY1" fmla="*/ 0 h 38100"/>
+                  <a:gd name="connsiteX2" fmla="*/ 114300 w 114299"/>
+                  <a:gd name="connsiteY2" fmla="*/ 38100 h 38100"/>
+                  <a:gd name="connsiteX3" fmla="*/ 0 w 114299"/>
+                  <a:gd name="connsiteY3" fmla="*/ 38100 h 38100"/>
+                </a:gdLst>
+                <a:ahLst/>
+                <a:cxnLst>
+                  <a:cxn ang="0">
+                    <a:pos x="connsiteX0" y="connsiteY0"/>
+                  </a:cxn>
+                  <a:cxn ang="0">
+                    <a:pos x="connsiteX1" y="connsiteY1"/>
+                  </a:cxn>
+                  <a:cxn ang="0">
+                    <a:pos x="connsiteX2" y="connsiteY2"/>
+                  </a:cxn>
+                  <a:cxn ang="0">
+                    <a:pos x="connsiteX3" y="connsiteY3"/>
+                  </a:cxn>
+                </a:cxnLst>
+                <a:rect l="l" t="t" r="r" b="b"/>
+                <a:pathLst>
+                  <a:path w="114299" h="38100">
+                    <a:moveTo>
+                      <a:pt x="0" y="0"/>
+                    </a:moveTo>
+                    <a:lnTo>
+                      <a:pt x="114300" y="0"/>
+                    </a:lnTo>
+                    <a:lnTo>
+                      <a:pt x="114300" y="38100"/>
+                    </a:lnTo>
+                    <a:lnTo>
+                      <a:pt x="0" y="38100"/>
+                    </a:lnTo>
+                    <a:close/>
+                  </a:path>
+                </a:pathLst>
+              </a:custGeom>
+              <a:grpFill/>
+              <a:ln w="9525" cap="flat">
+                <a:noFill/>
+                <a:prstDash val="solid"/>
+                <a:miter/>
+              </a:ln>
+            </p:spPr>
+            <p:txBody>
+              <a:bodyPr rtlCol="0" anchor="ctr"/>
+              <a:lstStyle/>
+              <a:p>
+                <a:endParaRPr lang="en-NL" sz="1300" dirty="0">
+                  <a:latin typeface="Rubik" pitchFamily="2" charset="-79"/>
+                  <a:cs typeface="Rubik" pitchFamily="2" charset="-79"/>
+                </a:endParaRPr>
+              </a:p>
+            </p:txBody>
+          </p:sp>
+          <p:sp>
+            <p:nvSpPr>
+              <p:cNvPr id="83" name="Freeform: Shape 82">
+                <a:extLst>
+                  <a:ext uri="{FF2B5EF4-FFF2-40B4-BE49-F238E27FC236}">
+                    <a16:creationId xmlns:a16="http://schemas.microsoft.com/office/drawing/2014/main" id="{75239426-F931-07ED-A1FD-1B7E7D5870C7}"/>
+                  </a:ext>
+                </a:extLst>
+              </p:cNvPr>
+              <p:cNvSpPr/>
+              <p:nvPr/>
+            </p:nvSpPr>
+            <p:spPr>
+              <a:xfrm rot="8100000">
+                <a:off x="1293784" y="3836819"/>
+                <a:ext cx="38099" cy="114298"/>
+              </a:xfrm>
+              <a:custGeom>
+                <a:avLst/>
+                <a:gdLst>
+                  <a:gd name="connsiteX0" fmla="*/ 0 w 38099"/>
+                  <a:gd name="connsiteY0" fmla="*/ 0 h 114298"/>
+                  <a:gd name="connsiteX1" fmla="*/ 38100 w 38099"/>
+                  <a:gd name="connsiteY1" fmla="*/ 0 h 114298"/>
+                  <a:gd name="connsiteX2" fmla="*/ 38100 w 38099"/>
+                  <a:gd name="connsiteY2" fmla="*/ 114299 h 114298"/>
+                  <a:gd name="connsiteX3" fmla="*/ 0 w 38099"/>
+                  <a:gd name="connsiteY3" fmla="*/ 114299 h 114298"/>
+                </a:gdLst>
+                <a:ahLst/>
+                <a:cxnLst>
+                  <a:cxn ang="0">
+                    <a:pos x="connsiteX0" y="connsiteY0"/>
+                  </a:cxn>
+                  <a:cxn ang="0">
+                    <a:pos x="connsiteX1" y="connsiteY1"/>
+                  </a:cxn>
+                  <a:cxn ang="0">
+                    <a:pos x="connsiteX2" y="connsiteY2"/>
+                  </a:cxn>
+                  <a:cxn ang="0">
+                    <a:pos x="connsiteX3" y="connsiteY3"/>
+                  </a:cxn>
+                </a:cxnLst>
+                <a:rect l="l" t="t" r="r" b="b"/>
+                <a:pathLst>
+                  <a:path w="38099" h="114298">
+                    <a:moveTo>
+                      <a:pt x="0" y="0"/>
+                    </a:moveTo>
+                    <a:lnTo>
+                      <a:pt x="38100" y="0"/>
+                    </a:lnTo>
+                    <a:lnTo>
+                      <a:pt x="38100" y="114299"/>
+                    </a:lnTo>
+                    <a:lnTo>
+                      <a:pt x="0" y="114299"/>
+                    </a:lnTo>
+                    <a:close/>
+                  </a:path>
+                </a:pathLst>
+              </a:custGeom>
+              <a:grpFill/>
+              <a:ln w="9525" cap="flat">
+                <a:noFill/>
+                <a:prstDash val="solid"/>
+                <a:miter/>
+              </a:ln>
+            </p:spPr>
+            <p:txBody>
+              <a:bodyPr rtlCol="0" anchor="ctr"/>
+              <a:lstStyle/>
+              <a:p>
+                <a:endParaRPr lang="en-NL" sz="1300" dirty="0">
+                  <a:latin typeface="Rubik" pitchFamily="2" charset="-79"/>
+                  <a:cs typeface="Rubik" pitchFamily="2" charset="-79"/>
+                </a:endParaRPr>
+              </a:p>
+            </p:txBody>
+          </p:sp>
+          <p:sp>
+            <p:nvSpPr>
+              <p:cNvPr id="84" name="Freeform: Shape 83">
+                <a:extLst>
+                  <a:ext uri="{FF2B5EF4-FFF2-40B4-BE49-F238E27FC236}">
+                    <a16:creationId xmlns:a16="http://schemas.microsoft.com/office/drawing/2014/main" id="{7277C017-3851-B1F3-7F73-07E85A9D2656}"/>
+                  </a:ext>
+                </a:extLst>
+              </p:cNvPr>
+              <p:cNvSpPr/>
+              <p:nvPr/>
+            </p:nvSpPr>
+            <p:spPr>
+              <a:xfrm>
+                <a:off x="979779" y="4118776"/>
+                <a:ext cx="651850" cy="362210"/>
+              </a:xfrm>
+              <a:custGeom>
+                <a:avLst/>
+                <a:gdLst>
+                  <a:gd name="connsiteX0" fmla="*/ 558440 w 651850"/>
+                  <a:gd name="connsiteY0" fmla="*/ 181236 h 362210"/>
+                  <a:gd name="connsiteX1" fmla="*/ 544153 w 651850"/>
+                  <a:gd name="connsiteY1" fmla="*/ 182188 h 362210"/>
+                  <a:gd name="connsiteX2" fmla="*/ 544153 w 651850"/>
+                  <a:gd name="connsiteY2" fmla="*/ 181236 h 362210"/>
+                  <a:gd name="connsiteX3" fmla="*/ 496528 w 651850"/>
+                  <a:gd name="connsiteY3" fmla="*/ 88843 h 362210"/>
+                  <a:gd name="connsiteX4" fmla="*/ 393658 w 651850"/>
+                  <a:gd name="connsiteY4" fmla="*/ 72651 h 362210"/>
+                  <a:gd name="connsiteX5" fmla="*/ 239353 w 651850"/>
+                  <a:gd name="connsiteY5" fmla="*/ 4071 h 362210"/>
+                  <a:gd name="connsiteX6" fmla="*/ 133625 w 651850"/>
+                  <a:gd name="connsiteY6" fmla="*/ 135516 h 362210"/>
+                  <a:gd name="connsiteX7" fmla="*/ 24088 w 651850"/>
+                  <a:gd name="connsiteY7" fmla="*/ 176473 h 362210"/>
+                  <a:gd name="connsiteX8" fmla="*/ 9800 w 651850"/>
+                  <a:gd name="connsiteY8" fmla="*/ 293631 h 362210"/>
+                  <a:gd name="connsiteX9" fmla="*/ 106955 w 651850"/>
+                  <a:gd name="connsiteY9" fmla="*/ 361258 h 362210"/>
+                  <a:gd name="connsiteX10" fmla="*/ 564155 w 651850"/>
+                  <a:gd name="connsiteY10" fmla="*/ 362211 h 362210"/>
+                  <a:gd name="connsiteX11" fmla="*/ 651785 w 651850"/>
+                  <a:gd name="connsiteY11" fmla="*/ 268866 h 362210"/>
+                  <a:gd name="connsiteX12" fmla="*/ 558440 w 651850"/>
+                  <a:gd name="connsiteY12" fmla="*/ 181236 h 362210"/>
+                </a:gdLst>
+                <a:ahLst/>
+                <a:cxnLst>
+                  <a:cxn ang="0">
+                    <a:pos x="connsiteX0" y="connsiteY0"/>
+                  </a:cxn>
+                  <a:cxn ang="0">
+                    <a:pos x="connsiteX1" y="connsiteY1"/>
+                  </a:cxn>
+                  <a:cxn ang="0">
+                    <a:pos x="connsiteX2" y="connsiteY2"/>
+                  </a:cxn>
+                  <a:cxn ang="0">
+                    <a:pos x="connsiteX3" y="connsiteY3"/>
+                  </a:cxn>
+                  <a:cxn ang="0">
+                    <a:pos x="connsiteX4" y="connsiteY4"/>
+                  </a:cxn>
+                  <a:cxn ang="0">
+                    <a:pos x="connsiteX5" y="connsiteY5"/>
+                  </a:cxn>
+                  <a:cxn ang="0">
+                    <a:pos x="connsiteX6" y="connsiteY6"/>
+                  </a:cxn>
+                  <a:cxn ang="0">
+                    <a:pos x="connsiteX7" y="connsiteY7"/>
+                  </a:cxn>
+                  <a:cxn ang="0">
+                    <a:pos x="connsiteX8" y="connsiteY8"/>
+                  </a:cxn>
+                  <a:cxn ang="0">
+                    <a:pos x="connsiteX9" y="connsiteY9"/>
+                  </a:cxn>
+                  <a:cxn ang="0">
+                    <a:pos x="connsiteX10" y="connsiteY10"/>
+                  </a:cxn>
+                  <a:cxn ang="0">
+                    <a:pos x="connsiteX11" y="connsiteY11"/>
+                  </a:cxn>
+                  <a:cxn ang="0">
+                    <a:pos x="connsiteX12" y="connsiteY12"/>
+                  </a:cxn>
+                </a:cxnLst>
+                <a:rect l="l" t="t" r="r" b="b"/>
+                <a:pathLst>
+                  <a:path w="651850" h="362210">
+                    <a:moveTo>
+                      <a:pt x="558440" y="181236"/>
+                    </a:moveTo>
+                    <a:cubicBezTo>
+                      <a:pt x="553678" y="181236"/>
+                      <a:pt x="548915" y="181236"/>
+                      <a:pt x="544153" y="182188"/>
+                    </a:cubicBezTo>
+                    <a:cubicBezTo>
+                      <a:pt x="544153" y="182188"/>
+                      <a:pt x="544153" y="181236"/>
+                      <a:pt x="544153" y="181236"/>
+                    </a:cubicBezTo>
+                    <a:cubicBezTo>
+                      <a:pt x="544153" y="145041"/>
+                      <a:pt x="527008" y="109798"/>
+                      <a:pt x="496528" y="88843"/>
+                    </a:cubicBezTo>
+                    <a:cubicBezTo>
+                      <a:pt x="467000" y="66936"/>
+                      <a:pt x="428900" y="61221"/>
+                      <a:pt x="393658" y="72651"/>
+                    </a:cubicBezTo>
+                    <a:cubicBezTo>
+                      <a:pt x="364130" y="17406"/>
+                      <a:pt x="300313" y="-11169"/>
+                      <a:pt x="239353" y="4071"/>
+                    </a:cubicBezTo>
+                    <a:cubicBezTo>
+                      <a:pt x="178393" y="18358"/>
+                      <a:pt x="135530" y="72651"/>
+                      <a:pt x="133625" y="135516"/>
+                    </a:cubicBezTo>
+                    <a:cubicBezTo>
+                      <a:pt x="93620" y="127896"/>
+                      <a:pt x="50758" y="143136"/>
+                      <a:pt x="24088" y="176473"/>
+                    </a:cubicBezTo>
+                    <a:cubicBezTo>
+                      <a:pt x="-1630" y="209811"/>
+                      <a:pt x="-7345" y="255531"/>
+                      <a:pt x="9800" y="293631"/>
+                    </a:cubicBezTo>
+                    <a:cubicBezTo>
+                      <a:pt x="26945" y="332683"/>
+                      <a:pt x="64093" y="358401"/>
+                      <a:pt x="106955" y="361258"/>
+                    </a:cubicBezTo>
+                    <a:lnTo>
+                      <a:pt x="564155" y="362211"/>
+                    </a:lnTo>
+                    <a:cubicBezTo>
+                      <a:pt x="613685" y="361258"/>
+                      <a:pt x="653690" y="319348"/>
+                      <a:pt x="651785" y="268866"/>
+                    </a:cubicBezTo>
+                    <a:cubicBezTo>
+                      <a:pt x="650833" y="219336"/>
+                      <a:pt x="608923" y="180283"/>
+                      <a:pt x="558440" y="181236"/>
+                    </a:cubicBezTo>
+                    <a:close/>
+                  </a:path>
+                </a:pathLst>
+              </a:custGeom>
+              <a:grpFill/>
+              <a:ln w="9525" cap="flat">
+                <a:noFill/>
+                <a:prstDash val="solid"/>
+                <a:miter/>
+              </a:ln>
+            </p:spPr>
+            <p:txBody>
+              <a:bodyPr rtlCol="0" anchor="ctr"/>
+              <a:lstStyle/>
+              <a:p>
+                <a:endParaRPr lang="en-NL" sz="1300" dirty="0">
+                  <a:latin typeface="Rubik" pitchFamily="2" charset="-79"/>
+                  <a:cs typeface="Rubik" pitchFamily="2" charset="-79"/>
+                </a:endParaRPr>
+              </a:p>
+            </p:txBody>
+          </p:sp>
+          <p:sp>
+            <p:nvSpPr>
+              <p:cNvPr id="85" name="Freeform: Shape 84">
+                <a:extLst>
+                  <a:ext uri="{FF2B5EF4-FFF2-40B4-BE49-F238E27FC236}">
+                    <a16:creationId xmlns:a16="http://schemas.microsoft.com/office/drawing/2014/main" id="{1BD77519-2D08-3639-B426-7CCC078F8303}"/>
+                  </a:ext>
+                </a:extLst>
+              </p:cNvPr>
+              <p:cNvSpPr/>
+              <p:nvPr/>
+            </p:nvSpPr>
+            <p:spPr>
+              <a:xfrm>
+                <a:off x="1338523" y="3918463"/>
+                <a:ext cx="284955" cy="279631"/>
+              </a:xfrm>
+              <a:custGeom>
+                <a:avLst/>
+                <a:gdLst>
+                  <a:gd name="connsiteX0" fmla="*/ 7291 w 284955"/>
+                  <a:gd name="connsiteY0" fmla="*/ 189144 h 279631"/>
+                  <a:gd name="connsiteX1" fmla="*/ 53011 w 284955"/>
+                  <a:gd name="connsiteY1" fmla="*/ 230102 h 279631"/>
+                  <a:gd name="connsiteX2" fmla="*/ 184456 w 284955"/>
+                  <a:gd name="connsiteY2" fmla="*/ 279632 h 279631"/>
+                  <a:gd name="connsiteX3" fmla="*/ 284469 w 284955"/>
+                  <a:gd name="connsiteY3" fmla="*/ 155807 h 279631"/>
+                  <a:gd name="connsiteX4" fmla="*/ 207316 w 284955"/>
+                  <a:gd name="connsiteY4" fmla="*/ 15789 h 279631"/>
+                  <a:gd name="connsiteX5" fmla="*/ 49201 w 284955"/>
+                  <a:gd name="connsiteY5" fmla="*/ 34839 h 279631"/>
+                  <a:gd name="connsiteX6" fmla="*/ 7291 w 284955"/>
+                  <a:gd name="connsiteY6" fmla="*/ 189144 h 279631"/>
+                  <a:gd name="connsiteX7" fmla="*/ 7291 w 284955"/>
+                  <a:gd name="connsiteY7" fmla="*/ 189144 h 279631"/>
+                </a:gdLst>
+                <a:ahLst/>
+                <a:cxnLst>
+                  <a:cxn ang="0">
+                    <a:pos x="connsiteX0" y="connsiteY0"/>
+                  </a:cxn>
+                  <a:cxn ang="0">
+                    <a:pos x="connsiteX1" y="connsiteY1"/>
+                  </a:cxn>
+                  <a:cxn ang="0">
+                    <a:pos x="connsiteX2" y="connsiteY2"/>
+                  </a:cxn>
+                  <a:cxn ang="0">
+                    <a:pos x="connsiteX3" y="connsiteY3"/>
+                  </a:cxn>
+                  <a:cxn ang="0">
+                    <a:pos x="connsiteX4" y="connsiteY4"/>
+                  </a:cxn>
+                  <a:cxn ang="0">
+                    <a:pos x="connsiteX5" y="connsiteY5"/>
+                  </a:cxn>
+                  <a:cxn ang="0">
+                    <a:pos x="connsiteX6" y="connsiteY6"/>
+                  </a:cxn>
+                  <a:cxn ang="0">
+                    <a:pos x="connsiteX7" y="connsiteY7"/>
+                  </a:cxn>
+                </a:cxnLst>
+                <a:rect l="l" t="t" r="r" b="b"/>
+                <a:pathLst>
+                  <a:path w="284955" h="279631">
+                    <a:moveTo>
+                      <a:pt x="7291" y="189144"/>
+                    </a:moveTo>
+                    <a:cubicBezTo>
+                      <a:pt x="24436" y="199622"/>
+                      <a:pt x="40629" y="213909"/>
+                      <a:pt x="53011" y="230102"/>
+                    </a:cubicBezTo>
+                    <a:cubicBezTo>
+                      <a:pt x="102541" y="224387"/>
+                      <a:pt x="151119" y="242484"/>
+                      <a:pt x="184456" y="279632"/>
+                    </a:cubicBezTo>
+                    <a:cubicBezTo>
+                      <a:pt x="239701" y="262487"/>
+                      <a:pt x="279706" y="213909"/>
+                      <a:pt x="284469" y="155807"/>
+                    </a:cubicBezTo>
+                    <a:cubicBezTo>
+                      <a:pt x="289231" y="97704"/>
+                      <a:pt x="258751" y="42459"/>
+                      <a:pt x="207316" y="15789"/>
+                    </a:cubicBezTo>
+                    <a:cubicBezTo>
+                      <a:pt x="155881" y="-10881"/>
+                      <a:pt x="93016" y="-3261"/>
+                      <a:pt x="49201" y="34839"/>
+                    </a:cubicBezTo>
+                    <a:cubicBezTo>
+                      <a:pt x="5386" y="72939"/>
+                      <a:pt x="-10806" y="133899"/>
+                      <a:pt x="7291" y="189144"/>
+                    </a:cubicBezTo>
+                    <a:lnTo>
+                      <a:pt x="7291" y="189144"/>
+                    </a:lnTo>
+                    <a:close/>
+                  </a:path>
+                </a:pathLst>
+              </a:custGeom>
+              <a:grpFill/>
+              <a:ln w="9525" cap="flat">
+                <a:noFill/>
+                <a:prstDash val="solid"/>
+                <a:miter/>
+              </a:ln>
+            </p:spPr>
+            <p:txBody>
+              <a:bodyPr rtlCol="0" anchor="ctr"/>
+              <a:lstStyle/>
+              <a:p>
+                <a:endParaRPr lang="en-NL" sz="1300" dirty="0">
+                  <a:latin typeface="Rubik" pitchFamily="2" charset="-79"/>
+                  <a:cs typeface="Rubik" pitchFamily="2" charset="-79"/>
+                </a:endParaRPr>
+              </a:p>
+            </p:txBody>
+          </p:sp>
+        </p:grpSp>
+      </p:grpSp>
+      <p:grpSp>
+        <p:nvGrpSpPr>
+          <p:cNvPr id="97" name="Group 96">
+            <a:extLst>
+              <a:ext uri="{FF2B5EF4-FFF2-40B4-BE49-F238E27FC236}">
+                <a16:creationId xmlns:a16="http://schemas.microsoft.com/office/drawing/2014/main" id="{AEDB56F1-C85A-9980-BB64-6AB986911223}"/>
+              </a:ext>
+            </a:extLst>
+          </p:cNvPr>
+          <p:cNvGrpSpPr/>
+          <p:nvPr/>
+        </p:nvGrpSpPr>
+        <p:grpSpPr>
+          <a:xfrm>
+            <a:off x="2073000" y="3429000"/>
+            <a:ext cx="1440000" cy="1440000"/>
+            <a:chOff x="2073000" y="3429000"/>
+            <a:chExt cx="1440000" cy="1440000"/>
+          </a:xfrm>
+        </p:grpSpPr>
         <p:sp>
           <p:nvSpPr>
-            <p:cNvPr id="18" name="Freeform: Shape 17">
+            <p:cNvPr id="42" name="Rectangle 41">
               <a:extLst>
                 <a:ext uri="{FF2B5EF4-FFF2-40B4-BE49-F238E27FC236}">
-                  <a16:creationId xmlns:a16="http://schemas.microsoft.com/office/drawing/2014/main" id="{EC999896-6970-8ABE-D26A-091E951164A9}"/>
+                  <a16:creationId xmlns:a16="http://schemas.microsoft.com/office/drawing/2014/main" id="{D0DB0CA2-D071-B078-B269-E0663BB0101D}"/>
                 </a:ext>
               </a:extLst>
             </p:cNvPr>
@@ -19149,640 +23465,7 @@
           </p:nvSpPr>
           <p:spPr>
             <a:xfrm>
-              <a:off x="1209000" y="3645000"/>
-              <a:ext cx="288000" cy="720000"/>
-            </a:xfrm>
-            <a:custGeom>
-              <a:avLst/>
-              <a:gdLst>
-                <a:gd name="connsiteX0" fmla="*/ 171450 w 228600"/>
-                <a:gd name="connsiteY0" fmla="*/ 104775 h 571500"/>
-                <a:gd name="connsiteX1" fmla="*/ 133350 w 228600"/>
-                <a:gd name="connsiteY1" fmla="*/ 104775 h 571500"/>
-                <a:gd name="connsiteX2" fmla="*/ 133350 w 228600"/>
-                <a:gd name="connsiteY2" fmla="*/ 66675 h 571500"/>
-                <a:gd name="connsiteX3" fmla="*/ 171450 w 228600"/>
-                <a:gd name="connsiteY3" fmla="*/ 66675 h 571500"/>
-                <a:gd name="connsiteX4" fmla="*/ 171450 w 228600"/>
-                <a:gd name="connsiteY4" fmla="*/ 104775 h 571500"/>
-                <a:gd name="connsiteX5" fmla="*/ 171450 w 228600"/>
-                <a:gd name="connsiteY5" fmla="*/ 171450 h 571500"/>
-                <a:gd name="connsiteX6" fmla="*/ 133350 w 228600"/>
-                <a:gd name="connsiteY6" fmla="*/ 171450 h 571500"/>
-                <a:gd name="connsiteX7" fmla="*/ 133350 w 228600"/>
-                <a:gd name="connsiteY7" fmla="*/ 133350 h 571500"/>
-                <a:gd name="connsiteX8" fmla="*/ 171450 w 228600"/>
-                <a:gd name="connsiteY8" fmla="*/ 133350 h 571500"/>
-                <a:gd name="connsiteX9" fmla="*/ 171450 w 228600"/>
-                <a:gd name="connsiteY9" fmla="*/ 171450 h 571500"/>
-                <a:gd name="connsiteX10" fmla="*/ 171450 w 228600"/>
-                <a:gd name="connsiteY10" fmla="*/ 247650 h 571500"/>
-                <a:gd name="connsiteX11" fmla="*/ 133350 w 228600"/>
-                <a:gd name="connsiteY11" fmla="*/ 247650 h 571500"/>
-                <a:gd name="connsiteX12" fmla="*/ 133350 w 228600"/>
-                <a:gd name="connsiteY12" fmla="*/ 209550 h 571500"/>
-                <a:gd name="connsiteX13" fmla="*/ 171450 w 228600"/>
-                <a:gd name="connsiteY13" fmla="*/ 209550 h 571500"/>
-                <a:gd name="connsiteX14" fmla="*/ 171450 w 228600"/>
-                <a:gd name="connsiteY14" fmla="*/ 247650 h 571500"/>
-                <a:gd name="connsiteX15" fmla="*/ 171450 w 228600"/>
-                <a:gd name="connsiteY15" fmla="*/ 323850 h 571500"/>
-                <a:gd name="connsiteX16" fmla="*/ 133350 w 228600"/>
-                <a:gd name="connsiteY16" fmla="*/ 323850 h 571500"/>
-                <a:gd name="connsiteX17" fmla="*/ 133350 w 228600"/>
-                <a:gd name="connsiteY17" fmla="*/ 285750 h 571500"/>
-                <a:gd name="connsiteX18" fmla="*/ 171450 w 228600"/>
-                <a:gd name="connsiteY18" fmla="*/ 285750 h 571500"/>
-                <a:gd name="connsiteX19" fmla="*/ 171450 w 228600"/>
-                <a:gd name="connsiteY19" fmla="*/ 323850 h 571500"/>
-                <a:gd name="connsiteX20" fmla="*/ 171450 w 228600"/>
-                <a:gd name="connsiteY20" fmla="*/ 400050 h 571500"/>
-                <a:gd name="connsiteX21" fmla="*/ 133350 w 228600"/>
-                <a:gd name="connsiteY21" fmla="*/ 400050 h 571500"/>
-                <a:gd name="connsiteX22" fmla="*/ 133350 w 228600"/>
-                <a:gd name="connsiteY22" fmla="*/ 361950 h 571500"/>
-                <a:gd name="connsiteX23" fmla="*/ 171450 w 228600"/>
-                <a:gd name="connsiteY23" fmla="*/ 361950 h 571500"/>
-                <a:gd name="connsiteX24" fmla="*/ 171450 w 228600"/>
-                <a:gd name="connsiteY24" fmla="*/ 400050 h 571500"/>
-                <a:gd name="connsiteX25" fmla="*/ 171450 w 228600"/>
-                <a:gd name="connsiteY25" fmla="*/ 476250 h 571500"/>
-                <a:gd name="connsiteX26" fmla="*/ 133350 w 228600"/>
-                <a:gd name="connsiteY26" fmla="*/ 476250 h 571500"/>
-                <a:gd name="connsiteX27" fmla="*/ 133350 w 228600"/>
-                <a:gd name="connsiteY27" fmla="*/ 438150 h 571500"/>
-                <a:gd name="connsiteX28" fmla="*/ 171450 w 228600"/>
-                <a:gd name="connsiteY28" fmla="*/ 438150 h 571500"/>
-                <a:gd name="connsiteX29" fmla="*/ 171450 w 228600"/>
-                <a:gd name="connsiteY29" fmla="*/ 476250 h 571500"/>
-                <a:gd name="connsiteX30" fmla="*/ 95250 w 228600"/>
-                <a:gd name="connsiteY30" fmla="*/ 104775 h 571500"/>
-                <a:gd name="connsiteX31" fmla="*/ 57150 w 228600"/>
-                <a:gd name="connsiteY31" fmla="*/ 104775 h 571500"/>
-                <a:gd name="connsiteX32" fmla="*/ 57150 w 228600"/>
-                <a:gd name="connsiteY32" fmla="*/ 66675 h 571500"/>
-                <a:gd name="connsiteX33" fmla="*/ 95250 w 228600"/>
-                <a:gd name="connsiteY33" fmla="*/ 66675 h 571500"/>
-                <a:gd name="connsiteX34" fmla="*/ 95250 w 228600"/>
-                <a:gd name="connsiteY34" fmla="*/ 104775 h 571500"/>
-                <a:gd name="connsiteX35" fmla="*/ 95250 w 228600"/>
-                <a:gd name="connsiteY35" fmla="*/ 171450 h 571500"/>
-                <a:gd name="connsiteX36" fmla="*/ 57150 w 228600"/>
-                <a:gd name="connsiteY36" fmla="*/ 171450 h 571500"/>
-                <a:gd name="connsiteX37" fmla="*/ 57150 w 228600"/>
-                <a:gd name="connsiteY37" fmla="*/ 133350 h 571500"/>
-                <a:gd name="connsiteX38" fmla="*/ 95250 w 228600"/>
-                <a:gd name="connsiteY38" fmla="*/ 133350 h 571500"/>
-                <a:gd name="connsiteX39" fmla="*/ 95250 w 228600"/>
-                <a:gd name="connsiteY39" fmla="*/ 171450 h 571500"/>
-                <a:gd name="connsiteX40" fmla="*/ 95250 w 228600"/>
-                <a:gd name="connsiteY40" fmla="*/ 247650 h 571500"/>
-                <a:gd name="connsiteX41" fmla="*/ 57150 w 228600"/>
-                <a:gd name="connsiteY41" fmla="*/ 247650 h 571500"/>
-                <a:gd name="connsiteX42" fmla="*/ 57150 w 228600"/>
-                <a:gd name="connsiteY42" fmla="*/ 209550 h 571500"/>
-                <a:gd name="connsiteX43" fmla="*/ 95250 w 228600"/>
-                <a:gd name="connsiteY43" fmla="*/ 209550 h 571500"/>
-                <a:gd name="connsiteX44" fmla="*/ 95250 w 228600"/>
-                <a:gd name="connsiteY44" fmla="*/ 247650 h 571500"/>
-                <a:gd name="connsiteX45" fmla="*/ 95250 w 228600"/>
-                <a:gd name="connsiteY45" fmla="*/ 323850 h 571500"/>
-                <a:gd name="connsiteX46" fmla="*/ 57150 w 228600"/>
-                <a:gd name="connsiteY46" fmla="*/ 323850 h 571500"/>
-                <a:gd name="connsiteX47" fmla="*/ 57150 w 228600"/>
-                <a:gd name="connsiteY47" fmla="*/ 285750 h 571500"/>
-                <a:gd name="connsiteX48" fmla="*/ 95250 w 228600"/>
-                <a:gd name="connsiteY48" fmla="*/ 285750 h 571500"/>
-                <a:gd name="connsiteX49" fmla="*/ 95250 w 228600"/>
-                <a:gd name="connsiteY49" fmla="*/ 323850 h 571500"/>
-                <a:gd name="connsiteX50" fmla="*/ 95250 w 228600"/>
-                <a:gd name="connsiteY50" fmla="*/ 400050 h 571500"/>
-                <a:gd name="connsiteX51" fmla="*/ 57150 w 228600"/>
-                <a:gd name="connsiteY51" fmla="*/ 400050 h 571500"/>
-                <a:gd name="connsiteX52" fmla="*/ 57150 w 228600"/>
-                <a:gd name="connsiteY52" fmla="*/ 361950 h 571500"/>
-                <a:gd name="connsiteX53" fmla="*/ 95250 w 228600"/>
-                <a:gd name="connsiteY53" fmla="*/ 361950 h 571500"/>
-                <a:gd name="connsiteX54" fmla="*/ 95250 w 228600"/>
-                <a:gd name="connsiteY54" fmla="*/ 400050 h 571500"/>
-                <a:gd name="connsiteX55" fmla="*/ 95250 w 228600"/>
-                <a:gd name="connsiteY55" fmla="*/ 476250 h 571500"/>
-                <a:gd name="connsiteX56" fmla="*/ 57150 w 228600"/>
-                <a:gd name="connsiteY56" fmla="*/ 476250 h 571500"/>
-                <a:gd name="connsiteX57" fmla="*/ 57150 w 228600"/>
-                <a:gd name="connsiteY57" fmla="*/ 438150 h 571500"/>
-                <a:gd name="connsiteX58" fmla="*/ 95250 w 228600"/>
-                <a:gd name="connsiteY58" fmla="*/ 438150 h 571500"/>
-                <a:gd name="connsiteX59" fmla="*/ 95250 w 228600"/>
-                <a:gd name="connsiteY59" fmla="*/ 476250 h 571500"/>
-                <a:gd name="connsiteX60" fmla="*/ 0 w 228600"/>
-                <a:gd name="connsiteY60" fmla="*/ 0 h 571500"/>
-                <a:gd name="connsiteX61" fmla="*/ 0 w 228600"/>
-                <a:gd name="connsiteY61" fmla="*/ 571500 h 571500"/>
-                <a:gd name="connsiteX62" fmla="*/ 95250 w 228600"/>
-                <a:gd name="connsiteY62" fmla="*/ 571500 h 571500"/>
-                <a:gd name="connsiteX63" fmla="*/ 95250 w 228600"/>
-                <a:gd name="connsiteY63" fmla="*/ 514350 h 571500"/>
-                <a:gd name="connsiteX64" fmla="*/ 133350 w 228600"/>
-                <a:gd name="connsiteY64" fmla="*/ 514350 h 571500"/>
-                <a:gd name="connsiteX65" fmla="*/ 133350 w 228600"/>
-                <a:gd name="connsiteY65" fmla="*/ 571500 h 571500"/>
-                <a:gd name="connsiteX66" fmla="*/ 228600 w 228600"/>
-                <a:gd name="connsiteY66" fmla="*/ 571500 h 571500"/>
-                <a:gd name="connsiteX67" fmla="*/ 228600 w 228600"/>
-                <a:gd name="connsiteY67" fmla="*/ 28575 h 571500"/>
-                <a:gd name="connsiteX68" fmla="*/ 0 w 228600"/>
-                <a:gd name="connsiteY68" fmla="*/ 0 h 571500"/>
-              </a:gdLst>
-              <a:ahLst/>
-              <a:cxnLst>
-                <a:cxn ang="0">
-                  <a:pos x="connsiteX0" y="connsiteY0"/>
-                </a:cxn>
-                <a:cxn ang="0">
-                  <a:pos x="connsiteX1" y="connsiteY1"/>
-                </a:cxn>
-                <a:cxn ang="0">
-                  <a:pos x="connsiteX2" y="connsiteY2"/>
-                </a:cxn>
-                <a:cxn ang="0">
-                  <a:pos x="connsiteX3" y="connsiteY3"/>
-                </a:cxn>
-                <a:cxn ang="0">
-                  <a:pos x="connsiteX4" y="connsiteY4"/>
-                </a:cxn>
-                <a:cxn ang="0">
-                  <a:pos x="connsiteX5" y="connsiteY5"/>
-                </a:cxn>
-                <a:cxn ang="0">
-                  <a:pos x="connsiteX6" y="connsiteY6"/>
-                </a:cxn>
-                <a:cxn ang="0">
-                  <a:pos x="connsiteX7" y="connsiteY7"/>
-                </a:cxn>
-                <a:cxn ang="0">
-                  <a:pos x="connsiteX8" y="connsiteY8"/>
-                </a:cxn>
-                <a:cxn ang="0">
-                  <a:pos x="connsiteX9" y="connsiteY9"/>
-                </a:cxn>
-                <a:cxn ang="0">
-                  <a:pos x="connsiteX10" y="connsiteY10"/>
-                </a:cxn>
-                <a:cxn ang="0">
-                  <a:pos x="connsiteX11" y="connsiteY11"/>
-                </a:cxn>
-                <a:cxn ang="0">
-                  <a:pos x="connsiteX12" y="connsiteY12"/>
-                </a:cxn>
-                <a:cxn ang="0">
-                  <a:pos x="connsiteX13" y="connsiteY13"/>
-                </a:cxn>
-                <a:cxn ang="0">
-                  <a:pos x="connsiteX14" y="connsiteY14"/>
-                </a:cxn>
-                <a:cxn ang="0">
-                  <a:pos x="connsiteX15" y="connsiteY15"/>
-                </a:cxn>
-                <a:cxn ang="0">
-                  <a:pos x="connsiteX16" y="connsiteY16"/>
-                </a:cxn>
-                <a:cxn ang="0">
-                  <a:pos x="connsiteX17" y="connsiteY17"/>
-                </a:cxn>
-                <a:cxn ang="0">
-                  <a:pos x="connsiteX18" y="connsiteY18"/>
-                </a:cxn>
-                <a:cxn ang="0">
-                  <a:pos x="connsiteX19" y="connsiteY19"/>
-                </a:cxn>
-                <a:cxn ang="0">
-                  <a:pos x="connsiteX20" y="connsiteY20"/>
-                </a:cxn>
-                <a:cxn ang="0">
-                  <a:pos x="connsiteX21" y="connsiteY21"/>
-                </a:cxn>
-                <a:cxn ang="0">
-                  <a:pos x="connsiteX22" y="connsiteY22"/>
-                </a:cxn>
-                <a:cxn ang="0">
-                  <a:pos x="connsiteX23" y="connsiteY23"/>
-                </a:cxn>
-                <a:cxn ang="0">
-                  <a:pos x="connsiteX24" y="connsiteY24"/>
-                </a:cxn>
-                <a:cxn ang="0">
-                  <a:pos x="connsiteX25" y="connsiteY25"/>
-                </a:cxn>
-                <a:cxn ang="0">
-                  <a:pos x="connsiteX26" y="connsiteY26"/>
-                </a:cxn>
-                <a:cxn ang="0">
-                  <a:pos x="connsiteX27" y="connsiteY27"/>
-                </a:cxn>
-                <a:cxn ang="0">
-                  <a:pos x="connsiteX28" y="connsiteY28"/>
-                </a:cxn>
-                <a:cxn ang="0">
-                  <a:pos x="connsiteX29" y="connsiteY29"/>
-                </a:cxn>
-                <a:cxn ang="0">
-                  <a:pos x="connsiteX30" y="connsiteY30"/>
-                </a:cxn>
-                <a:cxn ang="0">
-                  <a:pos x="connsiteX31" y="connsiteY31"/>
-                </a:cxn>
-                <a:cxn ang="0">
-                  <a:pos x="connsiteX32" y="connsiteY32"/>
-                </a:cxn>
-                <a:cxn ang="0">
-                  <a:pos x="connsiteX33" y="connsiteY33"/>
-                </a:cxn>
-                <a:cxn ang="0">
-                  <a:pos x="connsiteX34" y="connsiteY34"/>
-                </a:cxn>
-                <a:cxn ang="0">
-                  <a:pos x="connsiteX35" y="connsiteY35"/>
-                </a:cxn>
-                <a:cxn ang="0">
-                  <a:pos x="connsiteX36" y="connsiteY36"/>
-                </a:cxn>
-                <a:cxn ang="0">
-                  <a:pos x="connsiteX37" y="connsiteY37"/>
-                </a:cxn>
-                <a:cxn ang="0">
-                  <a:pos x="connsiteX38" y="connsiteY38"/>
-                </a:cxn>
-                <a:cxn ang="0">
-                  <a:pos x="connsiteX39" y="connsiteY39"/>
-                </a:cxn>
-                <a:cxn ang="0">
-                  <a:pos x="connsiteX40" y="connsiteY40"/>
-                </a:cxn>
-                <a:cxn ang="0">
-                  <a:pos x="connsiteX41" y="connsiteY41"/>
-                </a:cxn>
-                <a:cxn ang="0">
-                  <a:pos x="connsiteX42" y="connsiteY42"/>
-                </a:cxn>
-                <a:cxn ang="0">
-                  <a:pos x="connsiteX43" y="connsiteY43"/>
-                </a:cxn>
-                <a:cxn ang="0">
-                  <a:pos x="connsiteX44" y="connsiteY44"/>
-                </a:cxn>
-                <a:cxn ang="0">
-                  <a:pos x="connsiteX45" y="connsiteY45"/>
-                </a:cxn>
-                <a:cxn ang="0">
-                  <a:pos x="connsiteX46" y="connsiteY46"/>
-                </a:cxn>
-                <a:cxn ang="0">
-                  <a:pos x="connsiteX47" y="connsiteY47"/>
-                </a:cxn>
-                <a:cxn ang="0">
-                  <a:pos x="connsiteX48" y="connsiteY48"/>
-                </a:cxn>
-                <a:cxn ang="0">
-                  <a:pos x="connsiteX49" y="connsiteY49"/>
-                </a:cxn>
-                <a:cxn ang="0">
-                  <a:pos x="connsiteX50" y="connsiteY50"/>
-                </a:cxn>
-                <a:cxn ang="0">
-                  <a:pos x="connsiteX51" y="connsiteY51"/>
-                </a:cxn>
-                <a:cxn ang="0">
-                  <a:pos x="connsiteX52" y="connsiteY52"/>
-                </a:cxn>
-                <a:cxn ang="0">
-                  <a:pos x="connsiteX53" y="connsiteY53"/>
-                </a:cxn>
-                <a:cxn ang="0">
-                  <a:pos x="connsiteX54" y="connsiteY54"/>
-                </a:cxn>
-                <a:cxn ang="0">
-                  <a:pos x="connsiteX55" y="connsiteY55"/>
-                </a:cxn>
-                <a:cxn ang="0">
-                  <a:pos x="connsiteX56" y="connsiteY56"/>
-                </a:cxn>
-                <a:cxn ang="0">
-                  <a:pos x="connsiteX57" y="connsiteY57"/>
-                </a:cxn>
-                <a:cxn ang="0">
-                  <a:pos x="connsiteX58" y="connsiteY58"/>
-                </a:cxn>
-                <a:cxn ang="0">
-                  <a:pos x="connsiteX59" y="connsiteY59"/>
-                </a:cxn>
-                <a:cxn ang="0">
-                  <a:pos x="connsiteX60" y="connsiteY60"/>
-                </a:cxn>
-                <a:cxn ang="0">
-                  <a:pos x="connsiteX61" y="connsiteY61"/>
-                </a:cxn>
-                <a:cxn ang="0">
-                  <a:pos x="connsiteX62" y="connsiteY62"/>
-                </a:cxn>
-                <a:cxn ang="0">
-                  <a:pos x="connsiteX63" y="connsiteY63"/>
-                </a:cxn>
-                <a:cxn ang="0">
-                  <a:pos x="connsiteX64" y="connsiteY64"/>
-                </a:cxn>
-                <a:cxn ang="0">
-                  <a:pos x="connsiteX65" y="connsiteY65"/>
-                </a:cxn>
-                <a:cxn ang="0">
-                  <a:pos x="connsiteX66" y="connsiteY66"/>
-                </a:cxn>
-                <a:cxn ang="0">
-                  <a:pos x="connsiteX67" y="connsiteY67"/>
-                </a:cxn>
-                <a:cxn ang="0">
-                  <a:pos x="connsiteX68" y="connsiteY68"/>
-                </a:cxn>
-              </a:cxnLst>
-              <a:rect l="l" t="t" r="r" b="b"/>
-              <a:pathLst>
-                <a:path w="228600" h="571500">
-                  <a:moveTo>
-                    <a:pt x="171450" y="104775"/>
-                  </a:moveTo>
-                  <a:lnTo>
-                    <a:pt x="133350" y="104775"/>
-                  </a:lnTo>
-                  <a:lnTo>
-                    <a:pt x="133350" y="66675"/>
-                  </a:lnTo>
-                  <a:lnTo>
-                    <a:pt x="171450" y="66675"/>
-                  </a:lnTo>
-                  <a:lnTo>
-                    <a:pt x="171450" y="104775"/>
-                  </a:lnTo>
-                  <a:close/>
-                  <a:moveTo>
-                    <a:pt x="171450" y="171450"/>
-                  </a:moveTo>
-                  <a:lnTo>
-                    <a:pt x="133350" y="171450"/>
-                  </a:lnTo>
-                  <a:lnTo>
-                    <a:pt x="133350" y="133350"/>
-                  </a:lnTo>
-                  <a:lnTo>
-                    <a:pt x="171450" y="133350"/>
-                  </a:lnTo>
-                  <a:lnTo>
-                    <a:pt x="171450" y="171450"/>
-                  </a:lnTo>
-                  <a:close/>
-                  <a:moveTo>
-                    <a:pt x="171450" y="247650"/>
-                  </a:moveTo>
-                  <a:lnTo>
-                    <a:pt x="133350" y="247650"/>
-                  </a:lnTo>
-                  <a:lnTo>
-                    <a:pt x="133350" y="209550"/>
-                  </a:lnTo>
-                  <a:lnTo>
-                    <a:pt x="171450" y="209550"/>
-                  </a:lnTo>
-                  <a:lnTo>
-                    <a:pt x="171450" y="247650"/>
-                  </a:lnTo>
-                  <a:close/>
-                  <a:moveTo>
-                    <a:pt x="171450" y="323850"/>
-                  </a:moveTo>
-                  <a:lnTo>
-                    <a:pt x="133350" y="323850"/>
-                  </a:lnTo>
-                  <a:lnTo>
-                    <a:pt x="133350" y="285750"/>
-                  </a:lnTo>
-                  <a:lnTo>
-                    <a:pt x="171450" y="285750"/>
-                  </a:lnTo>
-                  <a:lnTo>
-                    <a:pt x="171450" y="323850"/>
-                  </a:lnTo>
-                  <a:close/>
-                  <a:moveTo>
-                    <a:pt x="171450" y="400050"/>
-                  </a:moveTo>
-                  <a:lnTo>
-                    <a:pt x="133350" y="400050"/>
-                  </a:lnTo>
-                  <a:lnTo>
-                    <a:pt x="133350" y="361950"/>
-                  </a:lnTo>
-                  <a:lnTo>
-                    <a:pt x="171450" y="361950"/>
-                  </a:lnTo>
-                  <a:lnTo>
-                    <a:pt x="171450" y="400050"/>
-                  </a:lnTo>
-                  <a:close/>
-                  <a:moveTo>
-                    <a:pt x="171450" y="476250"/>
-                  </a:moveTo>
-                  <a:lnTo>
-                    <a:pt x="133350" y="476250"/>
-                  </a:lnTo>
-                  <a:lnTo>
-                    <a:pt x="133350" y="438150"/>
-                  </a:lnTo>
-                  <a:lnTo>
-                    <a:pt x="171450" y="438150"/>
-                  </a:lnTo>
-                  <a:lnTo>
-                    <a:pt x="171450" y="476250"/>
-                  </a:lnTo>
-                  <a:close/>
-                  <a:moveTo>
-                    <a:pt x="95250" y="104775"/>
-                  </a:moveTo>
-                  <a:lnTo>
-                    <a:pt x="57150" y="104775"/>
-                  </a:lnTo>
-                  <a:lnTo>
-                    <a:pt x="57150" y="66675"/>
-                  </a:lnTo>
-                  <a:lnTo>
-                    <a:pt x="95250" y="66675"/>
-                  </a:lnTo>
-                  <a:lnTo>
-                    <a:pt x="95250" y="104775"/>
-                  </a:lnTo>
-                  <a:close/>
-                  <a:moveTo>
-                    <a:pt x="95250" y="171450"/>
-                  </a:moveTo>
-                  <a:lnTo>
-                    <a:pt x="57150" y="171450"/>
-                  </a:lnTo>
-                  <a:lnTo>
-                    <a:pt x="57150" y="133350"/>
-                  </a:lnTo>
-                  <a:lnTo>
-                    <a:pt x="95250" y="133350"/>
-                  </a:lnTo>
-                  <a:lnTo>
-                    <a:pt x="95250" y="171450"/>
-                  </a:lnTo>
-                  <a:close/>
-                  <a:moveTo>
-                    <a:pt x="95250" y="247650"/>
-                  </a:moveTo>
-                  <a:lnTo>
-                    <a:pt x="57150" y="247650"/>
-                  </a:lnTo>
-                  <a:lnTo>
-                    <a:pt x="57150" y="209550"/>
-                  </a:lnTo>
-                  <a:lnTo>
-                    <a:pt x="95250" y="209550"/>
-                  </a:lnTo>
-                  <a:lnTo>
-                    <a:pt x="95250" y="247650"/>
-                  </a:lnTo>
-                  <a:close/>
-                  <a:moveTo>
-                    <a:pt x="95250" y="323850"/>
-                  </a:moveTo>
-                  <a:lnTo>
-                    <a:pt x="57150" y="323850"/>
-                  </a:lnTo>
-                  <a:lnTo>
-                    <a:pt x="57150" y="285750"/>
-                  </a:lnTo>
-                  <a:lnTo>
-                    <a:pt x="95250" y="285750"/>
-                  </a:lnTo>
-                  <a:lnTo>
-                    <a:pt x="95250" y="323850"/>
-                  </a:lnTo>
-                  <a:close/>
-                  <a:moveTo>
-                    <a:pt x="95250" y="400050"/>
-                  </a:moveTo>
-                  <a:lnTo>
-                    <a:pt x="57150" y="400050"/>
-                  </a:lnTo>
-                  <a:lnTo>
-                    <a:pt x="57150" y="361950"/>
-                  </a:lnTo>
-                  <a:lnTo>
-                    <a:pt x="95250" y="361950"/>
-                  </a:lnTo>
-                  <a:lnTo>
-                    <a:pt x="95250" y="400050"/>
-                  </a:lnTo>
-                  <a:close/>
-                  <a:moveTo>
-                    <a:pt x="95250" y="476250"/>
-                  </a:moveTo>
-                  <a:lnTo>
-                    <a:pt x="57150" y="476250"/>
-                  </a:lnTo>
-                  <a:lnTo>
-                    <a:pt x="57150" y="438150"/>
-                  </a:lnTo>
-                  <a:lnTo>
-                    <a:pt x="95250" y="438150"/>
-                  </a:lnTo>
-                  <a:lnTo>
-                    <a:pt x="95250" y="476250"/>
-                  </a:lnTo>
-                  <a:close/>
-                  <a:moveTo>
-                    <a:pt x="0" y="0"/>
-                  </a:moveTo>
-                  <a:lnTo>
-                    <a:pt x="0" y="571500"/>
-                  </a:lnTo>
-                  <a:lnTo>
-                    <a:pt x="95250" y="571500"/>
-                  </a:lnTo>
-                  <a:lnTo>
-                    <a:pt x="95250" y="514350"/>
-                  </a:lnTo>
-                  <a:lnTo>
-                    <a:pt x="133350" y="514350"/>
-                  </a:lnTo>
-                  <a:lnTo>
-                    <a:pt x="133350" y="571500"/>
-                  </a:lnTo>
-                  <a:lnTo>
-                    <a:pt x="228600" y="571500"/>
-                  </a:lnTo>
-                  <a:lnTo>
-                    <a:pt x="228600" y="28575"/>
-                  </a:lnTo>
-                  <a:lnTo>
-                    <a:pt x="0" y="0"/>
-                  </a:lnTo>
-                  <a:close/>
-                </a:path>
-              </a:pathLst>
-            </a:custGeom>
-            <a:solidFill>
-              <a:schemeClr val="bg1"/>
-            </a:solidFill>
-            <a:ln w="9525" cap="flat">
-              <a:noFill/>
-              <a:prstDash val="solid"/>
-              <a:miter/>
-            </a:ln>
-          </p:spPr>
-          <p:txBody>
-            <a:bodyPr rtlCol="0" anchor="ctr"/>
-            <a:lstStyle/>
-            <a:p>
-              <a:endParaRPr lang="en-NL"/>
-            </a:p>
-          </p:txBody>
-        </p:sp>
-      </p:grpSp>
-      <p:grpSp>
-        <p:nvGrpSpPr>
-          <p:cNvPr id="33" name="Group 32">
-            <a:extLst>
-              <a:ext uri="{FF2B5EF4-FFF2-40B4-BE49-F238E27FC236}">
-                <a16:creationId xmlns:a16="http://schemas.microsoft.com/office/drawing/2014/main" id="{A094D5CB-3C78-6B07-3A3B-8C14C3A2BD93}"/>
-              </a:ext>
-            </a:extLst>
-          </p:cNvPr>
-          <p:cNvGrpSpPr/>
-          <p:nvPr/>
-        </p:nvGrpSpPr>
-        <p:grpSpPr>
-          <a:xfrm>
-            <a:off x="633000" y="4869000"/>
-            <a:ext cx="1440000" cy="1440000"/>
-            <a:chOff x="633000" y="4869000"/>
-            <a:chExt cx="1440000" cy="1440000"/>
-          </a:xfrm>
-        </p:grpSpPr>
-        <p:sp>
-          <p:nvSpPr>
-            <p:cNvPr id="29" name="Rectangle 28">
-              <a:extLst>
-                <a:ext uri="{FF2B5EF4-FFF2-40B4-BE49-F238E27FC236}">
-                  <a16:creationId xmlns:a16="http://schemas.microsoft.com/office/drawing/2014/main" id="{0E482E19-A7B6-9BF2-BD78-FD90015754D5}"/>
-                </a:ext>
-              </a:extLst>
-            </p:cNvPr>
-            <p:cNvSpPr/>
-            <p:nvPr/>
-          </p:nvSpPr>
-          <p:spPr>
-            <a:xfrm>
-              <a:off x="633000" y="4869000"/>
+              <a:off x="2073000" y="3429000"/>
               <a:ext cx="1440000" cy="1440000"/>
             </a:xfrm>
             <a:prstGeom prst="rect">
@@ -19814,66 +23497,402 @@
             <a:lstStyle/>
             <a:p>
               <a:pPr algn="ctr"/>
-              <a:endParaRPr lang="en-GB" sz="1600" b="1" dirty="0"/>
+              <a:endParaRPr lang="en-GB" sz="1300" b="1" dirty="0">
+                <a:latin typeface="Rubik" pitchFamily="2" charset="-79"/>
+                <a:cs typeface="Rubik" pitchFamily="2" charset="-79"/>
+              </a:endParaRPr>
             </a:p>
             <a:p>
               <a:pPr algn="ctr"/>
-              <a:endParaRPr lang="en-GB" sz="1600" b="1" dirty="0"/>
+              <a:endParaRPr lang="en-GB" sz="1300" b="1" dirty="0">
+                <a:latin typeface="Rubik" pitchFamily="2" charset="-79"/>
+                <a:cs typeface="Rubik" pitchFamily="2" charset="-79"/>
+              </a:endParaRPr>
             </a:p>
             <a:p>
               <a:pPr algn="ctr"/>
-              <a:endParaRPr lang="en-GB" sz="1600" b="1" dirty="0"/>
+              <a:endParaRPr lang="en-GB" sz="1300" b="1" dirty="0">
+                <a:latin typeface="Rubik" pitchFamily="2" charset="-79"/>
+                <a:cs typeface="Rubik" pitchFamily="2" charset="-79"/>
+              </a:endParaRPr>
             </a:p>
             <a:p>
               <a:pPr algn="ctr"/>
-              <a:endParaRPr lang="en-GB" sz="1600" b="1" dirty="0"/>
+              <a:endParaRPr lang="en-GB" sz="1300" b="1" dirty="0">
+                <a:latin typeface="Rubik" pitchFamily="2" charset="-79"/>
+                <a:cs typeface="Rubik" pitchFamily="2" charset="-79"/>
+              </a:endParaRPr>
+            </a:p>
+            <a:p>
+              <a:pPr algn="ctr"/>
+              <a:endParaRPr lang="en-GB" sz="1300" b="1" dirty="0">
+                <a:latin typeface="Rubik" pitchFamily="2" charset="-79"/>
+                <a:cs typeface="Rubik" pitchFamily="2" charset="-79"/>
+              </a:endParaRPr>
             </a:p>
             <a:p>
               <a:pPr algn="ctr"/>
               <a:r>
-                <a:rPr lang="en-GB" sz="1600" b="1" dirty="0"/>
-                <a:t>Bridge</a:t>
+                <a:rPr lang="en-GB" sz="1300" b="1" dirty="0">
+                  <a:latin typeface="Rubik" pitchFamily="2" charset="-79"/>
+                  <a:cs typeface="Rubik" pitchFamily="2" charset="-79"/>
+                </a:rPr>
+                <a:t>STRUCTURE</a:t>
               </a:r>
-              <a:endParaRPr lang="en-NL" sz="1600" b="1" dirty="0"/>
+              <a:endParaRPr lang="en-NL" sz="1300" b="1" dirty="0">
+                <a:latin typeface="Rubik" pitchFamily="2" charset="-79"/>
+                <a:cs typeface="Rubik" pitchFamily="2" charset="-79"/>
+              </a:endParaRPr>
             </a:p>
           </p:txBody>
         </p:sp>
-        <p:pic>
-          <p:nvPicPr>
-            <p:cNvPr id="28" name="Graphic 27" descr="Bridge scene with solid fill">
+        <p:sp>
+          <p:nvSpPr>
+            <p:cNvPr id="96" name="Graphic 94" descr="Windmill with solid fill">
               <a:extLst>
                 <a:ext uri="{FF2B5EF4-FFF2-40B4-BE49-F238E27FC236}">
-                  <a16:creationId xmlns:a16="http://schemas.microsoft.com/office/drawing/2014/main" id="{CF460D7C-587B-859C-7A56-644BBD9A4781}"/>
+                  <a16:creationId xmlns:a16="http://schemas.microsoft.com/office/drawing/2014/main" id="{E3ABED91-2989-156B-E124-3D07E04FB05F}"/>
                 </a:ext>
               </a:extLst>
             </p:cNvPr>
-            <p:cNvPicPr>
-              <a:picLocks noChangeAspect="1"/>
-            </p:cNvPicPr>
+            <p:cNvSpPr/>
             <p:nvPr/>
-          </p:nvPicPr>
-          <p:blipFill>
-            <a:blip r:embed="rId7">
-              <a:extLst>
-                <a:ext uri="{96DAC541-7B7A-43D3-8B79-37D633B846F1}">
-                  <asvg:svgBlip xmlns:asvg="http://schemas.microsoft.com/office/drawing/2016/SVG/main" r:embed="rId8"/>
-                </a:ext>
-              </a:extLst>
-            </a:blip>
-            <a:stretch>
-              <a:fillRect/>
-            </a:stretch>
-          </p:blipFill>
+          </p:nvSpPr>
           <p:spPr>
             <a:xfrm>
-              <a:off x="921000" y="5013000"/>
-              <a:ext cx="864000" cy="864000"/>
+              <a:off x="2447644" y="3582041"/>
+              <a:ext cx="685800" cy="853439"/>
             </a:xfrm>
-            <a:prstGeom prst="rect">
+            <a:custGeom>
               <a:avLst/>
-            </a:prstGeom>
+              <a:gdLst>
+                <a:gd name="connsiteX0" fmla="*/ 400050 w 685800"/>
+                <a:gd name="connsiteY0" fmla="*/ 796290 h 853439"/>
+                <a:gd name="connsiteX1" fmla="*/ 285750 w 685800"/>
+                <a:gd name="connsiteY1" fmla="*/ 796290 h 853439"/>
+                <a:gd name="connsiteX2" fmla="*/ 285750 w 685800"/>
+                <a:gd name="connsiteY2" fmla="*/ 664845 h 853439"/>
+                <a:gd name="connsiteX3" fmla="*/ 342900 w 685800"/>
+                <a:gd name="connsiteY3" fmla="*/ 607695 h 853439"/>
+                <a:gd name="connsiteX4" fmla="*/ 400050 w 685800"/>
+                <a:gd name="connsiteY4" fmla="*/ 664845 h 853439"/>
+                <a:gd name="connsiteX5" fmla="*/ 400050 w 685800"/>
+                <a:gd name="connsiteY5" fmla="*/ 796290 h 853439"/>
+                <a:gd name="connsiteX6" fmla="*/ 342900 w 685800"/>
+                <a:gd name="connsiteY6" fmla="*/ 291465 h 853439"/>
+                <a:gd name="connsiteX7" fmla="*/ 390525 w 685800"/>
+                <a:gd name="connsiteY7" fmla="*/ 339090 h 853439"/>
+                <a:gd name="connsiteX8" fmla="*/ 342900 w 685800"/>
+                <a:gd name="connsiteY8" fmla="*/ 386715 h 853439"/>
+                <a:gd name="connsiteX9" fmla="*/ 295275 w 685800"/>
+                <a:gd name="connsiteY9" fmla="*/ 339090 h 853439"/>
+                <a:gd name="connsiteX10" fmla="*/ 342900 w 685800"/>
+                <a:gd name="connsiteY10" fmla="*/ 291465 h 853439"/>
+                <a:gd name="connsiteX11" fmla="*/ 480060 w 685800"/>
+                <a:gd name="connsiteY11" fmla="*/ 255270 h 853439"/>
+                <a:gd name="connsiteX12" fmla="*/ 685800 w 685800"/>
+                <a:gd name="connsiteY12" fmla="*/ 81915 h 853439"/>
+                <a:gd name="connsiteX13" fmla="*/ 603885 w 685800"/>
+                <a:gd name="connsiteY13" fmla="*/ 0 h 853439"/>
+                <a:gd name="connsiteX14" fmla="*/ 449580 w 685800"/>
+                <a:gd name="connsiteY14" fmla="*/ 182880 h 853439"/>
+                <a:gd name="connsiteX15" fmla="*/ 342900 w 685800"/>
+                <a:gd name="connsiteY15" fmla="*/ 53340 h 853439"/>
+                <a:gd name="connsiteX16" fmla="*/ 236220 w 685800"/>
+                <a:gd name="connsiteY16" fmla="*/ 182880 h 853439"/>
+                <a:gd name="connsiteX17" fmla="*/ 81915 w 685800"/>
+                <a:gd name="connsiteY17" fmla="*/ 0 h 853439"/>
+                <a:gd name="connsiteX18" fmla="*/ 0 w 685800"/>
+                <a:gd name="connsiteY18" fmla="*/ 81915 h 853439"/>
+                <a:gd name="connsiteX19" fmla="*/ 205740 w 685800"/>
+                <a:gd name="connsiteY19" fmla="*/ 255270 h 853439"/>
+                <a:gd name="connsiteX20" fmla="*/ 187643 w 685800"/>
+                <a:gd name="connsiteY20" fmla="*/ 441008 h 853439"/>
+                <a:gd name="connsiteX21" fmla="*/ 0 w 685800"/>
+                <a:gd name="connsiteY21" fmla="*/ 600075 h 853439"/>
+                <a:gd name="connsiteX22" fmla="*/ 81915 w 685800"/>
+                <a:gd name="connsiteY22" fmla="*/ 681990 h 853439"/>
+                <a:gd name="connsiteX23" fmla="*/ 174308 w 685800"/>
+                <a:gd name="connsiteY23" fmla="*/ 572453 h 853439"/>
+                <a:gd name="connsiteX24" fmla="*/ 152400 w 685800"/>
+                <a:gd name="connsiteY24" fmla="*/ 796290 h 853439"/>
+                <a:gd name="connsiteX25" fmla="*/ 114300 w 685800"/>
+                <a:gd name="connsiteY25" fmla="*/ 796290 h 853439"/>
+                <a:gd name="connsiteX26" fmla="*/ 114300 w 685800"/>
+                <a:gd name="connsiteY26" fmla="*/ 853440 h 853439"/>
+                <a:gd name="connsiteX27" fmla="*/ 571500 w 685800"/>
+                <a:gd name="connsiteY27" fmla="*/ 853440 h 853439"/>
+                <a:gd name="connsiteX28" fmla="*/ 571500 w 685800"/>
+                <a:gd name="connsiteY28" fmla="*/ 796290 h 853439"/>
+                <a:gd name="connsiteX29" fmla="*/ 533400 w 685800"/>
+                <a:gd name="connsiteY29" fmla="*/ 796290 h 853439"/>
+                <a:gd name="connsiteX30" fmla="*/ 511492 w 685800"/>
+                <a:gd name="connsiteY30" fmla="*/ 572453 h 853439"/>
+                <a:gd name="connsiteX31" fmla="*/ 603885 w 685800"/>
+                <a:gd name="connsiteY31" fmla="*/ 681990 h 853439"/>
+                <a:gd name="connsiteX32" fmla="*/ 685800 w 685800"/>
+                <a:gd name="connsiteY32" fmla="*/ 600075 h 853439"/>
+                <a:gd name="connsiteX33" fmla="*/ 498158 w 685800"/>
+                <a:gd name="connsiteY33" fmla="*/ 441960 h 853439"/>
+                <a:gd name="connsiteX34" fmla="*/ 480060 w 685800"/>
+                <a:gd name="connsiteY34" fmla="*/ 255270 h 853439"/>
+              </a:gdLst>
+              <a:ahLst/>
+              <a:cxnLst>
+                <a:cxn ang="0">
+                  <a:pos x="connsiteX0" y="connsiteY0"/>
+                </a:cxn>
+                <a:cxn ang="0">
+                  <a:pos x="connsiteX1" y="connsiteY1"/>
+                </a:cxn>
+                <a:cxn ang="0">
+                  <a:pos x="connsiteX2" y="connsiteY2"/>
+                </a:cxn>
+                <a:cxn ang="0">
+                  <a:pos x="connsiteX3" y="connsiteY3"/>
+                </a:cxn>
+                <a:cxn ang="0">
+                  <a:pos x="connsiteX4" y="connsiteY4"/>
+                </a:cxn>
+                <a:cxn ang="0">
+                  <a:pos x="connsiteX5" y="connsiteY5"/>
+                </a:cxn>
+                <a:cxn ang="0">
+                  <a:pos x="connsiteX6" y="connsiteY6"/>
+                </a:cxn>
+                <a:cxn ang="0">
+                  <a:pos x="connsiteX7" y="connsiteY7"/>
+                </a:cxn>
+                <a:cxn ang="0">
+                  <a:pos x="connsiteX8" y="connsiteY8"/>
+                </a:cxn>
+                <a:cxn ang="0">
+                  <a:pos x="connsiteX9" y="connsiteY9"/>
+                </a:cxn>
+                <a:cxn ang="0">
+                  <a:pos x="connsiteX10" y="connsiteY10"/>
+                </a:cxn>
+                <a:cxn ang="0">
+                  <a:pos x="connsiteX11" y="connsiteY11"/>
+                </a:cxn>
+                <a:cxn ang="0">
+                  <a:pos x="connsiteX12" y="connsiteY12"/>
+                </a:cxn>
+                <a:cxn ang="0">
+                  <a:pos x="connsiteX13" y="connsiteY13"/>
+                </a:cxn>
+                <a:cxn ang="0">
+                  <a:pos x="connsiteX14" y="connsiteY14"/>
+                </a:cxn>
+                <a:cxn ang="0">
+                  <a:pos x="connsiteX15" y="connsiteY15"/>
+                </a:cxn>
+                <a:cxn ang="0">
+                  <a:pos x="connsiteX16" y="connsiteY16"/>
+                </a:cxn>
+                <a:cxn ang="0">
+                  <a:pos x="connsiteX17" y="connsiteY17"/>
+                </a:cxn>
+                <a:cxn ang="0">
+                  <a:pos x="connsiteX18" y="connsiteY18"/>
+                </a:cxn>
+                <a:cxn ang="0">
+                  <a:pos x="connsiteX19" y="connsiteY19"/>
+                </a:cxn>
+                <a:cxn ang="0">
+                  <a:pos x="connsiteX20" y="connsiteY20"/>
+                </a:cxn>
+                <a:cxn ang="0">
+                  <a:pos x="connsiteX21" y="connsiteY21"/>
+                </a:cxn>
+                <a:cxn ang="0">
+                  <a:pos x="connsiteX22" y="connsiteY22"/>
+                </a:cxn>
+                <a:cxn ang="0">
+                  <a:pos x="connsiteX23" y="connsiteY23"/>
+                </a:cxn>
+                <a:cxn ang="0">
+                  <a:pos x="connsiteX24" y="connsiteY24"/>
+                </a:cxn>
+                <a:cxn ang="0">
+                  <a:pos x="connsiteX25" y="connsiteY25"/>
+                </a:cxn>
+                <a:cxn ang="0">
+                  <a:pos x="connsiteX26" y="connsiteY26"/>
+                </a:cxn>
+                <a:cxn ang="0">
+                  <a:pos x="connsiteX27" y="connsiteY27"/>
+                </a:cxn>
+                <a:cxn ang="0">
+                  <a:pos x="connsiteX28" y="connsiteY28"/>
+                </a:cxn>
+                <a:cxn ang="0">
+                  <a:pos x="connsiteX29" y="connsiteY29"/>
+                </a:cxn>
+                <a:cxn ang="0">
+                  <a:pos x="connsiteX30" y="connsiteY30"/>
+                </a:cxn>
+                <a:cxn ang="0">
+                  <a:pos x="connsiteX31" y="connsiteY31"/>
+                </a:cxn>
+                <a:cxn ang="0">
+                  <a:pos x="connsiteX32" y="connsiteY32"/>
+                </a:cxn>
+                <a:cxn ang="0">
+                  <a:pos x="connsiteX33" y="connsiteY33"/>
+                </a:cxn>
+                <a:cxn ang="0">
+                  <a:pos x="connsiteX34" y="connsiteY34"/>
+                </a:cxn>
+              </a:cxnLst>
+              <a:rect l="l" t="t" r="r" b="b"/>
+              <a:pathLst>
+                <a:path w="685800" h="853439">
+                  <a:moveTo>
+                    <a:pt x="400050" y="796290"/>
+                  </a:moveTo>
+                  <a:lnTo>
+                    <a:pt x="285750" y="796290"/>
+                  </a:lnTo>
+                  <a:lnTo>
+                    <a:pt x="285750" y="664845"/>
+                  </a:lnTo>
+                  <a:cubicBezTo>
+                    <a:pt x="285750" y="633413"/>
+                    <a:pt x="311468" y="607695"/>
+                    <a:pt x="342900" y="607695"/>
+                  </a:cubicBezTo>
+                  <a:cubicBezTo>
+                    <a:pt x="374333" y="607695"/>
+                    <a:pt x="400050" y="633413"/>
+                    <a:pt x="400050" y="664845"/>
+                  </a:cubicBezTo>
+                  <a:lnTo>
+                    <a:pt x="400050" y="796290"/>
+                  </a:lnTo>
+                  <a:close/>
+                  <a:moveTo>
+                    <a:pt x="342900" y="291465"/>
+                  </a:moveTo>
+                  <a:cubicBezTo>
+                    <a:pt x="369570" y="291465"/>
+                    <a:pt x="390525" y="312420"/>
+                    <a:pt x="390525" y="339090"/>
+                  </a:cubicBezTo>
+                  <a:cubicBezTo>
+                    <a:pt x="390525" y="365760"/>
+                    <a:pt x="369570" y="386715"/>
+                    <a:pt x="342900" y="386715"/>
+                  </a:cubicBezTo>
+                  <a:cubicBezTo>
+                    <a:pt x="316230" y="386715"/>
+                    <a:pt x="295275" y="365760"/>
+                    <a:pt x="295275" y="339090"/>
+                  </a:cubicBezTo>
+                  <a:cubicBezTo>
+                    <a:pt x="295275" y="312420"/>
+                    <a:pt x="316230" y="291465"/>
+                    <a:pt x="342900" y="291465"/>
+                  </a:cubicBezTo>
+                  <a:close/>
+                  <a:moveTo>
+                    <a:pt x="480060" y="255270"/>
+                  </a:moveTo>
+                  <a:lnTo>
+                    <a:pt x="685800" y="81915"/>
+                  </a:lnTo>
+                  <a:lnTo>
+                    <a:pt x="603885" y="0"/>
+                  </a:lnTo>
+                  <a:lnTo>
+                    <a:pt x="449580" y="182880"/>
+                  </a:lnTo>
+                  <a:lnTo>
+                    <a:pt x="342900" y="53340"/>
+                  </a:lnTo>
+                  <a:lnTo>
+                    <a:pt x="236220" y="182880"/>
+                  </a:lnTo>
+                  <a:lnTo>
+                    <a:pt x="81915" y="0"/>
+                  </a:lnTo>
+                  <a:lnTo>
+                    <a:pt x="0" y="81915"/>
+                  </a:lnTo>
+                  <a:lnTo>
+                    <a:pt x="205740" y="255270"/>
+                  </a:lnTo>
+                  <a:lnTo>
+                    <a:pt x="187643" y="441008"/>
+                  </a:lnTo>
+                  <a:lnTo>
+                    <a:pt x="0" y="600075"/>
+                  </a:lnTo>
+                  <a:lnTo>
+                    <a:pt x="81915" y="681990"/>
+                  </a:lnTo>
+                  <a:lnTo>
+                    <a:pt x="174308" y="572453"/>
+                  </a:lnTo>
+                  <a:lnTo>
+                    <a:pt x="152400" y="796290"/>
+                  </a:lnTo>
+                  <a:lnTo>
+                    <a:pt x="114300" y="796290"/>
+                  </a:lnTo>
+                  <a:lnTo>
+                    <a:pt x="114300" y="853440"/>
+                  </a:lnTo>
+                  <a:lnTo>
+                    <a:pt x="571500" y="853440"/>
+                  </a:lnTo>
+                  <a:lnTo>
+                    <a:pt x="571500" y="796290"/>
+                  </a:lnTo>
+                  <a:lnTo>
+                    <a:pt x="533400" y="796290"/>
+                  </a:lnTo>
+                  <a:lnTo>
+                    <a:pt x="511492" y="572453"/>
+                  </a:lnTo>
+                  <a:lnTo>
+                    <a:pt x="603885" y="681990"/>
+                  </a:lnTo>
+                  <a:lnTo>
+                    <a:pt x="685800" y="600075"/>
+                  </a:lnTo>
+                  <a:lnTo>
+                    <a:pt x="498158" y="441960"/>
+                  </a:lnTo>
+                  <a:lnTo>
+                    <a:pt x="480060" y="255270"/>
+                  </a:lnTo>
+                  <a:close/>
+                </a:path>
+              </a:pathLst>
+            </a:custGeom>
+            <a:solidFill>
+              <a:schemeClr val="bg1">
+                <a:lumMod val="95000"/>
+              </a:schemeClr>
+            </a:solidFill>
+            <a:ln w="9525" cap="flat">
+              <a:noFill/>
+              <a:prstDash val="solid"/>
+              <a:miter/>
+            </a:ln>
           </p:spPr>
-        </p:pic>
+          <p:txBody>
+            <a:bodyPr rtlCol="0" anchor="ctr"/>
+            <a:lstStyle/>
+            <a:p>
+              <a:endParaRPr lang="en-NL" sz="1300" dirty="0">
+                <a:latin typeface="Rubik" pitchFamily="2" charset="-79"/>
+                <a:cs typeface="Rubik" pitchFamily="2" charset="-79"/>
+              </a:endParaRPr>
+            </a:p>
+          </p:txBody>
+        </p:sp>
       </p:grpSp>
       <p:grpSp>
         <p:nvGrpSpPr>
@@ -19889,7 +23908,7 @@
         </p:nvGrpSpPr>
         <p:grpSpPr>
           <a:xfrm>
-            <a:off x="2073000" y="1989000"/>
+            <a:off x="633000" y="4869000"/>
             <a:ext cx="1440000" cy="1440000"/>
             <a:chOff x="2073000" y="1989000"/>
             <a:chExt cx="1440000" cy="1440000"/>
@@ -19941,27 +23960,52 @@
             <a:lstStyle/>
             <a:p>
               <a:pPr algn="ctr"/>
-              <a:endParaRPr lang="en-GB" sz="1600" b="1" dirty="0"/>
+              <a:endParaRPr lang="en-GB" sz="1300" b="1" dirty="0">
+                <a:latin typeface="Rubik" pitchFamily="2" charset="-79"/>
+                <a:cs typeface="Rubik" pitchFamily="2" charset="-79"/>
+              </a:endParaRPr>
             </a:p>
             <a:p>
               <a:pPr algn="ctr"/>
-              <a:endParaRPr lang="en-GB" sz="1600" b="1" dirty="0"/>
+              <a:endParaRPr lang="en-GB" sz="1300" b="1" dirty="0">
+                <a:latin typeface="Rubik" pitchFamily="2" charset="-79"/>
+                <a:cs typeface="Rubik" pitchFamily="2" charset="-79"/>
+              </a:endParaRPr>
             </a:p>
             <a:p>
               <a:pPr algn="ctr"/>
-              <a:endParaRPr lang="en-GB" sz="1600" b="1" dirty="0"/>
+              <a:endParaRPr lang="en-GB" sz="1300" b="1" dirty="0">
+                <a:latin typeface="Rubik" pitchFamily="2" charset="-79"/>
+                <a:cs typeface="Rubik" pitchFamily="2" charset="-79"/>
+              </a:endParaRPr>
             </a:p>
             <a:p>
               <a:pPr algn="ctr"/>
-              <a:endParaRPr lang="en-GB" sz="1600" b="1" dirty="0"/>
+              <a:endParaRPr lang="en-GB" sz="1300" b="1" dirty="0">
+                <a:latin typeface="Rubik" pitchFamily="2" charset="-79"/>
+                <a:cs typeface="Rubik" pitchFamily="2" charset="-79"/>
+              </a:endParaRPr>
+            </a:p>
+            <a:p>
+              <a:pPr algn="ctr"/>
+              <a:endParaRPr lang="en-GB" sz="1300" b="1" dirty="0">
+                <a:latin typeface="Rubik" pitchFamily="2" charset="-79"/>
+                <a:cs typeface="Rubik" pitchFamily="2" charset="-79"/>
+              </a:endParaRPr>
             </a:p>
             <a:p>
               <a:pPr algn="ctr"/>
               <a:r>
-                <a:rPr lang="en-GB" sz="1600" b="1" dirty="0"/>
-                <a:t>Tree</a:t>
+                <a:rPr lang="en-GB" sz="1300" b="1" dirty="0">
+                  <a:latin typeface="Rubik" pitchFamily="2" charset="-79"/>
+                  <a:cs typeface="Rubik" pitchFamily="2" charset="-79"/>
+                </a:rPr>
+                <a:t>TREE</a:t>
               </a:r>
-              <a:endParaRPr lang="en-NL" sz="1600" b="1" dirty="0"/>
+              <a:endParaRPr lang="en-NL" sz="1300" b="1" dirty="0">
+                <a:latin typeface="Rubik" pitchFamily="2" charset="-79"/>
+                <a:cs typeface="Rubik" pitchFamily="2" charset="-79"/>
+              </a:endParaRPr>
             </a:p>
           </p:txBody>
         </p:sp>
@@ -19980,173 +24024,10 @@
             <p:nvPr/>
           </p:nvPicPr>
           <p:blipFill>
-            <a:blip r:embed="rId9">
+            <a:blip r:embed="rId7">
               <a:extLst>
                 <a:ext uri="{96DAC541-7B7A-43D3-8B79-37D633B846F1}">
-                  <asvg:svgBlip xmlns:asvg="http://schemas.microsoft.com/office/drawing/2016/SVG/main" r:embed="rId10"/>
-                </a:ext>
-              </a:extLst>
-            </a:blip>
-            <a:stretch>
-              <a:fillRect/>
-            </a:stretch>
-          </p:blipFill>
-          <p:spPr>
-            <a:xfrm>
-              <a:off x="2341912" y="2107800"/>
-              <a:ext cx="914400" cy="914400"/>
-            </a:xfrm>
-            <a:prstGeom prst="rect">
-              <a:avLst/>
-            </a:prstGeom>
-          </p:spPr>
-        </p:pic>
-      </p:grpSp>
-      <p:pic>
-        <p:nvPicPr>
-          <p:cNvPr id="17" name="Graphic 16" descr="Electric Tower with solid fill">
-            <a:extLst>
-              <a:ext uri="{FF2B5EF4-FFF2-40B4-BE49-F238E27FC236}">
-                <a16:creationId xmlns:a16="http://schemas.microsoft.com/office/drawing/2014/main" id="{75B6EE98-B2D9-AC60-27B9-FEAF0A39C957}"/>
-              </a:ext>
-            </a:extLst>
-          </p:cNvPr>
-          <p:cNvPicPr>
-            <a:picLocks noChangeAspect="1"/>
-          </p:cNvPicPr>
-          <p:nvPr/>
-        </p:nvPicPr>
-        <p:blipFill>
-          <a:blip r:embed="rId11">
-            <a:extLst>
-              <a:ext uri="{96DAC541-7B7A-43D3-8B79-37D633B846F1}">
-                <asvg:svgBlip xmlns:asvg="http://schemas.microsoft.com/office/drawing/2016/SVG/main" r:embed="rId12"/>
-              </a:ext>
-            </a:extLst>
-          </a:blip>
-          <a:stretch>
-            <a:fillRect/>
-          </a:stretch>
-        </p:blipFill>
-        <p:spPr>
-          <a:xfrm>
-            <a:off x="2505000" y="3907800"/>
-            <a:ext cx="914400" cy="914400"/>
-          </a:xfrm>
-          <a:prstGeom prst="rect">
-            <a:avLst/>
-          </a:prstGeom>
-        </p:spPr>
-      </p:pic>
-      <p:grpSp>
-        <p:nvGrpSpPr>
-          <p:cNvPr id="19" name="Group 18">
-            <a:extLst>
-              <a:ext uri="{FF2B5EF4-FFF2-40B4-BE49-F238E27FC236}">
-                <a16:creationId xmlns:a16="http://schemas.microsoft.com/office/drawing/2014/main" id="{8378A01E-2189-0A29-B6AC-CE31025AA6ED}"/>
-              </a:ext>
-            </a:extLst>
-          </p:cNvPr>
-          <p:cNvGrpSpPr/>
-          <p:nvPr/>
-        </p:nvGrpSpPr>
-        <p:grpSpPr>
-          <a:xfrm>
-            <a:off x="3513000" y="1989000"/>
-            <a:ext cx="1440000" cy="1440000"/>
-            <a:chOff x="2073000" y="1989000"/>
-            <a:chExt cx="1440000" cy="1440000"/>
-          </a:xfrm>
-        </p:grpSpPr>
-        <p:sp>
-          <p:nvSpPr>
-            <p:cNvPr id="20" name="Rectangle 19">
-              <a:extLst>
-                <a:ext uri="{FF2B5EF4-FFF2-40B4-BE49-F238E27FC236}">
-                  <a16:creationId xmlns:a16="http://schemas.microsoft.com/office/drawing/2014/main" id="{157A5608-26FF-51A2-5BF5-DCCF7DF472F9}"/>
-                </a:ext>
-              </a:extLst>
-            </p:cNvPr>
-            <p:cNvSpPr/>
-            <p:nvPr/>
-          </p:nvSpPr>
-          <p:spPr>
-            <a:xfrm>
-              <a:off x="2073000" y="1989000"/>
-              <a:ext cx="1440000" cy="1440000"/>
-            </a:xfrm>
-            <a:prstGeom prst="rect">
-              <a:avLst/>
-            </a:prstGeom>
-            <a:noFill/>
-            <a:ln>
-              <a:noFill/>
-            </a:ln>
-          </p:spPr>
-          <p:style>
-            <a:lnRef idx="2">
-              <a:schemeClr val="accent1">
-                <a:shade val="15000"/>
-              </a:schemeClr>
-            </a:lnRef>
-            <a:fillRef idx="1">
-              <a:schemeClr val="accent1"/>
-            </a:fillRef>
-            <a:effectRef idx="0">
-              <a:schemeClr val="accent1"/>
-            </a:effectRef>
-            <a:fontRef idx="minor">
-              <a:schemeClr val="lt1"/>
-            </a:fontRef>
-          </p:style>
-          <p:txBody>
-            <a:bodyPr rtlCol="0" anchor="ctr"/>
-            <a:lstStyle/>
-            <a:p>
-              <a:pPr algn="ctr"/>
-              <a:endParaRPr lang="en-GB" sz="1600" b="1" dirty="0"/>
-            </a:p>
-            <a:p>
-              <a:pPr algn="ctr"/>
-              <a:endParaRPr lang="en-GB" sz="1600" b="1" dirty="0"/>
-            </a:p>
-            <a:p>
-              <a:pPr algn="ctr"/>
-              <a:endParaRPr lang="en-GB" sz="1600" b="1" dirty="0"/>
-            </a:p>
-            <a:p>
-              <a:pPr algn="ctr"/>
-              <a:endParaRPr lang="en-GB" sz="1600" b="1" dirty="0"/>
-            </a:p>
-            <a:p>
-              <a:pPr algn="ctr"/>
-              <a:r>
-                <a:rPr lang="en-GB" sz="1600" b="1" dirty="0"/>
-                <a:t>Tree</a:t>
-              </a:r>
-              <a:endParaRPr lang="en-NL" sz="1600" b="1" dirty="0"/>
-            </a:p>
-          </p:txBody>
-        </p:sp>
-        <p:pic>
-          <p:nvPicPr>
-            <p:cNvPr id="21" name="Graphic 20" descr="Deciduous tree with solid fill">
-              <a:extLst>
-                <a:ext uri="{FF2B5EF4-FFF2-40B4-BE49-F238E27FC236}">
-                  <a16:creationId xmlns:a16="http://schemas.microsoft.com/office/drawing/2014/main" id="{DE3A1A95-51F8-CA26-B6F9-A8E14C62589A}"/>
-                </a:ext>
-              </a:extLst>
-            </p:cNvPr>
-            <p:cNvPicPr>
-              <a:picLocks noChangeAspect="1"/>
-            </p:cNvPicPr>
-            <p:nvPr/>
-          </p:nvPicPr>
-          <p:blipFill>
-            <a:blip r:embed="rId9">
-              <a:extLst>
-                <a:ext uri="{96DAC541-7B7A-43D3-8B79-37D633B846F1}">
-                  <asvg:svgBlip xmlns:asvg="http://schemas.microsoft.com/office/drawing/2016/SVG/main" r:embed="rId10"/>
+                  <asvg:svgBlip xmlns:asvg="http://schemas.microsoft.com/office/drawing/2016/SVG/main" r:embed="rId8"/>
                 </a:ext>
               </a:extLst>
             </a:blip>
